--- a/presentation.pptx
+++ b/presentation.pptx
@@ -330,7 +330,7 @@
             <a:pPr indent="0" algn="r">
               <a:buNone/>
             </a:pPr>
-            <a:fld id="{7001B822-378C-4D72-BC3B-CD1DCD99F0AA}" type="slidenum">
+            <a:fld id="{971245E3-395E-4B49-A6DF-54F943D13FED}" type="slidenum">
               <a:rPr b="0" lang="en-US" sz="1400" spc="-1" strike="noStrike">
                 <a:latin typeface="Times New Roman"/>
               </a:rPr>
@@ -378,7 +378,7 @@
         <p:spPr>
           <a:xfrm>
             <a:off x="182520" y="539640"/>
-            <a:ext cx="6526800" cy="4520160"/>
+            <a:ext cx="6526080" cy="4519440"/>
           </a:xfrm>
           <a:prstGeom prst="rect">
             <a:avLst/>
@@ -401,7 +401,7 @@
         <p:spPr>
           <a:xfrm>
             <a:off x="679680" y="5376960"/>
-            <a:ext cx="5437080" cy="3804120"/>
+            <a:ext cx="5436360" cy="3803400"/>
           </a:xfrm>
           <a:prstGeom prst="rect">
             <a:avLst/>
@@ -438,7 +438,7 @@
         <p:spPr>
           <a:xfrm>
             <a:off x="3884760" y="8685360"/>
-            <a:ext cx="2970720" cy="457560"/>
+            <a:ext cx="2970000" cy="456840"/>
           </a:xfrm>
           <a:prstGeom prst="rect">
             <a:avLst/>
@@ -480,7 +480,7 @@
                 <a:tab algn="l" pos="0"/>
               </a:tabLst>
             </a:pPr>
-            <a:fld id="{5E509D59-5220-4C27-BEBA-E5863DA0CA04}" type="slidenum">
+            <a:fld id="{0515004B-0584-42C8-BB67-BB5077038381}" type="slidenum">
               <a:rPr b="0" lang="en-US" sz="1300" spc="-1" strike="noStrike">
                 <a:solidFill>
                   <a:srgbClr val="000000"/>
@@ -7202,7 +7202,7 @@
         <p:spPr>
           <a:xfrm>
             <a:off x="0" y="0"/>
-            <a:ext cx="9901800" cy="6856920"/>
+            <a:ext cx="9901080" cy="6856200"/>
           </a:xfrm>
           <a:prstGeom prst="rect">
             <a:avLst/>
@@ -7221,15 +7221,15 @@
         <p:spPr>
           <a:xfrm>
             <a:off x="449640" y="450000"/>
-            <a:ext cx="1280880" cy="196920"/>
+            <a:ext cx="1280160" cy="196200"/>
           </a:xfrm>
           <a:custGeom>
             <a:avLst/>
             <a:gdLst>
-              <a:gd name="textAreaLeft" fmla="*/ 0 w 1280880"/>
-              <a:gd name="textAreaRight" fmla="*/ 1281960 w 1280880"/>
-              <a:gd name="textAreaTop" fmla="*/ 0 h 196920"/>
-              <a:gd name="textAreaBottom" fmla="*/ 198000 h 196920"/>
+              <a:gd name="textAreaLeft" fmla="*/ 0 w 1280160"/>
+              <a:gd name="textAreaRight" fmla="*/ 1281960 w 1280160"/>
+              <a:gd name="textAreaTop" fmla="*/ 0 h 196200"/>
+              <a:gd name="textAreaBottom" fmla="*/ 198000 h 196200"/>
             </a:gdLst>
             <a:ahLst/>
             <a:rect l="textAreaLeft" t="textAreaTop" r="textAreaRight" b="textAreaBottom"/>
@@ -7831,7 +7831,7 @@
         <p:spPr>
           <a:xfrm>
             <a:off x="4265640" y="6141240"/>
-            <a:ext cx="1370520" cy="448920"/>
+            <a:ext cx="1369800" cy="448200"/>
           </a:xfrm>
           <a:prstGeom prst="rect">
             <a:avLst/>
@@ -8124,7 +8124,7 @@
         <p:spPr>
           <a:xfrm>
             <a:off x="0" y="0"/>
-            <a:ext cx="9901800" cy="6856920"/>
+            <a:ext cx="9901080" cy="6856200"/>
           </a:xfrm>
           <a:prstGeom prst="rect">
             <a:avLst/>
@@ -8143,15 +8143,15 @@
         <p:spPr>
           <a:xfrm>
             <a:off x="449640" y="450000"/>
-            <a:ext cx="1280880" cy="196920"/>
+            <a:ext cx="1280160" cy="196200"/>
           </a:xfrm>
           <a:custGeom>
             <a:avLst/>
             <a:gdLst>
-              <a:gd name="textAreaLeft" fmla="*/ 0 w 1280880"/>
-              <a:gd name="textAreaRight" fmla="*/ 1281960 w 1280880"/>
-              <a:gd name="textAreaTop" fmla="*/ 0 h 196920"/>
-              <a:gd name="textAreaBottom" fmla="*/ 198000 h 196920"/>
+              <a:gd name="textAreaLeft" fmla="*/ 0 w 1280160"/>
+              <a:gd name="textAreaRight" fmla="*/ 1281960 w 1280160"/>
+              <a:gd name="textAreaTop" fmla="*/ 0 h 196200"/>
+              <a:gd name="textAreaBottom" fmla="*/ 198000 h 196200"/>
             </a:gdLst>
             <a:ahLst/>
             <a:rect l="textAreaLeft" t="textAreaTop" r="textAreaRight" b="textAreaBottom"/>
@@ -8753,7 +8753,7 @@
         <p:spPr>
           <a:xfrm>
             <a:off x="4265640" y="6141240"/>
-            <a:ext cx="1370520" cy="448920"/>
+            <a:ext cx="1369800" cy="448200"/>
           </a:xfrm>
           <a:prstGeom prst="rect">
             <a:avLst/>
@@ -9046,7 +9046,7 @@
         <p:spPr>
           <a:xfrm>
             <a:off x="0" y="0"/>
-            <a:ext cx="9901800" cy="6856920"/>
+            <a:ext cx="9901080" cy="6856200"/>
           </a:xfrm>
           <a:prstGeom prst="rect">
             <a:avLst/>
@@ -9065,7 +9065,7 @@
         <p:spPr>
           <a:xfrm>
             <a:off x="449280" y="6424920"/>
-            <a:ext cx="9001800" cy="1080"/>
+            <a:ext cx="9002520" cy="1800"/>
           </a:xfrm>
           <a:prstGeom prst="straightConnector1">
             <a:avLst/>
@@ -9087,7 +9087,7 @@
         <p:spPr>
           <a:xfrm>
             <a:off x="8836200" y="6498000"/>
-            <a:ext cx="612720" cy="137160"/>
+            <a:ext cx="612000" cy="136440"/>
           </a:xfrm>
           <a:prstGeom prst="rect">
             <a:avLst/>
@@ -9116,7 +9116,7 @@
                 <a:tab algn="l" pos="0"/>
               </a:tabLst>
             </a:pPr>
-            <a:fld id="{D61091F5-9258-47B7-9264-E738CFD67B8E}" type="slidenum">
+            <a:fld id="{5AADBC19-CBA3-4C5C-A942-C278D9504724}" type="slidenum">
               <a:rPr b="0" lang="en-US" sz="900" spc="-1" strike="noStrike">
                 <a:solidFill>
                   <a:srgbClr val="7f7f7f"/>
@@ -9141,7 +9141,7 @@
         <p:spPr>
           <a:xfrm>
             <a:off x="449640" y="6498000"/>
-            <a:ext cx="2887560" cy="167040"/>
+            <a:ext cx="2886840" cy="167040"/>
           </a:xfrm>
           <a:prstGeom prst="rect">
             <a:avLst/>
@@ -9469,7 +9469,7 @@
         <p:spPr>
           <a:xfrm>
             <a:off x="0" y="4320"/>
-            <a:ext cx="9898560" cy="6852600"/>
+            <a:ext cx="9897840" cy="6851880"/>
           </a:xfrm>
           <a:prstGeom prst="rect">
             <a:avLst/>
@@ -9488,7 +9488,7 @@
         <p:spPr>
           <a:xfrm>
             <a:off x="0" y="0"/>
-            <a:ext cx="9898560" cy="6856920"/>
+            <a:ext cx="9897840" cy="6856200"/>
           </a:xfrm>
           <a:prstGeom prst="rect">
             <a:avLst/>
@@ -9518,7 +9518,7 @@
         <p:spPr>
           <a:xfrm>
             <a:off x="449640" y="5677200"/>
-            <a:ext cx="8999640" cy="875520"/>
+            <a:ext cx="8998920" cy="875520"/>
           </a:xfrm>
           <a:prstGeom prst="rect">
             <a:avLst/>
@@ -9661,7 +9661,7 @@
         <p:spPr>
           <a:xfrm>
             <a:off x="3711960" y="3022920"/>
-            <a:ext cx="2475000" cy="811080"/>
+            <a:ext cx="2474280" cy="810360"/>
           </a:xfrm>
           <a:prstGeom prst="rect">
             <a:avLst/>
@@ -9680,15 +9680,15 @@
         <p:spPr>
           <a:xfrm>
             <a:off x="449640" y="450000"/>
-            <a:ext cx="1289520" cy="196920"/>
+            <a:ext cx="1288800" cy="196200"/>
           </a:xfrm>
           <a:custGeom>
             <a:avLst/>
             <a:gdLst>
-              <a:gd name="textAreaLeft" fmla="*/ 0 w 1289520"/>
-              <a:gd name="textAreaRight" fmla="*/ 1290600 w 1289520"/>
-              <a:gd name="textAreaTop" fmla="*/ 0 h 196920"/>
-              <a:gd name="textAreaBottom" fmla="*/ 198000 h 196920"/>
+              <a:gd name="textAreaLeft" fmla="*/ 0 w 1288800"/>
+              <a:gd name="textAreaRight" fmla="*/ 1290600 w 1288800"/>
+              <a:gd name="textAreaTop" fmla="*/ 0 h 196200"/>
+              <a:gd name="textAreaBottom" fmla="*/ 198000 h 196200"/>
             </a:gdLst>
             <a:ahLst/>
             <a:rect l="textAreaLeft" t="textAreaTop" r="textAreaRight" b="textAreaBottom"/>
@@ -10549,7 +10549,7 @@
         <p:spPr>
           <a:xfrm>
             <a:off x="719640" y="1710720"/>
-            <a:ext cx="8363160" cy="2193120"/>
+            <a:ext cx="8362440" cy="2193120"/>
           </a:xfrm>
           <a:prstGeom prst="rect">
             <a:avLst/>
@@ -10649,9 +10649,9 @@
         <p:grpSpPr>
           <a:xfrm>
             <a:off x="724320" y="4319640"/>
-            <a:ext cx="6094800" cy="366840"/>
+            <a:ext cx="6094080" cy="366120"/>
             <a:chOff x="724320" y="4319640"/>
-            <a:chExt cx="6094800" cy="366840"/>
+            <a:chExt cx="6094080" cy="366120"/>
           </a:xfrm>
         </p:grpSpPr>
         <p:sp>
@@ -10663,7 +10663,7 @@
           <p:spPr>
             <a:xfrm>
               <a:off x="989640" y="4320720"/>
-              <a:ext cx="5829480" cy="365760"/>
+              <a:ext cx="5828760" cy="365040"/>
             </a:xfrm>
             <a:prstGeom prst="rect">
               <a:avLst/>
@@ -10717,7 +10717,7 @@
           <p:spPr>
             <a:xfrm>
               <a:off x="724320" y="4319640"/>
-              <a:ext cx="52920" cy="358920"/>
+              <a:ext cx="52200" cy="358200"/>
             </a:xfrm>
             <a:prstGeom prst="rect">
               <a:avLst/>
@@ -10770,13 +10770,13 @@
       <p:sp>
         <p:nvSpPr>
           <p:cNvPr id="404" name="PlaceHolder 70"/>
-          <p:cNvSpPr txBox="1"/>
+          <p:cNvSpPr/>
           <p:nvPr/>
         </p:nvSpPr>
         <p:spPr>
           <a:xfrm>
             <a:off x="878760" y="1511640"/>
-            <a:ext cx="8458200" cy="678960"/>
+            <a:ext cx="8457480" cy="678240"/>
           </a:xfrm>
           <a:prstGeom prst="rect">
             <a:avLst/>
@@ -10786,6 +10786,12 @@
             <a:noFill/>
           </a:ln>
         </p:spPr>
+        <p:style>
+          <a:lnRef idx="0"/>
+          <a:fillRef idx="0"/>
+          <a:effectRef idx="0"/>
+          <a:fontRef idx="minor"/>
+        </p:style>
         <p:txBody>
           <a:bodyPr lIns="0" rIns="0" tIns="91440" bIns="91440" anchor="t">
             <a:noAutofit/>
@@ -10821,13 +10827,13 @@
       <p:sp>
         <p:nvSpPr>
           <p:cNvPr id="405" name="PlaceHolder 71"/>
-          <p:cNvSpPr txBox="1"/>
+          <p:cNvSpPr/>
           <p:nvPr/>
         </p:nvSpPr>
         <p:spPr>
           <a:xfrm>
             <a:off x="2228400" y="2495880"/>
-            <a:ext cx="1755360" cy="430920"/>
+            <a:ext cx="1754640" cy="430200"/>
           </a:xfrm>
           <a:prstGeom prst="rect">
             <a:avLst/>
@@ -10837,6 +10843,12 @@
             <a:noFill/>
           </a:ln>
         </p:spPr>
+        <p:style>
+          <a:lnRef idx="0"/>
+          <a:fillRef idx="0"/>
+          <a:effectRef idx="0"/>
+          <a:fontRef idx="minor"/>
+        </p:style>
         <p:txBody>
           <a:bodyPr lIns="0" rIns="0" tIns="91440" bIns="91440" anchor="ctr">
             <a:noAutofit/>
@@ -10853,7 +10865,7 @@
             <a:r>
               <a:rPr b="0" lang="en" sz="1800" spc="-1" strike="noStrike">
                 <a:solidFill>
-                  <a:schemeClr val="dk2"/>
+                  <a:srgbClr val="3465a4"/>
                 </a:solidFill>
                 <a:latin typeface="Manrope"/>
                 <a:ea typeface="Manrope"/>
@@ -10869,13 +10881,13 @@
       <p:sp>
         <p:nvSpPr>
           <p:cNvPr id="406" name="PlaceHolder 72"/>
-          <p:cNvSpPr txBox="1"/>
+          <p:cNvSpPr/>
           <p:nvPr/>
         </p:nvSpPr>
         <p:spPr>
           <a:xfrm>
             <a:off x="2228400" y="2928600"/>
-            <a:ext cx="2111040" cy="659160"/>
+            <a:ext cx="2110320" cy="658440"/>
           </a:xfrm>
           <a:prstGeom prst="rect">
             <a:avLst/>
@@ -10885,6 +10897,12 @@
             <a:noFill/>
           </a:ln>
         </p:spPr>
+        <p:style>
+          <a:lnRef idx="0"/>
+          <a:fillRef idx="0"/>
+          <a:effectRef idx="0"/>
+          <a:fontRef idx="minor"/>
+        </p:style>
         <p:txBody>
           <a:bodyPr lIns="0" rIns="0" tIns="91440" bIns="91440" anchor="t">
             <a:noAutofit/>
@@ -10909,7 +10927,7 @@
               <a:t>Mercury is the closest planet to the Sun</a:t>
             </a:r>
             <a:endParaRPr b="0" lang="en-US" sz="1400" spc="-1" strike="noStrike">
-              <a:latin typeface="Times New Roman"/>
+              <a:latin typeface="Arial"/>
             </a:endParaRPr>
           </a:p>
         </p:txBody>
@@ -10917,13 +10935,13 @@
       <p:sp>
         <p:nvSpPr>
           <p:cNvPr id="407" name="PlaceHolder 73"/>
-          <p:cNvSpPr txBox="1"/>
+          <p:cNvSpPr/>
           <p:nvPr/>
         </p:nvSpPr>
         <p:spPr>
           <a:xfrm>
             <a:off x="6381000" y="5137200"/>
-            <a:ext cx="2089800" cy="431280"/>
+            <a:ext cx="2089080" cy="430560"/>
           </a:xfrm>
           <a:prstGeom prst="rect">
             <a:avLst/>
@@ -10933,6 +10951,12 @@
             <a:noFill/>
           </a:ln>
         </p:spPr>
+        <p:style>
+          <a:lnRef idx="0"/>
+          <a:fillRef idx="0"/>
+          <a:effectRef idx="0"/>
+          <a:fontRef idx="minor"/>
+        </p:style>
         <p:txBody>
           <a:bodyPr lIns="0" rIns="0" tIns="91440" bIns="91440" anchor="ctr">
             <a:noAutofit/>
@@ -10949,7 +10973,7 @@
             <a:r>
               <a:rPr b="0" lang="en" sz="1800" spc="-1" strike="noStrike">
                 <a:solidFill>
-                  <a:schemeClr val="dk2"/>
+                  <a:srgbClr val="3465a4"/>
                 </a:solidFill>
                 <a:latin typeface="Manrope"/>
                 <a:ea typeface="Manrope"/>
@@ -10965,13 +10989,13 @@
       <p:sp>
         <p:nvSpPr>
           <p:cNvPr id="408" name="PlaceHolder 74"/>
-          <p:cNvSpPr txBox="1"/>
+          <p:cNvSpPr/>
           <p:nvPr/>
         </p:nvSpPr>
         <p:spPr>
           <a:xfrm>
             <a:off x="6381000" y="5571000"/>
-            <a:ext cx="2111400" cy="659160"/>
+            <a:ext cx="2110680" cy="658440"/>
           </a:xfrm>
           <a:prstGeom prst="rect">
             <a:avLst/>
@@ -10981,6 +11005,12 @@
             <a:noFill/>
           </a:ln>
         </p:spPr>
+        <p:style>
+          <a:lnRef idx="0"/>
+          <a:fillRef idx="0"/>
+          <a:effectRef idx="0"/>
+          <a:fontRef idx="minor"/>
+        </p:style>
         <p:txBody>
           <a:bodyPr lIns="0" rIns="0" tIns="91440" bIns="91440" anchor="t">
             <a:noAutofit/>
@@ -11005,7 +11035,7 @@
               <a:t>The Moon is Earth’s only natural satellite</a:t>
             </a:r>
             <a:endParaRPr b="0" lang="en-US" sz="1400" spc="-1" strike="noStrike">
-              <a:latin typeface="Times New Roman"/>
+              <a:latin typeface="Arial"/>
             </a:endParaRPr>
           </a:p>
         </p:txBody>
@@ -11013,13 +11043,13 @@
       <p:sp>
         <p:nvSpPr>
           <p:cNvPr id="409" name="PlaceHolder 75"/>
-          <p:cNvSpPr txBox="1"/>
+          <p:cNvSpPr/>
           <p:nvPr/>
         </p:nvSpPr>
         <p:spPr>
           <a:xfrm>
             <a:off x="6381000" y="2495880"/>
-            <a:ext cx="2089800" cy="430920"/>
+            <a:ext cx="2089080" cy="430200"/>
           </a:xfrm>
           <a:prstGeom prst="rect">
             <a:avLst/>
@@ -11029,6 +11059,12 @@
             <a:noFill/>
           </a:ln>
         </p:spPr>
+        <p:style>
+          <a:lnRef idx="0"/>
+          <a:fillRef idx="0"/>
+          <a:effectRef idx="0"/>
+          <a:fontRef idx="minor"/>
+        </p:style>
         <p:txBody>
           <a:bodyPr lIns="0" rIns="0" tIns="91440" bIns="91440" anchor="ctr">
             <a:noAutofit/>
@@ -11045,7 +11081,7 @@
             <a:r>
               <a:rPr b="0" lang="en" sz="1800" spc="-1" strike="noStrike">
                 <a:solidFill>
-                  <a:schemeClr val="dk2"/>
+                  <a:srgbClr val="3465a4"/>
                 </a:solidFill>
                 <a:latin typeface="Manrope"/>
                 <a:ea typeface="Manrope"/>
@@ -11061,13 +11097,13 @@
       <p:sp>
         <p:nvSpPr>
           <p:cNvPr id="410" name="PlaceHolder 76"/>
-          <p:cNvSpPr txBox="1"/>
+          <p:cNvSpPr/>
           <p:nvPr/>
         </p:nvSpPr>
         <p:spPr>
           <a:xfrm>
             <a:off x="6381000" y="2928600"/>
-            <a:ext cx="2111400" cy="659160"/>
+            <a:ext cx="2110680" cy="658440"/>
           </a:xfrm>
           <a:prstGeom prst="rect">
             <a:avLst/>
@@ -11077,6 +11113,12 @@
             <a:noFill/>
           </a:ln>
         </p:spPr>
+        <p:style>
+          <a:lnRef idx="0"/>
+          <a:fillRef idx="0"/>
+          <a:effectRef idx="0"/>
+          <a:fontRef idx="minor"/>
+        </p:style>
         <p:txBody>
           <a:bodyPr lIns="0" rIns="0" tIns="91440" bIns="91440" anchor="t">
             <a:noAutofit/>
@@ -11101,7 +11143,7 @@
               <a:t>Jupiter is the biggest planet of them all</a:t>
             </a:r>
             <a:endParaRPr b="0" lang="en-US" sz="1400" spc="-1" strike="noStrike">
-              <a:latin typeface="Times New Roman"/>
+              <a:latin typeface="Arial"/>
             </a:endParaRPr>
           </a:p>
         </p:txBody>
@@ -11109,13 +11151,13 @@
       <p:sp>
         <p:nvSpPr>
           <p:cNvPr id="411" name="PlaceHolder 77"/>
-          <p:cNvSpPr txBox="1"/>
+          <p:cNvSpPr/>
           <p:nvPr/>
         </p:nvSpPr>
         <p:spPr>
           <a:xfrm>
             <a:off x="2228400" y="3816360"/>
-            <a:ext cx="2127600" cy="431280"/>
+            <a:ext cx="2126880" cy="430560"/>
           </a:xfrm>
           <a:prstGeom prst="rect">
             <a:avLst/>
@@ -11125,6 +11167,12 @@
             <a:noFill/>
           </a:ln>
         </p:spPr>
+        <p:style>
+          <a:lnRef idx="0"/>
+          <a:fillRef idx="0"/>
+          <a:effectRef idx="0"/>
+          <a:fontRef idx="minor"/>
+        </p:style>
         <p:txBody>
           <a:bodyPr lIns="0" rIns="0" tIns="91440" bIns="91440" anchor="ctr">
             <a:noAutofit/>
@@ -11141,7 +11189,7 @@
             <a:r>
               <a:rPr b="0" lang="en" sz="1800" spc="-1" strike="noStrike">
                 <a:solidFill>
-                  <a:schemeClr val="dk2"/>
+                  <a:srgbClr val="3465a4"/>
                 </a:solidFill>
                 <a:latin typeface="Manrope"/>
                 <a:ea typeface="Manrope"/>
@@ -11157,13 +11205,13 @@
       <p:sp>
         <p:nvSpPr>
           <p:cNvPr id="412" name="PlaceHolder 78"/>
-          <p:cNvSpPr txBox="1"/>
+          <p:cNvSpPr/>
           <p:nvPr/>
         </p:nvSpPr>
         <p:spPr>
           <a:xfrm>
             <a:off x="2228400" y="4249800"/>
-            <a:ext cx="2111040" cy="659160"/>
+            <a:ext cx="2110320" cy="658440"/>
           </a:xfrm>
           <a:prstGeom prst="rect">
             <a:avLst/>
@@ -11173,6 +11221,12 @@
             <a:noFill/>
           </a:ln>
         </p:spPr>
+        <p:style>
+          <a:lnRef idx="0"/>
+          <a:fillRef idx="0"/>
+          <a:effectRef idx="0"/>
+          <a:fontRef idx="minor"/>
+        </p:style>
         <p:txBody>
           <a:bodyPr lIns="0" rIns="0" tIns="91440" bIns="91440" anchor="t">
             <a:noAutofit/>
@@ -11197,7 +11251,7 @@
               <a:t>Neptune is the farthest planet from the Sun</a:t>
             </a:r>
             <a:endParaRPr b="0" lang="en-US" sz="1400" spc="-1" strike="noStrike">
-              <a:latin typeface="Times New Roman"/>
+              <a:latin typeface="Arial"/>
             </a:endParaRPr>
           </a:p>
         </p:txBody>
@@ -11205,13 +11259,13 @@
       <p:sp>
         <p:nvSpPr>
           <p:cNvPr id="413" name="PlaceHolder 79"/>
-          <p:cNvSpPr txBox="1"/>
+          <p:cNvSpPr/>
           <p:nvPr/>
         </p:nvSpPr>
         <p:spPr>
           <a:xfrm>
             <a:off x="2228400" y="5137200"/>
-            <a:ext cx="2127960" cy="431280"/>
+            <a:ext cx="2127240" cy="430560"/>
           </a:xfrm>
           <a:prstGeom prst="rect">
             <a:avLst/>
@@ -11221,6 +11275,12 @@
             <a:noFill/>
           </a:ln>
         </p:spPr>
+        <p:style>
+          <a:lnRef idx="0"/>
+          <a:fillRef idx="0"/>
+          <a:effectRef idx="0"/>
+          <a:fontRef idx="minor"/>
+        </p:style>
         <p:txBody>
           <a:bodyPr lIns="0" rIns="0" tIns="91440" bIns="91440" anchor="ctr">
             <a:noAutofit/>
@@ -11237,7 +11297,7 @@
             <a:r>
               <a:rPr b="0" lang="en" sz="1800" spc="-1" strike="noStrike">
                 <a:solidFill>
-                  <a:schemeClr val="dk2"/>
+                  <a:srgbClr val="3465a4"/>
                 </a:solidFill>
                 <a:latin typeface="Manrope"/>
                 <a:ea typeface="Manrope"/>
@@ -11253,13 +11313,13 @@
       <p:sp>
         <p:nvSpPr>
           <p:cNvPr id="414" name="PlaceHolder 80"/>
-          <p:cNvSpPr txBox="1"/>
+          <p:cNvSpPr/>
           <p:nvPr/>
         </p:nvSpPr>
         <p:spPr>
           <a:xfrm>
             <a:off x="2228400" y="5571000"/>
-            <a:ext cx="2111040" cy="659160"/>
+            <a:ext cx="2110320" cy="658440"/>
           </a:xfrm>
           <a:prstGeom prst="rect">
             <a:avLst/>
@@ -11269,6 +11329,12 @@
             <a:noFill/>
           </a:ln>
         </p:spPr>
+        <p:style>
+          <a:lnRef idx="0"/>
+          <a:fillRef idx="0"/>
+          <a:effectRef idx="0"/>
+          <a:fontRef idx="minor"/>
+        </p:style>
         <p:txBody>
           <a:bodyPr lIns="0" rIns="0" tIns="91440" bIns="91440" anchor="t">
             <a:noAutofit/>
@@ -11293,7 +11359,7 @@
               <a:t>Venus is the second planet from the Sun</a:t>
             </a:r>
             <a:endParaRPr b="0" lang="en-US" sz="1400" spc="-1" strike="noStrike">
-              <a:latin typeface="Times New Roman"/>
+              <a:latin typeface="Arial"/>
             </a:endParaRPr>
           </a:p>
         </p:txBody>
@@ -11301,13 +11367,13 @@
       <p:sp>
         <p:nvSpPr>
           <p:cNvPr id="415" name="PlaceHolder 81"/>
-          <p:cNvSpPr txBox="1"/>
+          <p:cNvSpPr/>
           <p:nvPr/>
         </p:nvSpPr>
         <p:spPr>
           <a:xfrm>
             <a:off x="6381000" y="3816360"/>
-            <a:ext cx="2547360" cy="431280"/>
+            <a:ext cx="2546640" cy="430560"/>
           </a:xfrm>
           <a:prstGeom prst="rect">
             <a:avLst/>
@@ -11317,6 +11383,12 @@
             <a:noFill/>
           </a:ln>
         </p:spPr>
+        <p:style>
+          <a:lnRef idx="0"/>
+          <a:fillRef idx="0"/>
+          <a:effectRef idx="0"/>
+          <a:fontRef idx="minor"/>
+        </p:style>
         <p:txBody>
           <a:bodyPr lIns="0" rIns="0" tIns="91440" bIns="91440" anchor="ctr">
             <a:noAutofit/>
@@ -11333,7 +11405,7 @@
             <a:r>
               <a:rPr b="0" lang="en" sz="1800" spc="-1" strike="noStrike">
                 <a:solidFill>
-                  <a:schemeClr val="dk2"/>
+                  <a:srgbClr val="3465a4"/>
                 </a:solidFill>
                 <a:latin typeface="Manrope"/>
                 <a:ea typeface="Manrope"/>
@@ -11349,13 +11421,13 @@
       <p:sp>
         <p:nvSpPr>
           <p:cNvPr id="416" name="PlaceHolder 82"/>
-          <p:cNvSpPr txBox="1"/>
+          <p:cNvSpPr/>
           <p:nvPr/>
         </p:nvSpPr>
         <p:spPr>
           <a:xfrm>
             <a:off x="6381000" y="4249800"/>
-            <a:ext cx="2111400" cy="659160"/>
+            <a:ext cx="2110680" cy="658440"/>
           </a:xfrm>
           <a:prstGeom prst="rect">
             <a:avLst/>
@@ -11365,6 +11437,12 @@
             <a:noFill/>
           </a:ln>
         </p:spPr>
+        <p:style>
+          <a:lnRef idx="0"/>
+          <a:fillRef idx="0"/>
+          <a:effectRef idx="0"/>
+          <a:fontRef idx="minor"/>
+        </p:style>
         <p:txBody>
           <a:bodyPr lIns="0" rIns="0" tIns="91440" bIns="91440" anchor="t">
             <a:noAutofit/>
@@ -11389,7 +11467,7 @@
               <a:t>Earth is the only planet that harbors life</a:t>
             </a:r>
             <a:endParaRPr b="0" lang="en-US" sz="1400" spc="-1" strike="noStrike">
-              <a:latin typeface="Times New Roman"/>
+              <a:latin typeface="Arial"/>
             </a:endParaRPr>
           </a:p>
         </p:txBody>
@@ -11403,13 +11481,13 @@
         <p:spPr>
           <a:xfrm>
             <a:off x="1183680" y="2628720"/>
-            <a:ext cx="795600" cy="862920"/>
+            <a:ext cx="794880" cy="862200"/>
           </a:xfrm>
           <a:prstGeom prst="ellipse">
             <a:avLst/>
           </a:prstGeom>
           <a:solidFill>
-            <a:schemeClr val="dk2"/>
+            <a:srgbClr val="3465a4"/>
           </a:solidFill>
           <a:ln w="0">
             <a:noFill/>
@@ -11431,13 +11509,13 @@
         <p:spPr>
           <a:xfrm>
             <a:off x="1183680" y="3949920"/>
-            <a:ext cx="795600" cy="863280"/>
+            <a:ext cx="794880" cy="862560"/>
           </a:xfrm>
           <a:prstGeom prst="ellipse">
             <a:avLst/>
           </a:prstGeom>
           <a:solidFill>
-            <a:schemeClr val="dk2"/>
+            <a:srgbClr val="3465a4"/>
           </a:solidFill>
           <a:ln w="0">
             <a:noFill/>
@@ -11459,13 +11537,13 @@
         <p:spPr>
           <a:xfrm>
             <a:off x="1183680" y="5271480"/>
-            <a:ext cx="795600" cy="863280"/>
+            <a:ext cx="794880" cy="862560"/>
           </a:xfrm>
           <a:prstGeom prst="ellipse">
             <a:avLst/>
           </a:prstGeom>
           <a:solidFill>
-            <a:schemeClr val="dk2"/>
+            <a:srgbClr val="3465a4"/>
           </a:solidFill>
           <a:ln w="0">
             <a:noFill/>
@@ -11487,13 +11565,13 @@
         <p:spPr>
           <a:xfrm>
             <a:off x="5333400" y="2628720"/>
-            <a:ext cx="795600" cy="862920"/>
+            <a:ext cx="794880" cy="862200"/>
           </a:xfrm>
           <a:prstGeom prst="ellipse">
             <a:avLst/>
           </a:prstGeom>
           <a:solidFill>
-            <a:schemeClr val="dk2"/>
+            <a:srgbClr val="3465a4"/>
           </a:solidFill>
           <a:ln w="0">
             <a:noFill/>
@@ -11515,13 +11593,13 @@
         <p:spPr>
           <a:xfrm>
             <a:off x="5333400" y="3949920"/>
-            <a:ext cx="795600" cy="863280"/>
+            <a:ext cx="794880" cy="862560"/>
           </a:xfrm>
           <a:prstGeom prst="ellipse">
             <a:avLst/>
           </a:prstGeom>
           <a:solidFill>
-            <a:schemeClr val="dk2"/>
+            <a:srgbClr val="3465a4"/>
           </a:solidFill>
           <a:ln w="0">
             <a:noFill/>
@@ -11543,13 +11621,13 @@
         <p:spPr>
           <a:xfrm>
             <a:off x="5333400" y="5271480"/>
-            <a:ext cx="795600" cy="863280"/>
+            <a:ext cx="794880" cy="862560"/>
           </a:xfrm>
           <a:prstGeom prst="ellipse">
             <a:avLst/>
           </a:prstGeom>
           <a:solidFill>
-            <a:schemeClr val="dk2"/>
+            <a:srgbClr val="3465a4"/>
           </a:solidFill>
           <a:ln w="0">
             <a:noFill/>
@@ -11571,9 +11649,9 @@
         <p:grpSpPr>
           <a:xfrm>
             <a:off x="1348200" y="4218840"/>
-            <a:ext cx="457200" cy="353160"/>
+            <a:ext cx="456480" cy="352440"/>
             <a:chOff x="1348200" y="4218840"/>
-            <a:chExt cx="457200" cy="353160"/>
+            <a:chExt cx="456480" cy="352440"/>
           </a:xfrm>
         </p:grpSpPr>
         <p:sp>
@@ -11585,15 +11663,15 @@
           <p:spPr>
             <a:xfrm>
               <a:off x="1555560" y="4450680"/>
-              <a:ext cx="113040" cy="79920"/>
+              <a:ext cx="112320" cy="79200"/>
             </a:xfrm>
             <a:custGeom>
               <a:avLst/>
               <a:gdLst>
-                <a:gd name="textAreaLeft" fmla="*/ 0 w 113040"/>
-                <a:gd name="textAreaRight" fmla="*/ 114840 w 113040"/>
-                <a:gd name="textAreaTop" fmla="*/ 0 h 79920"/>
-                <a:gd name="textAreaBottom" fmla="*/ 81720 h 79920"/>
+                <a:gd name="textAreaLeft" fmla="*/ 0 w 112320"/>
+                <a:gd name="textAreaRight" fmla="*/ 114840 w 112320"/>
+                <a:gd name="textAreaTop" fmla="*/ 0 h 79200"/>
+                <a:gd name="textAreaBottom" fmla="*/ 81720 h 79200"/>
               </a:gdLst>
               <a:ahLst/>
               <a:rect l="textAreaLeft" t="textAreaTop" r="textAreaRight" b="textAreaBottom"/>
@@ -11717,15 +11795,15 @@
           <p:spPr>
             <a:xfrm>
               <a:off x="1580760" y="4336200"/>
-              <a:ext cx="85680" cy="58680"/>
+              <a:ext cx="84960" cy="57960"/>
             </a:xfrm>
             <a:custGeom>
               <a:avLst/>
               <a:gdLst>
-                <a:gd name="textAreaLeft" fmla="*/ 0 w 85680"/>
-                <a:gd name="textAreaRight" fmla="*/ 87480 w 85680"/>
-                <a:gd name="textAreaTop" fmla="*/ 0 h 58680"/>
-                <a:gd name="textAreaBottom" fmla="*/ 60480 h 58680"/>
+                <a:gd name="textAreaLeft" fmla="*/ 0 w 84960"/>
+                <a:gd name="textAreaRight" fmla="*/ 87480 w 84960"/>
+                <a:gd name="textAreaTop" fmla="*/ 0 h 57960"/>
+                <a:gd name="textAreaBottom" fmla="*/ 60480 h 57960"/>
               </a:gdLst>
               <a:ahLst/>
               <a:rect l="textAreaLeft" t="textAreaTop" r="textAreaRight" b="textAreaBottom"/>
@@ -11825,15 +11903,15 @@
           <p:spPr>
             <a:xfrm>
               <a:off x="1479960" y="4375440"/>
-              <a:ext cx="93960" cy="92520"/>
+              <a:ext cx="93240" cy="91800"/>
             </a:xfrm>
             <a:custGeom>
               <a:avLst/>
               <a:gdLst>
-                <a:gd name="textAreaLeft" fmla="*/ 0 w 93960"/>
-                <a:gd name="textAreaRight" fmla="*/ 95760 w 93960"/>
-                <a:gd name="textAreaTop" fmla="*/ 0 h 92520"/>
-                <a:gd name="textAreaBottom" fmla="*/ 94320 h 92520"/>
+                <a:gd name="textAreaLeft" fmla="*/ 0 w 93240"/>
+                <a:gd name="textAreaRight" fmla="*/ 95760 w 93240"/>
+                <a:gd name="textAreaTop" fmla="*/ 0 h 91800"/>
+                <a:gd name="textAreaBottom" fmla="*/ 94320 h 91800"/>
               </a:gdLst>
               <a:ahLst/>
               <a:rect l="textAreaLeft" t="textAreaTop" r="textAreaRight" b="textAreaBottom"/>
@@ -11975,15 +12053,15 @@
           <p:spPr>
             <a:xfrm>
               <a:off x="1511640" y="4399560"/>
-              <a:ext cx="14760" cy="13320"/>
+              <a:ext cx="14040" cy="12600"/>
             </a:xfrm>
             <a:custGeom>
               <a:avLst/>
               <a:gdLst>
-                <a:gd name="textAreaLeft" fmla="*/ 0 w 14760"/>
-                <a:gd name="textAreaRight" fmla="*/ 16560 w 14760"/>
-                <a:gd name="textAreaTop" fmla="*/ 0 h 13320"/>
-                <a:gd name="textAreaBottom" fmla="*/ 15120 h 13320"/>
+                <a:gd name="textAreaLeft" fmla="*/ 0 w 14040"/>
+                <a:gd name="textAreaRight" fmla="*/ 16560 w 14040"/>
+                <a:gd name="textAreaTop" fmla="*/ 0 h 12600"/>
+                <a:gd name="textAreaBottom" fmla="*/ 15120 h 12600"/>
               </a:gdLst>
               <a:ahLst/>
               <a:rect l="textAreaLeft" t="textAreaTop" r="textAreaRight" b="textAreaBottom"/>
@@ -12039,15 +12117,15 @@
           <p:spPr>
             <a:xfrm>
               <a:off x="1348200" y="4218840"/>
-              <a:ext cx="457200" cy="353160"/>
+              <a:ext cx="456480" cy="352440"/>
             </a:xfrm>
             <a:custGeom>
               <a:avLst/>
               <a:gdLst>
-                <a:gd name="textAreaLeft" fmla="*/ 0 w 457200"/>
-                <a:gd name="textAreaRight" fmla="*/ 459000 w 457200"/>
-                <a:gd name="textAreaTop" fmla="*/ 0 h 353160"/>
-                <a:gd name="textAreaBottom" fmla="*/ 354960 h 353160"/>
+                <a:gd name="textAreaLeft" fmla="*/ 0 w 456480"/>
+                <a:gd name="textAreaRight" fmla="*/ 459000 w 456480"/>
+                <a:gd name="textAreaTop" fmla="*/ 0 h 352440"/>
+                <a:gd name="textAreaBottom" fmla="*/ 354960 h 352440"/>
               </a:gdLst>
               <a:ahLst/>
               <a:rect l="textAreaLeft" t="textAreaTop" r="textAreaRight" b="textAreaBottom"/>
@@ -12462,9 +12540,9 @@
         <p:grpSpPr>
           <a:xfrm>
             <a:off x="1395720" y="5482080"/>
-            <a:ext cx="475560" cy="347760"/>
+            <a:ext cx="474840" cy="347040"/>
             <a:chOff x="1395720" y="5482080"/>
-            <a:chExt cx="475560" cy="347760"/>
+            <a:chExt cx="474840" cy="347040"/>
           </a:xfrm>
         </p:grpSpPr>
         <p:sp>
@@ -12476,15 +12554,15 @@
           <p:spPr>
             <a:xfrm>
               <a:off x="1675080" y="5482080"/>
-              <a:ext cx="196200" cy="161280"/>
+              <a:ext cx="195480" cy="160560"/>
             </a:xfrm>
             <a:custGeom>
               <a:avLst/>
               <a:gdLst>
-                <a:gd name="textAreaLeft" fmla="*/ 0 w 196200"/>
-                <a:gd name="textAreaRight" fmla="*/ 198360 w 196200"/>
-                <a:gd name="textAreaTop" fmla="*/ 0 h 161280"/>
-                <a:gd name="textAreaBottom" fmla="*/ 163080 h 161280"/>
+                <a:gd name="textAreaLeft" fmla="*/ 0 w 195480"/>
+                <a:gd name="textAreaRight" fmla="*/ 198360 w 195480"/>
+                <a:gd name="textAreaTop" fmla="*/ 0 h 160560"/>
+                <a:gd name="textAreaBottom" fmla="*/ 163080 h 160560"/>
               </a:gdLst>
               <a:ahLst/>
               <a:rect l="textAreaLeft" t="textAreaTop" r="textAreaRight" b="textAreaBottom"/>
@@ -12657,15 +12735,15 @@
           <p:spPr>
             <a:xfrm>
               <a:off x="1758240" y="5536080"/>
-              <a:ext cx="34920" cy="52560"/>
+              <a:ext cx="34200" cy="51840"/>
             </a:xfrm>
             <a:custGeom>
               <a:avLst/>
               <a:gdLst>
-                <a:gd name="textAreaLeft" fmla="*/ 0 w 34920"/>
-                <a:gd name="textAreaRight" fmla="*/ 37080 w 34920"/>
-                <a:gd name="textAreaTop" fmla="*/ 0 h 52560"/>
-                <a:gd name="textAreaBottom" fmla="*/ 54360 h 52560"/>
+                <a:gd name="textAreaLeft" fmla="*/ 0 w 34200"/>
+                <a:gd name="textAreaRight" fmla="*/ 37080 w 34200"/>
+                <a:gd name="textAreaTop" fmla="*/ 0 h 51840"/>
+                <a:gd name="textAreaBottom" fmla="*/ 54360 h 51840"/>
               </a:gdLst>
               <a:ahLst/>
               <a:rect l="textAreaLeft" t="textAreaTop" r="textAreaRight" b="textAreaBottom"/>
@@ -12754,15 +12832,15 @@
           <p:spPr>
             <a:xfrm>
               <a:off x="1762920" y="5519520"/>
-              <a:ext cx="18000" cy="14400"/>
+              <a:ext cx="17280" cy="13680"/>
             </a:xfrm>
             <a:custGeom>
               <a:avLst/>
               <a:gdLst>
-                <a:gd name="textAreaLeft" fmla="*/ 0 w 18000"/>
-                <a:gd name="textAreaRight" fmla="*/ 20160 w 18000"/>
-                <a:gd name="textAreaTop" fmla="*/ 0 h 14400"/>
-                <a:gd name="textAreaBottom" fmla="*/ 16200 h 14400"/>
+                <a:gd name="textAreaLeft" fmla="*/ 0 w 17280"/>
+                <a:gd name="textAreaRight" fmla="*/ 20160 w 17280"/>
+                <a:gd name="textAreaTop" fmla="*/ 0 h 13680"/>
+                <a:gd name="textAreaBottom" fmla="*/ 16200 h 13680"/>
               </a:gdLst>
               <a:ahLst/>
               <a:rect l="textAreaLeft" t="textAreaTop" r="textAreaRight" b="textAreaBottom"/>
@@ -12818,15 +12896,15 @@
           <p:spPr>
             <a:xfrm>
               <a:off x="1395720" y="5514840"/>
-              <a:ext cx="352080" cy="315000"/>
+              <a:ext cx="351360" cy="314280"/>
             </a:xfrm>
             <a:custGeom>
               <a:avLst/>
               <a:gdLst>
-                <a:gd name="textAreaLeft" fmla="*/ 0 w 352080"/>
-                <a:gd name="textAreaRight" fmla="*/ 354240 w 352080"/>
-                <a:gd name="textAreaTop" fmla="*/ 0 h 315000"/>
-                <a:gd name="textAreaBottom" fmla="*/ 316800 h 315000"/>
+                <a:gd name="textAreaLeft" fmla="*/ 0 w 351360"/>
+                <a:gd name="textAreaRight" fmla="*/ 354240 w 351360"/>
+                <a:gd name="textAreaTop" fmla="*/ 0 h 314280"/>
+                <a:gd name="textAreaBottom" fmla="*/ 316800 h 314280"/>
               </a:gdLst>
               <a:ahLst/>
               <a:rect l="textAreaLeft" t="textAreaTop" r="textAreaRight" b="textAreaBottom"/>
@@ -13538,15 +13616,15 @@
           <p:spPr>
             <a:xfrm>
               <a:off x="1567440" y="5760000"/>
-              <a:ext cx="11160" cy="9720"/>
+              <a:ext cx="10440" cy="9000"/>
             </a:xfrm>
             <a:custGeom>
               <a:avLst/>
               <a:gdLst>
-                <a:gd name="textAreaLeft" fmla="*/ 0 w 11160"/>
-                <a:gd name="textAreaRight" fmla="*/ 13320 w 11160"/>
-                <a:gd name="textAreaTop" fmla="*/ 0 h 9720"/>
-                <a:gd name="textAreaBottom" fmla="*/ 11520 h 9720"/>
+                <a:gd name="textAreaLeft" fmla="*/ 0 w 10440"/>
+                <a:gd name="textAreaRight" fmla="*/ 13320 w 10440"/>
+                <a:gd name="textAreaTop" fmla="*/ 0 h 9000"/>
+                <a:gd name="textAreaBottom" fmla="*/ 11520 h 9000"/>
               </a:gdLst>
               <a:ahLst/>
               <a:rect l="textAreaLeft" t="textAreaTop" r="textAreaRight" b="textAreaBottom"/>
@@ -13608,15 +13686,15 @@
           <p:spPr>
             <a:xfrm>
               <a:off x="1567080" y="5778000"/>
-              <a:ext cx="11160" cy="9720"/>
+              <a:ext cx="10440" cy="9000"/>
             </a:xfrm>
             <a:custGeom>
               <a:avLst/>
               <a:gdLst>
-                <a:gd name="textAreaLeft" fmla="*/ 0 w 11160"/>
-                <a:gd name="textAreaRight" fmla="*/ 13320 w 11160"/>
-                <a:gd name="textAreaTop" fmla="*/ 0 h 9720"/>
-                <a:gd name="textAreaBottom" fmla="*/ 11520 h 9720"/>
+                <a:gd name="textAreaLeft" fmla="*/ 0 w 10440"/>
+                <a:gd name="textAreaRight" fmla="*/ 13320 w 10440"/>
+                <a:gd name="textAreaTop" fmla="*/ 0 h 9000"/>
+                <a:gd name="textAreaBottom" fmla="*/ 11520 h 9000"/>
               </a:gdLst>
               <a:ahLst/>
               <a:rect l="textAreaLeft" t="textAreaTop" r="textAreaRight" b="textAreaBottom"/>
@@ -13678,15 +13756,15 @@
           <p:spPr>
             <a:xfrm>
               <a:off x="1625040" y="5775840"/>
-              <a:ext cx="79560" cy="28800"/>
+              <a:ext cx="78840" cy="28080"/>
             </a:xfrm>
             <a:custGeom>
               <a:avLst/>
               <a:gdLst>
-                <a:gd name="textAreaLeft" fmla="*/ 0 w 79560"/>
-                <a:gd name="textAreaRight" fmla="*/ 81720 w 79560"/>
-                <a:gd name="textAreaTop" fmla="*/ 0 h 28800"/>
-                <a:gd name="textAreaBottom" fmla="*/ 30600 h 28800"/>
+                <a:gd name="textAreaLeft" fmla="*/ 0 w 78840"/>
+                <a:gd name="textAreaRight" fmla="*/ 81720 w 78840"/>
+                <a:gd name="textAreaTop" fmla="*/ 0 h 28080"/>
+                <a:gd name="textAreaBottom" fmla="*/ 30600 h 28080"/>
               </a:gdLst>
               <a:ahLst/>
               <a:rect l="textAreaLeft" t="textAreaTop" r="textAreaRight" b="textAreaBottom"/>
@@ -13784,15 +13862,15 @@
           <p:spPr>
             <a:xfrm>
               <a:off x="1559880" y="5608080"/>
-              <a:ext cx="26280" cy="35280"/>
+              <a:ext cx="25560" cy="34560"/>
             </a:xfrm>
             <a:custGeom>
               <a:avLst/>
               <a:gdLst>
-                <a:gd name="textAreaLeft" fmla="*/ 0 w 26280"/>
-                <a:gd name="textAreaRight" fmla="*/ 28440 w 26280"/>
-                <a:gd name="textAreaTop" fmla="*/ 0 h 35280"/>
-                <a:gd name="textAreaBottom" fmla="*/ 37080 h 35280"/>
+                <a:gd name="textAreaLeft" fmla="*/ 0 w 25560"/>
+                <a:gd name="textAreaRight" fmla="*/ 28440 w 25560"/>
+                <a:gd name="textAreaTop" fmla="*/ 0 h 34560"/>
+                <a:gd name="textAreaBottom" fmla="*/ 37080 h 34560"/>
               </a:gdLst>
               <a:ahLst/>
               <a:rect l="textAreaLeft" t="textAreaTop" r="textAreaRight" b="textAreaBottom"/>
@@ -13866,9 +13944,9 @@
         <p:grpSpPr>
           <a:xfrm>
             <a:off x="1348200" y="2809440"/>
-            <a:ext cx="457200" cy="426960"/>
+            <a:ext cx="456480" cy="426240"/>
             <a:chOff x="1348200" y="2809440"/>
-            <a:chExt cx="457200" cy="426960"/>
+            <a:chExt cx="456480" cy="426240"/>
           </a:xfrm>
         </p:grpSpPr>
         <p:sp>
@@ -13880,15 +13958,15 @@
           <p:spPr>
             <a:xfrm>
               <a:off x="1688760" y="2853000"/>
-              <a:ext cx="64800" cy="10440"/>
+              <a:ext cx="64080" cy="9720"/>
             </a:xfrm>
             <a:custGeom>
               <a:avLst/>
               <a:gdLst>
-                <a:gd name="textAreaLeft" fmla="*/ 0 w 64800"/>
-                <a:gd name="textAreaRight" fmla="*/ 66960 w 64800"/>
-                <a:gd name="textAreaTop" fmla="*/ 0 h 10440"/>
-                <a:gd name="textAreaBottom" fmla="*/ 12240 h 10440"/>
+                <a:gd name="textAreaLeft" fmla="*/ 0 w 64080"/>
+                <a:gd name="textAreaRight" fmla="*/ 66960 w 64080"/>
+                <a:gd name="textAreaTop" fmla="*/ 0 h 9720"/>
+                <a:gd name="textAreaBottom" fmla="*/ 12240 h 9720"/>
               </a:gdLst>
               <a:ahLst/>
               <a:rect l="textAreaLeft" t="textAreaTop" r="textAreaRight" b="textAreaBottom"/>
@@ -13947,15 +14025,15 @@
           <p:spPr>
             <a:xfrm>
               <a:off x="1688760" y="2875680"/>
-              <a:ext cx="64800" cy="11160"/>
+              <a:ext cx="64080" cy="10440"/>
             </a:xfrm>
             <a:custGeom>
               <a:avLst/>
               <a:gdLst>
-                <a:gd name="textAreaLeft" fmla="*/ 0 w 64800"/>
-                <a:gd name="textAreaRight" fmla="*/ 66960 w 64800"/>
-                <a:gd name="textAreaTop" fmla="*/ 0 h 11160"/>
-                <a:gd name="textAreaBottom" fmla="*/ 12960 h 11160"/>
+                <a:gd name="textAreaLeft" fmla="*/ 0 w 64080"/>
+                <a:gd name="textAreaRight" fmla="*/ 66960 w 64080"/>
+                <a:gd name="textAreaTop" fmla="*/ 0 h 10440"/>
+                <a:gd name="textAreaBottom" fmla="*/ 12960 h 10440"/>
               </a:gdLst>
               <a:ahLst/>
               <a:rect l="textAreaLeft" t="textAreaTop" r="textAreaRight" b="textAreaBottom"/>
@@ -14014,15 +14092,15 @@
           <p:spPr>
             <a:xfrm>
               <a:off x="1688760" y="2899440"/>
-              <a:ext cx="64800" cy="10440"/>
+              <a:ext cx="64080" cy="9720"/>
             </a:xfrm>
             <a:custGeom>
               <a:avLst/>
               <a:gdLst>
-                <a:gd name="textAreaLeft" fmla="*/ 0 w 64800"/>
-                <a:gd name="textAreaRight" fmla="*/ 66960 w 64800"/>
-                <a:gd name="textAreaTop" fmla="*/ 0 h 10440"/>
-                <a:gd name="textAreaBottom" fmla="*/ 12240 h 10440"/>
+                <a:gd name="textAreaLeft" fmla="*/ 0 w 64080"/>
+                <a:gd name="textAreaRight" fmla="*/ 66960 w 64080"/>
+                <a:gd name="textAreaTop" fmla="*/ 0 h 9720"/>
+                <a:gd name="textAreaBottom" fmla="*/ 12240 h 9720"/>
               </a:gdLst>
               <a:ahLst/>
               <a:rect l="textAreaLeft" t="textAreaTop" r="textAreaRight" b="textAreaBottom"/>
@@ -14081,15 +14159,15 @@
           <p:spPr>
             <a:xfrm>
               <a:off x="1348200" y="2809440"/>
-              <a:ext cx="457200" cy="426960"/>
+              <a:ext cx="456480" cy="426240"/>
             </a:xfrm>
             <a:custGeom>
               <a:avLst/>
               <a:gdLst>
-                <a:gd name="textAreaLeft" fmla="*/ 0 w 457200"/>
-                <a:gd name="textAreaRight" fmla="*/ 459360 w 457200"/>
-                <a:gd name="textAreaTop" fmla="*/ 0 h 426960"/>
-                <a:gd name="textAreaBottom" fmla="*/ 428760 h 426960"/>
+                <a:gd name="textAreaLeft" fmla="*/ 0 w 456480"/>
+                <a:gd name="textAreaRight" fmla="*/ 459360 w 456480"/>
+                <a:gd name="textAreaTop" fmla="*/ 0 h 426240"/>
+                <a:gd name="textAreaBottom" fmla="*/ 428760 h 426240"/>
               </a:gdLst>
               <a:ahLst/>
               <a:rect l="textAreaLeft" t="textAreaTop" r="textAreaRight" b="textAreaBottom"/>
@@ -14701,15 +14779,15 @@
           <p:spPr>
             <a:xfrm>
               <a:off x="1542960" y="3109320"/>
-              <a:ext cx="87480" cy="27360"/>
+              <a:ext cx="86760" cy="26640"/>
             </a:xfrm>
             <a:custGeom>
               <a:avLst/>
               <a:gdLst>
-                <a:gd name="textAreaLeft" fmla="*/ 0 w 87480"/>
-                <a:gd name="textAreaRight" fmla="*/ 89640 w 87480"/>
-                <a:gd name="textAreaTop" fmla="*/ 0 h 27360"/>
-                <a:gd name="textAreaBottom" fmla="*/ 29160 h 27360"/>
+                <a:gd name="textAreaLeft" fmla="*/ 0 w 86760"/>
+                <a:gd name="textAreaRight" fmla="*/ 89640 w 86760"/>
+                <a:gd name="textAreaTop" fmla="*/ 0 h 26640"/>
+                <a:gd name="textAreaBottom" fmla="*/ 29160 h 26640"/>
               </a:gdLst>
               <a:ahLst/>
               <a:rect l="textAreaLeft" t="textAreaTop" r="textAreaRight" b="textAreaBottom"/>
@@ -14780,9 +14858,9 @@
         <p:grpSpPr>
           <a:xfrm>
             <a:off x="5525280" y="5471280"/>
-            <a:ext cx="457200" cy="426960"/>
+            <a:ext cx="456480" cy="426240"/>
             <a:chOff x="5525280" y="5471280"/>
-            <a:chExt cx="457200" cy="426960"/>
+            <a:chExt cx="456480" cy="426240"/>
           </a:xfrm>
         </p:grpSpPr>
         <p:sp>
@@ -14794,15 +14872,15 @@
           <p:spPr>
             <a:xfrm>
               <a:off x="5761440" y="5608440"/>
-              <a:ext cx="32760" cy="29520"/>
+              <a:ext cx="32040" cy="28800"/>
             </a:xfrm>
             <a:custGeom>
               <a:avLst/>
               <a:gdLst>
-                <a:gd name="textAreaLeft" fmla="*/ 0 w 32760"/>
-                <a:gd name="textAreaRight" fmla="*/ 34560 w 32760"/>
-                <a:gd name="textAreaTop" fmla="*/ 0 h 29520"/>
-                <a:gd name="textAreaBottom" fmla="*/ 31320 h 29520"/>
+                <a:gd name="textAreaLeft" fmla="*/ 0 w 32040"/>
+                <a:gd name="textAreaRight" fmla="*/ 34560 w 32040"/>
+                <a:gd name="textAreaTop" fmla="*/ 0 h 28800"/>
+                <a:gd name="textAreaBottom" fmla="*/ 31320 h 28800"/>
               </a:gdLst>
               <a:ahLst/>
               <a:rect l="textAreaLeft" t="textAreaTop" r="textAreaRight" b="textAreaBottom"/>
@@ -14874,15 +14952,15 @@
           <p:spPr>
             <a:xfrm>
               <a:off x="5802120" y="5646960"/>
-              <a:ext cx="33840" cy="30240"/>
+              <a:ext cx="33120" cy="29520"/>
             </a:xfrm>
             <a:custGeom>
               <a:avLst/>
               <a:gdLst>
-                <a:gd name="textAreaLeft" fmla="*/ 0 w 33840"/>
-                <a:gd name="textAreaRight" fmla="*/ 35640 w 33840"/>
-                <a:gd name="textAreaTop" fmla="*/ 0 h 30240"/>
-                <a:gd name="textAreaBottom" fmla="*/ 32040 h 30240"/>
+                <a:gd name="textAreaLeft" fmla="*/ 0 w 33120"/>
+                <a:gd name="textAreaRight" fmla="*/ 35640 w 33120"/>
+                <a:gd name="textAreaTop" fmla="*/ 0 h 29520"/>
+                <a:gd name="textAreaBottom" fmla="*/ 32040 h 29520"/>
               </a:gdLst>
               <a:ahLst/>
               <a:rect l="textAreaLeft" t="textAreaTop" r="textAreaRight" b="textAreaBottom"/>
@@ -14954,15 +15032,15 @@
           <p:spPr>
             <a:xfrm>
               <a:off x="5801040" y="5513040"/>
-              <a:ext cx="52560" cy="49320"/>
+              <a:ext cx="51840" cy="48600"/>
             </a:xfrm>
             <a:custGeom>
               <a:avLst/>
               <a:gdLst>
-                <a:gd name="textAreaLeft" fmla="*/ 0 w 52560"/>
-                <a:gd name="textAreaRight" fmla="*/ 54360 w 52560"/>
-                <a:gd name="textAreaTop" fmla="*/ 0 h 49320"/>
-                <a:gd name="textAreaBottom" fmla="*/ 51120 h 49320"/>
+                <a:gd name="textAreaLeft" fmla="*/ 0 w 51840"/>
+                <a:gd name="textAreaRight" fmla="*/ 54360 w 51840"/>
+                <a:gd name="textAreaTop" fmla="*/ 0 h 48600"/>
+                <a:gd name="textAreaBottom" fmla="*/ 51120 h 48600"/>
               </a:gdLst>
               <a:ahLst/>
               <a:rect l="textAreaLeft" t="textAreaTop" r="textAreaRight" b="textAreaBottom"/>
@@ -15095,15 +15173,15 @@
           <p:spPr>
             <a:xfrm>
               <a:off x="5759280" y="5549400"/>
-              <a:ext cx="56160" cy="51840"/>
+              <a:ext cx="55440" cy="51120"/>
             </a:xfrm>
             <a:custGeom>
               <a:avLst/>
               <a:gdLst>
-                <a:gd name="textAreaLeft" fmla="*/ 0 w 56160"/>
-                <a:gd name="textAreaRight" fmla="*/ 57960 w 56160"/>
-                <a:gd name="textAreaTop" fmla="*/ 0 h 51840"/>
-                <a:gd name="textAreaBottom" fmla="*/ 53640 h 51840"/>
+                <a:gd name="textAreaLeft" fmla="*/ 0 w 55440"/>
+                <a:gd name="textAreaRight" fmla="*/ 57960 w 55440"/>
+                <a:gd name="textAreaTop" fmla="*/ 0 h 51120"/>
+                <a:gd name="textAreaBottom" fmla="*/ 53640 h 51120"/>
               </a:gdLst>
               <a:ahLst/>
               <a:rect l="textAreaLeft" t="textAreaTop" r="textAreaRight" b="textAreaBottom"/>
@@ -15202,15 +15280,15 @@
           <p:spPr>
             <a:xfrm>
               <a:off x="5796720" y="5549760"/>
-              <a:ext cx="92160" cy="84960"/>
+              <a:ext cx="91440" cy="84240"/>
             </a:xfrm>
             <a:custGeom>
               <a:avLst/>
               <a:gdLst>
-                <a:gd name="textAreaLeft" fmla="*/ 0 w 92160"/>
-                <a:gd name="textAreaRight" fmla="*/ 93960 w 92160"/>
-                <a:gd name="textAreaTop" fmla="*/ 0 h 84960"/>
-                <a:gd name="textAreaBottom" fmla="*/ 86760 h 84960"/>
+                <a:gd name="textAreaLeft" fmla="*/ 0 w 91440"/>
+                <a:gd name="textAreaRight" fmla="*/ 93960 w 91440"/>
+                <a:gd name="textAreaTop" fmla="*/ 0 h 84240"/>
+                <a:gd name="textAreaBottom" fmla="*/ 86760 h 84240"/>
               </a:gdLst>
               <a:ahLst/>
               <a:rect l="textAreaLeft" t="textAreaTop" r="textAreaRight" b="textAreaBottom"/>
@@ -15304,15 +15382,15 @@
           <p:spPr>
             <a:xfrm>
               <a:off x="5862960" y="5611680"/>
-              <a:ext cx="67680" cy="62280"/>
+              <a:ext cx="66960" cy="61560"/>
             </a:xfrm>
             <a:custGeom>
               <a:avLst/>
               <a:gdLst>
-                <a:gd name="textAreaLeft" fmla="*/ 0 w 67680"/>
-                <a:gd name="textAreaRight" fmla="*/ 69480 w 67680"/>
-                <a:gd name="textAreaTop" fmla="*/ 0 h 62280"/>
-                <a:gd name="textAreaBottom" fmla="*/ 64080 h 62280"/>
+                <a:gd name="textAreaLeft" fmla="*/ 0 w 66960"/>
+                <a:gd name="textAreaRight" fmla="*/ 69480 w 66960"/>
+                <a:gd name="textAreaTop" fmla="*/ 0 h 61560"/>
+                <a:gd name="textAreaBottom" fmla="*/ 64080 h 61560"/>
               </a:gdLst>
               <a:ahLst/>
               <a:rect l="textAreaLeft" t="textAreaTop" r="textAreaRight" b="textAreaBottom"/>
@@ -15384,15 +15462,15 @@
           <p:spPr>
             <a:xfrm>
               <a:off x="5564880" y="5628240"/>
-              <a:ext cx="146880" cy="136800"/>
+              <a:ext cx="146160" cy="136080"/>
             </a:xfrm>
             <a:custGeom>
               <a:avLst/>
               <a:gdLst>
-                <a:gd name="textAreaLeft" fmla="*/ 0 w 146880"/>
-                <a:gd name="textAreaRight" fmla="*/ 148680 w 146880"/>
-                <a:gd name="textAreaTop" fmla="*/ 0 h 136800"/>
-                <a:gd name="textAreaBottom" fmla="*/ 138600 h 136800"/>
+                <a:gd name="textAreaLeft" fmla="*/ 0 w 146160"/>
+                <a:gd name="textAreaRight" fmla="*/ 148680 w 146160"/>
+                <a:gd name="textAreaTop" fmla="*/ 0 h 136080"/>
+                <a:gd name="textAreaBottom" fmla="*/ 138600 h 136080"/>
               </a:gdLst>
               <a:ahLst/>
               <a:rect l="textAreaLeft" t="textAreaTop" r="textAreaRight" b="textAreaBottom"/>
@@ -15464,15 +15542,15 @@
           <p:spPr>
             <a:xfrm>
               <a:off x="5581440" y="5711760"/>
-              <a:ext cx="75240" cy="68760"/>
+              <a:ext cx="74520" cy="68040"/>
             </a:xfrm>
             <a:custGeom>
               <a:avLst/>
               <a:gdLst>
-                <a:gd name="textAreaLeft" fmla="*/ 0 w 75240"/>
-                <a:gd name="textAreaRight" fmla="*/ 77040 w 75240"/>
-                <a:gd name="textAreaTop" fmla="*/ 0 h 68760"/>
-                <a:gd name="textAreaBottom" fmla="*/ 70560 h 68760"/>
+                <a:gd name="textAreaLeft" fmla="*/ 0 w 74520"/>
+                <a:gd name="textAreaRight" fmla="*/ 77040 w 74520"/>
+                <a:gd name="textAreaTop" fmla="*/ 0 h 68040"/>
+                <a:gd name="textAreaBottom" fmla="*/ 70560 h 68040"/>
               </a:gdLst>
               <a:ahLst/>
               <a:rect l="textAreaLeft" t="textAreaTop" r="textAreaRight" b="textAreaBottom"/>
@@ -15544,15 +15622,15 @@
           <p:spPr>
             <a:xfrm>
               <a:off x="5668560" y="5724720"/>
-              <a:ext cx="146520" cy="136800"/>
+              <a:ext cx="145800" cy="136080"/>
             </a:xfrm>
             <a:custGeom>
               <a:avLst/>
               <a:gdLst>
-                <a:gd name="textAreaLeft" fmla="*/ 0 w 146520"/>
-                <a:gd name="textAreaRight" fmla="*/ 148320 w 146520"/>
-                <a:gd name="textAreaTop" fmla="*/ 0 h 136800"/>
-                <a:gd name="textAreaBottom" fmla="*/ 138600 h 136800"/>
+                <a:gd name="textAreaLeft" fmla="*/ 0 w 145800"/>
+                <a:gd name="textAreaRight" fmla="*/ 148320 w 145800"/>
+                <a:gd name="textAreaTop" fmla="*/ 0 h 136080"/>
+                <a:gd name="textAreaBottom" fmla="*/ 138600 h 136080"/>
               </a:gdLst>
               <a:ahLst/>
               <a:rect l="textAreaLeft" t="textAreaTop" r="textAreaRight" b="textAreaBottom"/>
@@ -15624,15 +15702,15 @@
           <p:spPr>
             <a:xfrm>
               <a:off x="5652000" y="5777280"/>
-              <a:ext cx="74520" cy="68760"/>
+              <a:ext cx="73800" cy="68040"/>
             </a:xfrm>
             <a:custGeom>
               <a:avLst/>
               <a:gdLst>
-                <a:gd name="textAreaLeft" fmla="*/ 0 w 74520"/>
-                <a:gd name="textAreaRight" fmla="*/ 76320 w 74520"/>
-                <a:gd name="textAreaTop" fmla="*/ 0 h 68760"/>
-                <a:gd name="textAreaBottom" fmla="*/ 70560 h 68760"/>
+                <a:gd name="textAreaLeft" fmla="*/ 0 w 73800"/>
+                <a:gd name="textAreaRight" fmla="*/ 76320 w 73800"/>
+                <a:gd name="textAreaTop" fmla="*/ 0 h 68040"/>
+                <a:gd name="textAreaBottom" fmla="*/ 70560 h 68040"/>
               </a:gdLst>
               <a:ahLst/>
               <a:rect l="textAreaLeft" t="textAreaTop" r="textAreaRight" b="textAreaBottom"/>
@@ -15704,15 +15782,15 @@
           <p:spPr>
             <a:xfrm>
               <a:off x="5639760" y="5760720"/>
-              <a:ext cx="33840" cy="30240"/>
+              <a:ext cx="33120" cy="29520"/>
             </a:xfrm>
             <a:custGeom>
               <a:avLst/>
               <a:gdLst>
-                <a:gd name="textAreaLeft" fmla="*/ 0 w 33840"/>
-                <a:gd name="textAreaRight" fmla="*/ 35640 w 33840"/>
-                <a:gd name="textAreaTop" fmla="*/ 0 h 30240"/>
-                <a:gd name="textAreaBottom" fmla="*/ 32040 h 30240"/>
+                <a:gd name="textAreaLeft" fmla="*/ 0 w 33120"/>
+                <a:gd name="textAreaRight" fmla="*/ 35640 w 33120"/>
+                <a:gd name="textAreaTop" fmla="*/ 0 h 29520"/>
+                <a:gd name="textAreaBottom" fmla="*/ 32040 h 29520"/>
               </a:gdLst>
               <a:ahLst/>
               <a:rect l="textAreaLeft" t="textAreaTop" r="textAreaRight" b="textAreaBottom"/>
@@ -15784,15 +15862,15 @@
           <p:spPr>
             <a:xfrm>
               <a:off x="5679000" y="5682240"/>
-              <a:ext cx="78480" cy="72720"/>
+              <a:ext cx="77760" cy="72000"/>
             </a:xfrm>
             <a:custGeom>
               <a:avLst/>
               <a:gdLst>
-                <a:gd name="textAreaLeft" fmla="*/ 0 w 78480"/>
-                <a:gd name="textAreaRight" fmla="*/ 80280 w 78480"/>
-                <a:gd name="textAreaTop" fmla="*/ 0 h 72720"/>
-                <a:gd name="textAreaBottom" fmla="*/ 74520 h 72720"/>
+                <a:gd name="textAreaLeft" fmla="*/ 0 w 77760"/>
+                <a:gd name="textAreaRight" fmla="*/ 80280 w 77760"/>
+                <a:gd name="textAreaTop" fmla="*/ 0 h 72000"/>
+                <a:gd name="textAreaBottom" fmla="*/ 74520 h 72000"/>
               </a:gdLst>
               <a:ahLst/>
               <a:rect l="textAreaLeft" t="textAreaTop" r="textAreaRight" b="textAreaBottom"/>
@@ -15864,15 +15942,15 @@
           <p:spPr>
             <a:xfrm>
               <a:off x="5827320" y="5578560"/>
-              <a:ext cx="92160" cy="84960"/>
+              <a:ext cx="91440" cy="84240"/>
             </a:xfrm>
             <a:custGeom>
               <a:avLst/>
               <a:gdLst>
-                <a:gd name="textAreaLeft" fmla="*/ 0 w 92160"/>
-                <a:gd name="textAreaRight" fmla="*/ 93960 w 92160"/>
-                <a:gd name="textAreaTop" fmla="*/ 0 h 84960"/>
-                <a:gd name="textAreaBottom" fmla="*/ 86760 h 84960"/>
+                <a:gd name="textAreaLeft" fmla="*/ 0 w 91440"/>
+                <a:gd name="textAreaRight" fmla="*/ 93960 w 91440"/>
+                <a:gd name="textAreaTop" fmla="*/ 0 h 84240"/>
+                <a:gd name="textAreaBottom" fmla="*/ 86760 h 84240"/>
               </a:gdLst>
               <a:ahLst/>
               <a:rect l="textAreaLeft" t="textAreaTop" r="textAreaRight" b="textAreaBottom"/>
@@ -15998,15 +16076,15 @@
           <p:spPr>
             <a:xfrm>
               <a:off x="5606640" y="5651640"/>
-              <a:ext cx="182880" cy="169920"/>
+              <a:ext cx="182160" cy="169200"/>
             </a:xfrm>
             <a:custGeom>
               <a:avLst/>
               <a:gdLst>
-                <a:gd name="textAreaLeft" fmla="*/ 0 w 182880"/>
-                <a:gd name="textAreaRight" fmla="*/ 184680 w 182880"/>
-                <a:gd name="textAreaTop" fmla="*/ 0 h 169920"/>
-                <a:gd name="textAreaBottom" fmla="*/ 171720 h 169920"/>
+                <a:gd name="textAreaLeft" fmla="*/ 0 w 182160"/>
+                <a:gd name="textAreaRight" fmla="*/ 184680 w 182160"/>
+                <a:gd name="textAreaTop" fmla="*/ 0 h 169200"/>
+                <a:gd name="textAreaBottom" fmla="*/ 171720 h 169200"/>
               </a:gdLst>
               <a:ahLst/>
               <a:rect l="textAreaLeft" t="textAreaTop" r="textAreaRight" b="textAreaBottom"/>
@@ -16132,15 +16210,15 @@
           <p:spPr>
             <a:xfrm>
               <a:off x="5525280" y="5471280"/>
-              <a:ext cx="457200" cy="426960"/>
+              <a:ext cx="456480" cy="426240"/>
             </a:xfrm>
             <a:custGeom>
               <a:avLst/>
               <a:gdLst>
-                <a:gd name="textAreaLeft" fmla="*/ 0 w 457200"/>
-                <a:gd name="textAreaRight" fmla="*/ 459000 w 457200"/>
-                <a:gd name="textAreaTop" fmla="*/ 0 h 426960"/>
-                <a:gd name="textAreaBottom" fmla="*/ 428760 h 426960"/>
+                <a:gd name="textAreaLeft" fmla="*/ 0 w 456480"/>
+                <a:gd name="textAreaRight" fmla="*/ 459000 w 456480"/>
+                <a:gd name="textAreaTop" fmla="*/ 0 h 426240"/>
+                <a:gd name="textAreaBottom" fmla="*/ 428760 h 426240"/>
               </a:gdLst>
               <a:ahLst/>
               <a:rect l="textAreaLeft" t="textAreaTop" r="textAreaRight" b="textAreaBottom"/>
@@ -16611,9 +16689,9 @@
         <p:grpSpPr>
           <a:xfrm>
             <a:off x="5499000" y="2862000"/>
-            <a:ext cx="457200" cy="365760"/>
+            <a:ext cx="456480" cy="365040"/>
             <a:chOff x="5499000" y="2862000"/>
-            <a:chExt cx="457200" cy="365760"/>
+            <a:chExt cx="456480" cy="365040"/>
           </a:xfrm>
         </p:grpSpPr>
         <p:sp>
@@ -16625,15 +16703,15 @@
           <p:spPr>
             <a:xfrm>
               <a:off x="5499000" y="2862000"/>
-              <a:ext cx="457200" cy="365760"/>
+              <a:ext cx="456480" cy="365040"/>
             </a:xfrm>
             <a:custGeom>
               <a:avLst/>
               <a:gdLst>
-                <a:gd name="textAreaLeft" fmla="*/ 0 w 457200"/>
-                <a:gd name="textAreaRight" fmla="*/ 459720 w 457200"/>
-                <a:gd name="textAreaTop" fmla="*/ 0 h 365760"/>
-                <a:gd name="textAreaBottom" fmla="*/ 367560 h 365760"/>
+                <a:gd name="textAreaLeft" fmla="*/ 0 w 456480"/>
+                <a:gd name="textAreaRight" fmla="*/ 459720 w 456480"/>
+                <a:gd name="textAreaTop" fmla="*/ 0 h 365040"/>
+                <a:gd name="textAreaBottom" fmla="*/ 367560 h 365040"/>
               </a:gdLst>
               <a:ahLst/>
               <a:rect l="textAreaLeft" t="textAreaTop" r="textAreaRight" b="textAreaBottom"/>
@@ -16880,15 +16958,15 @@
           <p:spPr>
             <a:xfrm>
               <a:off x="5706360" y="2985840"/>
-              <a:ext cx="43560" cy="185400"/>
+              <a:ext cx="42840" cy="184680"/>
             </a:xfrm>
             <a:custGeom>
               <a:avLst/>
               <a:gdLst>
-                <a:gd name="textAreaLeft" fmla="*/ 0 w 43560"/>
-                <a:gd name="textAreaRight" fmla="*/ 46080 w 43560"/>
-                <a:gd name="textAreaTop" fmla="*/ 0 h 185400"/>
-                <a:gd name="textAreaBottom" fmla="*/ 187200 h 185400"/>
+                <a:gd name="textAreaLeft" fmla="*/ 0 w 42840"/>
+                <a:gd name="textAreaRight" fmla="*/ 46080 w 42840"/>
+                <a:gd name="textAreaTop" fmla="*/ 0 h 184680"/>
+                <a:gd name="textAreaBottom" fmla="*/ 187200 h 184680"/>
               </a:gdLst>
               <a:ahLst/>
               <a:rect l="textAreaLeft" t="textAreaTop" r="textAreaRight" b="textAreaBottom"/>
@@ -16985,15 +17063,15 @@
           <p:spPr>
             <a:xfrm>
               <a:off x="5793120" y="2986200"/>
-              <a:ext cx="51120" cy="185400"/>
+              <a:ext cx="50400" cy="184680"/>
             </a:xfrm>
             <a:custGeom>
               <a:avLst/>
               <a:gdLst>
-                <a:gd name="textAreaLeft" fmla="*/ 0 w 51120"/>
-                <a:gd name="textAreaRight" fmla="*/ 53640 w 51120"/>
-                <a:gd name="textAreaTop" fmla="*/ 0 h 185400"/>
-                <a:gd name="textAreaBottom" fmla="*/ 187200 h 185400"/>
+                <a:gd name="textAreaLeft" fmla="*/ 0 w 50400"/>
+                <a:gd name="textAreaRight" fmla="*/ 53640 w 50400"/>
+                <a:gd name="textAreaTop" fmla="*/ 0 h 184680"/>
+                <a:gd name="textAreaBottom" fmla="*/ 187200 h 184680"/>
               </a:gdLst>
               <a:ahLst/>
               <a:rect l="textAreaLeft" t="textAreaTop" r="textAreaRight" b="textAreaBottom"/>
@@ -17127,15 +17205,15 @@
           <p:spPr>
             <a:xfrm>
               <a:off x="5611680" y="2985840"/>
-              <a:ext cx="51480" cy="185400"/>
+              <a:ext cx="50760" cy="184680"/>
             </a:xfrm>
             <a:custGeom>
               <a:avLst/>
               <a:gdLst>
-                <a:gd name="textAreaLeft" fmla="*/ 0 w 51480"/>
-                <a:gd name="textAreaRight" fmla="*/ 54000 w 51480"/>
-                <a:gd name="textAreaTop" fmla="*/ 0 h 185400"/>
-                <a:gd name="textAreaBottom" fmla="*/ 187200 h 185400"/>
+                <a:gd name="textAreaLeft" fmla="*/ 0 w 50760"/>
+                <a:gd name="textAreaRight" fmla="*/ 54000 w 50760"/>
+                <a:gd name="textAreaTop" fmla="*/ 0 h 184680"/>
+                <a:gd name="textAreaBottom" fmla="*/ 187200 h 184680"/>
               </a:gdLst>
               <a:ahLst/>
               <a:rect l="textAreaLeft" t="textAreaTop" r="textAreaRight" b="textAreaBottom"/>
@@ -17248,9 +17326,9 @@
         <p:grpSpPr>
           <a:xfrm>
             <a:off x="5499000" y="4144320"/>
-            <a:ext cx="466200" cy="427680"/>
+            <a:ext cx="465480" cy="426960"/>
             <a:chOff x="5499000" y="4144320"/>
-            <a:chExt cx="466200" cy="427680"/>
+            <a:chExt cx="465480" cy="426960"/>
           </a:xfrm>
         </p:grpSpPr>
         <p:sp>
@@ -17262,15 +17340,15 @@
           <p:spPr>
             <a:xfrm>
               <a:off x="5571360" y="4306320"/>
-              <a:ext cx="65880" cy="11160"/>
+              <a:ext cx="65160" cy="10440"/>
             </a:xfrm>
             <a:custGeom>
               <a:avLst/>
               <a:gdLst>
-                <a:gd name="textAreaLeft" fmla="*/ 0 w 65880"/>
-                <a:gd name="textAreaRight" fmla="*/ 67680 w 65880"/>
-                <a:gd name="textAreaTop" fmla="*/ 0 h 11160"/>
-                <a:gd name="textAreaBottom" fmla="*/ 12960 h 11160"/>
+                <a:gd name="textAreaLeft" fmla="*/ 0 w 65160"/>
+                <a:gd name="textAreaRight" fmla="*/ 67680 w 65160"/>
+                <a:gd name="textAreaTop" fmla="*/ 0 h 10440"/>
+                <a:gd name="textAreaBottom" fmla="*/ 12960 h 10440"/>
               </a:gdLst>
               <a:ahLst/>
               <a:rect l="textAreaLeft" t="textAreaTop" r="textAreaRight" b="textAreaBottom"/>
@@ -17329,15 +17407,15 @@
           <p:spPr>
             <a:xfrm>
               <a:off x="5826960" y="4306320"/>
-              <a:ext cx="65880" cy="11160"/>
+              <a:ext cx="65160" cy="10440"/>
             </a:xfrm>
             <a:custGeom>
               <a:avLst/>
               <a:gdLst>
-                <a:gd name="textAreaLeft" fmla="*/ 0 w 65880"/>
-                <a:gd name="textAreaRight" fmla="*/ 67680 w 65880"/>
-                <a:gd name="textAreaTop" fmla="*/ 0 h 11160"/>
-                <a:gd name="textAreaBottom" fmla="*/ 12960 h 11160"/>
+                <a:gd name="textAreaLeft" fmla="*/ 0 w 65160"/>
+                <a:gd name="textAreaRight" fmla="*/ 67680 w 65160"/>
+                <a:gd name="textAreaTop" fmla="*/ 0 h 10440"/>
+                <a:gd name="textAreaBottom" fmla="*/ 12960 h 10440"/>
               </a:gdLst>
               <a:ahLst/>
               <a:rect l="textAreaLeft" t="textAreaTop" r="textAreaRight" b="textAreaBottom"/>
@@ -17396,15 +17474,15 @@
           <p:spPr>
             <a:xfrm>
               <a:off x="5702760" y="4257000"/>
-              <a:ext cx="58680" cy="65160"/>
+              <a:ext cx="57960" cy="64440"/>
             </a:xfrm>
             <a:custGeom>
               <a:avLst/>
               <a:gdLst>
-                <a:gd name="textAreaLeft" fmla="*/ 0 w 58680"/>
-                <a:gd name="textAreaRight" fmla="*/ 60480 w 58680"/>
-                <a:gd name="textAreaTop" fmla="*/ 0 h 65160"/>
-                <a:gd name="textAreaBottom" fmla="*/ 66960 h 65160"/>
+                <a:gd name="textAreaLeft" fmla="*/ 0 w 57960"/>
+                <a:gd name="textAreaRight" fmla="*/ 60480 w 57960"/>
+                <a:gd name="textAreaTop" fmla="*/ 0 h 64440"/>
+                <a:gd name="textAreaBottom" fmla="*/ 66960 h 64440"/>
               </a:gdLst>
               <a:ahLst/>
               <a:rect l="textAreaLeft" t="textAreaTop" r="textAreaRight" b="textAreaBottom"/>
@@ -17502,15 +17580,15 @@
           <p:spPr>
             <a:xfrm>
               <a:off x="5725800" y="4500000"/>
-              <a:ext cx="12240" cy="36000"/>
+              <a:ext cx="11520" cy="35280"/>
             </a:xfrm>
             <a:custGeom>
               <a:avLst/>
               <a:gdLst>
-                <a:gd name="textAreaLeft" fmla="*/ 0 w 12240"/>
-                <a:gd name="textAreaRight" fmla="*/ 14040 w 12240"/>
-                <a:gd name="textAreaTop" fmla="*/ 0 h 36000"/>
-                <a:gd name="textAreaBottom" fmla="*/ 37800 h 36000"/>
+                <a:gd name="textAreaLeft" fmla="*/ 0 w 11520"/>
+                <a:gd name="textAreaRight" fmla="*/ 14040 w 11520"/>
+                <a:gd name="textAreaTop" fmla="*/ 0 h 35280"/>
+                <a:gd name="textAreaBottom" fmla="*/ 37800 h 35280"/>
               </a:gdLst>
               <a:ahLst/>
               <a:rect l="textAreaLeft" t="textAreaTop" r="textAreaRight" b="textAreaBottom"/>
@@ -17572,15 +17650,15 @@
           <p:spPr>
             <a:xfrm>
               <a:off x="5499000" y="4144320"/>
-              <a:ext cx="466200" cy="427680"/>
+              <a:ext cx="465480" cy="426960"/>
             </a:xfrm>
             <a:custGeom>
               <a:avLst/>
               <a:gdLst>
-                <a:gd name="textAreaLeft" fmla="*/ 0 w 466200"/>
-                <a:gd name="textAreaRight" fmla="*/ 468000 w 466200"/>
-                <a:gd name="textAreaTop" fmla="*/ 0 h 427680"/>
-                <a:gd name="textAreaBottom" fmla="*/ 429480 h 427680"/>
+                <a:gd name="textAreaLeft" fmla="*/ 0 w 465480"/>
+                <a:gd name="textAreaRight" fmla="*/ 468000 w 465480"/>
+                <a:gd name="textAreaTop" fmla="*/ 0 h 426960"/>
+                <a:gd name="textAreaBottom" fmla="*/ 429480 h 426960"/>
               </a:gdLst>
               <a:ahLst/>
               <a:rect l="textAreaLeft" t="textAreaTop" r="textAreaRight" b="textAreaBottom"/>
@@ -18282,13 +18360,13 @@
         <p:spPr>
           <a:xfrm>
             <a:off x="1923840" y="3265920"/>
-            <a:ext cx="1018800" cy="1069200"/>
+            <a:ext cx="1018080" cy="1068480"/>
           </a:xfrm>
           <a:prstGeom prst="ellipse">
             <a:avLst/>
           </a:prstGeom>
           <a:solidFill>
-            <a:schemeClr val="dk2"/>
+            <a:srgbClr val="3465a4"/>
           </a:solidFill>
           <a:ln w="0">
             <a:noFill/>
@@ -18310,13 +18388,13 @@
         <p:spPr>
           <a:xfrm>
             <a:off x="6400080" y="3264480"/>
-            <a:ext cx="1018800" cy="1069200"/>
+            <a:ext cx="1018080" cy="1068480"/>
           </a:xfrm>
           <a:prstGeom prst="ellipse">
             <a:avLst/>
           </a:prstGeom>
           <a:solidFill>
-            <a:schemeClr val="dk2"/>
+            <a:srgbClr val="3465a4"/>
           </a:solidFill>
           <a:ln w="0">
             <a:noFill/>
@@ -18332,13 +18410,13 @@
       <p:sp>
         <p:nvSpPr>
           <p:cNvPr id="473" name="PlaceHolder 52"/>
-          <p:cNvSpPr txBox="1"/>
+          <p:cNvSpPr/>
           <p:nvPr/>
         </p:nvSpPr>
         <p:spPr>
           <a:xfrm>
             <a:off x="1000800" y="1583640"/>
-            <a:ext cx="7715880" cy="570960"/>
+            <a:ext cx="7715160" cy="570240"/>
           </a:xfrm>
           <a:prstGeom prst="rect">
             <a:avLst/>
@@ -18348,6 +18426,12 @@
             <a:noFill/>
           </a:ln>
         </p:spPr>
+        <p:style>
+          <a:lnRef idx="0"/>
+          <a:fillRef idx="0"/>
+          <a:effectRef idx="0"/>
+          <a:fontRef idx="minor"/>
+        </p:style>
         <p:txBody>
           <a:bodyPr lIns="0" rIns="0" tIns="91440" bIns="91440" anchor="t">
             <a:noAutofit/>
@@ -18383,13 +18467,13 @@
       <p:sp>
         <p:nvSpPr>
           <p:cNvPr id="474" name="PlaceHolder 53"/>
-          <p:cNvSpPr txBox="1"/>
+          <p:cNvSpPr/>
           <p:nvPr/>
         </p:nvSpPr>
         <p:spPr>
           <a:xfrm>
             <a:off x="1044360" y="4488840"/>
-            <a:ext cx="2777760" cy="432000"/>
+            <a:ext cx="2777040" cy="431280"/>
           </a:xfrm>
           <a:prstGeom prst="rect">
             <a:avLst/>
@@ -18399,6 +18483,12 @@
             <a:noFill/>
           </a:ln>
         </p:spPr>
+        <p:style>
+          <a:lnRef idx="0"/>
+          <a:fillRef idx="0"/>
+          <a:effectRef idx="0"/>
+          <a:fontRef idx="minor"/>
+        </p:style>
         <p:txBody>
           <a:bodyPr lIns="0" rIns="0" tIns="91440" bIns="91440" anchor="ctr">
             <a:noAutofit/>
@@ -18415,7 +18505,7 @@
             <a:r>
               <a:rPr b="0" lang="en" sz="1800" spc="-1" strike="noStrike">
                 <a:solidFill>
-                  <a:schemeClr val="dk2"/>
+                  <a:srgbClr val="3465a4"/>
                 </a:solidFill>
                 <a:latin typeface="Manrope"/>
                 <a:ea typeface="Manrope"/>
@@ -18423,7 +18513,7 @@
               <a:t>Satisfied</a:t>
             </a:r>
             <a:endParaRPr b="0" lang="en-US" sz="1800" spc="-1" strike="noStrike">
-              <a:latin typeface="Times New Roman"/>
+              <a:latin typeface="Arial"/>
             </a:endParaRPr>
           </a:p>
         </p:txBody>
@@ -18431,13 +18521,13 @@
       <p:sp>
         <p:nvSpPr>
           <p:cNvPr id="475" name="PlaceHolder 54"/>
-          <p:cNvSpPr txBox="1"/>
+          <p:cNvSpPr/>
           <p:nvPr/>
         </p:nvSpPr>
         <p:spPr>
           <a:xfrm>
             <a:off x="1044360" y="5499000"/>
-            <a:ext cx="2777760" cy="721800"/>
+            <a:ext cx="2777040" cy="721080"/>
           </a:xfrm>
           <a:prstGeom prst="rect">
             <a:avLst/>
@@ -18447,6 +18537,12 @@
             <a:noFill/>
           </a:ln>
         </p:spPr>
+        <p:style>
+          <a:lnRef idx="0"/>
+          <a:fillRef idx="0"/>
+          <a:effectRef idx="0"/>
+          <a:fontRef idx="minor"/>
+        </p:style>
         <p:txBody>
           <a:bodyPr lIns="0" rIns="0" tIns="91440" bIns="91440" anchor="t">
             <a:noAutofit/>
@@ -18471,7 +18567,7 @@
               <a:t>More than 50% of our customers are satisfied with our services.</a:t>
             </a:r>
             <a:endParaRPr b="0" lang="en-US" sz="1400" spc="-1" strike="noStrike">
-              <a:latin typeface="Times New Roman"/>
+              <a:latin typeface="Arial"/>
             </a:endParaRPr>
           </a:p>
         </p:txBody>
@@ -18479,13 +18575,13 @@
       <p:sp>
         <p:nvSpPr>
           <p:cNvPr id="476" name="PlaceHolder 55"/>
-          <p:cNvSpPr txBox="1"/>
+          <p:cNvSpPr/>
           <p:nvPr/>
         </p:nvSpPr>
         <p:spPr>
           <a:xfrm>
             <a:off x="5520600" y="4487400"/>
-            <a:ext cx="2777760" cy="432000"/>
+            <a:ext cx="2777040" cy="431280"/>
           </a:xfrm>
           <a:prstGeom prst="rect">
             <a:avLst/>
@@ -18495,6 +18591,12 @@
             <a:noFill/>
           </a:ln>
         </p:spPr>
+        <p:style>
+          <a:lnRef idx="0"/>
+          <a:fillRef idx="0"/>
+          <a:effectRef idx="0"/>
+          <a:fontRef idx="minor"/>
+        </p:style>
         <p:txBody>
           <a:bodyPr lIns="0" rIns="0" tIns="91440" bIns="91440" anchor="ctr">
             <a:noAutofit/>
@@ -18511,7 +18613,7 @@
             <a:r>
               <a:rPr b="0" lang="en" sz="1800" spc="-1" strike="noStrike">
                 <a:solidFill>
-                  <a:schemeClr val="dk2"/>
+                  <a:srgbClr val="3465a4"/>
                 </a:solidFill>
                 <a:latin typeface="Manrope"/>
                 <a:ea typeface="Manrope"/>
@@ -18519,7 +18621,7 @@
               <a:t>Dissatisfied</a:t>
             </a:r>
             <a:endParaRPr b="0" lang="en-US" sz="1800" spc="-1" strike="noStrike">
-              <a:latin typeface="Times New Roman"/>
+              <a:latin typeface="Arial"/>
             </a:endParaRPr>
           </a:p>
         </p:txBody>
@@ -18533,9 +18635,9 @@
         <p:grpSpPr>
           <a:xfrm>
             <a:off x="6627240" y="3594960"/>
-            <a:ext cx="564480" cy="417240"/>
+            <a:ext cx="563760" cy="416520"/>
             <a:chOff x="6627240" y="3594960"/>
-            <a:chExt cx="564480" cy="417240"/>
+            <a:chExt cx="563760" cy="416520"/>
           </a:xfrm>
         </p:grpSpPr>
         <p:sp>
@@ -18547,15 +18649,15 @@
           <p:spPr>
             <a:xfrm>
               <a:off x="6627240" y="3594960"/>
-              <a:ext cx="564480" cy="417240"/>
+              <a:ext cx="563760" cy="416520"/>
             </a:xfrm>
             <a:custGeom>
               <a:avLst/>
               <a:gdLst>
-                <a:gd name="textAreaLeft" fmla="*/ 0 w 564480"/>
-                <a:gd name="textAreaRight" fmla="*/ 566280 w 564480"/>
-                <a:gd name="textAreaTop" fmla="*/ 0 h 417240"/>
-                <a:gd name="textAreaBottom" fmla="*/ 419040 h 417240"/>
+                <a:gd name="textAreaLeft" fmla="*/ 0 w 563760"/>
+                <a:gd name="textAreaRight" fmla="*/ 566280 w 563760"/>
+                <a:gd name="textAreaTop" fmla="*/ 0 h 416520"/>
+                <a:gd name="textAreaBottom" fmla="*/ 419040 h 416520"/>
               </a:gdLst>
               <a:ahLst/>
               <a:rect l="textAreaLeft" t="textAreaTop" r="textAreaRight" b="textAreaBottom"/>
@@ -19511,15 +19613,15 @@
           <p:spPr>
             <a:xfrm>
               <a:off x="6895080" y="3782880"/>
-              <a:ext cx="208800" cy="167400"/>
+              <a:ext cx="208080" cy="166680"/>
             </a:xfrm>
             <a:custGeom>
               <a:avLst/>
               <a:gdLst>
-                <a:gd name="textAreaLeft" fmla="*/ 0 w 208800"/>
-                <a:gd name="textAreaRight" fmla="*/ 210600 w 208800"/>
-                <a:gd name="textAreaTop" fmla="*/ 0 h 167400"/>
-                <a:gd name="textAreaBottom" fmla="*/ 169200 h 167400"/>
+                <a:gd name="textAreaLeft" fmla="*/ 0 w 208080"/>
+                <a:gd name="textAreaRight" fmla="*/ 210600 w 208080"/>
+                <a:gd name="textAreaTop" fmla="*/ 0 h 166680"/>
+                <a:gd name="textAreaBottom" fmla="*/ 169200 h 166680"/>
               </a:gdLst>
               <a:ahLst/>
               <a:rect l="textAreaLeft" t="textAreaTop" r="textAreaRight" b="textAreaBottom"/>
@@ -19594,15 +19696,15 @@
           <p:spPr>
             <a:xfrm>
               <a:off x="6717600" y="3738240"/>
-              <a:ext cx="123480" cy="73440"/>
+              <a:ext cx="122760" cy="72720"/>
             </a:xfrm>
             <a:custGeom>
               <a:avLst/>
               <a:gdLst>
-                <a:gd name="textAreaLeft" fmla="*/ 0 w 123480"/>
-                <a:gd name="textAreaRight" fmla="*/ 125280 w 123480"/>
-                <a:gd name="textAreaTop" fmla="*/ 0 h 73440"/>
-                <a:gd name="textAreaBottom" fmla="*/ 75240 h 73440"/>
+                <a:gd name="textAreaLeft" fmla="*/ 0 w 122760"/>
+                <a:gd name="textAreaRight" fmla="*/ 125280 w 122760"/>
+                <a:gd name="textAreaTop" fmla="*/ 0 h 72720"/>
+                <a:gd name="textAreaBottom" fmla="*/ 75240 h 72720"/>
               </a:gdLst>
               <a:ahLst/>
               <a:rect l="textAreaLeft" t="textAreaTop" r="textAreaRight" b="textAreaBottom"/>
@@ -19763,9 +19865,9 @@
         <p:grpSpPr>
           <a:xfrm>
             <a:off x="2151360" y="3589200"/>
-            <a:ext cx="563040" cy="432000"/>
+            <a:ext cx="562320" cy="431280"/>
             <a:chOff x="2151360" y="3589200"/>
-            <a:chExt cx="563040" cy="432000"/>
+            <a:chExt cx="562320" cy="431280"/>
           </a:xfrm>
         </p:grpSpPr>
         <p:sp>
@@ -19777,15 +19879,15 @@
           <p:spPr>
             <a:xfrm>
               <a:off x="2234520" y="3828600"/>
-              <a:ext cx="69480" cy="15480"/>
+              <a:ext cx="68760" cy="14760"/>
             </a:xfrm>
             <a:custGeom>
               <a:avLst/>
               <a:gdLst>
-                <a:gd name="textAreaLeft" fmla="*/ 0 w 69480"/>
-                <a:gd name="textAreaRight" fmla="*/ 71280 w 69480"/>
-                <a:gd name="textAreaTop" fmla="*/ 0 h 15480"/>
-                <a:gd name="textAreaBottom" fmla="*/ 17280 h 15480"/>
+                <a:gd name="textAreaLeft" fmla="*/ 0 w 68760"/>
+                <a:gd name="textAreaRight" fmla="*/ 71280 w 68760"/>
+                <a:gd name="textAreaTop" fmla="*/ 0 h 14760"/>
+                <a:gd name="textAreaBottom" fmla="*/ 17280 h 14760"/>
               </a:gdLst>
               <a:ahLst/>
               <a:rect l="textAreaLeft" t="textAreaTop" r="textAreaRight" b="textAreaBottom"/>
@@ -19844,15 +19946,15 @@
           <p:spPr>
             <a:xfrm>
               <a:off x="2234520" y="3862800"/>
-              <a:ext cx="69480" cy="15480"/>
+              <a:ext cx="68760" cy="14760"/>
             </a:xfrm>
             <a:custGeom>
               <a:avLst/>
               <a:gdLst>
-                <a:gd name="textAreaLeft" fmla="*/ 0 w 69480"/>
-                <a:gd name="textAreaRight" fmla="*/ 71280 w 69480"/>
-                <a:gd name="textAreaTop" fmla="*/ 0 h 15480"/>
-                <a:gd name="textAreaBottom" fmla="*/ 17280 h 15480"/>
+                <a:gd name="textAreaLeft" fmla="*/ 0 w 68760"/>
+                <a:gd name="textAreaRight" fmla="*/ 71280 w 68760"/>
+                <a:gd name="textAreaTop" fmla="*/ 0 h 14760"/>
+                <a:gd name="textAreaBottom" fmla="*/ 17280 h 14760"/>
               </a:gdLst>
               <a:ahLst/>
               <a:rect l="textAreaLeft" t="textAreaTop" r="textAreaRight" b="textAreaBottom"/>
@@ -19911,15 +20013,15 @@
           <p:spPr>
             <a:xfrm>
               <a:off x="2234520" y="3896640"/>
-              <a:ext cx="69480" cy="15480"/>
+              <a:ext cx="68760" cy="14760"/>
             </a:xfrm>
             <a:custGeom>
               <a:avLst/>
               <a:gdLst>
-                <a:gd name="textAreaLeft" fmla="*/ 0 w 69480"/>
-                <a:gd name="textAreaRight" fmla="*/ 71280 w 69480"/>
-                <a:gd name="textAreaTop" fmla="*/ 0 h 15480"/>
-                <a:gd name="textAreaBottom" fmla="*/ 17280 h 15480"/>
+                <a:gd name="textAreaLeft" fmla="*/ 0 w 68760"/>
+                <a:gd name="textAreaRight" fmla="*/ 71280 w 68760"/>
+                <a:gd name="textAreaTop" fmla="*/ 0 h 14760"/>
+                <a:gd name="textAreaBottom" fmla="*/ 17280 h 14760"/>
               </a:gdLst>
               <a:ahLst/>
               <a:rect l="textAreaLeft" t="textAreaTop" r="textAreaRight" b="textAreaBottom"/>
@@ -19978,15 +20080,15 @@
           <p:spPr>
             <a:xfrm>
               <a:off x="2234520" y="3930480"/>
-              <a:ext cx="69480" cy="15480"/>
+              <a:ext cx="68760" cy="14760"/>
             </a:xfrm>
             <a:custGeom>
               <a:avLst/>
               <a:gdLst>
-                <a:gd name="textAreaLeft" fmla="*/ 0 w 69480"/>
-                <a:gd name="textAreaRight" fmla="*/ 71280 w 69480"/>
-                <a:gd name="textAreaTop" fmla="*/ 0 h 15480"/>
-                <a:gd name="textAreaBottom" fmla="*/ 17280 h 15480"/>
+                <a:gd name="textAreaLeft" fmla="*/ 0 w 68760"/>
+                <a:gd name="textAreaRight" fmla="*/ 71280 w 68760"/>
+                <a:gd name="textAreaTop" fmla="*/ 0 h 14760"/>
+                <a:gd name="textAreaBottom" fmla="*/ 17280 h 14760"/>
               </a:gdLst>
               <a:ahLst/>
               <a:rect l="textAreaLeft" t="textAreaTop" r="textAreaRight" b="textAreaBottom"/>
@@ -20045,15 +20147,15 @@
           <p:spPr>
             <a:xfrm>
               <a:off x="2234520" y="3964320"/>
-              <a:ext cx="69480" cy="15480"/>
+              <a:ext cx="68760" cy="14760"/>
             </a:xfrm>
             <a:custGeom>
               <a:avLst/>
               <a:gdLst>
-                <a:gd name="textAreaLeft" fmla="*/ 0 w 69480"/>
-                <a:gd name="textAreaRight" fmla="*/ 71280 w 69480"/>
-                <a:gd name="textAreaTop" fmla="*/ 0 h 15480"/>
-                <a:gd name="textAreaBottom" fmla="*/ 17280 h 15480"/>
+                <a:gd name="textAreaLeft" fmla="*/ 0 w 68760"/>
+                <a:gd name="textAreaRight" fmla="*/ 71280 w 68760"/>
+                <a:gd name="textAreaTop" fmla="*/ 0 h 14760"/>
+                <a:gd name="textAreaBottom" fmla="*/ 17280 h 14760"/>
               </a:gdLst>
               <a:ahLst/>
               <a:rect l="textAreaLeft" t="textAreaTop" r="textAreaRight" b="textAreaBottom"/>
@@ -20112,15 +20214,15 @@
           <p:spPr>
             <a:xfrm>
               <a:off x="2408400" y="3890160"/>
-              <a:ext cx="49320" cy="19440"/>
+              <a:ext cx="48600" cy="18720"/>
             </a:xfrm>
             <a:custGeom>
               <a:avLst/>
               <a:gdLst>
-                <a:gd name="textAreaLeft" fmla="*/ 0 w 49320"/>
-                <a:gd name="textAreaRight" fmla="*/ 51120 w 49320"/>
-                <a:gd name="textAreaTop" fmla="*/ 0 h 19440"/>
-                <a:gd name="textAreaBottom" fmla="*/ 21240 h 19440"/>
+                <a:gd name="textAreaLeft" fmla="*/ 0 w 48600"/>
+                <a:gd name="textAreaRight" fmla="*/ 51120 w 48600"/>
+                <a:gd name="textAreaTop" fmla="*/ 0 h 18720"/>
+                <a:gd name="textAreaBottom" fmla="*/ 21240 h 18720"/>
               </a:gdLst>
               <a:ahLst/>
               <a:rect l="textAreaLeft" t="textAreaTop" r="textAreaRight" b="textAreaBottom"/>
@@ -20206,15 +20308,15 @@
           <p:spPr>
             <a:xfrm>
               <a:off x="2405520" y="3705480"/>
-              <a:ext cx="55080" cy="15480"/>
+              <a:ext cx="54360" cy="14760"/>
             </a:xfrm>
             <a:custGeom>
               <a:avLst/>
               <a:gdLst>
-                <a:gd name="textAreaLeft" fmla="*/ 0 w 55080"/>
-                <a:gd name="textAreaRight" fmla="*/ 56880 w 55080"/>
-                <a:gd name="textAreaTop" fmla="*/ 0 h 15480"/>
-                <a:gd name="textAreaBottom" fmla="*/ 17280 h 15480"/>
+                <a:gd name="textAreaLeft" fmla="*/ 0 w 54360"/>
+                <a:gd name="textAreaRight" fmla="*/ 56880 w 54360"/>
+                <a:gd name="textAreaTop" fmla="*/ 0 h 14760"/>
+                <a:gd name="textAreaBottom" fmla="*/ 17280 h 14760"/>
               </a:gdLst>
               <a:ahLst/>
               <a:rect l="textAreaLeft" t="textAreaTop" r="textAreaRight" b="textAreaBottom"/>
@@ -20273,15 +20375,15 @@
           <p:spPr>
             <a:xfrm>
               <a:off x="2405520" y="3676320"/>
-              <a:ext cx="55080" cy="15480"/>
+              <a:ext cx="54360" cy="14760"/>
             </a:xfrm>
             <a:custGeom>
               <a:avLst/>
               <a:gdLst>
-                <a:gd name="textAreaLeft" fmla="*/ 0 w 55080"/>
-                <a:gd name="textAreaRight" fmla="*/ 56880 w 55080"/>
-                <a:gd name="textAreaTop" fmla="*/ 0 h 15480"/>
-                <a:gd name="textAreaBottom" fmla="*/ 17280 h 15480"/>
+                <a:gd name="textAreaLeft" fmla="*/ 0 w 54360"/>
+                <a:gd name="textAreaRight" fmla="*/ 56880 w 54360"/>
+                <a:gd name="textAreaTop" fmla="*/ 0 h 14760"/>
+                <a:gd name="textAreaBottom" fmla="*/ 17280 h 14760"/>
               </a:gdLst>
               <a:ahLst/>
               <a:rect l="textAreaLeft" t="textAreaTop" r="textAreaRight" b="textAreaBottom"/>
@@ -20340,15 +20442,15 @@
           <p:spPr>
             <a:xfrm>
               <a:off x="2405520" y="3647520"/>
-              <a:ext cx="55080" cy="15480"/>
+              <a:ext cx="54360" cy="14760"/>
             </a:xfrm>
             <a:custGeom>
               <a:avLst/>
               <a:gdLst>
-                <a:gd name="textAreaLeft" fmla="*/ 0 w 55080"/>
-                <a:gd name="textAreaRight" fmla="*/ 56880 w 55080"/>
-                <a:gd name="textAreaTop" fmla="*/ 0 h 15480"/>
-                <a:gd name="textAreaBottom" fmla="*/ 17280 h 15480"/>
+                <a:gd name="textAreaLeft" fmla="*/ 0 w 54360"/>
+                <a:gd name="textAreaRight" fmla="*/ 56880 w 54360"/>
+                <a:gd name="textAreaTop" fmla="*/ 0 h 14760"/>
+                <a:gd name="textAreaBottom" fmla="*/ 17280 h 14760"/>
               </a:gdLst>
               <a:ahLst/>
               <a:rect l="textAreaLeft" t="textAreaTop" r="textAreaRight" b="textAreaBottom"/>
@@ -20407,15 +20509,15 @@
           <p:spPr>
             <a:xfrm>
               <a:off x="2562120" y="3828600"/>
-              <a:ext cx="69480" cy="15480"/>
+              <a:ext cx="68760" cy="14760"/>
             </a:xfrm>
             <a:custGeom>
               <a:avLst/>
               <a:gdLst>
-                <a:gd name="textAreaLeft" fmla="*/ 0 w 69480"/>
-                <a:gd name="textAreaRight" fmla="*/ 71280 w 69480"/>
-                <a:gd name="textAreaTop" fmla="*/ 0 h 15480"/>
-                <a:gd name="textAreaBottom" fmla="*/ 17280 h 15480"/>
+                <a:gd name="textAreaLeft" fmla="*/ 0 w 68760"/>
+                <a:gd name="textAreaRight" fmla="*/ 71280 w 68760"/>
+                <a:gd name="textAreaTop" fmla="*/ 0 h 14760"/>
+                <a:gd name="textAreaBottom" fmla="*/ 17280 h 14760"/>
               </a:gdLst>
               <a:ahLst/>
               <a:rect l="textAreaLeft" t="textAreaTop" r="textAreaRight" b="textAreaBottom"/>
@@ -20474,15 +20576,15 @@
           <p:spPr>
             <a:xfrm>
               <a:off x="2562120" y="3862800"/>
-              <a:ext cx="69480" cy="15480"/>
+              <a:ext cx="68760" cy="14760"/>
             </a:xfrm>
             <a:custGeom>
               <a:avLst/>
               <a:gdLst>
-                <a:gd name="textAreaLeft" fmla="*/ 0 w 69480"/>
-                <a:gd name="textAreaRight" fmla="*/ 71280 w 69480"/>
-                <a:gd name="textAreaTop" fmla="*/ 0 h 15480"/>
-                <a:gd name="textAreaBottom" fmla="*/ 17280 h 15480"/>
+                <a:gd name="textAreaLeft" fmla="*/ 0 w 68760"/>
+                <a:gd name="textAreaRight" fmla="*/ 71280 w 68760"/>
+                <a:gd name="textAreaTop" fmla="*/ 0 h 14760"/>
+                <a:gd name="textAreaBottom" fmla="*/ 17280 h 14760"/>
               </a:gdLst>
               <a:ahLst/>
               <a:rect l="textAreaLeft" t="textAreaTop" r="textAreaRight" b="textAreaBottom"/>
@@ -20541,15 +20643,15 @@
           <p:spPr>
             <a:xfrm>
               <a:off x="2562120" y="3896640"/>
-              <a:ext cx="69480" cy="15480"/>
+              <a:ext cx="68760" cy="14760"/>
             </a:xfrm>
             <a:custGeom>
               <a:avLst/>
               <a:gdLst>
-                <a:gd name="textAreaLeft" fmla="*/ 0 w 69480"/>
-                <a:gd name="textAreaRight" fmla="*/ 71280 w 69480"/>
-                <a:gd name="textAreaTop" fmla="*/ 0 h 15480"/>
-                <a:gd name="textAreaBottom" fmla="*/ 17280 h 15480"/>
+                <a:gd name="textAreaLeft" fmla="*/ 0 w 68760"/>
+                <a:gd name="textAreaRight" fmla="*/ 71280 w 68760"/>
+                <a:gd name="textAreaTop" fmla="*/ 0 h 14760"/>
+                <a:gd name="textAreaBottom" fmla="*/ 17280 h 14760"/>
               </a:gdLst>
               <a:ahLst/>
               <a:rect l="textAreaLeft" t="textAreaTop" r="textAreaRight" b="textAreaBottom"/>
@@ -20608,15 +20710,15 @@
           <p:spPr>
             <a:xfrm>
               <a:off x="2562120" y="3930480"/>
-              <a:ext cx="69480" cy="15480"/>
+              <a:ext cx="68760" cy="14760"/>
             </a:xfrm>
             <a:custGeom>
               <a:avLst/>
               <a:gdLst>
-                <a:gd name="textAreaLeft" fmla="*/ 0 w 69480"/>
-                <a:gd name="textAreaRight" fmla="*/ 71280 w 69480"/>
-                <a:gd name="textAreaTop" fmla="*/ 0 h 15480"/>
-                <a:gd name="textAreaBottom" fmla="*/ 17280 h 15480"/>
+                <a:gd name="textAreaLeft" fmla="*/ 0 w 68760"/>
+                <a:gd name="textAreaRight" fmla="*/ 71280 w 68760"/>
+                <a:gd name="textAreaTop" fmla="*/ 0 h 14760"/>
+                <a:gd name="textAreaBottom" fmla="*/ 17280 h 14760"/>
               </a:gdLst>
               <a:ahLst/>
               <a:rect l="textAreaLeft" t="textAreaTop" r="textAreaRight" b="textAreaBottom"/>
@@ -20675,15 +20777,15 @@
           <p:spPr>
             <a:xfrm>
               <a:off x="2562120" y="3964320"/>
-              <a:ext cx="69480" cy="15480"/>
+              <a:ext cx="68760" cy="14760"/>
             </a:xfrm>
             <a:custGeom>
               <a:avLst/>
               <a:gdLst>
-                <a:gd name="textAreaLeft" fmla="*/ 0 w 69480"/>
-                <a:gd name="textAreaRight" fmla="*/ 71280 w 69480"/>
-                <a:gd name="textAreaTop" fmla="*/ 0 h 15480"/>
-                <a:gd name="textAreaBottom" fmla="*/ 17280 h 15480"/>
+                <a:gd name="textAreaLeft" fmla="*/ 0 w 68760"/>
+                <a:gd name="textAreaRight" fmla="*/ 71280 w 68760"/>
+                <a:gd name="textAreaTop" fmla="*/ 0 h 14760"/>
+                <a:gd name="textAreaBottom" fmla="*/ 17280 h 14760"/>
               </a:gdLst>
               <a:ahLst/>
               <a:rect l="textAreaLeft" t="textAreaTop" r="textAreaRight" b="textAreaBottom"/>
@@ -20742,15 +20844,15 @@
           <p:spPr>
             <a:xfrm>
               <a:off x="2151360" y="3589200"/>
-              <a:ext cx="563040" cy="432000"/>
+              <a:ext cx="562320" cy="431280"/>
             </a:xfrm>
             <a:custGeom>
               <a:avLst/>
               <a:gdLst>
-                <a:gd name="textAreaLeft" fmla="*/ 0 w 563040"/>
-                <a:gd name="textAreaRight" fmla="*/ 564840 w 563040"/>
-                <a:gd name="textAreaTop" fmla="*/ 0 h 432000"/>
-                <a:gd name="textAreaBottom" fmla="*/ 433800 h 432000"/>
+                <a:gd name="textAreaLeft" fmla="*/ 0 w 562320"/>
+                <a:gd name="textAreaRight" fmla="*/ 564840 w 562320"/>
+                <a:gd name="textAreaTop" fmla="*/ 0 h 431280"/>
+                <a:gd name="textAreaBottom" fmla="*/ 433800 h 431280"/>
               </a:gdLst>
               <a:ahLst/>
               <a:rect l="textAreaLeft" t="textAreaTop" r="textAreaRight" b="textAreaBottom"/>
@@ -21298,7 +21400,7 @@
         <p:spPr>
           <a:xfrm>
             <a:off x="5346720" y="1648440"/>
-            <a:ext cx="2476080" cy="1161720"/>
+            <a:ext cx="2475360" cy="1161000"/>
           </a:xfrm>
           <a:prstGeom prst="rect">
             <a:avLst/>
@@ -21317,7 +21419,7 @@
         <p:spPr>
           <a:xfrm>
             <a:off x="1369440" y="5045400"/>
-            <a:ext cx="2197440" cy="318960"/>
+            <a:ext cx="2196720" cy="318240"/>
           </a:xfrm>
           <a:prstGeom prst="roundRect">
             <a:avLst>
@@ -21325,7 +21427,7 @@
             </a:avLst>
           </a:prstGeom>
           <a:solidFill>
-            <a:schemeClr val="dk1"/>
+            <a:srgbClr val="302c3e"/>
           </a:solidFill>
           <a:ln w="0">
             <a:noFill/>
@@ -21347,7 +21449,7 @@
         <p:spPr>
           <a:xfrm>
             <a:off x="3611520" y="5007600"/>
-            <a:ext cx="962280" cy="394200"/>
+            <a:ext cx="961560" cy="393480"/>
           </a:xfrm>
           <a:prstGeom prst="rect">
             <a:avLst/>
@@ -21364,7 +21466,7 @@
           <a:fontRef idx="minor"/>
         </p:style>
         <p:txBody>
-          <a:bodyPr lIns="90000" rIns="90000" tIns="326880" bIns="326880" anchor="ctr">
+          <a:bodyPr lIns="90000" rIns="90000" tIns="393840" bIns="393840" anchor="ctr">
             <a:noAutofit/>
           </a:bodyPr>
           <a:p>
@@ -21379,7 +21481,7 @@
             <a:r>
               <a:rPr b="0" lang="en" sz="1800" spc="-1" strike="noStrike">
                 <a:solidFill>
-                  <a:schemeClr val="dk2"/>
+                  <a:srgbClr val="3465a4"/>
                 </a:solidFill>
                 <a:latin typeface="Manrope"/>
                 <a:ea typeface="Manrope"/>
@@ -21401,7 +21503,7 @@
         <p:spPr>
           <a:xfrm>
             <a:off x="1369440" y="5045400"/>
-            <a:ext cx="1280160" cy="318960"/>
+            <a:ext cx="1279440" cy="318240"/>
           </a:xfrm>
           <a:prstGeom prst="roundRect">
             <a:avLst>
@@ -21409,7 +21511,7 @@
             </a:avLst>
           </a:prstGeom>
           <a:solidFill>
-            <a:schemeClr val="dk2"/>
+            <a:srgbClr val="3465a4"/>
           </a:solidFill>
           <a:ln w="0">
             <a:noFill/>
@@ -21425,13 +21527,13 @@
       <p:sp>
         <p:nvSpPr>
           <p:cNvPr id="501" name="PlaceHolder 56"/>
-          <p:cNvSpPr txBox="1"/>
+          <p:cNvSpPr/>
           <p:nvPr/>
         </p:nvSpPr>
         <p:spPr>
           <a:xfrm>
             <a:off x="5472360" y="5499000"/>
-            <a:ext cx="2777760" cy="721800"/>
+            <a:ext cx="2777040" cy="721080"/>
           </a:xfrm>
           <a:prstGeom prst="rect">
             <a:avLst/>
@@ -21441,6 +21543,12 @@
             <a:noFill/>
           </a:ln>
         </p:spPr>
+        <p:style>
+          <a:lnRef idx="0"/>
+          <a:fillRef idx="0"/>
+          <a:effectRef idx="0"/>
+          <a:fontRef idx="minor"/>
+        </p:style>
         <p:txBody>
           <a:bodyPr lIns="0" rIns="0" tIns="91440" bIns="91440" anchor="t">
             <a:noAutofit/>
@@ -21465,7 +21573,7 @@
               <a:t>About 45% of our customers are dissatisfied with our services.</a:t>
             </a:r>
             <a:endParaRPr b="0" lang="en-US" sz="1400" spc="-1" strike="noStrike">
-              <a:latin typeface="Times New Roman"/>
+              <a:latin typeface="Arial"/>
             </a:endParaRPr>
           </a:p>
         </p:txBody>
@@ -21479,7 +21587,7 @@
         <p:spPr>
           <a:xfrm>
             <a:off x="5797440" y="5045400"/>
-            <a:ext cx="2197440" cy="318960"/>
+            <a:ext cx="2196720" cy="318240"/>
           </a:xfrm>
           <a:prstGeom prst="roundRect">
             <a:avLst>
@@ -21487,7 +21595,7 @@
             </a:avLst>
           </a:prstGeom>
           <a:solidFill>
-            <a:schemeClr val="dk1"/>
+            <a:srgbClr val="302c3e"/>
           </a:solidFill>
           <a:ln w="0">
             <a:noFill/>
@@ -21509,7 +21617,7 @@
         <p:spPr>
           <a:xfrm>
             <a:off x="8039520" y="5007600"/>
-            <a:ext cx="962280" cy="394200"/>
+            <a:ext cx="961560" cy="393480"/>
           </a:xfrm>
           <a:prstGeom prst="rect">
             <a:avLst/>
@@ -21526,7 +21634,7 @@
           <a:fontRef idx="minor"/>
         </p:style>
         <p:txBody>
-          <a:bodyPr lIns="90000" rIns="90000" tIns="326880" bIns="326880" anchor="ctr">
+          <a:bodyPr lIns="90000" rIns="90000" tIns="393840" bIns="393840" anchor="ctr">
             <a:noAutofit/>
           </a:bodyPr>
           <a:p>
@@ -21541,7 +21649,7 @@
             <a:r>
               <a:rPr b="0" lang="en" sz="1800" spc="-1" strike="noStrike">
                 <a:solidFill>
-                  <a:schemeClr val="dk2"/>
+                  <a:srgbClr val="3465a4"/>
                 </a:solidFill>
                 <a:latin typeface="Manrope"/>
                 <a:ea typeface="Manrope"/>
@@ -21563,7 +21671,7 @@
         <p:spPr>
           <a:xfrm>
             <a:off x="5797440" y="5045400"/>
-            <a:ext cx="1051560" cy="318960"/>
+            <a:ext cx="1050840" cy="318240"/>
           </a:xfrm>
           <a:prstGeom prst="roundRect">
             <a:avLst>
@@ -21571,7 +21679,7 @@
             </a:avLst>
           </a:prstGeom>
           <a:solidFill>
-            <a:schemeClr val="dk2"/>
+            <a:srgbClr val="3465a4"/>
           </a:solidFill>
           <a:ln w="0">
             <a:noFill/>
@@ -21623,7 +21731,7 @@
         <p:spPr>
           <a:xfrm>
             <a:off x="713520" y="4791960"/>
-            <a:ext cx="5963760" cy="809640"/>
+            <a:ext cx="5963040" cy="808920"/>
           </a:xfrm>
           <a:prstGeom prst="rect">
             <a:avLst/>
@@ -21655,7 +21763,7 @@
             <a:r>
               <a:rPr b="0" lang="en" sz="5000" spc="-1" strike="noStrike">
                 <a:solidFill>
-                  <a:schemeClr val="lt2"/>
+                  <a:srgbClr val="ffffff"/>
                 </a:solidFill>
                 <a:highlight>
                   <a:srgbClr val="157dd9"/>
@@ -21680,7 +21788,7 @@
         <p:spPr>
           <a:xfrm>
             <a:off x="713520" y="3974400"/>
-            <a:ext cx="1370520" cy="738720"/>
+            <a:ext cx="1369800" cy="738000"/>
           </a:xfrm>
           <a:prstGeom prst="rect">
             <a:avLst/>
@@ -21712,7 +21820,7 @@
             <a:r>
               <a:rPr b="0" lang="en" sz="6500" spc="-1" strike="noStrike">
                 <a:solidFill>
-                  <a:schemeClr val="dk2"/>
+                  <a:srgbClr val="3465a4"/>
                 </a:solidFill>
                 <a:latin typeface="Manrope"/>
                 <a:ea typeface="Manrope"/>
@@ -21734,7 +21842,7 @@
         <p:spPr>
           <a:xfrm>
             <a:off x="821520" y="5639760"/>
-            <a:ext cx="4447800" cy="402120"/>
+            <a:ext cx="4447080" cy="401400"/>
           </a:xfrm>
           <a:prstGeom prst="rect">
             <a:avLst/>
@@ -21791,8 +21899,8 @@
         </p:blipFill>
         <p:spPr>
           <a:xfrm rot="276000">
-            <a:off x="2625120" y="2068560"/>
-            <a:ext cx="6098400" cy="1985760"/>
+            <a:off x="2624400" y="2068560"/>
+            <a:ext cx="6097680" cy="1985040"/>
           </a:xfrm>
           <a:prstGeom prst="rect">
             <a:avLst/>
@@ -21841,7 +21949,7 @@
         <p:spPr>
           <a:xfrm>
             <a:off x="4489200" y="2541240"/>
-            <a:ext cx="4195440" cy="999360"/>
+            <a:ext cx="4194720" cy="998640"/>
           </a:xfrm>
           <a:prstGeom prst="rect">
             <a:avLst/>
@@ -21898,7 +22006,7 @@
         <p:spPr>
           <a:xfrm>
             <a:off x="797040" y="2133360"/>
-            <a:ext cx="3180240" cy="3179160"/>
+            <a:ext cx="3179520" cy="3178440"/>
           </a:xfrm>
           <a:prstGeom prst="ellipse">
             <a:avLst/>
@@ -21933,7 +22041,7 @@
         <p:spPr>
           <a:xfrm flipH="1" rot="20796000">
             <a:off x="5107680" y="4740120"/>
-            <a:ext cx="3458160" cy="1258560"/>
+            <a:ext cx="3457440" cy="1257840"/>
           </a:xfrm>
           <a:prstGeom prst="rect">
             <a:avLst/>
@@ -21952,7 +22060,7 @@
         <p:spPr>
           <a:xfrm>
             <a:off x="4500000" y="3865680"/>
-            <a:ext cx="4482360" cy="390240"/>
+            <a:ext cx="4481640" cy="389520"/>
           </a:xfrm>
           <a:prstGeom prst="rect">
             <a:avLst/>
@@ -22036,7 +22144,7 @@
         <p:spPr>
           <a:xfrm>
             <a:off x="738360" y="2955960"/>
-            <a:ext cx="4518720" cy="2758320"/>
+            <a:ext cx="4518000" cy="2757600"/>
           </a:xfrm>
           <a:prstGeom prst="rect">
             <a:avLst/>
@@ -22151,7 +22259,7 @@
         <p:spPr>
           <a:xfrm>
             <a:off x="750600" y="2126160"/>
-            <a:ext cx="3617280" cy="749880"/>
+            <a:ext cx="3616560" cy="749160"/>
           </a:xfrm>
           <a:prstGeom prst="rect">
             <a:avLst/>
@@ -22208,7 +22316,7 @@
         <p:spPr>
           <a:xfrm>
             <a:off x="5319720" y="2025360"/>
-            <a:ext cx="3366360" cy="3580920"/>
+            <a:ext cx="3365640" cy="3580200"/>
           </a:xfrm>
           <a:prstGeom prst="ellipse">
             <a:avLst/>
@@ -22268,7 +22376,7 @@
         <p:spPr>
           <a:xfrm>
             <a:off x="2789280" y="4903200"/>
-            <a:ext cx="5963760" cy="809640"/>
+            <a:ext cx="5963040" cy="808920"/>
           </a:xfrm>
           <a:prstGeom prst="rect">
             <a:avLst/>
@@ -22300,7 +22408,7 @@
             <a:r>
               <a:rPr b="0" lang="en" sz="5000" spc="-1" strike="noStrike">
                 <a:solidFill>
-                  <a:schemeClr val="lt2"/>
+                  <a:srgbClr val="ffffff"/>
                 </a:solidFill>
                 <a:highlight>
                   <a:srgbClr val="157dd9"/>
@@ -22325,7 +22433,7 @@
         <p:spPr>
           <a:xfrm>
             <a:off x="7382160" y="4085640"/>
-            <a:ext cx="1370520" cy="738720"/>
+            <a:ext cx="1369800" cy="738000"/>
           </a:xfrm>
           <a:prstGeom prst="rect">
             <a:avLst/>
@@ -22357,7 +22465,7 @@
             <a:r>
               <a:rPr b="0" lang="en" sz="6500" spc="-1" strike="noStrike">
                 <a:solidFill>
-                  <a:schemeClr val="dk2"/>
+                  <a:srgbClr val="3465a4"/>
                 </a:solidFill>
                 <a:latin typeface="Manrope"/>
                 <a:ea typeface="Manrope"/>
@@ -22379,7 +22487,7 @@
         <p:spPr>
           <a:xfrm>
             <a:off x="4197240" y="5750640"/>
-            <a:ext cx="4447800" cy="402120"/>
+            <a:ext cx="4447080" cy="401400"/>
           </a:xfrm>
           <a:prstGeom prst="rect">
             <a:avLst/>
@@ -22437,8 +22545,8 @@
         </p:blipFill>
         <p:spPr>
           <a:xfrm rot="214800">
-            <a:off x="519840" y="1935000"/>
-            <a:ext cx="6085440" cy="2856600"/>
+            <a:off x="519120" y="1934280"/>
+            <a:ext cx="6084720" cy="2855880"/>
           </a:xfrm>
           <a:prstGeom prst="rect">
             <a:avLst/>
@@ -22487,7 +22595,7 @@
         <p:spPr>
           <a:xfrm>
             <a:off x="857520" y="1746360"/>
-            <a:ext cx="3713760" cy="570240"/>
+            <a:ext cx="3713040" cy="569520"/>
           </a:xfrm>
           <a:prstGeom prst="rect">
             <a:avLst/>
@@ -22544,7 +22652,7 @@
         <p:spPr>
           <a:xfrm>
             <a:off x="673200" y="5585760"/>
-            <a:ext cx="2015640" cy="650160"/>
+            <a:ext cx="2014920" cy="649440"/>
           </a:xfrm>
           <a:prstGeom prst="rect">
             <a:avLst/>
@@ -22598,7 +22706,7 @@
         <p:spPr>
           <a:xfrm>
             <a:off x="2868480" y="4978080"/>
-            <a:ext cx="2015280" cy="650160"/>
+            <a:ext cx="2014560" cy="649440"/>
           </a:xfrm>
           <a:prstGeom prst="rect">
             <a:avLst/>
@@ -22652,7 +22760,7 @@
         <p:spPr>
           <a:xfrm>
             <a:off x="5064120" y="5585760"/>
-            <a:ext cx="2015280" cy="650160"/>
+            <a:ext cx="2014560" cy="649440"/>
           </a:xfrm>
           <a:prstGeom prst="rect">
             <a:avLst/>
@@ -22706,7 +22814,7 @@
         <p:spPr>
           <a:xfrm>
             <a:off x="7259040" y="4978080"/>
-            <a:ext cx="2015640" cy="650160"/>
+            <a:ext cx="2014920" cy="649440"/>
           </a:xfrm>
           <a:prstGeom prst="rect">
             <a:avLst/>
@@ -22760,13 +22868,13 @@
         <p:spPr>
           <a:xfrm>
             <a:off x="1167120" y="3952080"/>
-            <a:ext cx="1026000" cy="1039680"/>
+            <a:ext cx="1025280" cy="1038960"/>
           </a:xfrm>
           <a:prstGeom prst="ellipse">
             <a:avLst/>
           </a:prstGeom>
           <a:solidFill>
-            <a:schemeClr val="dk2"/>
+            <a:srgbClr val="3465a4"/>
           </a:solidFill>
           <a:ln w="0">
             <a:noFill/>
@@ -22788,13 +22896,13 @@
         <p:spPr>
           <a:xfrm>
             <a:off x="3363480" y="3344400"/>
-            <a:ext cx="1025280" cy="1038960"/>
+            <a:ext cx="1024560" cy="1038240"/>
           </a:xfrm>
           <a:prstGeom prst="ellipse">
             <a:avLst/>
           </a:prstGeom>
           <a:solidFill>
-            <a:schemeClr val="dk2"/>
+            <a:srgbClr val="3465a4"/>
           </a:solidFill>
           <a:ln w="0">
             <a:noFill/>
@@ -22816,13 +22924,13 @@
         <p:spPr>
           <a:xfrm>
             <a:off x="5559120" y="3952080"/>
-            <a:ext cx="1025280" cy="1039680"/>
+            <a:ext cx="1024560" cy="1038960"/>
           </a:xfrm>
           <a:prstGeom prst="ellipse">
             <a:avLst/>
           </a:prstGeom>
           <a:solidFill>
-            <a:schemeClr val="dk2"/>
+            <a:srgbClr val="3465a4"/>
           </a:solidFill>
           <a:ln w="0">
             <a:noFill/>
@@ -22844,13 +22952,13 @@
         <p:spPr>
           <a:xfrm>
             <a:off x="7754400" y="3344400"/>
-            <a:ext cx="1025280" cy="1038960"/>
+            <a:ext cx="1024560" cy="1038240"/>
           </a:xfrm>
           <a:prstGeom prst="ellipse">
             <a:avLst/>
           </a:prstGeom>
           <a:solidFill>
-            <a:schemeClr val="dk2"/>
+            <a:srgbClr val="3465a4"/>
           </a:solidFill>
           <a:ln w="0">
             <a:noFill/>
@@ -22874,8 +22982,8 @@
         </p:nvCxnSpPr>
         <p:spPr>
           <a:xfrm flipV="1">
-            <a:off x="2193120" y="3863880"/>
-            <a:ext cx="1170720" cy="608400"/>
+            <a:off x="2192400" y="3863520"/>
+            <a:ext cx="1171440" cy="608400"/>
           </a:xfrm>
           <a:prstGeom prst="bentConnector3">
             <a:avLst>
@@ -22901,8 +23009,8 @@
         </p:nvCxnSpPr>
         <p:spPr>
           <a:xfrm>
-            <a:off x="4388760" y="3863880"/>
-            <a:ext cx="1170720" cy="608400"/>
+            <a:off x="4388040" y="3863520"/>
+            <a:ext cx="1171440" cy="608400"/>
           </a:xfrm>
           <a:prstGeom prst="bentConnector3">
             <a:avLst>
@@ -22928,12 +23036,12 @@
         </p:nvCxnSpPr>
         <p:spPr>
           <a:xfrm flipV="1">
-            <a:off x="6584400" y="3863880"/>
-            <a:ext cx="1170360" cy="608400"/>
+            <a:off x="6583680" y="3863520"/>
+            <a:ext cx="1171080" cy="608400"/>
           </a:xfrm>
           <a:prstGeom prst="bentConnector3">
             <a:avLst>
-              <a:gd name="adj1" fmla="val 50000"/>
+              <a:gd name="adj1" fmla="val 50030"/>
             </a:avLst>
           </a:prstGeom>
           <a:ln w="9360">
@@ -22953,7 +23061,7 @@
         <p:spPr>
           <a:xfrm>
             <a:off x="916200" y="5157720"/>
-            <a:ext cx="1531080" cy="429480"/>
+            <a:ext cx="1530360" cy="428760"/>
           </a:xfrm>
           <a:prstGeom prst="rect">
             <a:avLst/>
@@ -22985,7 +23093,7 @@
             <a:r>
               <a:rPr b="0" lang="en" sz="1800" spc="-1" strike="noStrike">
                 <a:solidFill>
-                  <a:schemeClr val="dk2"/>
+                  <a:srgbClr val="3465a4"/>
                 </a:solidFill>
                 <a:latin typeface="Manrope"/>
                 <a:ea typeface="Manrope"/>
@@ -23007,7 +23115,7 @@
         <p:spPr>
           <a:xfrm>
             <a:off x="5307840" y="5157720"/>
-            <a:ext cx="1530720" cy="429480"/>
+            <a:ext cx="1530000" cy="428760"/>
           </a:xfrm>
           <a:prstGeom prst="rect">
             <a:avLst/>
@@ -23039,7 +23147,7 @@
             <a:r>
               <a:rPr b="0" lang="en" sz="1800" spc="-1" strike="noStrike">
                 <a:solidFill>
-                  <a:schemeClr val="dk2"/>
+                  <a:srgbClr val="3465a4"/>
                 </a:solidFill>
                 <a:latin typeface="Manrope"/>
                 <a:ea typeface="Manrope"/>
@@ -23061,7 +23169,7 @@
         <p:spPr>
           <a:xfrm>
             <a:off x="3112200" y="4549680"/>
-            <a:ext cx="1531080" cy="429120"/>
+            <a:ext cx="1530360" cy="428400"/>
           </a:xfrm>
           <a:prstGeom prst="rect">
             <a:avLst/>
@@ -23093,7 +23201,7 @@
             <a:r>
               <a:rPr b="0" lang="en" sz="1800" spc="-1" strike="noStrike">
                 <a:solidFill>
-                  <a:schemeClr val="dk2"/>
+                  <a:srgbClr val="3465a4"/>
                 </a:solidFill>
                 <a:latin typeface="Manrope"/>
                 <a:ea typeface="Manrope"/>
@@ -23115,7 +23223,7 @@
         <p:spPr>
           <a:xfrm>
             <a:off x="7503120" y="4549680"/>
-            <a:ext cx="1530720" cy="429120"/>
+            <a:ext cx="1530000" cy="428400"/>
           </a:xfrm>
           <a:prstGeom prst="rect">
             <a:avLst/>
@@ -23147,7 +23255,7 @@
             <a:r>
               <a:rPr b="0" lang="en" sz="1800" spc="-1" strike="noStrike">
                 <a:solidFill>
-                  <a:schemeClr val="dk2"/>
+                  <a:srgbClr val="3465a4"/>
                 </a:solidFill>
                 <a:latin typeface="Manrope"/>
                 <a:ea typeface="Manrope"/>
@@ -23169,9 +23277,9 @@
         <p:grpSpPr>
           <a:xfrm>
             <a:off x="3615840" y="3600360"/>
-            <a:ext cx="519840" cy="527760"/>
+            <a:ext cx="519120" cy="527040"/>
             <a:chOff x="3615840" y="3600360"/>
-            <a:chExt cx="519840" cy="527760"/>
+            <a:chExt cx="519120" cy="527040"/>
           </a:xfrm>
         </p:grpSpPr>
         <p:sp>
@@ -23183,15 +23291,15 @@
           <p:spPr>
             <a:xfrm>
               <a:off x="3760200" y="3736440"/>
-              <a:ext cx="22320" cy="13680"/>
+              <a:ext cx="21600" cy="12960"/>
             </a:xfrm>
             <a:custGeom>
               <a:avLst/>
               <a:gdLst>
-                <a:gd name="textAreaLeft" fmla="*/ 0 w 22320"/>
-                <a:gd name="textAreaRight" fmla="*/ 24840 w 22320"/>
-                <a:gd name="textAreaTop" fmla="*/ 0 h 13680"/>
-                <a:gd name="textAreaBottom" fmla="*/ 16200 h 13680"/>
+                <a:gd name="textAreaLeft" fmla="*/ 0 w 21600"/>
+                <a:gd name="textAreaRight" fmla="*/ 24840 w 21600"/>
+                <a:gd name="textAreaTop" fmla="*/ 0 h 12960"/>
+                <a:gd name="textAreaBottom" fmla="*/ 16200 h 12960"/>
               </a:gdLst>
               <a:ahLst/>
               <a:rect l="textAreaLeft" t="textAreaTop" r="textAreaRight" b="textAreaBottom"/>
@@ -23250,15 +23358,15 @@
           <p:spPr>
             <a:xfrm>
               <a:off x="3793680" y="3736440"/>
-              <a:ext cx="52560" cy="13680"/>
+              <a:ext cx="51840" cy="12960"/>
             </a:xfrm>
             <a:custGeom>
               <a:avLst/>
               <a:gdLst>
-                <a:gd name="textAreaLeft" fmla="*/ 0 w 52560"/>
-                <a:gd name="textAreaRight" fmla="*/ 55080 w 52560"/>
-                <a:gd name="textAreaTop" fmla="*/ 0 h 13680"/>
-                <a:gd name="textAreaBottom" fmla="*/ 16200 h 13680"/>
+                <a:gd name="textAreaLeft" fmla="*/ 0 w 51840"/>
+                <a:gd name="textAreaRight" fmla="*/ 55080 w 51840"/>
+                <a:gd name="textAreaTop" fmla="*/ 0 h 12960"/>
+                <a:gd name="textAreaBottom" fmla="*/ 16200 h 12960"/>
               </a:gdLst>
               <a:ahLst/>
               <a:rect l="textAreaLeft" t="textAreaTop" r="textAreaRight" b="textAreaBottom"/>
@@ -23317,15 +23425,15 @@
           <p:spPr>
             <a:xfrm>
               <a:off x="3760200" y="3767040"/>
-              <a:ext cx="22320" cy="12600"/>
+              <a:ext cx="21600" cy="11880"/>
             </a:xfrm>
             <a:custGeom>
               <a:avLst/>
               <a:gdLst>
-                <a:gd name="textAreaLeft" fmla="*/ 0 w 22320"/>
-                <a:gd name="textAreaRight" fmla="*/ 24840 w 22320"/>
-                <a:gd name="textAreaTop" fmla="*/ 0 h 12600"/>
-                <a:gd name="textAreaBottom" fmla="*/ 15120 h 12600"/>
+                <a:gd name="textAreaLeft" fmla="*/ 0 w 21600"/>
+                <a:gd name="textAreaRight" fmla="*/ 24840 w 21600"/>
+                <a:gd name="textAreaTop" fmla="*/ 0 h 11880"/>
+                <a:gd name="textAreaBottom" fmla="*/ 15120 h 11880"/>
               </a:gdLst>
               <a:ahLst/>
               <a:rect l="textAreaLeft" t="textAreaTop" r="textAreaRight" b="textAreaBottom"/>
@@ -23384,15 +23492,15 @@
           <p:spPr>
             <a:xfrm>
               <a:off x="3793680" y="3767040"/>
-              <a:ext cx="52560" cy="12600"/>
+              <a:ext cx="51840" cy="11880"/>
             </a:xfrm>
             <a:custGeom>
               <a:avLst/>
               <a:gdLst>
-                <a:gd name="textAreaLeft" fmla="*/ 0 w 52560"/>
-                <a:gd name="textAreaRight" fmla="*/ 55080 w 52560"/>
-                <a:gd name="textAreaTop" fmla="*/ 0 h 12600"/>
-                <a:gd name="textAreaBottom" fmla="*/ 15120 h 12600"/>
+                <a:gd name="textAreaLeft" fmla="*/ 0 w 51840"/>
+                <a:gd name="textAreaRight" fmla="*/ 55080 w 51840"/>
+                <a:gd name="textAreaTop" fmla="*/ 0 h 11880"/>
+                <a:gd name="textAreaBottom" fmla="*/ 15120 h 11880"/>
               </a:gdLst>
               <a:ahLst/>
               <a:rect l="textAreaLeft" t="textAreaTop" r="textAreaRight" b="textAreaBottom"/>
@@ -23451,15 +23559,15 @@
           <p:spPr>
             <a:xfrm>
               <a:off x="3760200" y="3707640"/>
-              <a:ext cx="22320" cy="12240"/>
+              <a:ext cx="21600" cy="11520"/>
             </a:xfrm>
             <a:custGeom>
               <a:avLst/>
               <a:gdLst>
-                <a:gd name="textAreaLeft" fmla="*/ 0 w 22320"/>
-                <a:gd name="textAreaRight" fmla="*/ 24840 w 22320"/>
-                <a:gd name="textAreaTop" fmla="*/ 0 h 12240"/>
-                <a:gd name="textAreaBottom" fmla="*/ 14760 h 12240"/>
+                <a:gd name="textAreaLeft" fmla="*/ 0 w 21600"/>
+                <a:gd name="textAreaRight" fmla="*/ 24840 w 21600"/>
+                <a:gd name="textAreaTop" fmla="*/ 0 h 11520"/>
+                <a:gd name="textAreaBottom" fmla="*/ 14760 h 11520"/>
               </a:gdLst>
               <a:ahLst/>
               <a:rect l="textAreaLeft" t="textAreaTop" r="textAreaRight" b="textAreaBottom"/>
@@ -23518,15 +23626,15 @@
           <p:spPr>
             <a:xfrm>
               <a:off x="3793680" y="3707640"/>
-              <a:ext cx="52560" cy="12240"/>
+              <a:ext cx="51840" cy="11520"/>
             </a:xfrm>
             <a:custGeom>
               <a:avLst/>
               <a:gdLst>
-                <a:gd name="textAreaLeft" fmla="*/ 0 w 52560"/>
-                <a:gd name="textAreaRight" fmla="*/ 55080 w 52560"/>
-                <a:gd name="textAreaTop" fmla="*/ 0 h 12240"/>
-                <a:gd name="textAreaBottom" fmla="*/ 14760 h 12240"/>
+                <a:gd name="textAreaLeft" fmla="*/ 0 w 51840"/>
+                <a:gd name="textAreaRight" fmla="*/ 55080 w 51840"/>
+                <a:gd name="textAreaTop" fmla="*/ 0 h 11520"/>
+                <a:gd name="textAreaBottom" fmla="*/ 14760 h 11520"/>
               </a:gdLst>
               <a:ahLst/>
               <a:rect l="textAreaLeft" t="textAreaTop" r="textAreaRight" b="textAreaBottom"/>
@@ -23585,15 +23693,15 @@
           <p:spPr>
             <a:xfrm>
               <a:off x="3906720" y="3707640"/>
-              <a:ext cx="21600" cy="12240"/>
+              <a:ext cx="20880" cy="11520"/>
             </a:xfrm>
             <a:custGeom>
               <a:avLst/>
               <a:gdLst>
-                <a:gd name="textAreaLeft" fmla="*/ 0 w 21600"/>
-                <a:gd name="textAreaRight" fmla="*/ 24120 w 21600"/>
-                <a:gd name="textAreaTop" fmla="*/ 0 h 12240"/>
-                <a:gd name="textAreaBottom" fmla="*/ 14760 h 12240"/>
+                <a:gd name="textAreaLeft" fmla="*/ 0 w 20880"/>
+                <a:gd name="textAreaRight" fmla="*/ 24120 w 20880"/>
+                <a:gd name="textAreaTop" fmla="*/ 0 h 11520"/>
+                <a:gd name="textAreaBottom" fmla="*/ 14760 h 11520"/>
               </a:gdLst>
               <a:ahLst/>
               <a:rect l="textAreaLeft" t="textAreaTop" r="textAreaRight" b="textAreaBottom"/>
@@ -23652,15 +23760,15 @@
           <p:spPr>
             <a:xfrm>
               <a:off x="3939120" y="3707640"/>
-              <a:ext cx="52920" cy="12240"/>
+              <a:ext cx="52200" cy="11520"/>
             </a:xfrm>
             <a:custGeom>
               <a:avLst/>
               <a:gdLst>
-                <a:gd name="textAreaLeft" fmla="*/ 0 w 52920"/>
-                <a:gd name="textAreaRight" fmla="*/ 55440 w 52920"/>
-                <a:gd name="textAreaTop" fmla="*/ 0 h 12240"/>
-                <a:gd name="textAreaBottom" fmla="*/ 14760 h 12240"/>
+                <a:gd name="textAreaLeft" fmla="*/ 0 w 52200"/>
+                <a:gd name="textAreaRight" fmla="*/ 55440 w 52200"/>
+                <a:gd name="textAreaTop" fmla="*/ 0 h 11520"/>
+                <a:gd name="textAreaBottom" fmla="*/ 14760 h 11520"/>
               </a:gdLst>
               <a:ahLst/>
               <a:rect l="textAreaLeft" t="textAreaTop" r="textAreaRight" b="textAreaBottom"/>
@@ -23719,15 +23827,15 @@
           <p:spPr>
             <a:xfrm>
               <a:off x="3906720" y="3736440"/>
-              <a:ext cx="21600" cy="13680"/>
+              <a:ext cx="20880" cy="12960"/>
             </a:xfrm>
             <a:custGeom>
               <a:avLst/>
               <a:gdLst>
-                <a:gd name="textAreaLeft" fmla="*/ 0 w 21600"/>
-                <a:gd name="textAreaRight" fmla="*/ 24120 w 21600"/>
-                <a:gd name="textAreaTop" fmla="*/ 0 h 13680"/>
-                <a:gd name="textAreaBottom" fmla="*/ 16200 h 13680"/>
+                <a:gd name="textAreaLeft" fmla="*/ 0 w 20880"/>
+                <a:gd name="textAreaRight" fmla="*/ 24120 w 20880"/>
+                <a:gd name="textAreaTop" fmla="*/ 0 h 12960"/>
+                <a:gd name="textAreaBottom" fmla="*/ 16200 h 12960"/>
               </a:gdLst>
               <a:ahLst/>
               <a:rect l="textAreaLeft" t="textAreaTop" r="textAreaRight" b="textAreaBottom"/>
@@ -23786,15 +23894,15 @@
           <p:spPr>
             <a:xfrm>
               <a:off x="3939120" y="3736440"/>
-              <a:ext cx="52920" cy="13680"/>
+              <a:ext cx="52200" cy="12960"/>
             </a:xfrm>
             <a:custGeom>
               <a:avLst/>
               <a:gdLst>
-                <a:gd name="textAreaLeft" fmla="*/ 0 w 52920"/>
-                <a:gd name="textAreaRight" fmla="*/ 55440 w 52920"/>
-                <a:gd name="textAreaTop" fmla="*/ 0 h 13680"/>
-                <a:gd name="textAreaBottom" fmla="*/ 16200 h 13680"/>
+                <a:gd name="textAreaLeft" fmla="*/ 0 w 52200"/>
+                <a:gd name="textAreaRight" fmla="*/ 55440 w 52200"/>
+                <a:gd name="textAreaTop" fmla="*/ 0 h 12960"/>
+                <a:gd name="textAreaBottom" fmla="*/ 16200 h 12960"/>
               </a:gdLst>
               <a:ahLst/>
               <a:rect l="textAreaLeft" t="textAreaTop" r="textAreaRight" b="textAreaBottom"/>
@@ -23853,15 +23961,15 @@
           <p:spPr>
             <a:xfrm>
               <a:off x="3906720" y="3767040"/>
-              <a:ext cx="21600" cy="12600"/>
+              <a:ext cx="20880" cy="11880"/>
             </a:xfrm>
             <a:custGeom>
               <a:avLst/>
               <a:gdLst>
-                <a:gd name="textAreaLeft" fmla="*/ 0 w 21600"/>
-                <a:gd name="textAreaRight" fmla="*/ 24120 w 21600"/>
-                <a:gd name="textAreaTop" fmla="*/ 0 h 12600"/>
-                <a:gd name="textAreaBottom" fmla="*/ 15120 h 12600"/>
+                <a:gd name="textAreaLeft" fmla="*/ 0 w 20880"/>
+                <a:gd name="textAreaRight" fmla="*/ 24120 w 20880"/>
+                <a:gd name="textAreaTop" fmla="*/ 0 h 11880"/>
+                <a:gd name="textAreaBottom" fmla="*/ 15120 h 11880"/>
               </a:gdLst>
               <a:ahLst/>
               <a:rect l="textAreaLeft" t="textAreaTop" r="textAreaRight" b="textAreaBottom"/>
@@ -23920,15 +24028,15 @@
           <p:spPr>
             <a:xfrm>
               <a:off x="3939120" y="3767040"/>
-              <a:ext cx="52920" cy="12600"/>
+              <a:ext cx="52200" cy="11880"/>
             </a:xfrm>
             <a:custGeom>
               <a:avLst/>
               <a:gdLst>
-                <a:gd name="textAreaLeft" fmla="*/ 0 w 52920"/>
-                <a:gd name="textAreaRight" fmla="*/ 55440 w 52920"/>
-                <a:gd name="textAreaTop" fmla="*/ 0 h 12600"/>
-                <a:gd name="textAreaBottom" fmla="*/ 15120 h 12600"/>
+                <a:gd name="textAreaLeft" fmla="*/ 0 w 52200"/>
+                <a:gd name="textAreaRight" fmla="*/ 55440 w 52200"/>
+                <a:gd name="textAreaTop" fmla="*/ 0 h 11880"/>
+                <a:gd name="textAreaBottom" fmla="*/ 15120 h 11880"/>
               </a:gdLst>
               <a:ahLst/>
               <a:rect l="textAreaLeft" t="textAreaTop" r="textAreaRight" b="textAreaBottom"/>
@@ -23987,15 +24095,15 @@
           <p:spPr>
             <a:xfrm>
               <a:off x="3870000" y="3720600"/>
-              <a:ext cx="12600" cy="45720"/>
+              <a:ext cx="11880" cy="45000"/>
             </a:xfrm>
             <a:custGeom>
               <a:avLst/>
               <a:gdLst>
-                <a:gd name="textAreaLeft" fmla="*/ 0 w 12600"/>
-                <a:gd name="textAreaRight" fmla="*/ 15120 w 12600"/>
-                <a:gd name="textAreaTop" fmla="*/ 0 h 45720"/>
-                <a:gd name="textAreaBottom" fmla="*/ 48240 h 45720"/>
+                <a:gd name="textAreaLeft" fmla="*/ 0 w 11880"/>
+                <a:gd name="textAreaRight" fmla="*/ 15120 w 11880"/>
+                <a:gd name="textAreaTop" fmla="*/ 0 h 45000"/>
+                <a:gd name="textAreaBottom" fmla="*/ 48240 h 45000"/>
               </a:gdLst>
               <a:ahLst/>
               <a:rect l="textAreaLeft" t="textAreaTop" r="textAreaRight" b="textAreaBottom"/>
@@ -24057,15 +24165,15 @@
           <p:spPr>
             <a:xfrm>
               <a:off x="3615840" y="3848040"/>
-              <a:ext cx="519840" cy="280080"/>
+              <a:ext cx="519120" cy="279360"/>
             </a:xfrm>
             <a:custGeom>
               <a:avLst/>
               <a:gdLst>
-                <a:gd name="textAreaLeft" fmla="*/ 0 w 519840"/>
-                <a:gd name="textAreaRight" fmla="*/ 522360 w 519840"/>
-                <a:gd name="textAreaTop" fmla="*/ 0 h 280080"/>
-                <a:gd name="textAreaBottom" fmla="*/ 282600 h 280080"/>
+                <a:gd name="textAreaLeft" fmla="*/ 0 w 519120"/>
+                <a:gd name="textAreaRight" fmla="*/ 522360 w 519120"/>
+                <a:gd name="textAreaTop" fmla="*/ 0 h 279360"/>
+                <a:gd name="textAreaBottom" fmla="*/ 282600 h 279360"/>
               </a:gdLst>
               <a:ahLst/>
               <a:rect l="textAreaLeft" t="textAreaTop" r="textAreaRight" b="textAreaBottom"/>
@@ -24559,15 +24667,15 @@
           <p:spPr>
             <a:xfrm>
               <a:off x="3729600" y="3600360"/>
-              <a:ext cx="293760" cy="204480"/>
+              <a:ext cx="293040" cy="203760"/>
             </a:xfrm>
             <a:custGeom>
               <a:avLst/>
               <a:gdLst>
-                <a:gd name="textAreaLeft" fmla="*/ 0 w 293760"/>
-                <a:gd name="textAreaRight" fmla="*/ 296280 w 293760"/>
-                <a:gd name="textAreaTop" fmla="*/ 0 h 204480"/>
-                <a:gd name="textAreaBottom" fmla="*/ 207000 h 204480"/>
+                <a:gd name="textAreaLeft" fmla="*/ 0 w 293040"/>
+                <a:gd name="textAreaRight" fmla="*/ 296280 w 293040"/>
+                <a:gd name="textAreaTop" fmla="*/ 0 h 203760"/>
+                <a:gd name="textAreaBottom" fmla="*/ 207000 h 203760"/>
               </a:gdLst>
               <a:ahLst/>
               <a:rect l="textAreaLeft" t="textAreaTop" r="textAreaRight" b="textAreaBottom"/>
@@ -24725,9 +24833,9 @@
         <p:grpSpPr>
           <a:xfrm>
             <a:off x="8071560" y="3600720"/>
-            <a:ext cx="393840" cy="526680"/>
+            <a:ext cx="393120" cy="525960"/>
             <a:chOff x="8071560" y="3600720"/>
-            <a:chExt cx="393840" cy="526680"/>
+            <a:chExt cx="393120" cy="525960"/>
           </a:xfrm>
         </p:grpSpPr>
         <p:sp>
@@ -24739,15 +24847,15 @@
           <p:spPr>
             <a:xfrm>
               <a:off x="8247960" y="3661560"/>
-              <a:ext cx="41040" cy="12600"/>
+              <a:ext cx="40320" cy="11880"/>
             </a:xfrm>
             <a:custGeom>
               <a:avLst/>
               <a:gdLst>
-                <a:gd name="textAreaLeft" fmla="*/ 0 w 41040"/>
-                <a:gd name="textAreaRight" fmla="*/ 43560 w 41040"/>
-                <a:gd name="textAreaTop" fmla="*/ 0 h 12600"/>
-                <a:gd name="textAreaBottom" fmla="*/ 15120 h 12600"/>
+                <a:gd name="textAreaLeft" fmla="*/ 0 w 40320"/>
+                <a:gd name="textAreaRight" fmla="*/ 43560 w 40320"/>
+                <a:gd name="textAreaTop" fmla="*/ 0 h 11880"/>
+                <a:gd name="textAreaBottom" fmla="*/ 15120 h 11880"/>
               </a:gdLst>
               <a:ahLst/>
               <a:rect l="textAreaLeft" t="textAreaTop" r="textAreaRight" b="textAreaBottom"/>
@@ -24806,15 +24914,15 @@
           <p:spPr>
             <a:xfrm>
               <a:off x="8101080" y="3631320"/>
-              <a:ext cx="334440" cy="465840"/>
+              <a:ext cx="333720" cy="465120"/>
             </a:xfrm>
             <a:custGeom>
               <a:avLst/>
               <a:gdLst>
-                <a:gd name="textAreaLeft" fmla="*/ 0 w 334440"/>
-                <a:gd name="textAreaRight" fmla="*/ 336960 w 334440"/>
-                <a:gd name="textAreaTop" fmla="*/ 0 h 465840"/>
-                <a:gd name="textAreaBottom" fmla="*/ 468360 h 465840"/>
+                <a:gd name="textAreaLeft" fmla="*/ 0 w 333720"/>
+                <a:gd name="textAreaRight" fmla="*/ 336960 w 333720"/>
+                <a:gd name="textAreaTop" fmla="*/ 0 h 465120"/>
+                <a:gd name="textAreaBottom" fmla="*/ 468360 h 465120"/>
               </a:gdLst>
               <a:ahLst/>
               <a:rect l="textAreaLeft" t="textAreaTop" r="textAreaRight" b="textAreaBottom"/>
@@ -25295,15 +25403,15 @@
           <p:spPr>
             <a:xfrm>
               <a:off x="8071560" y="3600720"/>
-              <a:ext cx="393840" cy="526680"/>
+              <a:ext cx="393120" cy="525960"/>
             </a:xfrm>
             <a:custGeom>
               <a:avLst/>
               <a:gdLst>
-                <a:gd name="textAreaLeft" fmla="*/ 0 w 393840"/>
-                <a:gd name="textAreaRight" fmla="*/ 396360 w 393840"/>
-                <a:gd name="textAreaTop" fmla="*/ 0 h 526680"/>
-                <a:gd name="textAreaBottom" fmla="*/ 529200 h 526680"/>
+                <a:gd name="textAreaLeft" fmla="*/ 0 w 393120"/>
+                <a:gd name="textAreaRight" fmla="*/ 396360 w 393120"/>
+                <a:gd name="textAreaTop" fmla="*/ 0 h 525960"/>
+                <a:gd name="textAreaBottom" fmla="*/ 529200 h 525960"/>
               </a:gdLst>
               <a:ahLst/>
               <a:rect l="textAreaLeft" t="textAreaTop" r="textAreaRight" b="textAreaBottom"/>
@@ -25441,9 +25549,9 @@
         <p:grpSpPr>
           <a:xfrm>
             <a:off x="5825520" y="4208400"/>
-            <a:ext cx="491400" cy="527040"/>
+            <a:ext cx="490680" cy="526320"/>
             <a:chOff x="5825520" y="4208400"/>
-            <a:chExt cx="491400" cy="527040"/>
+            <a:chExt cx="490680" cy="526320"/>
           </a:xfrm>
         </p:grpSpPr>
         <p:sp>
@@ -25455,15 +25563,15 @@
           <p:spPr>
             <a:xfrm>
               <a:off x="6118920" y="4253760"/>
-              <a:ext cx="117360" cy="91800"/>
+              <a:ext cx="116640" cy="91080"/>
             </a:xfrm>
             <a:custGeom>
               <a:avLst/>
               <a:gdLst>
-                <a:gd name="textAreaLeft" fmla="*/ 0 w 117360"/>
-                <a:gd name="textAreaRight" fmla="*/ 119880 w 117360"/>
-                <a:gd name="textAreaTop" fmla="*/ 0 h 91800"/>
-                <a:gd name="textAreaBottom" fmla="*/ 94320 h 91800"/>
+                <a:gd name="textAreaLeft" fmla="*/ 0 w 116640"/>
+                <a:gd name="textAreaRight" fmla="*/ 119880 w 116640"/>
+                <a:gd name="textAreaTop" fmla="*/ 0 h 91080"/>
+                <a:gd name="textAreaBottom" fmla="*/ 94320 h 91080"/>
               </a:gdLst>
               <a:ahLst/>
               <a:rect l="textAreaLeft" t="textAreaTop" r="textAreaRight" b="textAreaBottom"/>
@@ -25605,15 +25713,15 @@
           <p:spPr>
             <a:xfrm>
               <a:off x="6176880" y="4369320"/>
-              <a:ext cx="22320" cy="54720"/>
+              <a:ext cx="21600" cy="54000"/>
             </a:xfrm>
             <a:custGeom>
               <a:avLst/>
               <a:gdLst>
-                <a:gd name="textAreaLeft" fmla="*/ 0 w 22320"/>
-                <a:gd name="textAreaRight" fmla="*/ 24840 w 22320"/>
-                <a:gd name="textAreaTop" fmla="*/ 0 h 54720"/>
-                <a:gd name="textAreaBottom" fmla="*/ 57240 h 54720"/>
+                <a:gd name="textAreaLeft" fmla="*/ 0 w 21600"/>
+                <a:gd name="textAreaRight" fmla="*/ 24840 w 21600"/>
+                <a:gd name="textAreaTop" fmla="*/ 0 h 54000"/>
+                <a:gd name="textAreaBottom" fmla="*/ 57240 h 54000"/>
               </a:gdLst>
               <a:ahLst/>
               <a:rect l="textAreaLeft" t="textAreaTop" r="textAreaRight" b="textAreaBottom"/>
@@ -25678,15 +25786,15 @@
           <p:spPr>
             <a:xfrm>
               <a:off x="6204600" y="4375080"/>
-              <a:ext cx="22680" cy="54000"/>
+              <a:ext cx="21960" cy="53280"/>
             </a:xfrm>
             <a:custGeom>
               <a:avLst/>
               <a:gdLst>
-                <a:gd name="textAreaLeft" fmla="*/ 0 w 22680"/>
-                <a:gd name="textAreaRight" fmla="*/ 25200 w 22680"/>
-                <a:gd name="textAreaTop" fmla="*/ 0 h 54000"/>
-                <a:gd name="textAreaBottom" fmla="*/ 56520 h 54000"/>
+                <a:gd name="textAreaLeft" fmla="*/ 0 w 21960"/>
+                <a:gd name="textAreaRight" fmla="*/ 25200 w 21960"/>
+                <a:gd name="textAreaTop" fmla="*/ 0 h 53280"/>
+                <a:gd name="textAreaBottom" fmla="*/ 56520 h 53280"/>
               </a:gdLst>
               <a:ahLst/>
               <a:rect l="textAreaLeft" t="textAreaTop" r="textAreaRight" b="textAreaBottom"/>
@@ -25756,15 +25864,15 @@
           <p:spPr>
             <a:xfrm>
               <a:off x="6231600" y="4380120"/>
-              <a:ext cx="23040" cy="55440"/>
+              <a:ext cx="22320" cy="54720"/>
             </a:xfrm>
             <a:custGeom>
               <a:avLst/>
               <a:gdLst>
-                <a:gd name="textAreaLeft" fmla="*/ 0 w 23040"/>
-                <a:gd name="textAreaRight" fmla="*/ 25560 w 23040"/>
-                <a:gd name="textAreaTop" fmla="*/ 0 h 55440"/>
-                <a:gd name="textAreaBottom" fmla="*/ 57960 h 55440"/>
+                <a:gd name="textAreaLeft" fmla="*/ 0 w 22320"/>
+                <a:gd name="textAreaRight" fmla="*/ 25560 w 22320"/>
+                <a:gd name="textAreaTop" fmla="*/ 0 h 54720"/>
+                <a:gd name="textAreaBottom" fmla="*/ 57960 h 54720"/>
               </a:gdLst>
               <a:ahLst/>
               <a:rect l="textAreaLeft" t="textAreaTop" r="textAreaRight" b="textAreaBottom"/>
@@ -25834,15 +25942,15 @@
           <p:spPr>
             <a:xfrm>
               <a:off x="6176160" y="4502520"/>
-              <a:ext cx="39240" cy="142200"/>
+              <a:ext cx="38520" cy="141480"/>
             </a:xfrm>
             <a:custGeom>
               <a:avLst/>
               <a:gdLst>
-                <a:gd name="textAreaLeft" fmla="*/ 0 w 39240"/>
-                <a:gd name="textAreaRight" fmla="*/ 41760 w 39240"/>
-                <a:gd name="textAreaTop" fmla="*/ 0 h 142200"/>
-                <a:gd name="textAreaBottom" fmla="*/ 144720 h 142200"/>
+                <a:gd name="textAreaLeft" fmla="*/ 0 w 38520"/>
+                <a:gd name="textAreaRight" fmla="*/ 41760 w 38520"/>
+                <a:gd name="textAreaTop" fmla="*/ 0 h 141480"/>
+                <a:gd name="textAreaBottom" fmla="*/ 144720 h 141480"/>
               </a:gdLst>
               <a:ahLst/>
               <a:rect l="textAreaLeft" t="textAreaTop" r="textAreaRight" b="textAreaBottom"/>
@@ -25912,15 +26020,15 @@
           <p:spPr>
             <a:xfrm>
               <a:off x="5894640" y="4394880"/>
-              <a:ext cx="164880" cy="166680"/>
+              <a:ext cx="164160" cy="165960"/>
             </a:xfrm>
             <a:custGeom>
               <a:avLst/>
               <a:gdLst>
-                <a:gd name="textAreaLeft" fmla="*/ 0 w 164880"/>
-                <a:gd name="textAreaRight" fmla="*/ 167400 w 164880"/>
-                <a:gd name="textAreaTop" fmla="*/ 0 h 166680"/>
-                <a:gd name="textAreaBottom" fmla="*/ 169200 h 166680"/>
+                <a:gd name="textAreaLeft" fmla="*/ 0 w 164160"/>
+                <a:gd name="textAreaRight" fmla="*/ 167400 w 164160"/>
+                <a:gd name="textAreaTop" fmla="*/ 0 h 165960"/>
+                <a:gd name="textAreaBottom" fmla="*/ 169200 h 165960"/>
               </a:gdLst>
               <a:ahLst/>
               <a:rect l="textAreaLeft" t="textAreaTop" r="textAreaRight" b="textAreaBottom"/>
@@ -26251,15 +26359,15 @@
           <p:spPr>
             <a:xfrm>
               <a:off x="5897160" y="4576680"/>
-              <a:ext cx="159120" cy="56880"/>
+              <a:ext cx="158400" cy="56160"/>
             </a:xfrm>
             <a:custGeom>
               <a:avLst/>
               <a:gdLst>
-                <a:gd name="textAreaLeft" fmla="*/ 0 w 159120"/>
-                <a:gd name="textAreaRight" fmla="*/ 161640 w 159120"/>
-                <a:gd name="textAreaTop" fmla="*/ 0 h 56880"/>
-                <a:gd name="textAreaBottom" fmla="*/ 59400 h 56880"/>
+                <a:gd name="textAreaLeft" fmla="*/ 0 w 158400"/>
+                <a:gd name="textAreaRight" fmla="*/ 161640 w 158400"/>
+                <a:gd name="textAreaTop" fmla="*/ 0 h 56160"/>
+                <a:gd name="textAreaBottom" fmla="*/ 59400 h 56160"/>
               </a:gdLst>
               <a:ahLst/>
               <a:rect l="textAreaLeft" t="textAreaTop" r="textAreaRight" b="textAreaBottom"/>
@@ -26342,15 +26450,15 @@
           <p:spPr>
             <a:xfrm>
               <a:off x="5916600" y="4654440"/>
-              <a:ext cx="120600" cy="12600"/>
+              <a:ext cx="119880" cy="11880"/>
             </a:xfrm>
             <a:custGeom>
               <a:avLst/>
               <a:gdLst>
-                <a:gd name="textAreaLeft" fmla="*/ 0 w 120600"/>
-                <a:gd name="textAreaRight" fmla="*/ 123120 w 120600"/>
-                <a:gd name="textAreaTop" fmla="*/ 0 h 12600"/>
-                <a:gd name="textAreaBottom" fmla="*/ 15120 h 12600"/>
+                <a:gd name="textAreaLeft" fmla="*/ 0 w 119880"/>
+                <a:gd name="textAreaRight" fmla="*/ 123120 w 119880"/>
+                <a:gd name="textAreaTop" fmla="*/ 0 h 11880"/>
+                <a:gd name="textAreaBottom" fmla="*/ 15120 h 11880"/>
               </a:gdLst>
               <a:ahLst/>
               <a:rect l="textAreaLeft" t="textAreaTop" r="textAreaRight" b="textAreaBottom"/>
@@ -26409,15 +26517,15 @@
           <p:spPr>
             <a:xfrm>
               <a:off x="5947560" y="4687560"/>
-              <a:ext cx="59760" cy="12600"/>
+              <a:ext cx="59040" cy="11880"/>
             </a:xfrm>
             <a:custGeom>
               <a:avLst/>
               <a:gdLst>
-                <a:gd name="textAreaLeft" fmla="*/ 0 w 59760"/>
-                <a:gd name="textAreaRight" fmla="*/ 62280 w 59760"/>
-                <a:gd name="textAreaTop" fmla="*/ 0 h 12600"/>
-                <a:gd name="textAreaBottom" fmla="*/ 15120 h 12600"/>
+                <a:gd name="textAreaLeft" fmla="*/ 0 w 59040"/>
+                <a:gd name="textAreaRight" fmla="*/ 62280 w 59040"/>
+                <a:gd name="textAreaTop" fmla="*/ 0 h 11880"/>
+                <a:gd name="textAreaBottom" fmla="*/ 15120 h 11880"/>
               </a:gdLst>
               <a:ahLst/>
               <a:rect l="textAreaLeft" t="textAreaTop" r="textAreaRight" b="textAreaBottom"/>
@@ -26476,15 +26584,15 @@
           <p:spPr>
             <a:xfrm>
               <a:off x="5825520" y="4208400"/>
-              <a:ext cx="491400" cy="527040"/>
+              <a:ext cx="490680" cy="526320"/>
             </a:xfrm>
             <a:custGeom>
               <a:avLst/>
               <a:gdLst>
-                <a:gd name="textAreaLeft" fmla="*/ 0 w 491400"/>
-                <a:gd name="textAreaRight" fmla="*/ 493920 w 491400"/>
-                <a:gd name="textAreaTop" fmla="*/ 0 h 527040"/>
-                <a:gd name="textAreaBottom" fmla="*/ 529560 h 527040"/>
+                <a:gd name="textAreaLeft" fmla="*/ 0 w 490680"/>
+                <a:gd name="textAreaRight" fmla="*/ 493920 w 490680"/>
+                <a:gd name="textAreaTop" fmla="*/ 0 h 526320"/>
+                <a:gd name="textAreaBottom" fmla="*/ 529560 h 526320"/>
               </a:gdLst>
               <a:ahLst/>
               <a:rect l="textAreaLeft" t="textAreaTop" r="textAreaRight" b="textAreaBottom"/>
@@ -26788,9 +26896,9 @@
         <p:grpSpPr>
           <a:xfrm>
             <a:off x="1420560" y="4208760"/>
-            <a:ext cx="520200" cy="526680"/>
+            <a:ext cx="519480" cy="525960"/>
             <a:chOff x="1420560" y="4208760"/>
-            <a:chExt cx="520200" cy="526680"/>
+            <a:chExt cx="519480" cy="525960"/>
           </a:xfrm>
         </p:grpSpPr>
         <p:sp>
@@ -26802,15 +26910,15 @@
           <p:spPr>
             <a:xfrm>
               <a:off x="1570680" y="4594320"/>
-              <a:ext cx="11880" cy="19440"/>
+              <a:ext cx="11160" cy="18720"/>
             </a:xfrm>
             <a:custGeom>
               <a:avLst/>
               <a:gdLst>
-                <a:gd name="textAreaLeft" fmla="*/ 0 w 11880"/>
-                <a:gd name="textAreaRight" fmla="*/ 14400 w 11880"/>
-                <a:gd name="textAreaTop" fmla="*/ 0 h 19440"/>
-                <a:gd name="textAreaBottom" fmla="*/ 21960 h 19440"/>
+                <a:gd name="textAreaLeft" fmla="*/ 0 w 11160"/>
+                <a:gd name="textAreaRight" fmla="*/ 14400 w 11160"/>
+                <a:gd name="textAreaTop" fmla="*/ 0 h 18720"/>
+                <a:gd name="textAreaBottom" fmla="*/ 21960 h 18720"/>
               </a:gdLst>
               <a:ahLst/>
               <a:rect l="textAreaLeft" t="textAreaTop" r="textAreaRight" b="textAreaBottom"/>
@@ -26872,15 +26980,15 @@
           <p:spPr>
             <a:xfrm>
               <a:off x="1605240" y="4594320"/>
-              <a:ext cx="12600" cy="19440"/>
+              <a:ext cx="11880" cy="18720"/>
             </a:xfrm>
             <a:custGeom>
               <a:avLst/>
               <a:gdLst>
-                <a:gd name="textAreaLeft" fmla="*/ 0 w 12600"/>
-                <a:gd name="textAreaRight" fmla="*/ 15120 w 12600"/>
-                <a:gd name="textAreaTop" fmla="*/ 0 h 19440"/>
-                <a:gd name="textAreaBottom" fmla="*/ 21960 h 19440"/>
+                <a:gd name="textAreaLeft" fmla="*/ 0 w 11880"/>
+                <a:gd name="textAreaRight" fmla="*/ 15120 w 11880"/>
+                <a:gd name="textAreaTop" fmla="*/ 0 h 18720"/>
+                <a:gd name="textAreaBottom" fmla="*/ 21960 h 18720"/>
               </a:gdLst>
               <a:ahLst/>
               <a:rect l="textAreaLeft" t="textAreaTop" r="textAreaRight" b="textAreaBottom"/>
@@ -26942,15 +27050,15 @@
           <p:spPr>
             <a:xfrm>
               <a:off x="1639800" y="4594320"/>
-              <a:ext cx="12600" cy="19440"/>
+              <a:ext cx="11880" cy="18720"/>
             </a:xfrm>
             <a:custGeom>
               <a:avLst/>
               <a:gdLst>
-                <a:gd name="textAreaLeft" fmla="*/ 0 w 12600"/>
-                <a:gd name="textAreaRight" fmla="*/ 15120 w 12600"/>
-                <a:gd name="textAreaTop" fmla="*/ 0 h 19440"/>
-                <a:gd name="textAreaBottom" fmla="*/ 21960 h 19440"/>
+                <a:gd name="textAreaLeft" fmla="*/ 0 w 11880"/>
+                <a:gd name="textAreaRight" fmla="*/ 15120 w 11880"/>
+                <a:gd name="textAreaTop" fmla="*/ 0 h 18720"/>
+                <a:gd name="textAreaBottom" fmla="*/ 21960 h 18720"/>
               </a:gdLst>
               <a:ahLst/>
               <a:rect l="textAreaLeft" t="textAreaTop" r="textAreaRight" b="textAreaBottom"/>
@@ -27012,15 +27120,15 @@
           <p:spPr>
             <a:xfrm>
               <a:off x="1674360" y="4594320"/>
-              <a:ext cx="13320" cy="19440"/>
+              <a:ext cx="12600" cy="18720"/>
             </a:xfrm>
             <a:custGeom>
               <a:avLst/>
               <a:gdLst>
-                <a:gd name="textAreaLeft" fmla="*/ 0 w 13320"/>
-                <a:gd name="textAreaRight" fmla="*/ 15840 w 13320"/>
-                <a:gd name="textAreaTop" fmla="*/ 0 h 19440"/>
-                <a:gd name="textAreaBottom" fmla="*/ 21960 h 19440"/>
+                <a:gd name="textAreaLeft" fmla="*/ 0 w 12600"/>
+                <a:gd name="textAreaRight" fmla="*/ 15840 w 12600"/>
+                <a:gd name="textAreaTop" fmla="*/ 0 h 18720"/>
+                <a:gd name="textAreaBottom" fmla="*/ 21960 h 18720"/>
               </a:gdLst>
               <a:ahLst/>
               <a:rect l="textAreaLeft" t="textAreaTop" r="textAreaRight" b="textAreaBottom"/>
@@ -27082,15 +27190,15 @@
           <p:spPr>
             <a:xfrm>
               <a:off x="1708920" y="4594320"/>
-              <a:ext cx="11880" cy="19440"/>
+              <a:ext cx="11160" cy="18720"/>
             </a:xfrm>
             <a:custGeom>
               <a:avLst/>
               <a:gdLst>
-                <a:gd name="textAreaLeft" fmla="*/ 0 w 11880"/>
-                <a:gd name="textAreaRight" fmla="*/ 14400 w 11880"/>
-                <a:gd name="textAreaTop" fmla="*/ 0 h 19440"/>
-                <a:gd name="textAreaBottom" fmla="*/ 21960 h 19440"/>
+                <a:gd name="textAreaLeft" fmla="*/ 0 w 11160"/>
+                <a:gd name="textAreaRight" fmla="*/ 14400 w 11160"/>
+                <a:gd name="textAreaTop" fmla="*/ 0 h 18720"/>
+                <a:gd name="textAreaBottom" fmla="*/ 21960 h 18720"/>
               </a:gdLst>
               <a:ahLst/>
               <a:rect l="textAreaLeft" t="textAreaTop" r="textAreaRight" b="textAreaBottom"/>
@@ -27152,15 +27260,15 @@
           <p:spPr>
             <a:xfrm>
               <a:off x="1744200" y="4594320"/>
-              <a:ext cx="11880" cy="19440"/>
+              <a:ext cx="11160" cy="18720"/>
             </a:xfrm>
             <a:custGeom>
               <a:avLst/>
               <a:gdLst>
-                <a:gd name="textAreaLeft" fmla="*/ 0 w 11880"/>
-                <a:gd name="textAreaRight" fmla="*/ 14400 w 11880"/>
-                <a:gd name="textAreaTop" fmla="*/ 0 h 19440"/>
-                <a:gd name="textAreaBottom" fmla="*/ 21960 h 19440"/>
+                <a:gd name="textAreaLeft" fmla="*/ 0 w 11160"/>
+                <a:gd name="textAreaRight" fmla="*/ 14400 w 11160"/>
+                <a:gd name="textAreaTop" fmla="*/ 0 h 18720"/>
+                <a:gd name="textAreaBottom" fmla="*/ 21960 h 18720"/>
               </a:gdLst>
               <a:ahLst/>
               <a:rect l="textAreaLeft" t="textAreaTop" r="textAreaRight" b="textAreaBottom"/>
@@ -27222,15 +27330,15 @@
           <p:spPr>
             <a:xfrm>
               <a:off x="1778760" y="4594320"/>
-              <a:ext cx="12600" cy="19440"/>
+              <a:ext cx="11880" cy="18720"/>
             </a:xfrm>
             <a:custGeom>
               <a:avLst/>
               <a:gdLst>
-                <a:gd name="textAreaLeft" fmla="*/ 0 w 12600"/>
-                <a:gd name="textAreaRight" fmla="*/ 15120 w 12600"/>
-                <a:gd name="textAreaTop" fmla="*/ 0 h 19440"/>
-                <a:gd name="textAreaBottom" fmla="*/ 21960 h 19440"/>
+                <a:gd name="textAreaLeft" fmla="*/ 0 w 11880"/>
+                <a:gd name="textAreaRight" fmla="*/ 15120 w 11880"/>
+                <a:gd name="textAreaTop" fmla="*/ 0 h 18720"/>
+                <a:gd name="textAreaBottom" fmla="*/ 21960 h 18720"/>
               </a:gdLst>
               <a:ahLst/>
               <a:rect l="textAreaLeft" t="textAreaTop" r="textAreaRight" b="textAreaBottom"/>
@@ -27292,15 +27400,15 @@
           <p:spPr>
             <a:xfrm>
               <a:off x="1570680" y="4628880"/>
-              <a:ext cx="11880" cy="18360"/>
+              <a:ext cx="11160" cy="17640"/>
             </a:xfrm>
             <a:custGeom>
               <a:avLst/>
               <a:gdLst>
-                <a:gd name="textAreaLeft" fmla="*/ 0 w 11880"/>
-                <a:gd name="textAreaRight" fmla="*/ 14400 w 11880"/>
-                <a:gd name="textAreaTop" fmla="*/ 0 h 18360"/>
-                <a:gd name="textAreaBottom" fmla="*/ 20880 h 18360"/>
+                <a:gd name="textAreaLeft" fmla="*/ 0 w 11160"/>
+                <a:gd name="textAreaRight" fmla="*/ 14400 w 11160"/>
+                <a:gd name="textAreaTop" fmla="*/ 0 h 17640"/>
+                <a:gd name="textAreaBottom" fmla="*/ 20880 h 17640"/>
               </a:gdLst>
               <a:ahLst/>
               <a:rect l="textAreaLeft" t="textAreaTop" r="textAreaRight" b="textAreaBottom"/>
@@ -27362,15 +27470,15 @@
           <p:spPr>
             <a:xfrm>
               <a:off x="1605240" y="4628880"/>
-              <a:ext cx="12600" cy="18360"/>
+              <a:ext cx="11880" cy="17640"/>
             </a:xfrm>
             <a:custGeom>
               <a:avLst/>
               <a:gdLst>
-                <a:gd name="textAreaLeft" fmla="*/ 0 w 12600"/>
-                <a:gd name="textAreaRight" fmla="*/ 15120 w 12600"/>
-                <a:gd name="textAreaTop" fmla="*/ 0 h 18360"/>
-                <a:gd name="textAreaBottom" fmla="*/ 20880 h 18360"/>
+                <a:gd name="textAreaLeft" fmla="*/ 0 w 11880"/>
+                <a:gd name="textAreaRight" fmla="*/ 15120 w 11880"/>
+                <a:gd name="textAreaTop" fmla="*/ 0 h 17640"/>
+                <a:gd name="textAreaBottom" fmla="*/ 20880 h 17640"/>
               </a:gdLst>
               <a:ahLst/>
               <a:rect l="textAreaLeft" t="textAreaTop" r="textAreaRight" b="textAreaBottom"/>
@@ -27432,15 +27540,15 @@
           <p:spPr>
             <a:xfrm>
               <a:off x="1639800" y="4628880"/>
-              <a:ext cx="12600" cy="18360"/>
+              <a:ext cx="11880" cy="17640"/>
             </a:xfrm>
             <a:custGeom>
               <a:avLst/>
               <a:gdLst>
-                <a:gd name="textAreaLeft" fmla="*/ 0 w 12600"/>
-                <a:gd name="textAreaRight" fmla="*/ 15120 w 12600"/>
-                <a:gd name="textAreaTop" fmla="*/ 0 h 18360"/>
-                <a:gd name="textAreaBottom" fmla="*/ 20880 h 18360"/>
+                <a:gd name="textAreaLeft" fmla="*/ 0 w 11880"/>
+                <a:gd name="textAreaRight" fmla="*/ 15120 w 11880"/>
+                <a:gd name="textAreaTop" fmla="*/ 0 h 17640"/>
+                <a:gd name="textAreaBottom" fmla="*/ 20880 h 17640"/>
               </a:gdLst>
               <a:ahLst/>
               <a:rect l="textAreaLeft" t="textAreaTop" r="textAreaRight" b="textAreaBottom"/>
@@ -27502,15 +27610,15 @@
           <p:spPr>
             <a:xfrm>
               <a:off x="1674360" y="4628880"/>
-              <a:ext cx="13320" cy="18360"/>
+              <a:ext cx="12600" cy="17640"/>
             </a:xfrm>
             <a:custGeom>
               <a:avLst/>
               <a:gdLst>
-                <a:gd name="textAreaLeft" fmla="*/ 0 w 13320"/>
-                <a:gd name="textAreaRight" fmla="*/ 15840 w 13320"/>
-                <a:gd name="textAreaTop" fmla="*/ 0 h 18360"/>
-                <a:gd name="textAreaBottom" fmla="*/ 20880 h 18360"/>
+                <a:gd name="textAreaLeft" fmla="*/ 0 w 12600"/>
+                <a:gd name="textAreaRight" fmla="*/ 15840 w 12600"/>
+                <a:gd name="textAreaTop" fmla="*/ 0 h 17640"/>
+                <a:gd name="textAreaBottom" fmla="*/ 20880 h 17640"/>
               </a:gdLst>
               <a:ahLst/>
               <a:rect l="textAreaLeft" t="textAreaTop" r="textAreaRight" b="textAreaBottom"/>
@@ -27572,15 +27680,15 @@
           <p:spPr>
             <a:xfrm>
               <a:off x="1708920" y="4628880"/>
-              <a:ext cx="11880" cy="18360"/>
+              <a:ext cx="11160" cy="17640"/>
             </a:xfrm>
             <a:custGeom>
               <a:avLst/>
               <a:gdLst>
-                <a:gd name="textAreaLeft" fmla="*/ 0 w 11880"/>
-                <a:gd name="textAreaRight" fmla="*/ 14400 w 11880"/>
-                <a:gd name="textAreaTop" fmla="*/ 0 h 18360"/>
-                <a:gd name="textAreaBottom" fmla="*/ 20880 h 18360"/>
+                <a:gd name="textAreaLeft" fmla="*/ 0 w 11160"/>
+                <a:gd name="textAreaRight" fmla="*/ 14400 w 11160"/>
+                <a:gd name="textAreaTop" fmla="*/ 0 h 17640"/>
+                <a:gd name="textAreaBottom" fmla="*/ 20880 h 17640"/>
               </a:gdLst>
               <a:ahLst/>
               <a:rect l="textAreaLeft" t="textAreaTop" r="textAreaRight" b="textAreaBottom"/>
@@ -27642,15 +27750,15 @@
           <p:spPr>
             <a:xfrm>
               <a:off x="1744200" y="4628880"/>
-              <a:ext cx="11880" cy="18360"/>
+              <a:ext cx="11160" cy="17640"/>
             </a:xfrm>
             <a:custGeom>
               <a:avLst/>
               <a:gdLst>
-                <a:gd name="textAreaLeft" fmla="*/ 0 w 11880"/>
-                <a:gd name="textAreaRight" fmla="*/ 14400 w 11880"/>
-                <a:gd name="textAreaTop" fmla="*/ 0 h 18360"/>
-                <a:gd name="textAreaBottom" fmla="*/ 20880 h 18360"/>
+                <a:gd name="textAreaLeft" fmla="*/ 0 w 11160"/>
+                <a:gd name="textAreaRight" fmla="*/ 14400 w 11160"/>
+                <a:gd name="textAreaTop" fmla="*/ 0 h 17640"/>
+                <a:gd name="textAreaBottom" fmla="*/ 20880 h 17640"/>
               </a:gdLst>
               <a:ahLst/>
               <a:rect l="textAreaLeft" t="textAreaTop" r="textAreaRight" b="textAreaBottom"/>
@@ -27712,15 +27820,15 @@
           <p:spPr>
             <a:xfrm>
               <a:off x="1778760" y="4628880"/>
-              <a:ext cx="12600" cy="18360"/>
+              <a:ext cx="11880" cy="17640"/>
             </a:xfrm>
             <a:custGeom>
               <a:avLst/>
               <a:gdLst>
-                <a:gd name="textAreaLeft" fmla="*/ 0 w 12600"/>
-                <a:gd name="textAreaRight" fmla="*/ 15120 w 12600"/>
-                <a:gd name="textAreaTop" fmla="*/ 0 h 18360"/>
-                <a:gd name="textAreaBottom" fmla="*/ 20880 h 18360"/>
+                <a:gd name="textAreaLeft" fmla="*/ 0 w 11880"/>
+                <a:gd name="textAreaRight" fmla="*/ 15120 w 11880"/>
+                <a:gd name="textAreaTop" fmla="*/ 0 h 17640"/>
+                <a:gd name="textAreaBottom" fmla="*/ 20880 h 17640"/>
               </a:gdLst>
               <a:ahLst/>
               <a:rect l="textAreaLeft" t="textAreaTop" r="textAreaRight" b="textAreaBottom"/>
@@ -27782,15 +27890,15 @@
           <p:spPr>
             <a:xfrm>
               <a:off x="1468440" y="4682160"/>
-              <a:ext cx="12600" cy="19440"/>
+              <a:ext cx="11880" cy="18720"/>
             </a:xfrm>
             <a:custGeom>
               <a:avLst/>
               <a:gdLst>
-                <a:gd name="textAreaLeft" fmla="*/ 0 w 12600"/>
-                <a:gd name="textAreaRight" fmla="*/ 15120 w 12600"/>
-                <a:gd name="textAreaTop" fmla="*/ 0 h 19440"/>
-                <a:gd name="textAreaBottom" fmla="*/ 21960 h 19440"/>
+                <a:gd name="textAreaLeft" fmla="*/ 0 w 11880"/>
+                <a:gd name="textAreaRight" fmla="*/ 15120 w 11880"/>
+                <a:gd name="textAreaTop" fmla="*/ 0 h 18720"/>
+                <a:gd name="textAreaBottom" fmla="*/ 21960 h 18720"/>
               </a:gdLst>
               <a:ahLst/>
               <a:rect l="textAreaLeft" t="textAreaTop" r="textAreaRight" b="textAreaBottom"/>
@@ -27852,15 +27960,15 @@
           <p:spPr>
             <a:xfrm>
               <a:off x="1499400" y="4682160"/>
-              <a:ext cx="13680" cy="19440"/>
+              <a:ext cx="12960" cy="18720"/>
             </a:xfrm>
             <a:custGeom>
               <a:avLst/>
               <a:gdLst>
-                <a:gd name="textAreaLeft" fmla="*/ 0 w 13680"/>
-                <a:gd name="textAreaRight" fmla="*/ 16200 w 13680"/>
-                <a:gd name="textAreaTop" fmla="*/ 0 h 19440"/>
-                <a:gd name="textAreaBottom" fmla="*/ 21960 h 19440"/>
+                <a:gd name="textAreaLeft" fmla="*/ 0 w 12960"/>
+                <a:gd name="textAreaRight" fmla="*/ 16200 w 12960"/>
+                <a:gd name="textAreaTop" fmla="*/ 0 h 18720"/>
+                <a:gd name="textAreaBottom" fmla="*/ 21960 h 18720"/>
               </a:gdLst>
               <a:ahLst/>
               <a:rect l="textAreaLeft" t="textAreaTop" r="textAreaRight" b="textAreaBottom"/>
@@ -27922,15 +28030,15 @@
           <p:spPr>
             <a:xfrm>
               <a:off x="1848960" y="4682160"/>
-              <a:ext cx="13320" cy="19440"/>
+              <a:ext cx="12600" cy="18720"/>
             </a:xfrm>
             <a:custGeom>
               <a:avLst/>
               <a:gdLst>
-                <a:gd name="textAreaLeft" fmla="*/ 0 w 13320"/>
-                <a:gd name="textAreaRight" fmla="*/ 15840 w 13320"/>
-                <a:gd name="textAreaTop" fmla="*/ 0 h 19440"/>
-                <a:gd name="textAreaBottom" fmla="*/ 21960 h 19440"/>
+                <a:gd name="textAreaLeft" fmla="*/ 0 w 12600"/>
+                <a:gd name="textAreaRight" fmla="*/ 15840 w 12600"/>
+                <a:gd name="textAreaTop" fmla="*/ 0 h 18720"/>
+                <a:gd name="textAreaBottom" fmla="*/ 21960 h 18720"/>
               </a:gdLst>
               <a:ahLst/>
               <a:rect l="textAreaLeft" t="textAreaTop" r="textAreaRight" b="textAreaBottom"/>
@@ -27992,15 +28100,15 @@
           <p:spPr>
             <a:xfrm>
               <a:off x="1879920" y="4682160"/>
-              <a:ext cx="12600" cy="19440"/>
+              <a:ext cx="11880" cy="18720"/>
             </a:xfrm>
             <a:custGeom>
               <a:avLst/>
               <a:gdLst>
-                <a:gd name="textAreaLeft" fmla="*/ 0 w 12600"/>
-                <a:gd name="textAreaRight" fmla="*/ 15120 w 12600"/>
-                <a:gd name="textAreaTop" fmla="*/ 0 h 19440"/>
-                <a:gd name="textAreaBottom" fmla="*/ 21960 h 19440"/>
+                <a:gd name="textAreaLeft" fmla="*/ 0 w 11880"/>
+                <a:gd name="textAreaRight" fmla="*/ 15120 w 11880"/>
+                <a:gd name="textAreaTop" fmla="*/ 0 h 18720"/>
+                <a:gd name="textAreaBottom" fmla="*/ 21960 h 18720"/>
               </a:gdLst>
               <a:ahLst/>
               <a:rect l="textAreaLeft" t="textAreaTop" r="textAreaRight" b="textAreaBottom"/>
@@ -28062,15 +28170,15 @@
           <p:spPr>
             <a:xfrm>
               <a:off x="1848960" y="4655160"/>
-              <a:ext cx="13320" cy="18360"/>
+              <a:ext cx="12600" cy="17640"/>
             </a:xfrm>
             <a:custGeom>
               <a:avLst/>
               <a:gdLst>
-                <a:gd name="textAreaLeft" fmla="*/ 0 w 13320"/>
-                <a:gd name="textAreaRight" fmla="*/ 15840 w 13320"/>
-                <a:gd name="textAreaTop" fmla="*/ 0 h 18360"/>
-                <a:gd name="textAreaBottom" fmla="*/ 20880 h 18360"/>
+                <a:gd name="textAreaLeft" fmla="*/ 0 w 12600"/>
+                <a:gd name="textAreaRight" fmla="*/ 15840 w 12600"/>
+                <a:gd name="textAreaTop" fmla="*/ 0 h 17640"/>
+                <a:gd name="textAreaBottom" fmla="*/ 20880 h 17640"/>
               </a:gdLst>
               <a:ahLst/>
               <a:rect l="textAreaLeft" t="textAreaTop" r="textAreaRight" b="textAreaBottom"/>
@@ -28132,15 +28240,15 @@
           <p:spPr>
             <a:xfrm>
               <a:off x="1879920" y="4655160"/>
-              <a:ext cx="12600" cy="18360"/>
+              <a:ext cx="11880" cy="17640"/>
             </a:xfrm>
             <a:custGeom>
               <a:avLst/>
               <a:gdLst>
-                <a:gd name="textAreaLeft" fmla="*/ 0 w 12600"/>
-                <a:gd name="textAreaRight" fmla="*/ 15120 w 12600"/>
-                <a:gd name="textAreaTop" fmla="*/ 0 h 18360"/>
-                <a:gd name="textAreaBottom" fmla="*/ 20880 h 18360"/>
+                <a:gd name="textAreaLeft" fmla="*/ 0 w 11880"/>
+                <a:gd name="textAreaRight" fmla="*/ 15120 w 11880"/>
+                <a:gd name="textAreaTop" fmla="*/ 0 h 17640"/>
+                <a:gd name="textAreaBottom" fmla="*/ 20880 h 17640"/>
               </a:gdLst>
               <a:ahLst/>
               <a:rect l="textAreaLeft" t="textAreaTop" r="textAreaRight" b="textAreaBottom"/>
@@ -28202,15 +28310,15 @@
           <p:spPr>
             <a:xfrm>
               <a:off x="1420560" y="4208760"/>
-              <a:ext cx="520200" cy="526680"/>
+              <a:ext cx="519480" cy="525960"/>
             </a:xfrm>
             <a:custGeom>
               <a:avLst/>
               <a:gdLst>
-                <a:gd name="textAreaLeft" fmla="*/ 0 w 520200"/>
-                <a:gd name="textAreaRight" fmla="*/ 522720 w 520200"/>
-                <a:gd name="textAreaTop" fmla="*/ 0 h 526680"/>
-                <a:gd name="textAreaBottom" fmla="*/ 529200 h 526680"/>
+                <a:gd name="textAreaLeft" fmla="*/ 0 w 519480"/>
+                <a:gd name="textAreaRight" fmla="*/ 522720 w 519480"/>
+                <a:gd name="textAreaTop" fmla="*/ 0 h 525960"/>
+                <a:gd name="textAreaBottom" fmla="*/ 529200 h 525960"/>
               </a:gdLst>
               <a:ahLst/>
               <a:rect l="textAreaLeft" t="textAreaTop" r="textAreaRight" b="textAreaBottom"/>
@@ -28899,8 +29007,8 @@
         </p:nvCxnSpPr>
         <p:spPr>
           <a:xfrm>
-            <a:off x="1680120" y="4978440"/>
-            <a:ext cx="1800" cy="179640"/>
+            <a:off x="1679760" y="4977720"/>
+            <a:ext cx="1800" cy="180360"/>
           </a:xfrm>
           <a:prstGeom prst="straightConnector1">
             <a:avLst/>
@@ -28924,8 +29032,8 @@
         </p:nvCxnSpPr>
         <p:spPr>
           <a:xfrm>
-            <a:off x="3876120" y="4370040"/>
-            <a:ext cx="1800" cy="180000"/>
+            <a:off x="3875760" y="4369320"/>
+            <a:ext cx="1800" cy="180720"/>
           </a:xfrm>
           <a:prstGeom prst="straightConnector1">
             <a:avLst/>
@@ -28949,7 +29057,7 @@
         <p:spPr>
           <a:xfrm>
             <a:off x="6072840" y="4993920"/>
-            <a:ext cx="720" cy="164160"/>
+            <a:ext cx="360" cy="164160"/>
           </a:xfrm>
           <a:prstGeom prst="straightConnector1">
             <a:avLst/>
@@ -28971,9 +29079,9 @@
           <p:nvPr/>
         </p:nvCxnSpPr>
         <p:spPr>
-          <a:xfrm>
-            <a:off x="8268480" y="4386600"/>
-            <a:ext cx="360" cy="163440"/>
+          <a:xfrm flipH="1">
+            <a:off x="8268120" y="4386600"/>
+            <a:ext cx="1080" cy="163440"/>
           </a:xfrm>
           <a:prstGeom prst="straightConnector1">
             <a:avLst/>
@@ -29000,7 +29108,7 @@
         <p:spPr>
           <a:xfrm rot="646800">
             <a:off x="5146200" y="1712160"/>
-            <a:ext cx="3971880" cy="1445760"/>
+            <a:ext cx="3971160" cy="1445040"/>
           </a:xfrm>
           <a:prstGeom prst="rect">
             <a:avLst/>
@@ -29053,7 +29161,7 @@
         <p:spPr>
           <a:xfrm rot="496800">
             <a:off x="644040" y="3241440"/>
-            <a:ext cx="5889600" cy="2268000"/>
+            <a:ext cx="5888880" cy="2267280"/>
           </a:xfrm>
           <a:prstGeom prst="rect">
             <a:avLst/>
@@ -29066,13 +29174,13 @@
       <p:sp>
         <p:nvSpPr>
           <p:cNvPr id="595" name="PlaceHolder 86"/>
-          <p:cNvSpPr txBox="1"/>
+          <p:cNvSpPr/>
           <p:nvPr/>
         </p:nvSpPr>
         <p:spPr>
           <a:xfrm>
             <a:off x="5116680" y="3710880"/>
-            <a:ext cx="3387960" cy="386280"/>
+            <a:ext cx="3387240" cy="385560"/>
           </a:xfrm>
           <a:prstGeom prst="rect">
             <a:avLst/>
@@ -29082,6 +29190,12 @@
             <a:noFill/>
           </a:ln>
         </p:spPr>
+        <p:style>
+          <a:lnRef idx="0"/>
+          <a:fillRef idx="0"/>
+          <a:effectRef idx="0"/>
+          <a:fontRef idx="minor"/>
+        </p:style>
         <p:txBody>
           <a:bodyPr lIns="0" rIns="0" tIns="91440" bIns="91440" anchor="ctr">
             <a:noAutofit/>
@@ -29130,13 +29244,13 @@
       <p:sp>
         <p:nvSpPr>
           <p:cNvPr id="596" name="PlaceHolder 87"/>
-          <p:cNvSpPr txBox="1"/>
+          <p:cNvSpPr/>
           <p:nvPr/>
         </p:nvSpPr>
         <p:spPr>
           <a:xfrm>
             <a:off x="4148640" y="1944720"/>
-            <a:ext cx="4356000" cy="1641600"/>
+            <a:ext cx="4355280" cy="1640880"/>
           </a:xfrm>
           <a:prstGeom prst="rect">
             <a:avLst/>
@@ -29146,6 +29260,12 @@
             <a:noFill/>
           </a:ln>
         </p:spPr>
+        <p:style>
+          <a:lnRef idx="0"/>
+          <a:fillRef idx="0"/>
+          <a:effectRef idx="0"/>
+          <a:fontRef idx="minor"/>
+        </p:style>
         <p:txBody>
           <a:bodyPr lIns="0" rIns="0" tIns="91440" bIns="91440" anchor="t">
             <a:noAutofit/>
@@ -29180,7 +29300,7 @@
               <a:t>Our ultimate objective is to make programs that learn from their experience as effectively as humans do.”</a:t>
             </a:r>
             <a:endParaRPr b="0" lang="en-US" sz="2400" spc="-1" strike="noStrike">
-              <a:latin typeface="Times New Roman"/>
+              <a:latin typeface="Arial"/>
             </a:endParaRPr>
           </a:p>
         </p:txBody>
@@ -29218,13 +29338,13 @@
       <p:sp>
         <p:nvSpPr>
           <p:cNvPr id="597" name="PlaceHolder 83"/>
-          <p:cNvSpPr txBox="1"/>
+          <p:cNvSpPr/>
           <p:nvPr/>
         </p:nvSpPr>
         <p:spPr>
           <a:xfrm>
             <a:off x="1808640" y="4759560"/>
-            <a:ext cx="5964480" cy="810360"/>
+            <a:ext cx="5963760" cy="809640"/>
           </a:xfrm>
           <a:prstGeom prst="rect">
             <a:avLst/>
@@ -29234,6 +29354,12 @@
             <a:noFill/>
           </a:ln>
         </p:spPr>
+        <p:style>
+          <a:lnRef idx="0"/>
+          <a:fillRef idx="0"/>
+          <a:effectRef idx="0"/>
+          <a:fontRef idx="minor"/>
+        </p:style>
         <p:txBody>
           <a:bodyPr lIns="90000" rIns="90000" tIns="91440" bIns="91440" anchor="ctr">
             <a:noAutofit/>
@@ -29250,7 +29376,7 @@
             <a:r>
               <a:rPr b="0" lang="en" sz="5000" spc="-1" strike="noStrike">
                 <a:solidFill>
-                  <a:schemeClr val="lt2"/>
+                  <a:srgbClr val="ffffff"/>
                 </a:solidFill>
                 <a:highlight>
                   <a:srgbClr val="157dd9"/>
@@ -29269,13 +29395,13 @@
       <p:sp>
         <p:nvSpPr>
           <p:cNvPr id="598" name="PlaceHolder 84"/>
-          <p:cNvSpPr txBox="1"/>
+          <p:cNvSpPr/>
           <p:nvPr/>
         </p:nvSpPr>
         <p:spPr>
           <a:xfrm>
             <a:off x="2566800" y="5679000"/>
-            <a:ext cx="4448520" cy="402840"/>
+            <a:ext cx="4447800" cy="402120"/>
           </a:xfrm>
           <a:prstGeom prst="rect">
             <a:avLst/>
@@ -29285,6 +29411,12 @@
             <a:noFill/>
           </a:ln>
         </p:spPr>
+        <p:style>
+          <a:lnRef idx="0"/>
+          <a:fillRef idx="0"/>
+          <a:effectRef idx="0"/>
+          <a:fontRef idx="minor"/>
+        </p:style>
         <p:txBody>
           <a:bodyPr lIns="0" rIns="0" tIns="91440" bIns="91440" anchor="ctr">
             <a:noAutofit/>
@@ -29309,7 +29441,7 @@
               <a:t>How did we choose this model</a:t>
             </a:r>
             <a:endParaRPr b="0" lang="en-US" sz="1800" spc="-1" strike="noStrike">
-              <a:latin typeface="Times New Roman"/>
+              <a:latin typeface="Arial"/>
             </a:endParaRPr>
           </a:p>
         </p:txBody>
@@ -29317,13 +29449,13 @@
       <p:sp>
         <p:nvSpPr>
           <p:cNvPr id="599" name="PlaceHolder 85"/>
-          <p:cNvSpPr txBox="1"/>
+          <p:cNvSpPr/>
           <p:nvPr/>
         </p:nvSpPr>
         <p:spPr>
           <a:xfrm>
             <a:off x="4105080" y="3942000"/>
-            <a:ext cx="1371240" cy="739440"/>
+            <a:ext cx="1370520" cy="738720"/>
           </a:xfrm>
           <a:prstGeom prst="rect">
             <a:avLst/>
@@ -29333,6 +29465,12 @@
             <a:noFill/>
           </a:ln>
         </p:spPr>
+        <p:style>
+          <a:lnRef idx="0"/>
+          <a:fillRef idx="0"/>
+          <a:effectRef idx="0"/>
+          <a:fontRef idx="minor"/>
+        </p:style>
         <p:txBody>
           <a:bodyPr lIns="90000" rIns="90000" tIns="91440" bIns="91440" anchor="ctr">
             <a:noAutofit/>
@@ -29349,7 +29487,7 @@
             <a:r>
               <a:rPr b="0" lang="en" sz="6500" spc="-1" strike="noStrike">
                 <a:solidFill>
-                  <a:schemeClr val="dk2"/>
+                  <a:srgbClr val="3465a4"/>
                 </a:solidFill>
                 <a:latin typeface="Manrope"/>
                 <a:ea typeface="Manrope"/>
@@ -29375,7 +29513,7 @@
         <p:spPr>
           <a:xfrm>
             <a:off x="2036880" y="1634760"/>
-            <a:ext cx="5508000" cy="1823040"/>
+            <a:ext cx="5507280" cy="1822320"/>
           </a:xfrm>
           <a:prstGeom prst="rect">
             <a:avLst/>
@@ -29418,13 +29556,13 @@
       <p:sp>
         <p:nvSpPr>
           <p:cNvPr id="601" name="PlaceHolder 88"/>
-          <p:cNvSpPr txBox="1"/>
+          <p:cNvSpPr/>
           <p:nvPr/>
         </p:nvSpPr>
         <p:spPr>
           <a:xfrm>
             <a:off x="766440" y="1661400"/>
-            <a:ext cx="8010720" cy="592920"/>
+            <a:ext cx="8010000" cy="592200"/>
           </a:xfrm>
           <a:prstGeom prst="rect">
             <a:avLst/>
@@ -29434,6 +29572,12 @@
             <a:noFill/>
           </a:ln>
         </p:spPr>
+        <p:style>
+          <a:lnRef idx="0"/>
+          <a:fillRef idx="0"/>
+          <a:effectRef idx="0"/>
+          <a:fontRef idx="minor"/>
+        </p:style>
         <p:txBody>
           <a:bodyPr lIns="0" rIns="0" tIns="91440" bIns="91440" anchor="t">
             <a:noAutofit/>
@@ -29563,7 +29707,7 @@
                         <a:t>Random forest</a:t>
                       </a:r>
                       <a:endParaRPr b="0" lang="en-US" sz="1800" spc="-1" strike="noStrike">
-                        <a:latin typeface="Times New Roman"/>
+                        <a:latin typeface="Arial"/>
                       </a:endParaRPr>
                     </a:p>
                   </a:txBody>
@@ -29589,7 +29733,7 @@
                       </a:solidFill>
                     </a:lnB>
                     <a:solidFill>
-                      <a:schemeClr val="dk2"/>
+                      <a:srgbClr val="3465a4"/>
                     </a:solidFill>
                   </a:tcPr>
                 </a:tc>
@@ -29618,7 +29762,7 @@
                         <a:t>XGB</a:t>
                       </a:r>
                       <a:endParaRPr b="0" lang="en-US" sz="1800" spc="-1" strike="noStrike">
-                        <a:latin typeface="Times New Roman"/>
+                        <a:latin typeface="Arial"/>
                       </a:endParaRPr>
                     </a:p>
                   </a:txBody>
@@ -29644,7 +29788,7 @@
                       </a:solidFill>
                     </a:lnB>
                     <a:solidFill>
-                      <a:schemeClr val="dk2"/>
+                      <a:srgbClr val="3465a4"/>
                     </a:solidFill>
                   </a:tcPr>
                 </a:tc>
@@ -29673,7 +29817,7 @@
                         <a:t>Cat Boost</a:t>
                       </a:r>
                       <a:endParaRPr b="0" lang="en-US" sz="1800" spc="-1" strike="noStrike">
-                        <a:latin typeface="Times New Roman"/>
+                        <a:latin typeface="Arial"/>
                       </a:endParaRPr>
                     </a:p>
                   </a:txBody>
@@ -29699,7 +29843,7 @@
                       </a:solidFill>
                     </a:lnB>
                     <a:solidFill>
-                      <a:schemeClr val="dk2"/>
+                      <a:srgbClr val="3465a4"/>
                     </a:solidFill>
                   </a:tcPr>
                 </a:tc>
@@ -29755,7 +29899,7 @@
                         <a:t>Accuracy (f1 score)</a:t>
                       </a:r>
                       <a:endParaRPr b="0" lang="en-US" sz="1800" spc="-1" strike="noStrike">
-                        <a:latin typeface="Times New Roman"/>
+                        <a:latin typeface="Arial"/>
                       </a:endParaRPr>
                     </a:p>
                   </a:txBody>
@@ -29801,8 +29945,7 @@
                         <a:t>94%</a:t>
                       </a:r>
                       <a:endParaRPr b="0" lang="en-US" sz="2400" spc="-1" strike="noStrike">
-                        <a:latin typeface="Times New Roman"/>
-                        <a:ea typeface="Segoe UI"/>
+                        <a:latin typeface="Arial"/>
                       </a:endParaRPr>
                     </a:p>
                   </a:txBody>
@@ -29836,7 +29979,11 @@
                       <a:noAutofit/>
                     </a:bodyPr>
                     <a:p>
-                      <a:pPr algn="ctr"/>
+                      <a:pPr algn="ctr">
+                        <a:lnSpc>
+                          <a:spcPct val="100000"/>
+                        </a:lnSpc>
+                      </a:pPr>
                       <a:r>
                         <a:rPr b="0" lang="en-US" sz="2400" spc="-1" strike="noStrike">
                           <a:latin typeface="Times New Roman"/>
@@ -29844,7 +29991,7 @@
                         <a:t>96.3%</a:t>
                       </a:r>
                       <a:endParaRPr b="0" lang="en-US" sz="2400" spc="-1" strike="noStrike">
-                        <a:latin typeface="Times New Roman"/>
+                        <a:latin typeface="Arial"/>
                       </a:endParaRPr>
                     </a:p>
                   </a:txBody>
@@ -29971,7 +30118,7 @@
                         <a:t>Percision (macro avg)</a:t>
                       </a:r>
                       <a:endParaRPr b="0" lang="en-US" sz="1800" spc="-1" strike="noStrike">
-                        <a:latin typeface="Times New Roman"/>
+                        <a:latin typeface="Arial"/>
                       </a:endParaRPr>
                     </a:p>
                   </a:txBody>
@@ -30005,7 +30152,11 @@
                       <a:noAutofit/>
                     </a:bodyPr>
                     <a:p>
-                      <a:pPr algn="ctr"/>
+                      <a:pPr algn="ctr">
+                        <a:lnSpc>
+                          <a:spcPct val="100000"/>
+                        </a:lnSpc>
+                      </a:pPr>
                       <a:r>
                         <a:rPr b="0" lang="en-US" sz="2400" spc="-1" strike="noStrike">
                           <a:latin typeface="Times New Roman"/>
@@ -30048,7 +30199,11 @@
                       <a:noAutofit/>
                     </a:bodyPr>
                     <a:p>
-                      <a:pPr algn="ctr"/>
+                      <a:pPr algn="ctr">
+                        <a:lnSpc>
+                          <a:spcPct val="100000"/>
+                        </a:lnSpc>
+                      </a:pPr>
                       <a:r>
                         <a:rPr b="0" lang="en-US" sz="2400" spc="-1" strike="noStrike">
                           <a:latin typeface="Times New Roman"/>
@@ -30091,7 +30246,11 @@
                       <a:noAutofit/>
                     </a:bodyPr>
                     <a:p>
-                      <a:pPr algn="ctr"/>
+                      <a:pPr algn="ctr">
+                        <a:lnSpc>
+                          <a:spcPct val="100000"/>
+                        </a:lnSpc>
+                      </a:pPr>
                       <a:r>
                         <a:rPr b="0" lang="en-US" sz="2400" spc="-1" strike="noStrike">
                           <a:latin typeface="Times New Roman"/>
@@ -30180,7 +30339,7 @@
                         <a:t>Recall (macro avg)</a:t>
                       </a:r>
                       <a:endParaRPr b="0" lang="en-US" sz="1800" spc="-1" strike="noStrike">
-                        <a:latin typeface="Times New Roman"/>
+                        <a:latin typeface="Arial"/>
                       </a:endParaRPr>
                     </a:p>
                   </a:txBody>
@@ -30214,7 +30373,11 @@
                       <a:noAutofit/>
                     </a:bodyPr>
                     <a:p>
-                      <a:pPr algn="ctr"/>
+                      <a:pPr algn="ctr">
+                        <a:lnSpc>
+                          <a:spcPct val="100000"/>
+                        </a:lnSpc>
+                      </a:pPr>
                       <a:r>
                         <a:rPr b="0" lang="en-US" sz="2400" spc="-1" strike="noStrike">
                           <a:latin typeface="Times New Roman"/>
@@ -30257,7 +30420,11 @@
                       <a:noAutofit/>
                     </a:bodyPr>
                     <a:p>
-                      <a:pPr algn="ctr"/>
+                      <a:pPr algn="ctr">
+                        <a:lnSpc>
+                          <a:spcPct val="100000"/>
+                        </a:lnSpc>
+                      </a:pPr>
                       <a:r>
                         <a:rPr b="0" lang="en-US" sz="2400" spc="-1" strike="noStrike">
                           <a:latin typeface="Times New Roman"/>
@@ -30300,7 +30467,11 @@
                       <a:noAutofit/>
                     </a:bodyPr>
                     <a:p>
-                      <a:pPr algn="ctr"/>
+                      <a:pPr algn="ctr">
+                        <a:lnSpc>
+                          <a:spcPct val="100000"/>
+                        </a:lnSpc>
+                      </a:pPr>
                       <a:r>
                         <a:rPr b="0" lang="en-US" sz="2400" spc="-1" strike="noStrike">
                           <a:latin typeface="Times New Roman"/>
@@ -30351,13 +30522,13 @@
         <p:spPr>
           <a:xfrm>
             <a:off x="604440" y="4006800"/>
-            <a:ext cx="502560" cy="502200"/>
+            <a:ext cx="501840" cy="501480"/>
           </a:xfrm>
           <a:prstGeom prst="ellipse">
             <a:avLst/>
           </a:prstGeom>
           <a:solidFill>
-            <a:schemeClr val="dk2"/>
+            <a:srgbClr val="3465a4"/>
           </a:solidFill>
           <a:ln w="0">
             <a:noFill/>
@@ -30379,13 +30550,13 @@
         <p:spPr>
           <a:xfrm>
             <a:off x="604440" y="4711680"/>
-            <a:ext cx="502560" cy="502200"/>
+            <a:ext cx="501840" cy="501480"/>
           </a:xfrm>
           <a:prstGeom prst="ellipse">
             <a:avLst/>
           </a:prstGeom>
           <a:solidFill>
-            <a:schemeClr val="dk2"/>
+            <a:srgbClr val="3465a4"/>
           </a:solidFill>
           <a:ln w="0">
             <a:noFill/>
@@ -30407,13 +30578,13 @@
         <p:spPr>
           <a:xfrm>
             <a:off x="604440" y="5416560"/>
-            <a:ext cx="502560" cy="502560"/>
+            <a:ext cx="501840" cy="501840"/>
           </a:xfrm>
           <a:prstGeom prst="ellipse">
             <a:avLst/>
           </a:prstGeom>
           <a:solidFill>
-            <a:schemeClr val="dk2"/>
+            <a:srgbClr val="3465a4"/>
           </a:solidFill>
           <a:ln w="0">
             <a:noFill/>
@@ -30435,9 +30606,9 @@
         <p:grpSpPr>
           <a:xfrm>
             <a:off x="691560" y="4811400"/>
-            <a:ext cx="327960" cy="303480"/>
+            <a:ext cx="327240" cy="302760"/>
             <a:chOff x="691560" y="4811400"/>
-            <a:chExt cx="327960" cy="303480"/>
+            <a:chExt cx="327240" cy="302760"/>
           </a:xfrm>
         </p:grpSpPr>
         <p:sp>
@@ -30449,15 +30620,15 @@
           <p:spPr>
             <a:xfrm>
               <a:off x="852120" y="5063040"/>
-              <a:ext cx="7200" cy="34200"/>
+              <a:ext cx="6480" cy="33480"/>
             </a:xfrm>
             <a:custGeom>
               <a:avLst/>
               <a:gdLst>
-                <a:gd name="textAreaLeft" fmla="*/ 0 w 7200"/>
-                <a:gd name="textAreaRight" fmla="*/ 9000 w 7200"/>
-                <a:gd name="textAreaTop" fmla="*/ 0 h 34200"/>
-                <a:gd name="textAreaBottom" fmla="*/ 36000 h 34200"/>
+                <a:gd name="textAreaLeft" fmla="*/ 0 w 6480"/>
+                <a:gd name="textAreaRight" fmla="*/ 9000 w 6480"/>
+                <a:gd name="textAreaTop" fmla="*/ 0 h 33480"/>
+                <a:gd name="textAreaBottom" fmla="*/ 36000 h 33480"/>
               </a:gdLst>
               <a:ahLst/>
               <a:rect l="textAreaLeft" t="textAreaTop" r="textAreaRight" b="textAreaBottom"/>
@@ -30519,15 +30690,15 @@
           <p:spPr>
             <a:xfrm>
               <a:off x="691560" y="4811400"/>
-              <a:ext cx="327960" cy="303480"/>
+              <a:ext cx="327240" cy="302760"/>
             </a:xfrm>
             <a:custGeom>
               <a:avLst/>
               <a:gdLst>
-                <a:gd name="textAreaLeft" fmla="*/ 0 w 327960"/>
-                <a:gd name="textAreaRight" fmla="*/ 329760 w 327960"/>
-                <a:gd name="textAreaTop" fmla="*/ 0 h 303480"/>
-                <a:gd name="textAreaBottom" fmla="*/ 305280 h 303480"/>
+                <a:gd name="textAreaLeft" fmla="*/ 0 w 327240"/>
+                <a:gd name="textAreaRight" fmla="*/ 329760 w 327240"/>
+                <a:gd name="textAreaTop" fmla="*/ 0 h 302760"/>
+                <a:gd name="textAreaBottom" fmla="*/ 305280 h 302760"/>
               </a:gdLst>
               <a:ahLst/>
               <a:rect l="textAreaLeft" t="textAreaTop" r="textAreaRight" b="textAreaBottom"/>
@@ -31332,9 +31503,9 @@
         <p:grpSpPr>
           <a:xfrm>
             <a:off x="691920" y="5504040"/>
-            <a:ext cx="327240" cy="327960"/>
+            <a:ext cx="326520" cy="327240"/>
             <a:chOff x="691920" y="5504040"/>
-            <a:chExt cx="327240" cy="327960"/>
+            <a:chExt cx="326520" cy="327240"/>
           </a:xfrm>
         </p:grpSpPr>
         <p:sp>
@@ -31346,15 +31517,15 @@
           <p:spPr>
             <a:xfrm>
               <a:off x="742680" y="5628600"/>
-              <a:ext cx="46080" cy="8280"/>
+              <a:ext cx="45360" cy="7560"/>
             </a:xfrm>
             <a:custGeom>
               <a:avLst/>
               <a:gdLst>
-                <a:gd name="textAreaLeft" fmla="*/ 0 w 46080"/>
-                <a:gd name="textAreaRight" fmla="*/ 47880 w 46080"/>
-                <a:gd name="textAreaTop" fmla="*/ 0 h 8280"/>
-                <a:gd name="textAreaBottom" fmla="*/ 10080 h 8280"/>
+                <a:gd name="textAreaLeft" fmla="*/ 0 w 45360"/>
+                <a:gd name="textAreaRight" fmla="*/ 47880 w 45360"/>
+                <a:gd name="textAreaTop" fmla="*/ 0 h 7560"/>
+                <a:gd name="textAreaBottom" fmla="*/ 10080 h 7560"/>
               </a:gdLst>
               <a:ahLst/>
               <a:rect l="textAreaLeft" t="textAreaTop" r="textAreaRight" b="textAreaBottom"/>
@@ -31413,15 +31584,15 @@
           <p:spPr>
             <a:xfrm>
               <a:off x="922680" y="5628600"/>
-              <a:ext cx="45720" cy="8280"/>
+              <a:ext cx="45000" cy="7560"/>
             </a:xfrm>
             <a:custGeom>
               <a:avLst/>
               <a:gdLst>
-                <a:gd name="textAreaLeft" fmla="*/ 0 w 45720"/>
-                <a:gd name="textAreaRight" fmla="*/ 47520 w 45720"/>
-                <a:gd name="textAreaTop" fmla="*/ 0 h 8280"/>
-                <a:gd name="textAreaBottom" fmla="*/ 10080 h 8280"/>
+                <a:gd name="textAreaLeft" fmla="*/ 0 w 45000"/>
+                <a:gd name="textAreaRight" fmla="*/ 47520 w 45000"/>
+                <a:gd name="textAreaTop" fmla="*/ 0 h 7560"/>
+                <a:gd name="textAreaBottom" fmla="*/ 10080 h 7560"/>
               </a:gdLst>
               <a:ahLst/>
               <a:rect l="textAreaLeft" t="textAreaTop" r="textAreaRight" b="textAreaBottom"/>
@@ -31480,15 +31651,15 @@
           <p:spPr>
             <a:xfrm>
               <a:off x="835200" y="5590800"/>
-              <a:ext cx="40680" cy="49680"/>
+              <a:ext cx="39960" cy="48960"/>
             </a:xfrm>
             <a:custGeom>
               <a:avLst/>
               <a:gdLst>
-                <a:gd name="textAreaLeft" fmla="*/ 0 w 40680"/>
-                <a:gd name="textAreaRight" fmla="*/ 42480 w 40680"/>
-                <a:gd name="textAreaTop" fmla="*/ 0 h 49680"/>
-                <a:gd name="textAreaBottom" fmla="*/ 51480 h 49680"/>
+                <a:gd name="textAreaLeft" fmla="*/ 0 w 39960"/>
+                <a:gd name="textAreaRight" fmla="*/ 42480 w 39960"/>
+                <a:gd name="textAreaTop" fmla="*/ 0 h 48960"/>
+                <a:gd name="textAreaBottom" fmla="*/ 51480 h 48960"/>
               </a:gdLst>
               <a:ahLst/>
               <a:rect l="textAreaLeft" t="textAreaTop" r="textAreaRight" b="textAreaBottom"/>
@@ -31586,15 +31757,15 @@
           <p:spPr>
             <a:xfrm>
               <a:off x="851760" y="5777280"/>
-              <a:ext cx="7920" cy="27000"/>
+              <a:ext cx="7200" cy="26280"/>
             </a:xfrm>
             <a:custGeom>
               <a:avLst/>
               <a:gdLst>
-                <a:gd name="textAreaLeft" fmla="*/ 0 w 7920"/>
-                <a:gd name="textAreaRight" fmla="*/ 9720 w 7920"/>
-                <a:gd name="textAreaTop" fmla="*/ 0 h 27000"/>
-                <a:gd name="textAreaBottom" fmla="*/ 28800 h 27000"/>
+                <a:gd name="textAreaLeft" fmla="*/ 0 w 7200"/>
+                <a:gd name="textAreaRight" fmla="*/ 9720 w 7200"/>
+                <a:gd name="textAreaTop" fmla="*/ 0 h 26280"/>
+                <a:gd name="textAreaBottom" fmla="*/ 28800 h 26280"/>
               </a:gdLst>
               <a:ahLst/>
               <a:rect l="textAreaLeft" t="textAreaTop" r="textAreaRight" b="textAreaBottom"/>
@@ -31656,15 +31827,15 @@
           <p:spPr>
             <a:xfrm>
               <a:off x="691920" y="5504040"/>
-              <a:ext cx="327240" cy="327960"/>
+              <a:ext cx="326520" cy="327240"/>
             </a:xfrm>
             <a:custGeom>
               <a:avLst/>
               <a:gdLst>
-                <a:gd name="textAreaLeft" fmla="*/ 0 w 327240"/>
-                <a:gd name="textAreaRight" fmla="*/ 329040 w 327240"/>
-                <a:gd name="textAreaTop" fmla="*/ 0 h 327960"/>
-                <a:gd name="textAreaBottom" fmla="*/ 329760 h 327960"/>
+                <a:gd name="textAreaLeft" fmla="*/ 0 w 326520"/>
+                <a:gd name="textAreaRight" fmla="*/ 329040 w 326520"/>
+                <a:gd name="textAreaTop" fmla="*/ 0 h 327240"/>
+                <a:gd name="textAreaBottom" fmla="*/ 329760 h 327240"/>
               </a:gdLst>
               <a:ahLst/>
               <a:rect l="textAreaLeft" t="textAreaTop" r="textAreaRight" b="textAreaBottom"/>
@@ -32336,9 +32507,9 @@
         <p:grpSpPr>
           <a:xfrm>
             <a:off x="691560" y="4094280"/>
-            <a:ext cx="327960" cy="326880"/>
+            <a:ext cx="327240" cy="326160"/>
             <a:chOff x="691560" y="4094280"/>
-            <a:chExt cx="327960" cy="326880"/>
+            <a:chExt cx="327240" cy="326160"/>
           </a:xfrm>
         </p:grpSpPr>
         <p:sp>
@@ -32350,15 +32521,15 @@
           <p:spPr>
             <a:xfrm>
               <a:off x="824760" y="4214880"/>
-              <a:ext cx="11160" cy="90720"/>
+              <a:ext cx="10440" cy="90000"/>
             </a:xfrm>
             <a:custGeom>
               <a:avLst/>
               <a:gdLst>
-                <a:gd name="textAreaLeft" fmla="*/ 0 w 11160"/>
-                <a:gd name="textAreaRight" fmla="*/ 12960 w 11160"/>
-                <a:gd name="textAreaTop" fmla="*/ 0 h 90720"/>
-                <a:gd name="textAreaBottom" fmla="*/ 92520 h 90720"/>
+                <a:gd name="textAreaLeft" fmla="*/ 0 w 10440"/>
+                <a:gd name="textAreaRight" fmla="*/ 12960 w 10440"/>
+                <a:gd name="textAreaTop" fmla="*/ 0 h 90000"/>
+                <a:gd name="textAreaBottom" fmla="*/ 92520 h 90000"/>
               </a:gdLst>
               <a:ahLst/>
               <a:rect l="textAreaLeft" t="textAreaTop" r="textAreaRight" b="textAreaBottom"/>
@@ -32423,15 +32594,15 @@
           <p:spPr>
             <a:xfrm>
               <a:off x="875880" y="4214880"/>
-              <a:ext cx="11160" cy="90720"/>
+              <a:ext cx="10440" cy="90000"/>
             </a:xfrm>
             <a:custGeom>
               <a:avLst/>
               <a:gdLst>
-                <a:gd name="textAreaLeft" fmla="*/ 0 w 11160"/>
-                <a:gd name="textAreaRight" fmla="*/ 12960 w 11160"/>
-                <a:gd name="textAreaTop" fmla="*/ 0 h 90720"/>
-                <a:gd name="textAreaBottom" fmla="*/ 92520 h 90720"/>
+                <a:gd name="textAreaLeft" fmla="*/ 0 w 10440"/>
+                <a:gd name="textAreaRight" fmla="*/ 12960 w 10440"/>
+                <a:gd name="textAreaTop" fmla="*/ 0 h 90000"/>
+                <a:gd name="textAreaBottom" fmla="*/ 92520 h 90000"/>
               </a:gdLst>
               <a:ahLst/>
               <a:rect l="textAreaLeft" t="textAreaTop" r="textAreaRight" b="textAreaBottom"/>
@@ -32496,15 +32667,15 @@
           <p:spPr>
             <a:xfrm>
               <a:off x="840960" y="4162320"/>
-              <a:ext cx="29520" cy="12600"/>
+              <a:ext cx="28800" cy="11880"/>
             </a:xfrm>
             <a:custGeom>
               <a:avLst/>
               <a:gdLst>
-                <a:gd name="textAreaLeft" fmla="*/ 0 w 29520"/>
-                <a:gd name="textAreaRight" fmla="*/ 31320 w 29520"/>
-                <a:gd name="textAreaTop" fmla="*/ 0 h 12600"/>
-                <a:gd name="textAreaBottom" fmla="*/ 14400 h 12600"/>
+                <a:gd name="textAreaLeft" fmla="*/ 0 w 28800"/>
+                <a:gd name="textAreaRight" fmla="*/ 31320 w 28800"/>
+                <a:gd name="textAreaTop" fmla="*/ 0 h 11880"/>
+                <a:gd name="textAreaBottom" fmla="*/ 14400 h 11880"/>
               </a:gdLst>
               <a:ahLst/>
               <a:rect l="textAreaLeft" t="textAreaTop" r="textAreaRight" b="textAreaBottom"/>
@@ -32590,15 +32761,15 @@
           <p:spPr>
             <a:xfrm>
               <a:off x="852120" y="4335840"/>
-              <a:ext cx="7920" cy="28800"/>
+              <a:ext cx="7200" cy="28080"/>
             </a:xfrm>
             <a:custGeom>
               <a:avLst/>
               <a:gdLst>
-                <a:gd name="textAreaLeft" fmla="*/ 0 w 7920"/>
-                <a:gd name="textAreaRight" fmla="*/ 9720 w 7920"/>
-                <a:gd name="textAreaTop" fmla="*/ 0 h 28800"/>
-                <a:gd name="textAreaBottom" fmla="*/ 30600 h 28800"/>
+                <a:gd name="textAreaLeft" fmla="*/ 0 w 7200"/>
+                <a:gd name="textAreaRight" fmla="*/ 9720 w 7200"/>
+                <a:gd name="textAreaTop" fmla="*/ 0 h 28080"/>
+                <a:gd name="textAreaBottom" fmla="*/ 30600 h 28080"/>
               </a:gdLst>
               <a:ahLst/>
               <a:rect l="textAreaLeft" t="textAreaTop" r="textAreaRight" b="textAreaBottom"/>
@@ -32660,15 +32831,15 @@
           <p:spPr>
             <a:xfrm>
               <a:off x="852120" y="4222440"/>
-              <a:ext cx="7920" cy="83160"/>
+              <a:ext cx="7200" cy="82440"/>
             </a:xfrm>
             <a:custGeom>
               <a:avLst/>
               <a:gdLst>
-                <a:gd name="textAreaLeft" fmla="*/ 0 w 7920"/>
-                <a:gd name="textAreaRight" fmla="*/ 9720 w 7920"/>
-                <a:gd name="textAreaTop" fmla="*/ 0 h 83160"/>
-                <a:gd name="textAreaBottom" fmla="*/ 84960 h 83160"/>
+                <a:gd name="textAreaLeft" fmla="*/ 0 w 7200"/>
+                <a:gd name="textAreaRight" fmla="*/ 9720 w 7200"/>
+                <a:gd name="textAreaTop" fmla="*/ 0 h 82440"/>
+                <a:gd name="textAreaBottom" fmla="*/ 84960 h 82440"/>
               </a:gdLst>
               <a:ahLst/>
               <a:rect l="textAreaLeft" t="textAreaTop" r="textAreaRight" b="textAreaBottom"/>
@@ -32730,15 +32901,15 @@
           <p:spPr>
             <a:xfrm>
               <a:off x="711000" y="4231440"/>
-              <a:ext cx="77400" cy="80280"/>
+              <a:ext cx="76680" cy="79560"/>
             </a:xfrm>
             <a:custGeom>
               <a:avLst/>
               <a:gdLst>
-                <a:gd name="textAreaLeft" fmla="*/ 0 w 77400"/>
-                <a:gd name="textAreaRight" fmla="*/ 79200 w 77400"/>
-                <a:gd name="textAreaTop" fmla="*/ 0 h 80280"/>
-                <a:gd name="textAreaBottom" fmla="*/ 82080 h 80280"/>
+                <a:gd name="textAreaLeft" fmla="*/ 0 w 76680"/>
+                <a:gd name="textAreaRight" fmla="*/ 79200 w 76680"/>
+                <a:gd name="textAreaTop" fmla="*/ 0 h 79560"/>
+                <a:gd name="textAreaBottom" fmla="*/ 82080 h 79560"/>
               </a:gdLst>
               <a:ahLst/>
               <a:rect l="textAreaLeft" t="textAreaTop" r="textAreaRight" b="textAreaBottom"/>
@@ -32829,15 +33000,15 @@
           <p:spPr>
             <a:xfrm>
               <a:off x="756000" y="4260240"/>
-              <a:ext cx="19080" cy="27720"/>
+              <a:ext cx="18360" cy="27000"/>
             </a:xfrm>
             <a:custGeom>
               <a:avLst/>
               <a:gdLst>
-                <a:gd name="textAreaLeft" fmla="*/ 0 w 19080"/>
-                <a:gd name="textAreaRight" fmla="*/ 20880 w 19080"/>
-                <a:gd name="textAreaTop" fmla="*/ 0 h 27720"/>
-                <a:gd name="textAreaBottom" fmla="*/ 29520 h 27720"/>
+                <a:gd name="textAreaLeft" fmla="*/ 0 w 18360"/>
+                <a:gd name="textAreaRight" fmla="*/ 20880 w 18360"/>
+                <a:gd name="textAreaTop" fmla="*/ 0 h 27000"/>
+                <a:gd name="textAreaBottom" fmla="*/ 29520 h 27000"/>
               </a:gdLst>
               <a:ahLst/>
               <a:rect l="textAreaLeft" t="textAreaTop" r="textAreaRight" b="textAreaBottom"/>
@@ -32907,15 +33078,15 @@
           <p:spPr>
             <a:xfrm>
               <a:off x="780120" y="4256640"/>
-              <a:ext cx="7560" cy="24480"/>
+              <a:ext cx="6840" cy="23760"/>
             </a:xfrm>
             <a:custGeom>
               <a:avLst/>
               <a:gdLst>
-                <a:gd name="textAreaLeft" fmla="*/ 0 w 7560"/>
-                <a:gd name="textAreaRight" fmla="*/ 9360 w 7560"/>
-                <a:gd name="textAreaTop" fmla="*/ 0 h 24480"/>
-                <a:gd name="textAreaBottom" fmla="*/ 26280 h 24480"/>
+                <a:gd name="textAreaLeft" fmla="*/ 0 w 6840"/>
+                <a:gd name="textAreaRight" fmla="*/ 9360 w 6840"/>
+                <a:gd name="textAreaTop" fmla="*/ 0 h 23760"/>
+                <a:gd name="textAreaBottom" fmla="*/ 26280 h 23760"/>
               </a:gdLst>
               <a:ahLst/>
               <a:rect l="textAreaLeft" t="textAreaTop" r="textAreaRight" b="textAreaBottom"/>
@@ -32977,15 +33148,15 @@
           <p:spPr>
             <a:xfrm>
               <a:off x="923400" y="4231440"/>
-              <a:ext cx="77400" cy="80280"/>
+              <a:ext cx="76680" cy="79560"/>
             </a:xfrm>
             <a:custGeom>
               <a:avLst/>
               <a:gdLst>
-                <a:gd name="textAreaLeft" fmla="*/ 0 w 77400"/>
-                <a:gd name="textAreaRight" fmla="*/ 79200 w 77400"/>
-                <a:gd name="textAreaTop" fmla="*/ 0 h 80280"/>
-                <a:gd name="textAreaBottom" fmla="*/ 82080 h 80280"/>
+                <a:gd name="textAreaLeft" fmla="*/ 0 w 76680"/>
+                <a:gd name="textAreaRight" fmla="*/ 79200 w 76680"/>
+                <a:gd name="textAreaTop" fmla="*/ 0 h 79560"/>
+                <a:gd name="textAreaBottom" fmla="*/ 82080 h 79560"/>
               </a:gdLst>
               <a:ahLst/>
               <a:rect l="textAreaLeft" t="textAreaTop" r="textAreaRight" b="textAreaBottom"/>
@@ -33076,15 +33247,15 @@
           <p:spPr>
             <a:xfrm>
               <a:off x="937080" y="4260240"/>
-              <a:ext cx="19080" cy="27720"/>
+              <a:ext cx="18360" cy="27000"/>
             </a:xfrm>
             <a:custGeom>
               <a:avLst/>
               <a:gdLst>
-                <a:gd name="textAreaLeft" fmla="*/ 0 w 19080"/>
-                <a:gd name="textAreaRight" fmla="*/ 20880 w 19080"/>
-                <a:gd name="textAreaTop" fmla="*/ 0 h 27720"/>
-                <a:gd name="textAreaBottom" fmla="*/ 29520 h 27720"/>
+                <a:gd name="textAreaLeft" fmla="*/ 0 w 18360"/>
+                <a:gd name="textAreaRight" fmla="*/ 20880 w 18360"/>
+                <a:gd name="textAreaTop" fmla="*/ 0 h 27000"/>
+                <a:gd name="textAreaBottom" fmla="*/ 29520 h 27000"/>
               </a:gdLst>
               <a:ahLst/>
               <a:rect l="textAreaLeft" t="textAreaTop" r="textAreaRight" b="textAreaBottom"/>
@@ -33154,15 +33325,15 @@
           <p:spPr>
             <a:xfrm>
               <a:off x="924120" y="4256640"/>
-              <a:ext cx="7560" cy="24480"/>
+              <a:ext cx="6840" cy="23760"/>
             </a:xfrm>
             <a:custGeom>
               <a:avLst/>
               <a:gdLst>
-                <a:gd name="textAreaLeft" fmla="*/ 0 w 7560"/>
-                <a:gd name="textAreaRight" fmla="*/ 9360 w 7560"/>
-                <a:gd name="textAreaTop" fmla="*/ 0 h 24480"/>
-                <a:gd name="textAreaBottom" fmla="*/ 26280 h 24480"/>
+                <a:gd name="textAreaLeft" fmla="*/ 0 w 6840"/>
+                <a:gd name="textAreaRight" fmla="*/ 9360 w 6840"/>
+                <a:gd name="textAreaTop" fmla="*/ 0 h 23760"/>
+                <a:gd name="textAreaBottom" fmla="*/ 26280 h 23760"/>
               </a:gdLst>
               <a:ahLst/>
               <a:rect l="textAreaLeft" t="textAreaTop" r="textAreaRight" b="textAreaBottom"/>
@@ -33224,15 +33395,15 @@
           <p:spPr>
             <a:xfrm>
               <a:off x="691560" y="4094280"/>
-              <a:ext cx="327960" cy="326880"/>
+              <a:ext cx="327240" cy="326160"/>
             </a:xfrm>
             <a:custGeom>
               <a:avLst/>
               <a:gdLst>
-                <a:gd name="textAreaLeft" fmla="*/ 0 w 327960"/>
-                <a:gd name="textAreaRight" fmla="*/ 329760 w 327960"/>
-                <a:gd name="textAreaTop" fmla="*/ 0 h 326880"/>
-                <a:gd name="textAreaBottom" fmla="*/ 328680 h 326880"/>
+                <a:gd name="textAreaLeft" fmla="*/ 0 w 327240"/>
+                <a:gd name="textAreaRight" fmla="*/ 329760 w 327240"/>
+                <a:gd name="textAreaTop" fmla="*/ 0 h 326160"/>
+                <a:gd name="textAreaBottom" fmla="*/ 328680 h 326160"/>
               </a:gdLst>
               <a:ahLst/>
               <a:rect l="textAreaLeft" t="textAreaTop" r="textAreaRight" b="textAreaBottom"/>
@@ -34029,7 +34200,7 @@
         <p:spPr>
           <a:xfrm rot="21297000">
             <a:off x="6091200" y="1920960"/>
-            <a:ext cx="2675520" cy="1255680"/>
+            <a:ext cx="2674800" cy="1254960"/>
           </a:xfrm>
           <a:prstGeom prst="rect">
             <a:avLst/>
@@ -34078,7 +34249,7 @@
         <p:spPr>
           <a:xfrm>
             <a:off x="459000" y="3429000"/>
-            <a:ext cx="4798440" cy="1970640"/>
+            <a:ext cx="4797720" cy="1969920"/>
           </a:xfrm>
           <a:prstGeom prst="rect">
             <a:avLst/>
@@ -34139,8 +34310,8 @@
         </p:blipFill>
         <p:spPr>
           <a:xfrm rot="379200">
-            <a:off x="2256480" y="898200"/>
-            <a:ext cx="7102440" cy="2595960"/>
+            <a:off x="2256480" y="897480"/>
+            <a:ext cx="7101720" cy="2595240"/>
           </a:xfrm>
           <a:prstGeom prst="rect">
             <a:avLst/>
@@ -34187,7 +34358,7 @@
         <p:spPr>
           <a:xfrm>
             <a:off x="5583600" y="4451400"/>
-            <a:ext cx="3101040" cy="1140840"/>
+            <a:ext cx="3100320" cy="1140120"/>
           </a:xfrm>
           <a:prstGeom prst="rect">
             <a:avLst/>
@@ -34302,13 +34473,13 @@
       <p:sp>
         <p:nvSpPr>
           <p:cNvPr id="629" name="PlaceHolder 89"/>
-          <p:cNvSpPr txBox="1"/>
+          <p:cNvSpPr/>
           <p:nvPr/>
         </p:nvSpPr>
         <p:spPr>
           <a:xfrm>
             <a:off x="766800" y="1661760"/>
-            <a:ext cx="8010720" cy="592920"/>
+            <a:ext cx="8010000" cy="592200"/>
           </a:xfrm>
           <a:prstGeom prst="rect">
             <a:avLst/>
@@ -34318,6 +34489,12 @@
             <a:noFill/>
           </a:ln>
         </p:spPr>
+        <p:style>
+          <a:lnRef idx="0"/>
+          <a:fillRef idx="0"/>
+          <a:effectRef idx="0"/>
+          <a:fontRef idx="minor"/>
+        </p:style>
         <p:txBody>
           <a:bodyPr lIns="0" rIns="0" tIns="91440" bIns="91440" anchor="t">
             <a:noAutofit/>
@@ -34363,8 +34540,8 @@
         </p:blipFill>
         <p:spPr>
           <a:xfrm rot="21297000">
-            <a:off x="6089040" y="1915560"/>
-            <a:ext cx="2549160" cy="1196640"/>
+            <a:off x="6088320" y="1914840"/>
+            <a:ext cx="2548440" cy="1195920"/>
           </a:xfrm>
           <a:prstGeom prst="rect">
             <a:avLst/>
@@ -34387,7 +34564,7 @@
         <p:spPr>
           <a:xfrm>
             <a:off x="1047960" y="3000600"/>
-            <a:ext cx="6724440" cy="3400200"/>
+            <a:ext cx="6723720" cy="3399480"/>
           </a:xfrm>
           <a:prstGeom prst="rect">
             <a:avLst/>
@@ -34430,13 +34607,13 @@
       <p:sp>
         <p:nvSpPr>
           <p:cNvPr id="632" name="PlaceHolder 90"/>
-          <p:cNvSpPr txBox="1"/>
+          <p:cNvSpPr/>
           <p:nvPr/>
         </p:nvSpPr>
         <p:spPr>
           <a:xfrm>
             <a:off x="336600" y="2152800"/>
-            <a:ext cx="8915400" cy="1517400"/>
+            <a:ext cx="8914680" cy="1516680"/>
           </a:xfrm>
           <a:prstGeom prst="rect">
             <a:avLst/>
@@ -34446,6 +34623,12 @@
             <a:noFill/>
           </a:ln>
         </p:spPr>
+        <p:style>
+          <a:lnRef idx="0"/>
+          <a:fillRef idx="0"/>
+          <a:effectRef idx="0"/>
+          <a:fontRef idx="minor"/>
+        </p:style>
         <p:txBody>
           <a:bodyPr lIns="90000" rIns="90000" tIns="91440" bIns="91440" anchor="ctr">
             <a:noAutofit/>
@@ -34490,8 +34673,8 @@
         </p:blipFill>
         <p:spPr>
           <a:xfrm rot="20998800">
-            <a:off x="2899440" y="4164840"/>
-            <a:ext cx="5843880" cy="1575720"/>
+            <a:off x="2898720" y="4164480"/>
+            <a:ext cx="5843160" cy="1575000"/>
           </a:xfrm>
           <a:prstGeom prst="rect">
             <a:avLst/>
@@ -34534,13 +34717,13 @@
       <p:sp>
         <p:nvSpPr>
           <p:cNvPr id="634" name="PlaceHolder 91"/>
-          <p:cNvSpPr txBox="1"/>
+          <p:cNvSpPr/>
           <p:nvPr/>
         </p:nvSpPr>
         <p:spPr>
           <a:xfrm>
             <a:off x="1664640" y="2257200"/>
-            <a:ext cx="5964480" cy="810360"/>
+            <a:ext cx="5963760" cy="809640"/>
           </a:xfrm>
           <a:prstGeom prst="rect">
             <a:avLst/>
@@ -34550,6 +34733,12 @@
             <a:noFill/>
           </a:ln>
         </p:spPr>
+        <p:style>
+          <a:lnRef idx="0"/>
+          <a:fillRef idx="0"/>
+          <a:effectRef idx="0"/>
+          <a:fontRef idx="minor"/>
+        </p:style>
         <p:txBody>
           <a:bodyPr lIns="90000" rIns="90000" tIns="91440" bIns="91440" anchor="ctr">
             <a:noAutofit/>
@@ -34566,7 +34755,7 @@
             <a:r>
               <a:rPr b="0" lang="en" sz="5000" spc="-1" strike="noStrike">
                 <a:solidFill>
-                  <a:schemeClr val="lt2"/>
+                  <a:srgbClr val="ffffff"/>
                 </a:solidFill>
                 <a:highlight>
                   <a:srgbClr val="157dd9"/>
@@ -34585,13 +34774,13 @@
       <p:sp>
         <p:nvSpPr>
           <p:cNvPr id="635" name="PlaceHolder 92"/>
-          <p:cNvSpPr txBox="1"/>
+          <p:cNvSpPr/>
           <p:nvPr/>
         </p:nvSpPr>
         <p:spPr>
           <a:xfrm>
             <a:off x="3961080" y="1439640"/>
-            <a:ext cx="1371240" cy="739440"/>
+            <a:ext cx="1370520" cy="738720"/>
           </a:xfrm>
           <a:prstGeom prst="rect">
             <a:avLst/>
@@ -34601,6 +34790,12 @@
             <a:noFill/>
           </a:ln>
         </p:spPr>
+        <p:style>
+          <a:lnRef idx="0"/>
+          <a:fillRef idx="0"/>
+          <a:effectRef idx="0"/>
+          <a:fontRef idx="minor"/>
+        </p:style>
         <p:txBody>
           <a:bodyPr lIns="90000" rIns="90000" tIns="91440" bIns="91440" anchor="ctr">
             <a:noAutofit/>
@@ -34617,7 +34812,7 @@
             <a:r>
               <a:rPr b="0" lang="en" sz="6500" spc="-1" strike="noStrike">
                 <a:solidFill>
-                  <a:schemeClr val="dk2"/>
+                  <a:srgbClr val="3465a4"/>
                 </a:solidFill>
                 <a:latin typeface="Manrope"/>
                 <a:ea typeface="Manrope"/>
@@ -34633,13 +34828,13 @@
       <p:sp>
         <p:nvSpPr>
           <p:cNvPr id="636" name="PlaceHolder 93"/>
-          <p:cNvSpPr txBox="1"/>
+          <p:cNvSpPr/>
           <p:nvPr/>
         </p:nvSpPr>
         <p:spPr>
           <a:xfrm>
             <a:off x="2422800" y="3105000"/>
-            <a:ext cx="4448520" cy="402840"/>
+            <a:ext cx="4447800" cy="402120"/>
           </a:xfrm>
           <a:prstGeom prst="rect">
             <a:avLst/>
@@ -34649,6 +34844,12 @@
             <a:noFill/>
           </a:ln>
         </p:spPr>
+        <p:style>
+          <a:lnRef idx="0"/>
+          <a:fillRef idx="0"/>
+          <a:effectRef idx="0"/>
+          <a:fontRef idx="minor"/>
+        </p:style>
         <p:txBody>
           <a:bodyPr lIns="0" rIns="0" tIns="91440" bIns="91440" anchor="ctr">
             <a:noAutofit/>
@@ -34673,7 +34874,7 @@
               <a:t>How do we know for sure it is the right model</a:t>
             </a:r>
             <a:endParaRPr b="0" lang="en-US" sz="1800" spc="-1" strike="noStrike">
-              <a:latin typeface="Times New Roman"/>
+              <a:latin typeface="Arial"/>
             </a:endParaRPr>
           </a:p>
         </p:txBody>
@@ -34691,8 +34892,8 @@
         </p:blipFill>
         <p:spPr>
           <a:xfrm rot="1551000">
-            <a:off x="1433160" y="3047400"/>
-            <a:ext cx="6289200" cy="3193560"/>
+            <a:off x="1433160" y="3046680"/>
+            <a:ext cx="6288480" cy="3192840"/>
           </a:xfrm>
           <a:prstGeom prst="rect">
             <a:avLst/>
@@ -34745,7 +34946,7 @@
         <p:spPr>
           <a:xfrm>
             <a:off x="2717640" y="1972800"/>
-            <a:ext cx="4826160" cy="4572000"/>
+            <a:ext cx="4825440" cy="4571280"/>
           </a:xfrm>
           <a:prstGeom prst="rect">
             <a:avLst/>
@@ -34758,13 +34959,13 @@
       <p:sp>
         <p:nvSpPr>
           <p:cNvPr id="639" name="PlaceHolder 97"/>
-          <p:cNvSpPr txBox="1"/>
+          <p:cNvSpPr/>
           <p:nvPr/>
         </p:nvSpPr>
         <p:spPr>
           <a:xfrm>
             <a:off x="334800" y="1371600"/>
-            <a:ext cx="5964480" cy="810360"/>
+            <a:ext cx="5963760" cy="809640"/>
           </a:xfrm>
           <a:prstGeom prst="rect">
             <a:avLst/>
@@ -34774,6 +34975,12 @@
             <a:noFill/>
           </a:ln>
         </p:spPr>
+        <p:style>
+          <a:lnRef idx="0"/>
+          <a:fillRef idx="0"/>
+          <a:effectRef idx="0"/>
+          <a:fontRef idx="minor"/>
+        </p:style>
         <p:txBody>
           <a:bodyPr lIns="90000" rIns="90000" tIns="91440" bIns="91440" anchor="ctr">
             <a:noAutofit/>
@@ -34790,7 +34997,7 @@
             <a:r>
               <a:rPr b="0" lang="en" sz="4200" spc="-1" strike="noStrike">
                 <a:solidFill>
-                  <a:schemeClr val="lt2"/>
+                  <a:srgbClr val="ffffff"/>
                 </a:solidFill>
                 <a:highlight>
                   <a:srgbClr val="157dd9"/>
@@ -34839,13 +35046,13 @@
       <p:sp>
         <p:nvSpPr>
           <p:cNvPr id="640" name="PlaceHolder 98"/>
-          <p:cNvSpPr txBox="1"/>
+          <p:cNvSpPr/>
           <p:nvPr/>
         </p:nvSpPr>
         <p:spPr>
           <a:xfrm>
             <a:off x="766800" y="1371960"/>
-            <a:ext cx="5964480" cy="810360"/>
+            <a:ext cx="5963760" cy="809640"/>
           </a:xfrm>
           <a:prstGeom prst="rect">
             <a:avLst/>
@@ -34855,6 +35062,12 @@
             <a:noFill/>
           </a:ln>
         </p:spPr>
+        <p:style>
+          <a:lnRef idx="0"/>
+          <a:fillRef idx="0"/>
+          <a:effectRef idx="0"/>
+          <a:fontRef idx="minor"/>
+        </p:style>
         <p:txBody>
           <a:bodyPr lIns="90000" rIns="90000" tIns="91440" bIns="91440" anchor="ctr">
             <a:noAutofit/>
@@ -34871,7 +35084,7 @@
             <a:r>
               <a:rPr b="0" lang="en" sz="4200" spc="-1" strike="noStrike">
                 <a:solidFill>
-                  <a:schemeClr val="lt2"/>
+                  <a:srgbClr val="ffffff"/>
                 </a:solidFill>
                 <a:highlight>
                   <a:srgbClr val="157dd9"/>
@@ -34900,7 +35113,7 @@
         <p:spPr>
           <a:xfrm>
             <a:off x="1143000" y="2971800"/>
-            <a:ext cx="6570000" cy="2286000"/>
+            <a:ext cx="6569280" cy="2285280"/>
           </a:xfrm>
           <a:prstGeom prst="rect">
             <a:avLst/>
@@ -34952,8 +35165,8 @@
         </p:blipFill>
         <p:spPr>
           <a:xfrm rot="635400">
-            <a:off x="357480" y="3534840"/>
-            <a:ext cx="5298840" cy="2948760"/>
+            <a:off x="357480" y="3534120"/>
+            <a:ext cx="5298120" cy="2948040"/>
           </a:xfrm>
           <a:prstGeom prst="rect">
             <a:avLst/>
@@ -34966,13 +35179,13 @@
       <p:sp>
         <p:nvSpPr>
           <p:cNvPr id="643" name="PlaceHolder 94"/>
-          <p:cNvSpPr txBox="1"/>
+          <p:cNvSpPr/>
           <p:nvPr/>
         </p:nvSpPr>
         <p:spPr>
           <a:xfrm>
             <a:off x="2536920" y="2724840"/>
-            <a:ext cx="5964480" cy="810360"/>
+            <a:ext cx="5963760" cy="809640"/>
           </a:xfrm>
           <a:prstGeom prst="rect">
             <a:avLst/>
@@ -34982,6 +35195,12 @@
             <a:noFill/>
           </a:ln>
         </p:spPr>
+        <p:style>
+          <a:lnRef idx="0"/>
+          <a:fillRef idx="0"/>
+          <a:effectRef idx="0"/>
+          <a:fontRef idx="minor"/>
+        </p:style>
         <p:txBody>
           <a:bodyPr lIns="90000" rIns="90000" tIns="91440" bIns="91440" anchor="ctr">
             <a:noAutofit/>
@@ -34998,7 +35217,7 @@
             <a:r>
               <a:rPr b="0" lang="en" sz="5000" spc="-1" strike="noStrike">
                 <a:solidFill>
-                  <a:schemeClr val="lt2"/>
+                  <a:srgbClr val="ffffff"/>
                 </a:solidFill>
                 <a:highlight>
                   <a:srgbClr val="157dd9"/>
@@ -35017,13 +35236,13 @@
       <p:sp>
         <p:nvSpPr>
           <p:cNvPr id="644" name="PlaceHolder 95"/>
-          <p:cNvSpPr txBox="1"/>
+          <p:cNvSpPr/>
           <p:nvPr/>
         </p:nvSpPr>
         <p:spPr>
           <a:xfrm>
             <a:off x="7129800" y="1907280"/>
-            <a:ext cx="1371240" cy="739440"/>
+            <a:ext cx="1370520" cy="738720"/>
           </a:xfrm>
           <a:prstGeom prst="rect">
             <a:avLst/>
@@ -35033,6 +35252,12 @@
             <a:noFill/>
           </a:ln>
         </p:spPr>
+        <p:style>
+          <a:lnRef idx="0"/>
+          <a:fillRef idx="0"/>
+          <a:effectRef idx="0"/>
+          <a:fontRef idx="minor"/>
+        </p:style>
         <p:txBody>
           <a:bodyPr lIns="90000" rIns="90000" tIns="91440" bIns="91440" anchor="ctr">
             <a:noAutofit/>
@@ -35049,7 +35274,7 @@
             <a:r>
               <a:rPr b="0" lang="en" sz="6500" spc="-1" strike="noStrike">
                 <a:solidFill>
-                  <a:schemeClr val="dk2"/>
+                  <a:srgbClr val="3465a4"/>
                 </a:solidFill>
                 <a:latin typeface="Manrope"/>
                 <a:ea typeface="Manrope"/>
@@ -35065,13 +35290,13 @@
       <p:sp>
         <p:nvSpPr>
           <p:cNvPr id="645" name="PlaceHolder 96"/>
-          <p:cNvSpPr txBox="1"/>
+          <p:cNvSpPr/>
           <p:nvPr/>
         </p:nvSpPr>
         <p:spPr>
           <a:xfrm>
             <a:off x="3296880" y="3572640"/>
-            <a:ext cx="5091120" cy="402840"/>
+            <a:ext cx="5090400" cy="402120"/>
           </a:xfrm>
           <a:prstGeom prst="rect">
             <a:avLst/>
@@ -35081,6 +35306,12 @@
             <a:noFill/>
           </a:ln>
         </p:spPr>
+        <p:style>
+          <a:lnRef idx="0"/>
+          <a:fillRef idx="0"/>
+          <a:effectRef idx="0"/>
+          <a:fontRef idx="minor"/>
+        </p:style>
         <p:txBody>
           <a:bodyPr lIns="0" rIns="0" tIns="91440" bIns="91440" anchor="ctr">
             <a:noAutofit/>
@@ -35105,7 +35336,7 @@
               <a:t>Use our deduction to make a plan</a:t>
             </a:r>
             <a:endParaRPr b="0" lang="en-US" sz="1800" spc="-1" strike="noStrike">
-              <a:latin typeface="Times New Roman"/>
+              <a:latin typeface="Arial"/>
             </a:endParaRPr>
           </a:p>
         </p:txBody>
@@ -35179,7 +35410,7 @@
         <p:spPr>
           <a:xfrm>
             <a:off x="1648800" y="2186280"/>
-            <a:ext cx="3767760" cy="952920"/>
+            <a:ext cx="3767040" cy="952200"/>
           </a:xfrm>
           <a:prstGeom prst="rect">
             <a:avLst/>
@@ -35236,7 +35467,7 @@
         <p:spPr>
           <a:xfrm>
             <a:off x="1638720" y="3402360"/>
-            <a:ext cx="3145680" cy="227160"/>
+            <a:ext cx="3144960" cy="226440"/>
           </a:xfrm>
           <a:prstGeom prst="rect">
             <a:avLst/>
@@ -35253,7 +35484,7 @@
           <a:fontRef idx="minor"/>
         </p:style>
         <p:txBody>
-          <a:bodyPr lIns="0" rIns="0" tIns="227520" bIns="227520" anchor="ctr">
+          <a:bodyPr lIns="0" rIns="0" tIns="226800" bIns="226800" anchor="ctr">
             <a:noAutofit/>
           </a:bodyPr>
           <a:p>
@@ -35294,7 +35525,7 @@
         <p:spPr>
           <a:xfrm>
             <a:off x="5636520" y="787680"/>
-            <a:ext cx="3597480" cy="4066200"/>
+            <a:ext cx="3596760" cy="4065480"/>
           </a:xfrm>
           <a:prstGeom prst="rect">
             <a:avLst/>
@@ -35373,7 +35604,7 @@
         <p:spPr>
           <a:xfrm>
             <a:off x="713160" y="1827720"/>
-            <a:ext cx="7715160" cy="570240"/>
+            <a:ext cx="7714440" cy="569520"/>
           </a:xfrm>
           <a:prstGeom prst="rect">
             <a:avLst/>
@@ -35430,7 +35661,7 @@
         <p:spPr>
           <a:xfrm>
             <a:off x="731160" y="2479680"/>
-            <a:ext cx="2010960" cy="348480"/>
+            <a:ext cx="2010240" cy="347760"/>
           </a:xfrm>
           <a:prstGeom prst="rect">
             <a:avLst/>
@@ -35447,7 +35678,7 @@
           <a:fontRef idx="minor"/>
         </p:style>
         <p:txBody>
-          <a:bodyPr lIns="0" rIns="0" tIns="349200" bIns="349200" anchor="ctr">
+          <a:bodyPr lIns="0" rIns="0" tIns="348480" bIns="348480" anchor="ctr">
             <a:noAutofit/>
           </a:bodyPr>
           <a:p>
@@ -35462,7 +35693,7 @@
             <a:r>
               <a:rPr b="0" lang="en" sz="1800" spc="-1" strike="noStrike">
                 <a:solidFill>
-                  <a:schemeClr val="dk2"/>
+                  <a:srgbClr val="3465a4"/>
                 </a:solidFill>
                 <a:latin typeface="Manrope"/>
                 <a:ea typeface="Manrope"/>
@@ -35484,7 +35715,7 @@
         <p:spPr>
           <a:xfrm>
             <a:off x="757800" y="2793240"/>
-            <a:ext cx="2010960" cy="570240"/>
+            <a:ext cx="2010240" cy="569520"/>
           </a:xfrm>
           <a:prstGeom prst="rect">
             <a:avLst/>
@@ -35538,7 +35769,7 @@
         <p:spPr>
           <a:xfrm>
             <a:off x="721800" y="3417840"/>
-            <a:ext cx="2010960" cy="348480"/>
+            <a:ext cx="2010240" cy="347760"/>
           </a:xfrm>
           <a:prstGeom prst="rect">
             <a:avLst/>
@@ -35555,7 +35786,7 @@
           <a:fontRef idx="minor"/>
         </p:style>
         <p:txBody>
-          <a:bodyPr lIns="0" rIns="0" tIns="349200" bIns="349200" anchor="ctr">
+          <a:bodyPr lIns="0" rIns="0" tIns="348480" bIns="348480" anchor="ctr">
             <a:noAutofit/>
           </a:bodyPr>
           <a:p>
@@ -35570,7 +35801,7 @@
             <a:r>
               <a:rPr b="0" lang="en" sz="1800" spc="-1" strike="noStrike">
                 <a:solidFill>
-                  <a:schemeClr val="dk2"/>
+                  <a:srgbClr val="3465a4"/>
                 </a:solidFill>
                 <a:latin typeface="Manrope"/>
                 <a:ea typeface="Manrope"/>
@@ -35592,7 +35823,7 @@
         <p:spPr>
           <a:xfrm>
             <a:off x="767160" y="3714120"/>
-            <a:ext cx="2010960" cy="570240"/>
+            <a:ext cx="2010240" cy="569520"/>
           </a:xfrm>
           <a:prstGeom prst="rect">
             <a:avLst/>
@@ -35651,7 +35882,7 @@
         <p:spPr>
           <a:xfrm>
             <a:off x="5798520" y="1389960"/>
-            <a:ext cx="3208680" cy="1167480"/>
+            <a:ext cx="3207960" cy="1166760"/>
           </a:xfrm>
           <a:prstGeom prst="rect">
             <a:avLst/>
@@ -35670,7 +35901,7 @@
         <p:spPr>
           <a:xfrm>
             <a:off x="713160" y="4384080"/>
-            <a:ext cx="7715160" cy="570240"/>
+            <a:ext cx="7714440" cy="569520"/>
           </a:xfrm>
           <a:prstGeom prst="rect">
             <a:avLst/>
@@ -35727,7 +35958,7 @@
         <p:spPr>
           <a:xfrm>
             <a:off x="722160" y="4894200"/>
-            <a:ext cx="2010960" cy="348480"/>
+            <a:ext cx="2010240" cy="347760"/>
           </a:xfrm>
           <a:prstGeom prst="rect">
             <a:avLst/>
@@ -35744,7 +35975,7 @@
           <a:fontRef idx="minor"/>
         </p:style>
         <p:txBody>
-          <a:bodyPr lIns="0" rIns="0" tIns="349200" bIns="349200" anchor="ctr">
+          <a:bodyPr lIns="0" rIns="0" tIns="348480" bIns="348480" anchor="ctr">
             <a:noAutofit/>
           </a:bodyPr>
           <a:p>
@@ -35759,7 +35990,7 @@
             <a:r>
               <a:rPr b="0" lang="en" sz="1800" spc="-1" strike="noStrike">
                 <a:solidFill>
-                  <a:schemeClr val="dk2"/>
+                  <a:srgbClr val="3465a4"/>
                 </a:solidFill>
                 <a:latin typeface="Manrope"/>
                 <a:ea typeface="Manrope"/>
@@ -35781,7 +36012,7 @@
         <p:spPr>
           <a:xfrm>
             <a:off x="767160" y="5190480"/>
-            <a:ext cx="2010960" cy="570240"/>
+            <a:ext cx="2010240" cy="569520"/>
           </a:xfrm>
           <a:prstGeom prst="rect">
             <a:avLst/>
@@ -35865,7 +36096,7 @@
         <p:spPr>
           <a:xfrm>
             <a:off x="713520" y="1746360"/>
-            <a:ext cx="7715160" cy="570240"/>
+            <a:ext cx="7714440" cy="569520"/>
           </a:xfrm>
           <a:prstGeom prst="rect">
             <a:avLst/>
@@ -35922,7 +36153,7 @@
         <p:spPr>
           <a:xfrm>
             <a:off x="752040" y="3247200"/>
-            <a:ext cx="2503800" cy="432000"/>
+            <a:ext cx="2503080" cy="431280"/>
           </a:xfrm>
           <a:prstGeom prst="rect">
             <a:avLst/>
@@ -35954,7 +36185,7 @@
             <a:r>
               <a:rPr b="0" lang="en" sz="1800" spc="-1" strike="noStrike">
                 <a:solidFill>
-                  <a:schemeClr val="dk2"/>
+                  <a:srgbClr val="3465a4"/>
                 </a:solidFill>
                 <a:latin typeface="Manrope"/>
                 <a:ea typeface="Manrope"/>
@@ -35976,7 +36207,7 @@
         <p:spPr>
           <a:xfrm>
             <a:off x="752040" y="3682080"/>
-            <a:ext cx="2503800" cy="630000"/>
+            <a:ext cx="2503080" cy="629280"/>
           </a:xfrm>
           <a:prstGeom prst="rect">
             <a:avLst/>
@@ -36030,7 +36261,7 @@
         <p:spPr>
           <a:xfrm>
             <a:off x="3527640" y="3247200"/>
-            <a:ext cx="2503440" cy="432000"/>
+            <a:ext cx="2502720" cy="431280"/>
           </a:xfrm>
           <a:prstGeom prst="rect">
             <a:avLst/>
@@ -36062,7 +36293,7 @@
             <a:r>
               <a:rPr b="0" lang="en" sz="1800" spc="-1" strike="noStrike">
                 <a:solidFill>
-                  <a:schemeClr val="dk2"/>
+                  <a:srgbClr val="3465a4"/>
                 </a:solidFill>
                 <a:latin typeface="Manrope"/>
                 <a:ea typeface="Manrope"/>
@@ -36084,7 +36315,7 @@
         <p:spPr>
           <a:xfrm>
             <a:off x="6300360" y="3682080"/>
-            <a:ext cx="2503440" cy="630000"/>
+            <a:ext cx="2502720" cy="629280"/>
           </a:xfrm>
           <a:prstGeom prst="rect">
             <a:avLst/>
@@ -36138,7 +36369,7 @@
         <p:spPr>
           <a:xfrm>
             <a:off x="1358640" y="2772720"/>
-            <a:ext cx="1290960" cy="471960"/>
+            <a:ext cx="1290240" cy="471240"/>
           </a:xfrm>
           <a:prstGeom prst="rect">
             <a:avLst/>
@@ -36170,7 +36401,7 @@
             <a:r>
               <a:rPr b="0" lang="en" sz="2400" spc="-1" strike="noStrike">
                 <a:solidFill>
-                  <a:schemeClr val="dk2"/>
+                  <a:srgbClr val="3465a4"/>
                 </a:solidFill>
                 <a:latin typeface="Manrope"/>
                 <a:ea typeface="Manrope"/>
@@ -36192,7 +36423,7 @@
         <p:spPr>
           <a:xfrm>
             <a:off x="4134240" y="2772720"/>
-            <a:ext cx="1290600" cy="471960"/>
+            <a:ext cx="1289880" cy="471240"/>
           </a:xfrm>
           <a:prstGeom prst="rect">
             <a:avLst/>
@@ -36224,7 +36455,7 @@
             <a:r>
               <a:rPr b="0" lang="en" sz="2400" spc="-1" strike="noStrike">
                 <a:solidFill>
-                  <a:schemeClr val="dk2"/>
+                  <a:srgbClr val="3465a4"/>
                 </a:solidFill>
                 <a:latin typeface="Manrope"/>
                 <a:ea typeface="Manrope"/>
@@ -36246,7 +36477,7 @@
         <p:spPr>
           <a:xfrm>
             <a:off x="6302880" y="3247200"/>
-            <a:ext cx="2503800" cy="432000"/>
+            <a:ext cx="2503080" cy="431280"/>
           </a:xfrm>
           <a:prstGeom prst="rect">
             <a:avLst/>
@@ -36278,7 +36509,7 @@
             <a:r>
               <a:rPr b="0" lang="en" sz="1800" spc="-1" strike="noStrike">
                 <a:solidFill>
-                  <a:schemeClr val="dk2"/>
+                  <a:srgbClr val="3465a4"/>
                 </a:solidFill>
                 <a:latin typeface="Manrope"/>
                 <a:ea typeface="Manrope"/>
@@ -36300,7 +36531,7 @@
         <p:spPr>
           <a:xfrm>
             <a:off x="3544920" y="3682080"/>
-            <a:ext cx="2503800" cy="630000"/>
+            <a:ext cx="2503080" cy="629280"/>
           </a:xfrm>
           <a:prstGeom prst="rect">
             <a:avLst/>
@@ -36354,7 +36585,7 @@
         <p:spPr>
           <a:xfrm>
             <a:off x="6909120" y="2772720"/>
-            <a:ext cx="1290960" cy="471960"/>
+            <a:ext cx="1290240" cy="471240"/>
           </a:xfrm>
           <a:prstGeom prst="rect">
             <a:avLst/>
@@ -36386,7 +36617,7 @@
             <a:r>
               <a:rPr b="0" lang="en" sz="2400" spc="-1" strike="noStrike">
                 <a:solidFill>
-                  <a:schemeClr val="dk2"/>
+                  <a:srgbClr val="3465a4"/>
                 </a:solidFill>
                 <a:latin typeface="Manrope"/>
                 <a:ea typeface="Manrope"/>
@@ -36408,7 +36639,7 @@
         <p:spPr>
           <a:xfrm>
             <a:off x="752040" y="5106600"/>
-            <a:ext cx="2503800" cy="432000"/>
+            <a:ext cx="2503080" cy="431280"/>
           </a:xfrm>
           <a:prstGeom prst="rect">
             <a:avLst/>
@@ -36440,7 +36671,7 @@
             <a:r>
               <a:rPr b="0" lang="en" sz="1800" spc="-1" strike="noStrike">
                 <a:solidFill>
-                  <a:schemeClr val="dk2"/>
+                  <a:srgbClr val="3465a4"/>
                 </a:solidFill>
                 <a:latin typeface="Manrope"/>
                 <a:ea typeface="Manrope"/>
@@ -36462,7 +36693,7 @@
         <p:spPr>
           <a:xfrm>
             <a:off x="752040" y="5539680"/>
-            <a:ext cx="2503800" cy="631800"/>
+            <a:ext cx="2503080" cy="631080"/>
           </a:xfrm>
           <a:prstGeom prst="rect">
             <a:avLst/>
@@ -36516,7 +36747,7 @@
         <p:spPr>
           <a:xfrm>
             <a:off x="1358640" y="4632480"/>
-            <a:ext cx="1290960" cy="471600"/>
+            <a:ext cx="1290240" cy="470880"/>
           </a:xfrm>
           <a:prstGeom prst="rect">
             <a:avLst/>
@@ -36548,7 +36779,7 @@
             <a:r>
               <a:rPr b="0" lang="en" sz="2400" spc="-1" strike="noStrike">
                 <a:solidFill>
-                  <a:schemeClr val="dk2"/>
+                  <a:srgbClr val="3465a4"/>
                 </a:solidFill>
                 <a:latin typeface="Manrope"/>
                 <a:ea typeface="Manrope"/>
@@ -36570,7 +36801,7 @@
         <p:spPr>
           <a:xfrm>
             <a:off x="3527640" y="5106600"/>
-            <a:ext cx="2503440" cy="432000"/>
+            <a:ext cx="2502720" cy="431280"/>
           </a:xfrm>
           <a:prstGeom prst="rect">
             <a:avLst/>
@@ -36602,7 +36833,7 @@
             <a:r>
               <a:rPr b="0" lang="en" sz="1800" spc="-1" strike="noStrike">
                 <a:solidFill>
-                  <a:schemeClr val="dk2"/>
+                  <a:srgbClr val="3465a4"/>
                 </a:solidFill>
                 <a:latin typeface="Manrope"/>
                 <a:ea typeface="Manrope"/>
@@ -36624,7 +36855,7 @@
         <p:spPr>
           <a:xfrm>
             <a:off x="3527640" y="5541480"/>
-            <a:ext cx="2503440" cy="630000"/>
+            <a:ext cx="2502720" cy="629280"/>
           </a:xfrm>
           <a:prstGeom prst="rect">
             <a:avLst/>
@@ -36678,7 +36909,7 @@
         <p:spPr>
           <a:xfrm>
             <a:off x="4134240" y="4632480"/>
-            <a:ext cx="1290600" cy="471600"/>
+            <a:ext cx="1289880" cy="470880"/>
           </a:xfrm>
           <a:prstGeom prst="rect">
             <a:avLst/>
@@ -36710,7 +36941,7 @@
             <a:r>
               <a:rPr b="0" lang="en" sz="2400" spc="-1" strike="noStrike">
                 <a:solidFill>
-                  <a:schemeClr val="dk2"/>
+                  <a:srgbClr val="3465a4"/>
                 </a:solidFill>
                 <a:latin typeface="Manrope"/>
                 <a:ea typeface="Manrope"/>
@@ -36732,7 +36963,7 @@
         <p:spPr>
           <a:xfrm>
             <a:off x="6302880" y="5106600"/>
-            <a:ext cx="2503800" cy="432000"/>
+            <a:ext cx="2503080" cy="431280"/>
           </a:xfrm>
           <a:prstGeom prst="rect">
             <a:avLst/>
@@ -36764,7 +36995,7 @@
             <a:r>
               <a:rPr b="0" lang="en" sz="1800" spc="-1" strike="noStrike">
                 <a:solidFill>
-                  <a:schemeClr val="dk2"/>
+                  <a:srgbClr val="3465a4"/>
                 </a:solidFill>
                 <a:latin typeface="Manrope"/>
                 <a:ea typeface="Manrope"/>
@@ -36786,7 +37017,7 @@
         <p:spPr>
           <a:xfrm>
             <a:off x="6302880" y="5541480"/>
-            <a:ext cx="2503800" cy="630000"/>
+            <a:ext cx="2503080" cy="629280"/>
           </a:xfrm>
           <a:prstGeom prst="rect">
             <a:avLst/>
@@ -36840,7 +37071,7 @@
         <p:spPr>
           <a:xfrm>
             <a:off x="6909120" y="4632480"/>
-            <a:ext cx="1290960" cy="471600"/>
+            <a:ext cx="1290240" cy="470880"/>
           </a:xfrm>
           <a:prstGeom prst="rect">
             <a:avLst/>
@@ -36872,7 +37103,7 @@
             <a:r>
               <a:rPr b="0" lang="en" sz="2400" spc="-1" strike="noStrike">
                 <a:solidFill>
-                  <a:schemeClr val="dk2"/>
+                  <a:srgbClr val="3465a4"/>
                 </a:solidFill>
                 <a:latin typeface="Manrope"/>
                 <a:ea typeface="Manrope"/>
@@ -36897,8 +37128,8 @@
         </p:blipFill>
         <p:spPr>
           <a:xfrm flipH="1" rot="601800">
-            <a:off x="6751440" y="1493280"/>
-            <a:ext cx="2156400" cy="1199160"/>
+            <a:off x="6752160" y="1493280"/>
+            <a:ext cx="2155680" cy="1198440"/>
           </a:xfrm>
           <a:prstGeom prst="rect">
             <a:avLst/>
@@ -36947,7 +37178,7 @@
         <p:spPr>
           <a:xfrm>
             <a:off x="1093680" y="2359080"/>
-            <a:ext cx="7099560" cy="1150200"/>
+            <a:ext cx="7098840" cy="1149480"/>
           </a:xfrm>
           <a:prstGeom prst="rect">
             <a:avLst/>
@@ -37009,7 +37240,7 @@
         <p:spPr>
           <a:xfrm>
             <a:off x="933840" y="3920400"/>
-            <a:ext cx="7418880" cy="1783440"/>
+            <a:ext cx="7418160" cy="1782720"/>
           </a:xfrm>
           <a:prstGeom prst="rect">
             <a:avLst/>
@@ -37058,7 +37289,7 @@
         <p:spPr>
           <a:xfrm>
             <a:off x="713520" y="2326320"/>
-            <a:ext cx="6142680" cy="809640"/>
+            <a:ext cx="6141960" cy="808920"/>
           </a:xfrm>
           <a:prstGeom prst="rect">
             <a:avLst/>
@@ -37115,7 +37346,7 @@
         <p:spPr>
           <a:xfrm>
             <a:off x="713520" y="1508760"/>
-            <a:ext cx="1370520" cy="738720"/>
+            <a:ext cx="1369800" cy="738000"/>
           </a:xfrm>
           <a:prstGeom prst="rect">
             <a:avLst/>
@@ -37147,7 +37378,7 @@
             <a:r>
               <a:rPr b="0" lang="en" sz="6500" spc="-1" strike="noStrike">
                 <a:solidFill>
-                  <a:schemeClr val="dk2"/>
+                  <a:srgbClr val="3465a4"/>
                 </a:solidFill>
                 <a:latin typeface="Manrope"/>
                 <a:ea typeface="Manrope"/>
@@ -37169,7 +37400,7 @@
         <p:spPr>
           <a:xfrm>
             <a:off x="821520" y="3174120"/>
-            <a:ext cx="4447800" cy="402120"/>
+            <a:ext cx="4447080" cy="401400"/>
           </a:xfrm>
           <a:prstGeom prst="rect">
             <a:avLst/>
@@ -37227,8 +37458,8 @@
         </p:blipFill>
         <p:spPr>
           <a:xfrm rot="285000">
-            <a:off x="2622960" y="3640680"/>
-            <a:ext cx="6561360" cy="2388960"/>
+            <a:off x="2622600" y="3640680"/>
+            <a:ext cx="6560640" cy="2388240"/>
           </a:xfrm>
           <a:prstGeom prst="rect">
             <a:avLst/>
@@ -37277,7 +37508,7 @@
         <p:spPr>
           <a:xfrm>
             <a:off x="713160" y="1686960"/>
-            <a:ext cx="7715160" cy="570240"/>
+            <a:ext cx="7714440" cy="569520"/>
           </a:xfrm>
           <a:prstGeom prst="rect">
             <a:avLst/>
@@ -37334,7 +37565,7 @@
         <p:spPr>
           <a:xfrm>
             <a:off x="1899720" y="3060720"/>
-            <a:ext cx="1384560" cy="390960"/>
+            <a:ext cx="1383840" cy="390240"/>
           </a:xfrm>
           <a:prstGeom prst="rect">
             <a:avLst/>
@@ -37366,7 +37597,7 @@
             <a:r>
               <a:rPr b="0" lang="en" sz="1800" spc="-1" strike="noStrike">
                 <a:solidFill>
-                  <a:schemeClr val="dk2"/>
+                  <a:srgbClr val="3465a4"/>
                 </a:solidFill>
                 <a:latin typeface="Manrope"/>
                 <a:ea typeface="Manrope"/>
@@ -37388,7 +37619,7 @@
         <p:spPr>
           <a:xfrm>
             <a:off x="1080720" y="3454200"/>
-            <a:ext cx="2203200" cy="756720"/>
+            <a:ext cx="2202480" cy="756000"/>
           </a:xfrm>
           <a:prstGeom prst="rect">
             <a:avLst/>
@@ -37442,7 +37673,7 @@
         <p:spPr>
           <a:xfrm>
             <a:off x="5858640" y="4225680"/>
-            <a:ext cx="1384560" cy="390960"/>
+            <a:ext cx="1383840" cy="390240"/>
           </a:xfrm>
           <a:prstGeom prst="rect">
             <a:avLst/>
@@ -37474,7 +37705,7 @@
             <a:r>
               <a:rPr b="0" lang="en" sz="1800" spc="-1" strike="noStrike">
                 <a:solidFill>
-                  <a:schemeClr val="dk2"/>
+                  <a:srgbClr val="3465a4"/>
                 </a:solidFill>
                 <a:latin typeface="Manrope"/>
                 <a:ea typeface="Manrope"/>
@@ -37496,7 +37727,7 @@
         <p:spPr>
           <a:xfrm>
             <a:off x="5858640" y="4619160"/>
-            <a:ext cx="2203200" cy="756720"/>
+            <a:ext cx="2202480" cy="756000"/>
           </a:xfrm>
           <a:prstGeom prst="rect">
             <a:avLst/>
@@ -37550,13 +37781,13 @@
         <p:spPr>
           <a:xfrm>
             <a:off x="3438720" y="3174120"/>
-            <a:ext cx="968760" cy="968760"/>
+            <a:ext cx="968040" cy="968040"/>
           </a:xfrm>
           <a:prstGeom prst="ellipse">
             <a:avLst/>
           </a:prstGeom>
           <a:solidFill>
-            <a:schemeClr val="dk2"/>
+            <a:srgbClr val="3465a4"/>
           </a:solidFill>
           <a:ln w="0">
             <a:noFill/>
@@ -37578,13 +37809,13 @@
         <p:spPr>
           <a:xfrm>
             <a:off x="4734720" y="4335480"/>
-            <a:ext cx="968760" cy="968760"/>
+            <a:ext cx="968040" cy="968040"/>
           </a:xfrm>
           <a:prstGeom prst="ellipse">
             <a:avLst/>
           </a:prstGeom>
           <a:solidFill>
-            <a:schemeClr val="dk2"/>
+            <a:srgbClr val="3465a4"/>
           </a:solidFill>
           <a:ln w="0">
             <a:noFill/>
@@ -37606,9 +37837,9 @@
         <p:grpSpPr>
           <a:xfrm>
             <a:off x="4957560" y="4586760"/>
-            <a:ext cx="523440" cy="466200"/>
+            <a:ext cx="522720" cy="465480"/>
             <a:chOff x="4957560" y="4586760"/>
-            <a:chExt cx="523440" cy="466200"/>
+            <a:chExt cx="522720" cy="465480"/>
           </a:xfrm>
         </p:grpSpPr>
         <p:sp>
@@ -37620,15 +37851,15 @@
           <p:spPr>
             <a:xfrm>
               <a:off x="4987440" y="4863240"/>
-              <a:ext cx="31680" cy="13680"/>
+              <a:ext cx="30960" cy="12960"/>
             </a:xfrm>
             <a:custGeom>
               <a:avLst/>
               <a:gdLst>
-                <a:gd name="textAreaLeft" fmla="*/ 0 w 31680"/>
-                <a:gd name="textAreaRight" fmla="*/ 34200 w 31680"/>
-                <a:gd name="textAreaTop" fmla="*/ 0 h 13680"/>
-                <a:gd name="textAreaBottom" fmla="*/ 16200 h 13680"/>
+                <a:gd name="textAreaLeft" fmla="*/ 0 w 30960"/>
+                <a:gd name="textAreaRight" fmla="*/ 34200 w 30960"/>
+                <a:gd name="textAreaTop" fmla="*/ 0 h 12960"/>
+                <a:gd name="textAreaBottom" fmla="*/ 16200 h 12960"/>
               </a:gdLst>
               <a:ahLst/>
               <a:rect l="textAreaLeft" t="textAreaTop" r="textAreaRight" b="textAreaBottom"/>
@@ -37687,15 +37918,15 @@
           <p:spPr>
             <a:xfrm>
               <a:off x="5035680" y="4863240"/>
-              <a:ext cx="69480" cy="13680"/>
+              <a:ext cx="68760" cy="12960"/>
             </a:xfrm>
             <a:custGeom>
               <a:avLst/>
               <a:gdLst>
-                <a:gd name="textAreaLeft" fmla="*/ 0 w 69480"/>
-                <a:gd name="textAreaRight" fmla="*/ 72000 w 69480"/>
-                <a:gd name="textAreaTop" fmla="*/ 0 h 13680"/>
-                <a:gd name="textAreaBottom" fmla="*/ 16200 h 13680"/>
+                <a:gd name="textAreaLeft" fmla="*/ 0 w 68760"/>
+                <a:gd name="textAreaRight" fmla="*/ 72000 w 68760"/>
+                <a:gd name="textAreaTop" fmla="*/ 0 h 12960"/>
+                <a:gd name="textAreaBottom" fmla="*/ 16200 h 12960"/>
               </a:gdLst>
               <a:ahLst/>
               <a:rect l="textAreaLeft" t="textAreaTop" r="textAreaRight" b="textAreaBottom"/>
@@ -37754,15 +37985,15 @@
           <p:spPr>
             <a:xfrm>
               <a:off x="4987440" y="4895280"/>
-              <a:ext cx="31680" cy="13680"/>
+              <a:ext cx="30960" cy="12960"/>
             </a:xfrm>
             <a:custGeom>
               <a:avLst/>
               <a:gdLst>
-                <a:gd name="textAreaLeft" fmla="*/ 0 w 31680"/>
-                <a:gd name="textAreaRight" fmla="*/ 34200 w 31680"/>
-                <a:gd name="textAreaTop" fmla="*/ 0 h 13680"/>
-                <a:gd name="textAreaBottom" fmla="*/ 16200 h 13680"/>
+                <a:gd name="textAreaLeft" fmla="*/ 0 w 30960"/>
+                <a:gd name="textAreaRight" fmla="*/ 34200 w 30960"/>
+                <a:gd name="textAreaTop" fmla="*/ 0 h 12960"/>
+                <a:gd name="textAreaBottom" fmla="*/ 16200 h 12960"/>
               </a:gdLst>
               <a:ahLst/>
               <a:rect l="textAreaLeft" t="textAreaTop" r="textAreaRight" b="textAreaBottom"/>
@@ -37821,15 +38052,15 @@
           <p:spPr>
             <a:xfrm>
               <a:off x="5035680" y="4895280"/>
-              <a:ext cx="69480" cy="13680"/>
+              <a:ext cx="68760" cy="12960"/>
             </a:xfrm>
             <a:custGeom>
               <a:avLst/>
               <a:gdLst>
-                <a:gd name="textAreaLeft" fmla="*/ 0 w 69480"/>
-                <a:gd name="textAreaRight" fmla="*/ 72000 w 69480"/>
-                <a:gd name="textAreaTop" fmla="*/ 0 h 13680"/>
-                <a:gd name="textAreaBottom" fmla="*/ 16200 h 13680"/>
+                <a:gd name="textAreaLeft" fmla="*/ 0 w 68760"/>
+                <a:gd name="textAreaRight" fmla="*/ 72000 w 68760"/>
+                <a:gd name="textAreaTop" fmla="*/ 0 h 12960"/>
+                <a:gd name="textAreaBottom" fmla="*/ 16200 h 12960"/>
               </a:gdLst>
               <a:ahLst/>
               <a:rect l="textAreaLeft" t="textAreaTop" r="textAreaRight" b="textAreaBottom"/>
@@ -37888,15 +38119,15 @@
           <p:spPr>
             <a:xfrm>
               <a:off x="4987440" y="4928400"/>
-              <a:ext cx="31680" cy="12600"/>
+              <a:ext cx="30960" cy="11880"/>
             </a:xfrm>
             <a:custGeom>
               <a:avLst/>
               <a:gdLst>
-                <a:gd name="textAreaLeft" fmla="*/ 0 w 31680"/>
-                <a:gd name="textAreaRight" fmla="*/ 34200 w 31680"/>
-                <a:gd name="textAreaTop" fmla="*/ 0 h 12600"/>
-                <a:gd name="textAreaBottom" fmla="*/ 15120 h 12600"/>
+                <a:gd name="textAreaLeft" fmla="*/ 0 w 30960"/>
+                <a:gd name="textAreaRight" fmla="*/ 34200 w 30960"/>
+                <a:gd name="textAreaTop" fmla="*/ 0 h 11880"/>
+                <a:gd name="textAreaBottom" fmla="*/ 15120 h 11880"/>
               </a:gdLst>
               <a:ahLst/>
               <a:rect l="textAreaLeft" t="textAreaTop" r="textAreaRight" b="textAreaBottom"/>
@@ -37955,15 +38186,15 @@
           <p:spPr>
             <a:xfrm>
               <a:off x="5035680" y="4928400"/>
-              <a:ext cx="69480" cy="12600"/>
+              <a:ext cx="68760" cy="11880"/>
             </a:xfrm>
             <a:custGeom>
               <a:avLst/>
               <a:gdLst>
-                <a:gd name="textAreaLeft" fmla="*/ 0 w 69480"/>
-                <a:gd name="textAreaRight" fmla="*/ 72000 w 69480"/>
-                <a:gd name="textAreaTop" fmla="*/ 0 h 12600"/>
-                <a:gd name="textAreaBottom" fmla="*/ 15120 h 12600"/>
+                <a:gd name="textAreaLeft" fmla="*/ 0 w 68760"/>
+                <a:gd name="textAreaRight" fmla="*/ 72000 w 68760"/>
+                <a:gd name="textAreaTop" fmla="*/ 0 h 11880"/>
+                <a:gd name="textAreaBottom" fmla="*/ 15120 h 11880"/>
               </a:gdLst>
               <a:ahLst/>
               <a:rect l="textAreaLeft" t="textAreaTop" r="textAreaRight" b="textAreaBottom"/>
@@ -38022,15 +38253,15 @@
           <p:spPr>
             <a:xfrm>
               <a:off x="4987440" y="4960440"/>
-              <a:ext cx="31680" cy="12600"/>
+              <a:ext cx="30960" cy="11880"/>
             </a:xfrm>
             <a:custGeom>
               <a:avLst/>
               <a:gdLst>
-                <a:gd name="textAreaLeft" fmla="*/ 0 w 31680"/>
-                <a:gd name="textAreaRight" fmla="*/ 34200 w 31680"/>
-                <a:gd name="textAreaTop" fmla="*/ 0 h 12600"/>
-                <a:gd name="textAreaBottom" fmla="*/ 15120 h 12600"/>
+                <a:gd name="textAreaLeft" fmla="*/ 0 w 30960"/>
+                <a:gd name="textAreaRight" fmla="*/ 34200 w 30960"/>
+                <a:gd name="textAreaTop" fmla="*/ 0 h 11880"/>
+                <a:gd name="textAreaBottom" fmla="*/ 15120 h 11880"/>
               </a:gdLst>
               <a:ahLst/>
               <a:rect l="textAreaLeft" t="textAreaTop" r="textAreaRight" b="textAreaBottom"/>
@@ -38089,15 +38320,15 @@
           <p:spPr>
             <a:xfrm>
               <a:off x="5035680" y="4960440"/>
-              <a:ext cx="69480" cy="12600"/>
+              <a:ext cx="68760" cy="11880"/>
             </a:xfrm>
             <a:custGeom>
               <a:avLst/>
               <a:gdLst>
-                <a:gd name="textAreaLeft" fmla="*/ 0 w 69480"/>
-                <a:gd name="textAreaRight" fmla="*/ 72000 w 69480"/>
-                <a:gd name="textAreaTop" fmla="*/ 0 h 12600"/>
-                <a:gd name="textAreaBottom" fmla="*/ 15120 h 12600"/>
+                <a:gd name="textAreaLeft" fmla="*/ 0 w 68760"/>
+                <a:gd name="textAreaRight" fmla="*/ 72000 w 68760"/>
+                <a:gd name="textAreaTop" fmla="*/ 0 h 11880"/>
+                <a:gd name="textAreaBottom" fmla="*/ 15120 h 11880"/>
               </a:gdLst>
               <a:ahLst/>
               <a:rect l="textAreaLeft" t="textAreaTop" r="textAreaRight" b="textAreaBottom"/>
@@ -38156,15 +38387,15 @@
           <p:spPr>
             <a:xfrm>
               <a:off x="4987440" y="4992480"/>
-              <a:ext cx="31680" cy="12600"/>
+              <a:ext cx="30960" cy="11880"/>
             </a:xfrm>
             <a:custGeom>
               <a:avLst/>
               <a:gdLst>
-                <a:gd name="textAreaLeft" fmla="*/ 0 w 31680"/>
-                <a:gd name="textAreaRight" fmla="*/ 34200 w 31680"/>
-                <a:gd name="textAreaTop" fmla="*/ 0 h 12600"/>
-                <a:gd name="textAreaBottom" fmla="*/ 15120 h 12600"/>
+                <a:gd name="textAreaLeft" fmla="*/ 0 w 30960"/>
+                <a:gd name="textAreaRight" fmla="*/ 34200 w 30960"/>
+                <a:gd name="textAreaTop" fmla="*/ 0 h 11880"/>
+                <a:gd name="textAreaBottom" fmla="*/ 15120 h 11880"/>
               </a:gdLst>
               <a:ahLst/>
               <a:rect l="textAreaLeft" t="textAreaTop" r="textAreaRight" b="textAreaBottom"/>
@@ -38223,15 +38454,15 @@
           <p:spPr>
             <a:xfrm>
               <a:off x="5035680" y="4992480"/>
-              <a:ext cx="69480" cy="12600"/>
+              <a:ext cx="68760" cy="11880"/>
             </a:xfrm>
             <a:custGeom>
               <a:avLst/>
               <a:gdLst>
-                <a:gd name="textAreaLeft" fmla="*/ 0 w 69480"/>
-                <a:gd name="textAreaRight" fmla="*/ 72000 w 69480"/>
-                <a:gd name="textAreaTop" fmla="*/ 0 h 12600"/>
-                <a:gd name="textAreaBottom" fmla="*/ 15120 h 12600"/>
+                <a:gd name="textAreaLeft" fmla="*/ 0 w 68760"/>
+                <a:gd name="textAreaRight" fmla="*/ 72000 w 68760"/>
+                <a:gd name="textAreaTop" fmla="*/ 0 h 11880"/>
+                <a:gd name="textAreaBottom" fmla="*/ 15120 h 11880"/>
               </a:gdLst>
               <a:ahLst/>
               <a:rect l="textAreaLeft" t="textAreaTop" r="textAreaRight" b="textAreaBottom"/>
@@ -38290,15 +38521,15 @@
           <p:spPr>
             <a:xfrm>
               <a:off x="5159880" y="4863240"/>
-              <a:ext cx="31680" cy="13680"/>
+              <a:ext cx="30960" cy="12960"/>
             </a:xfrm>
             <a:custGeom>
               <a:avLst/>
               <a:gdLst>
-                <a:gd name="textAreaLeft" fmla="*/ 0 w 31680"/>
-                <a:gd name="textAreaRight" fmla="*/ 34200 w 31680"/>
-                <a:gd name="textAreaTop" fmla="*/ 0 h 13680"/>
-                <a:gd name="textAreaBottom" fmla="*/ 16200 h 13680"/>
+                <a:gd name="textAreaLeft" fmla="*/ 0 w 30960"/>
+                <a:gd name="textAreaRight" fmla="*/ 34200 w 30960"/>
+                <a:gd name="textAreaTop" fmla="*/ 0 h 12960"/>
+                <a:gd name="textAreaBottom" fmla="*/ 16200 h 12960"/>
               </a:gdLst>
               <a:ahLst/>
               <a:rect l="textAreaLeft" t="textAreaTop" r="textAreaRight" b="textAreaBottom"/>
@@ -38357,15 +38588,15 @@
           <p:spPr>
             <a:xfrm>
               <a:off x="5207760" y="4863240"/>
-              <a:ext cx="69480" cy="13680"/>
+              <a:ext cx="68760" cy="12960"/>
             </a:xfrm>
             <a:custGeom>
               <a:avLst/>
               <a:gdLst>
-                <a:gd name="textAreaLeft" fmla="*/ 0 w 69480"/>
-                <a:gd name="textAreaRight" fmla="*/ 72000 w 69480"/>
-                <a:gd name="textAreaTop" fmla="*/ 0 h 13680"/>
-                <a:gd name="textAreaBottom" fmla="*/ 16200 h 13680"/>
+                <a:gd name="textAreaLeft" fmla="*/ 0 w 68760"/>
+                <a:gd name="textAreaRight" fmla="*/ 72000 w 68760"/>
+                <a:gd name="textAreaTop" fmla="*/ 0 h 12960"/>
+                <a:gd name="textAreaBottom" fmla="*/ 16200 h 12960"/>
               </a:gdLst>
               <a:ahLst/>
               <a:rect l="textAreaLeft" t="textAreaTop" r="textAreaRight" b="textAreaBottom"/>
@@ -38424,15 +38655,15 @@
           <p:spPr>
             <a:xfrm>
               <a:off x="5159880" y="4895280"/>
-              <a:ext cx="31680" cy="13680"/>
+              <a:ext cx="30960" cy="12960"/>
             </a:xfrm>
             <a:custGeom>
               <a:avLst/>
               <a:gdLst>
-                <a:gd name="textAreaLeft" fmla="*/ 0 w 31680"/>
-                <a:gd name="textAreaRight" fmla="*/ 34200 w 31680"/>
-                <a:gd name="textAreaTop" fmla="*/ 0 h 13680"/>
-                <a:gd name="textAreaBottom" fmla="*/ 16200 h 13680"/>
+                <a:gd name="textAreaLeft" fmla="*/ 0 w 30960"/>
+                <a:gd name="textAreaRight" fmla="*/ 34200 w 30960"/>
+                <a:gd name="textAreaTop" fmla="*/ 0 h 12960"/>
+                <a:gd name="textAreaBottom" fmla="*/ 16200 h 12960"/>
               </a:gdLst>
               <a:ahLst/>
               <a:rect l="textAreaLeft" t="textAreaTop" r="textAreaRight" b="textAreaBottom"/>
@@ -38491,15 +38722,15 @@
           <p:spPr>
             <a:xfrm>
               <a:off x="5207760" y="4895280"/>
-              <a:ext cx="69480" cy="13680"/>
+              <a:ext cx="68760" cy="12960"/>
             </a:xfrm>
             <a:custGeom>
               <a:avLst/>
               <a:gdLst>
-                <a:gd name="textAreaLeft" fmla="*/ 0 w 69480"/>
-                <a:gd name="textAreaRight" fmla="*/ 72000 w 69480"/>
-                <a:gd name="textAreaTop" fmla="*/ 0 h 13680"/>
-                <a:gd name="textAreaBottom" fmla="*/ 16200 h 13680"/>
+                <a:gd name="textAreaLeft" fmla="*/ 0 w 68760"/>
+                <a:gd name="textAreaRight" fmla="*/ 72000 w 68760"/>
+                <a:gd name="textAreaTop" fmla="*/ 0 h 12960"/>
+                <a:gd name="textAreaBottom" fmla="*/ 16200 h 12960"/>
               </a:gdLst>
               <a:ahLst/>
               <a:rect l="textAreaLeft" t="textAreaTop" r="textAreaRight" b="textAreaBottom"/>
@@ -38558,15 +38789,15 @@
           <p:spPr>
             <a:xfrm>
               <a:off x="5159880" y="4928400"/>
-              <a:ext cx="31680" cy="12600"/>
+              <a:ext cx="30960" cy="11880"/>
             </a:xfrm>
             <a:custGeom>
               <a:avLst/>
               <a:gdLst>
-                <a:gd name="textAreaLeft" fmla="*/ 0 w 31680"/>
-                <a:gd name="textAreaRight" fmla="*/ 34200 w 31680"/>
-                <a:gd name="textAreaTop" fmla="*/ 0 h 12600"/>
-                <a:gd name="textAreaBottom" fmla="*/ 15120 h 12600"/>
+                <a:gd name="textAreaLeft" fmla="*/ 0 w 30960"/>
+                <a:gd name="textAreaRight" fmla="*/ 34200 w 30960"/>
+                <a:gd name="textAreaTop" fmla="*/ 0 h 11880"/>
+                <a:gd name="textAreaBottom" fmla="*/ 15120 h 11880"/>
               </a:gdLst>
               <a:ahLst/>
               <a:rect l="textAreaLeft" t="textAreaTop" r="textAreaRight" b="textAreaBottom"/>
@@ -38625,15 +38856,15 @@
           <p:spPr>
             <a:xfrm>
               <a:off x="5207760" y="4928400"/>
-              <a:ext cx="69480" cy="12600"/>
+              <a:ext cx="68760" cy="11880"/>
             </a:xfrm>
             <a:custGeom>
               <a:avLst/>
               <a:gdLst>
-                <a:gd name="textAreaLeft" fmla="*/ 0 w 69480"/>
-                <a:gd name="textAreaRight" fmla="*/ 72000 w 69480"/>
-                <a:gd name="textAreaTop" fmla="*/ 0 h 12600"/>
-                <a:gd name="textAreaBottom" fmla="*/ 15120 h 12600"/>
+                <a:gd name="textAreaLeft" fmla="*/ 0 w 68760"/>
+                <a:gd name="textAreaRight" fmla="*/ 72000 w 68760"/>
+                <a:gd name="textAreaTop" fmla="*/ 0 h 11880"/>
+                <a:gd name="textAreaBottom" fmla="*/ 15120 h 11880"/>
               </a:gdLst>
               <a:ahLst/>
               <a:rect l="textAreaLeft" t="textAreaTop" r="textAreaRight" b="textAreaBottom"/>
@@ -38692,15 +38923,15 @@
           <p:spPr>
             <a:xfrm>
               <a:off x="5159880" y="4960440"/>
-              <a:ext cx="31680" cy="12600"/>
+              <a:ext cx="30960" cy="11880"/>
             </a:xfrm>
             <a:custGeom>
               <a:avLst/>
               <a:gdLst>
-                <a:gd name="textAreaLeft" fmla="*/ 0 w 31680"/>
-                <a:gd name="textAreaRight" fmla="*/ 34200 w 31680"/>
-                <a:gd name="textAreaTop" fmla="*/ 0 h 12600"/>
-                <a:gd name="textAreaBottom" fmla="*/ 15120 h 12600"/>
+                <a:gd name="textAreaLeft" fmla="*/ 0 w 30960"/>
+                <a:gd name="textAreaRight" fmla="*/ 34200 w 30960"/>
+                <a:gd name="textAreaTop" fmla="*/ 0 h 11880"/>
+                <a:gd name="textAreaBottom" fmla="*/ 15120 h 11880"/>
               </a:gdLst>
               <a:ahLst/>
               <a:rect l="textAreaLeft" t="textAreaTop" r="textAreaRight" b="textAreaBottom"/>
@@ -38759,15 +38990,15 @@
           <p:spPr>
             <a:xfrm>
               <a:off x="5207760" y="4960440"/>
-              <a:ext cx="69480" cy="12600"/>
+              <a:ext cx="68760" cy="11880"/>
             </a:xfrm>
             <a:custGeom>
               <a:avLst/>
               <a:gdLst>
-                <a:gd name="textAreaLeft" fmla="*/ 0 w 69480"/>
-                <a:gd name="textAreaRight" fmla="*/ 72000 w 69480"/>
-                <a:gd name="textAreaTop" fmla="*/ 0 h 12600"/>
-                <a:gd name="textAreaBottom" fmla="*/ 15120 h 12600"/>
+                <a:gd name="textAreaLeft" fmla="*/ 0 w 68760"/>
+                <a:gd name="textAreaRight" fmla="*/ 72000 w 68760"/>
+                <a:gd name="textAreaTop" fmla="*/ 0 h 11880"/>
+                <a:gd name="textAreaBottom" fmla="*/ 15120 h 11880"/>
               </a:gdLst>
               <a:ahLst/>
               <a:rect l="textAreaLeft" t="textAreaTop" r="textAreaRight" b="textAreaBottom"/>
@@ -38826,15 +39057,15 @@
           <p:spPr>
             <a:xfrm>
               <a:off x="5159880" y="4992480"/>
-              <a:ext cx="31680" cy="12600"/>
+              <a:ext cx="30960" cy="11880"/>
             </a:xfrm>
             <a:custGeom>
               <a:avLst/>
               <a:gdLst>
-                <a:gd name="textAreaLeft" fmla="*/ 0 w 31680"/>
-                <a:gd name="textAreaRight" fmla="*/ 34200 w 31680"/>
-                <a:gd name="textAreaTop" fmla="*/ 0 h 12600"/>
-                <a:gd name="textAreaBottom" fmla="*/ 15120 h 12600"/>
+                <a:gd name="textAreaLeft" fmla="*/ 0 w 30960"/>
+                <a:gd name="textAreaRight" fmla="*/ 34200 w 30960"/>
+                <a:gd name="textAreaTop" fmla="*/ 0 h 11880"/>
+                <a:gd name="textAreaBottom" fmla="*/ 15120 h 11880"/>
               </a:gdLst>
               <a:ahLst/>
               <a:rect l="textAreaLeft" t="textAreaTop" r="textAreaRight" b="textAreaBottom"/>
@@ -38893,15 +39124,15 @@
           <p:spPr>
             <a:xfrm>
               <a:off x="5207760" y="4992480"/>
-              <a:ext cx="69480" cy="12600"/>
+              <a:ext cx="68760" cy="11880"/>
             </a:xfrm>
             <a:custGeom>
               <a:avLst/>
               <a:gdLst>
-                <a:gd name="textAreaLeft" fmla="*/ 0 w 69480"/>
-                <a:gd name="textAreaRight" fmla="*/ 72000 w 69480"/>
-                <a:gd name="textAreaTop" fmla="*/ 0 h 12600"/>
-                <a:gd name="textAreaBottom" fmla="*/ 15120 h 12600"/>
+                <a:gd name="textAreaLeft" fmla="*/ 0 w 68760"/>
+                <a:gd name="textAreaRight" fmla="*/ 72000 w 68760"/>
+                <a:gd name="textAreaTop" fmla="*/ 0 h 11880"/>
+                <a:gd name="textAreaBottom" fmla="*/ 15120 h 11880"/>
               </a:gdLst>
               <a:ahLst/>
               <a:rect l="textAreaLeft" t="textAreaTop" r="textAreaRight" b="textAreaBottom"/>
@@ -38960,15 +39191,15 @@
           <p:spPr>
             <a:xfrm>
               <a:off x="5333040" y="4863240"/>
-              <a:ext cx="30600" cy="13680"/>
+              <a:ext cx="29880" cy="12960"/>
             </a:xfrm>
             <a:custGeom>
               <a:avLst/>
               <a:gdLst>
-                <a:gd name="textAreaLeft" fmla="*/ 0 w 30600"/>
-                <a:gd name="textAreaRight" fmla="*/ 33120 w 30600"/>
-                <a:gd name="textAreaTop" fmla="*/ 0 h 13680"/>
-                <a:gd name="textAreaBottom" fmla="*/ 16200 h 13680"/>
+                <a:gd name="textAreaLeft" fmla="*/ 0 w 29880"/>
+                <a:gd name="textAreaRight" fmla="*/ 33120 w 29880"/>
+                <a:gd name="textAreaTop" fmla="*/ 0 h 12960"/>
+                <a:gd name="textAreaBottom" fmla="*/ 16200 h 12960"/>
               </a:gdLst>
               <a:ahLst/>
               <a:rect l="textAreaLeft" t="textAreaTop" r="textAreaRight" b="textAreaBottom"/>
@@ -39027,15 +39258,15 @@
           <p:spPr>
             <a:xfrm>
               <a:off x="5381280" y="4863240"/>
-              <a:ext cx="68760" cy="13680"/>
+              <a:ext cx="68040" cy="12960"/>
             </a:xfrm>
             <a:custGeom>
               <a:avLst/>
               <a:gdLst>
-                <a:gd name="textAreaLeft" fmla="*/ 0 w 68760"/>
-                <a:gd name="textAreaRight" fmla="*/ 71280 w 68760"/>
-                <a:gd name="textAreaTop" fmla="*/ 0 h 13680"/>
-                <a:gd name="textAreaBottom" fmla="*/ 16200 h 13680"/>
+                <a:gd name="textAreaLeft" fmla="*/ 0 w 68040"/>
+                <a:gd name="textAreaRight" fmla="*/ 71280 w 68040"/>
+                <a:gd name="textAreaTop" fmla="*/ 0 h 12960"/>
+                <a:gd name="textAreaBottom" fmla="*/ 16200 h 12960"/>
               </a:gdLst>
               <a:ahLst/>
               <a:rect l="textAreaLeft" t="textAreaTop" r="textAreaRight" b="textAreaBottom"/>
@@ -39094,15 +39325,15 @@
           <p:spPr>
             <a:xfrm>
               <a:off x="5333040" y="4895280"/>
-              <a:ext cx="30600" cy="13680"/>
+              <a:ext cx="29880" cy="12960"/>
             </a:xfrm>
             <a:custGeom>
               <a:avLst/>
               <a:gdLst>
-                <a:gd name="textAreaLeft" fmla="*/ 0 w 30600"/>
-                <a:gd name="textAreaRight" fmla="*/ 33120 w 30600"/>
-                <a:gd name="textAreaTop" fmla="*/ 0 h 13680"/>
-                <a:gd name="textAreaBottom" fmla="*/ 16200 h 13680"/>
+                <a:gd name="textAreaLeft" fmla="*/ 0 w 29880"/>
+                <a:gd name="textAreaRight" fmla="*/ 33120 w 29880"/>
+                <a:gd name="textAreaTop" fmla="*/ 0 h 12960"/>
+                <a:gd name="textAreaBottom" fmla="*/ 16200 h 12960"/>
               </a:gdLst>
               <a:ahLst/>
               <a:rect l="textAreaLeft" t="textAreaTop" r="textAreaRight" b="textAreaBottom"/>
@@ -39161,15 +39392,15 @@
           <p:spPr>
             <a:xfrm>
               <a:off x="5381280" y="4895280"/>
-              <a:ext cx="68760" cy="13680"/>
+              <a:ext cx="68040" cy="12960"/>
             </a:xfrm>
             <a:custGeom>
               <a:avLst/>
               <a:gdLst>
-                <a:gd name="textAreaLeft" fmla="*/ 0 w 68760"/>
-                <a:gd name="textAreaRight" fmla="*/ 71280 w 68760"/>
-                <a:gd name="textAreaTop" fmla="*/ 0 h 13680"/>
-                <a:gd name="textAreaBottom" fmla="*/ 16200 h 13680"/>
+                <a:gd name="textAreaLeft" fmla="*/ 0 w 68040"/>
+                <a:gd name="textAreaRight" fmla="*/ 71280 w 68040"/>
+                <a:gd name="textAreaTop" fmla="*/ 0 h 12960"/>
+                <a:gd name="textAreaBottom" fmla="*/ 16200 h 12960"/>
               </a:gdLst>
               <a:ahLst/>
               <a:rect l="textAreaLeft" t="textAreaTop" r="textAreaRight" b="textAreaBottom"/>
@@ -39228,15 +39459,15 @@
           <p:spPr>
             <a:xfrm>
               <a:off x="5333040" y="4928400"/>
-              <a:ext cx="30600" cy="12600"/>
+              <a:ext cx="29880" cy="11880"/>
             </a:xfrm>
             <a:custGeom>
               <a:avLst/>
               <a:gdLst>
-                <a:gd name="textAreaLeft" fmla="*/ 0 w 30600"/>
-                <a:gd name="textAreaRight" fmla="*/ 33120 w 30600"/>
-                <a:gd name="textAreaTop" fmla="*/ 0 h 12600"/>
-                <a:gd name="textAreaBottom" fmla="*/ 15120 h 12600"/>
+                <a:gd name="textAreaLeft" fmla="*/ 0 w 29880"/>
+                <a:gd name="textAreaRight" fmla="*/ 33120 w 29880"/>
+                <a:gd name="textAreaTop" fmla="*/ 0 h 11880"/>
+                <a:gd name="textAreaBottom" fmla="*/ 15120 h 11880"/>
               </a:gdLst>
               <a:ahLst/>
               <a:rect l="textAreaLeft" t="textAreaTop" r="textAreaRight" b="textAreaBottom"/>
@@ -39295,15 +39526,15 @@
           <p:spPr>
             <a:xfrm>
               <a:off x="5381280" y="4928400"/>
-              <a:ext cx="68760" cy="12600"/>
+              <a:ext cx="68040" cy="11880"/>
             </a:xfrm>
             <a:custGeom>
               <a:avLst/>
               <a:gdLst>
-                <a:gd name="textAreaLeft" fmla="*/ 0 w 68760"/>
-                <a:gd name="textAreaRight" fmla="*/ 71280 w 68760"/>
-                <a:gd name="textAreaTop" fmla="*/ 0 h 12600"/>
-                <a:gd name="textAreaBottom" fmla="*/ 15120 h 12600"/>
+                <a:gd name="textAreaLeft" fmla="*/ 0 w 68040"/>
+                <a:gd name="textAreaRight" fmla="*/ 71280 w 68040"/>
+                <a:gd name="textAreaTop" fmla="*/ 0 h 11880"/>
+                <a:gd name="textAreaBottom" fmla="*/ 15120 h 11880"/>
               </a:gdLst>
               <a:ahLst/>
               <a:rect l="textAreaLeft" t="textAreaTop" r="textAreaRight" b="textAreaBottom"/>
@@ -39362,15 +39593,15 @@
           <p:spPr>
             <a:xfrm>
               <a:off x="5333040" y="4960440"/>
-              <a:ext cx="30600" cy="12600"/>
+              <a:ext cx="29880" cy="11880"/>
             </a:xfrm>
             <a:custGeom>
               <a:avLst/>
               <a:gdLst>
-                <a:gd name="textAreaLeft" fmla="*/ 0 w 30600"/>
-                <a:gd name="textAreaRight" fmla="*/ 33120 w 30600"/>
-                <a:gd name="textAreaTop" fmla="*/ 0 h 12600"/>
-                <a:gd name="textAreaBottom" fmla="*/ 15120 h 12600"/>
+                <a:gd name="textAreaLeft" fmla="*/ 0 w 29880"/>
+                <a:gd name="textAreaRight" fmla="*/ 33120 w 29880"/>
+                <a:gd name="textAreaTop" fmla="*/ 0 h 11880"/>
+                <a:gd name="textAreaBottom" fmla="*/ 15120 h 11880"/>
               </a:gdLst>
               <a:ahLst/>
               <a:rect l="textAreaLeft" t="textAreaTop" r="textAreaRight" b="textAreaBottom"/>
@@ -39429,15 +39660,15 @@
           <p:spPr>
             <a:xfrm>
               <a:off x="5381280" y="4960440"/>
-              <a:ext cx="68760" cy="12600"/>
+              <a:ext cx="68040" cy="11880"/>
             </a:xfrm>
             <a:custGeom>
               <a:avLst/>
               <a:gdLst>
-                <a:gd name="textAreaLeft" fmla="*/ 0 w 68760"/>
-                <a:gd name="textAreaRight" fmla="*/ 71280 w 68760"/>
-                <a:gd name="textAreaTop" fmla="*/ 0 h 12600"/>
-                <a:gd name="textAreaBottom" fmla="*/ 15120 h 12600"/>
+                <a:gd name="textAreaLeft" fmla="*/ 0 w 68040"/>
+                <a:gd name="textAreaRight" fmla="*/ 71280 w 68040"/>
+                <a:gd name="textAreaTop" fmla="*/ 0 h 11880"/>
+                <a:gd name="textAreaBottom" fmla="*/ 15120 h 11880"/>
               </a:gdLst>
               <a:ahLst/>
               <a:rect l="textAreaLeft" t="textAreaTop" r="textAreaRight" b="textAreaBottom"/>
@@ -39496,15 +39727,15 @@
           <p:spPr>
             <a:xfrm>
               <a:off x="5333040" y="4992480"/>
-              <a:ext cx="30600" cy="12600"/>
+              <a:ext cx="29880" cy="11880"/>
             </a:xfrm>
             <a:custGeom>
               <a:avLst/>
               <a:gdLst>
-                <a:gd name="textAreaLeft" fmla="*/ 0 w 30600"/>
-                <a:gd name="textAreaRight" fmla="*/ 33120 w 30600"/>
-                <a:gd name="textAreaTop" fmla="*/ 0 h 12600"/>
-                <a:gd name="textAreaBottom" fmla="*/ 15120 h 12600"/>
+                <a:gd name="textAreaLeft" fmla="*/ 0 w 29880"/>
+                <a:gd name="textAreaRight" fmla="*/ 33120 w 29880"/>
+                <a:gd name="textAreaTop" fmla="*/ 0 h 11880"/>
+                <a:gd name="textAreaBottom" fmla="*/ 15120 h 11880"/>
               </a:gdLst>
               <a:ahLst/>
               <a:rect l="textAreaLeft" t="textAreaTop" r="textAreaRight" b="textAreaBottom"/>
@@ -39563,15 +39794,15 @@
           <p:spPr>
             <a:xfrm>
               <a:off x="5381280" y="4992480"/>
-              <a:ext cx="68760" cy="12600"/>
+              <a:ext cx="68040" cy="11880"/>
             </a:xfrm>
             <a:custGeom>
               <a:avLst/>
               <a:gdLst>
-                <a:gd name="textAreaLeft" fmla="*/ 0 w 68760"/>
-                <a:gd name="textAreaRight" fmla="*/ 71280 w 68760"/>
-                <a:gd name="textAreaTop" fmla="*/ 0 h 12600"/>
-                <a:gd name="textAreaBottom" fmla="*/ 15120 h 12600"/>
+                <a:gd name="textAreaLeft" fmla="*/ 0 w 68040"/>
+                <a:gd name="textAreaRight" fmla="*/ 71280 w 68040"/>
+                <a:gd name="textAreaTop" fmla="*/ 0 h 11880"/>
+                <a:gd name="textAreaBottom" fmla="*/ 15120 h 11880"/>
               </a:gdLst>
               <a:ahLst/>
               <a:rect l="textAreaLeft" t="textAreaTop" r="textAreaRight" b="textAreaBottom"/>
@@ -39630,15 +39861,15 @@
           <p:spPr>
             <a:xfrm>
               <a:off x="5121720" y="4849200"/>
-              <a:ext cx="12600" cy="173880"/>
+              <a:ext cx="11880" cy="173160"/>
             </a:xfrm>
             <a:custGeom>
               <a:avLst/>
               <a:gdLst>
-                <a:gd name="textAreaLeft" fmla="*/ 0 w 12600"/>
-                <a:gd name="textAreaRight" fmla="*/ 15120 w 12600"/>
-                <a:gd name="textAreaTop" fmla="*/ 0 h 173880"/>
-                <a:gd name="textAreaBottom" fmla="*/ 176400 h 173880"/>
+                <a:gd name="textAreaLeft" fmla="*/ 0 w 11880"/>
+                <a:gd name="textAreaRight" fmla="*/ 15120 w 11880"/>
+                <a:gd name="textAreaTop" fmla="*/ 0 h 173160"/>
+                <a:gd name="textAreaBottom" fmla="*/ 176400 h 173160"/>
               </a:gdLst>
               <a:ahLst/>
               <a:rect l="textAreaLeft" t="textAreaTop" r="textAreaRight" b="textAreaBottom"/>
@@ -39700,15 +39931,15 @@
           <p:spPr>
             <a:xfrm>
               <a:off x="5303160" y="4849200"/>
-              <a:ext cx="13680" cy="173880"/>
+              <a:ext cx="12960" cy="173160"/>
             </a:xfrm>
             <a:custGeom>
               <a:avLst/>
               <a:gdLst>
-                <a:gd name="textAreaLeft" fmla="*/ 0 w 13680"/>
-                <a:gd name="textAreaRight" fmla="*/ 16200 w 13680"/>
-                <a:gd name="textAreaTop" fmla="*/ 0 h 173880"/>
-                <a:gd name="textAreaBottom" fmla="*/ 176400 h 173880"/>
+                <a:gd name="textAreaLeft" fmla="*/ 0 w 12960"/>
+                <a:gd name="textAreaRight" fmla="*/ 16200 w 12960"/>
+                <a:gd name="textAreaTop" fmla="*/ 0 h 173160"/>
+                <a:gd name="textAreaBottom" fmla="*/ 176400 h 173160"/>
               </a:gdLst>
               <a:ahLst/>
               <a:rect l="textAreaLeft" t="textAreaTop" r="textAreaRight" b="textAreaBottom"/>
@@ -39770,15 +40001,15 @@
           <p:spPr>
             <a:xfrm>
               <a:off x="5004720" y="4738320"/>
-              <a:ext cx="92880" cy="65520"/>
+              <a:ext cx="92160" cy="64800"/>
             </a:xfrm>
             <a:custGeom>
               <a:avLst/>
               <a:gdLst>
-                <a:gd name="textAreaLeft" fmla="*/ 0 w 92880"/>
-                <a:gd name="textAreaRight" fmla="*/ 95400 w 92880"/>
-                <a:gd name="textAreaTop" fmla="*/ 0 h 65520"/>
-                <a:gd name="textAreaBottom" fmla="*/ 68040 h 65520"/>
+                <a:gd name="textAreaLeft" fmla="*/ 0 w 92160"/>
+                <a:gd name="textAreaRight" fmla="*/ 95400 w 92160"/>
+                <a:gd name="textAreaTop" fmla="*/ 0 h 64800"/>
+                <a:gd name="textAreaBottom" fmla="*/ 68040 h 64800"/>
               </a:gdLst>
               <a:ahLst/>
               <a:rect l="textAreaLeft" t="textAreaTop" r="textAreaRight" b="textAreaBottom"/>
@@ -39915,15 +40146,15 @@
           <p:spPr>
             <a:xfrm>
               <a:off x="5353200" y="4750200"/>
-              <a:ext cx="78480" cy="12600"/>
+              <a:ext cx="77760" cy="11880"/>
             </a:xfrm>
             <a:custGeom>
               <a:avLst/>
               <a:gdLst>
-                <a:gd name="textAreaLeft" fmla="*/ 0 w 78480"/>
-                <a:gd name="textAreaRight" fmla="*/ 81000 w 78480"/>
-                <a:gd name="textAreaTop" fmla="*/ 0 h 12600"/>
-                <a:gd name="textAreaBottom" fmla="*/ 15120 h 12600"/>
+                <a:gd name="textAreaLeft" fmla="*/ 0 w 77760"/>
+                <a:gd name="textAreaRight" fmla="*/ 81000 w 77760"/>
+                <a:gd name="textAreaTop" fmla="*/ 0 h 11880"/>
+                <a:gd name="textAreaBottom" fmla="*/ 15120 h 11880"/>
               </a:gdLst>
               <a:ahLst/>
               <a:rect l="textAreaLeft" t="textAreaTop" r="textAreaRight" b="textAreaBottom"/>
@@ -39982,15 +40213,15 @@
           <p:spPr>
             <a:xfrm>
               <a:off x="5353200" y="4779000"/>
-              <a:ext cx="78480" cy="12600"/>
+              <a:ext cx="77760" cy="11880"/>
             </a:xfrm>
             <a:custGeom>
               <a:avLst/>
               <a:gdLst>
-                <a:gd name="textAreaLeft" fmla="*/ 0 w 78480"/>
-                <a:gd name="textAreaRight" fmla="*/ 81000 w 78480"/>
-                <a:gd name="textAreaTop" fmla="*/ 0 h 12600"/>
-                <a:gd name="textAreaBottom" fmla="*/ 15120 h 12600"/>
+                <a:gd name="textAreaLeft" fmla="*/ 0 w 77760"/>
+                <a:gd name="textAreaRight" fmla="*/ 81000 w 77760"/>
+                <a:gd name="textAreaTop" fmla="*/ 0 h 11880"/>
+                <a:gd name="textAreaBottom" fmla="*/ 15120 h 11880"/>
               </a:gdLst>
               <a:ahLst/>
               <a:rect l="textAreaLeft" t="textAreaTop" r="textAreaRight" b="textAreaBottom"/>
@@ -40049,15 +40280,15 @@
           <p:spPr>
             <a:xfrm>
               <a:off x="5119920" y="4743000"/>
-              <a:ext cx="198720" cy="55440"/>
+              <a:ext cx="198000" cy="54720"/>
             </a:xfrm>
             <a:custGeom>
               <a:avLst/>
               <a:gdLst>
-                <a:gd name="textAreaLeft" fmla="*/ 0 w 198720"/>
-                <a:gd name="textAreaRight" fmla="*/ 201240 w 198720"/>
-                <a:gd name="textAreaTop" fmla="*/ 0 h 55440"/>
-                <a:gd name="textAreaBottom" fmla="*/ 57960 h 55440"/>
+                <a:gd name="textAreaLeft" fmla="*/ 0 w 198000"/>
+                <a:gd name="textAreaRight" fmla="*/ 201240 w 198000"/>
+                <a:gd name="textAreaTop" fmla="*/ 0 h 54720"/>
+                <a:gd name="textAreaBottom" fmla="*/ 57960 h 54720"/>
               </a:gdLst>
               <a:ahLst/>
               <a:rect l="textAreaLeft" t="textAreaTop" r="textAreaRight" b="textAreaBottom"/>
@@ -40160,15 +40391,15 @@
           <p:spPr>
             <a:xfrm>
               <a:off x="4957560" y="4586760"/>
-              <a:ext cx="523440" cy="466200"/>
+              <a:ext cx="522720" cy="465480"/>
             </a:xfrm>
             <a:custGeom>
               <a:avLst/>
               <a:gdLst>
-                <a:gd name="textAreaLeft" fmla="*/ 0 w 523440"/>
-                <a:gd name="textAreaRight" fmla="*/ 525960 w 523440"/>
-                <a:gd name="textAreaTop" fmla="*/ 0 h 466200"/>
-                <a:gd name="textAreaBottom" fmla="*/ 468720 h 466200"/>
+                <a:gd name="textAreaLeft" fmla="*/ 0 w 522720"/>
+                <a:gd name="textAreaRight" fmla="*/ 525960 w 522720"/>
+                <a:gd name="textAreaTop" fmla="*/ 0 h 465480"/>
+                <a:gd name="textAreaBottom" fmla="*/ 468720 h 465480"/>
               </a:gdLst>
               <a:ahLst/>
               <a:rect l="textAreaLeft" t="textAreaTop" r="textAreaRight" b="textAreaBottom"/>
@@ -40451,9 +40682,9 @@
         <p:grpSpPr>
           <a:xfrm>
             <a:off x="3659400" y="3398400"/>
-            <a:ext cx="527760" cy="528120"/>
+            <a:ext cx="527040" cy="527400"/>
             <a:chOff x="3659400" y="3398400"/>
-            <a:chExt cx="527760" cy="528120"/>
+            <a:chExt cx="527040" cy="527400"/>
           </a:xfrm>
         </p:grpSpPr>
         <p:sp>
@@ -40465,15 +40696,15 @@
           <p:spPr>
             <a:xfrm>
               <a:off x="3805200" y="3534840"/>
-              <a:ext cx="22680" cy="13680"/>
+              <a:ext cx="21960" cy="12960"/>
             </a:xfrm>
             <a:custGeom>
               <a:avLst/>
               <a:gdLst>
-                <a:gd name="textAreaLeft" fmla="*/ 0 w 22680"/>
-                <a:gd name="textAreaRight" fmla="*/ 25200 w 22680"/>
-                <a:gd name="textAreaTop" fmla="*/ 0 h 13680"/>
-                <a:gd name="textAreaBottom" fmla="*/ 16200 h 13680"/>
+                <a:gd name="textAreaLeft" fmla="*/ 0 w 21960"/>
+                <a:gd name="textAreaRight" fmla="*/ 25200 w 21960"/>
+                <a:gd name="textAreaTop" fmla="*/ 0 h 12960"/>
+                <a:gd name="textAreaBottom" fmla="*/ 16200 h 12960"/>
               </a:gdLst>
               <a:ahLst/>
               <a:rect l="textAreaLeft" t="textAreaTop" r="textAreaRight" b="textAreaBottom"/>
@@ -40532,15 +40763,15 @@
           <p:spPr>
             <a:xfrm>
               <a:off x="3839400" y="3534840"/>
-              <a:ext cx="53280" cy="13680"/>
+              <a:ext cx="52560" cy="12960"/>
             </a:xfrm>
             <a:custGeom>
               <a:avLst/>
               <a:gdLst>
-                <a:gd name="textAreaLeft" fmla="*/ 0 w 53280"/>
-                <a:gd name="textAreaRight" fmla="*/ 55800 w 53280"/>
-                <a:gd name="textAreaTop" fmla="*/ 0 h 13680"/>
-                <a:gd name="textAreaBottom" fmla="*/ 16200 h 13680"/>
+                <a:gd name="textAreaLeft" fmla="*/ 0 w 52560"/>
+                <a:gd name="textAreaRight" fmla="*/ 55800 w 52560"/>
+                <a:gd name="textAreaTop" fmla="*/ 0 h 12960"/>
+                <a:gd name="textAreaBottom" fmla="*/ 16200 h 12960"/>
               </a:gdLst>
               <a:ahLst/>
               <a:rect l="textAreaLeft" t="textAreaTop" r="textAreaRight" b="textAreaBottom"/>
@@ -40599,15 +40830,15 @@
           <p:spPr>
             <a:xfrm>
               <a:off x="3805200" y="3565080"/>
-              <a:ext cx="22680" cy="12600"/>
+              <a:ext cx="21960" cy="11880"/>
             </a:xfrm>
             <a:custGeom>
               <a:avLst/>
               <a:gdLst>
-                <a:gd name="textAreaLeft" fmla="*/ 0 w 22680"/>
-                <a:gd name="textAreaRight" fmla="*/ 25200 w 22680"/>
-                <a:gd name="textAreaTop" fmla="*/ 0 h 12600"/>
-                <a:gd name="textAreaBottom" fmla="*/ 15120 h 12600"/>
+                <a:gd name="textAreaLeft" fmla="*/ 0 w 21960"/>
+                <a:gd name="textAreaRight" fmla="*/ 25200 w 21960"/>
+                <a:gd name="textAreaTop" fmla="*/ 0 h 11880"/>
+                <a:gd name="textAreaBottom" fmla="*/ 15120 h 11880"/>
               </a:gdLst>
               <a:ahLst/>
               <a:rect l="textAreaLeft" t="textAreaTop" r="textAreaRight" b="textAreaBottom"/>
@@ -40666,15 +40897,15 @@
           <p:spPr>
             <a:xfrm>
               <a:off x="3839400" y="3565080"/>
-              <a:ext cx="53280" cy="12600"/>
+              <a:ext cx="52560" cy="11880"/>
             </a:xfrm>
             <a:custGeom>
               <a:avLst/>
               <a:gdLst>
-                <a:gd name="textAreaLeft" fmla="*/ 0 w 53280"/>
-                <a:gd name="textAreaRight" fmla="*/ 55800 w 53280"/>
-                <a:gd name="textAreaTop" fmla="*/ 0 h 12600"/>
-                <a:gd name="textAreaBottom" fmla="*/ 15120 h 12600"/>
+                <a:gd name="textAreaLeft" fmla="*/ 0 w 52560"/>
+                <a:gd name="textAreaRight" fmla="*/ 55800 w 52560"/>
+                <a:gd name="textAreaTop" fmla="*/ 0 h 11880"/>
+                <a:gd name="textAreaBottom" fmla="*/ 15120 h 11880"/>
               </a:gdLst>
               <a:ahLst/>
               <a:rect l="textAreaLeft" t="textAreaTop" r="textAreaRight" b="textAreaBottom"/>
@@ -40733,15 +40964,15 @@
           <p:spPr>
             <a:xfrm>
               <a:off x="3805200" y="3505680"/>
-              <a:ext cx="22680" cy="12600"/>
+              <a:ext cx="21960" cy="11880"/>
             </a:xfrm>
             <a:custGeom>
               <a:avLst/>
               <a:gdLst>
-                <a:gd name="textAreaLeft" fmla="*/ 0 w 22680"/>
-                <a:gd name="textAreaRight" fmla="*/ 25200 w 22680"/>
-                <a:gd name="textAreaTop" fmla="*/ 0 h 12600"/>
-                <a:gd name="textAreaBottom" fmla="*/ 15120 h 12600"/>
+                <a:gd name="textAreaLeft" fmla="*/ 0 w 21960"/>
+                <a:gd name="textAreaRight" fmla="*/ 25200 w 21960"/>
+                <a:gd name="textAreaTop" fmla="*/ 0 h 11880"/>
+                <a:gd name="textAreaBottom" fmla="*/ 15120 h 11880"/>
               </a:gdLst>
               <a:ahLst/>
               <a:rect l="textAreaLeft" t="textAreaTop" r="textAreaRight" b="textAreaBottom"/>
@@ -40800,15 +41031,15 @@
           <p:spPr>
             <a:xfrm>
               <a:off x="3839400" y="3505680"/>
-              <a:ext cx="53280" cy="12600"/>
+              <a:ext cx="52560" cy="11880"/>
             </a:xfrm>
             <a:custGeom>
               <a:avLst/>
               <a:gdLst>
-                <a:gd name="textAreaLeft" fmla="*/ 0 w 53280"/>
-                <a:gd name="textAreaRight" fmla="*/ 55800 w 53280"/>
-                <a:gd name="textAreaTop" fmla="*/ 0 h 12600"/>
-                <a:gd name="textAreaBottom" fmla="*/ 15120 h 12600"/>
+                <a:gd name="textAreaLeft" fmla="*/ 0 w 52560"/>
+                <a:gd name="textAreaRight" fmla="*/ 55800 w 52560"/>
+                <a:gd name="textAreaTop" fmla="*/ 0 h 11880"/>
+                <a:gd name="textAreaBottom" fmla="*/ 15120 h 11880"/>
               </a:gdLst>
               <a:ahLst/>
               <a:rect l="textAreaLeft" t="textAreaTop" r="textAreaRight" b="textAreaBottom"/>
@@ -40867,15 +41098,15 @@
           <p:spPr>
             <a:xfrm>
               <a:off x="3953880" y="3505680"/>
-              <a:ext cx="22680" cy="12600"/>
+              <a:ext cx="21960" cy="11880"/>
             </a:xfrm>
             <a:custGeom>
               <a:avLst/>
               <a:gdLst>
-                <a:gd name="textAreaLeft" fmla="*/ 0 w 22680"/>
-                <a:gd name="textAreaRight" fmla="*/ 25200 w 22680"/>
-                <a:gd name="textAreaTop" fmla="*/ 0 h 12600"/>
-                <a:gd name="textAreaBottom" fmla="*/ 15120 h 12600"/>
+                <a:gd name="textAreaLeft" fmla="*/ 0 w 21960"/>
+                <a:gd name="textAreaRight" fmla="*/ 25200 w 21960"/>
+                <a:gd name="textAreaTop" fmla="*/ 0 h 11880"/>
+                <a:gd name="textAreaBottom" fmla="*/ 15120 h 11880"/>
               </a:gdLst>
               <a:ahLst/>
               <a:rect l="textAreaLeft" t="textAreaTop" r="textAreaRight" b="textAreaBottom"/>
@@ -40934,15 +41165,15 @@
           <p:spPr>
             <a:xfrm>
               <a:off x="3987360" y="3505680"/>
-              <a:ext cx="54360" cy="12600"/>
+              <a:ext cx="53640" cy="11880"/>
             </a:xfrm>
             <a:custGeom>
               <a:avLst/>
               <a:gdLst>
-                <a:gd name="textAreaLeft" fmla="*/ 0 w 54360"/>
-                <a:gd name="textAreaRight" fmla="*/ 56880 w 54360"/>
-                <a:gd name="textAreaTop" fmla="*/ 0 h 12600"/>
-                <a:gd name="textAreaBottom" fmla="*/ 15120 h 12600"/>
+                <a:gd name="textAreaLeft" fmla="*/ 0 w 53640"/>
+                <a:gd name="textAreaRight" fmla="*/ 56880 w 53640"/>
+                <a:gd name="textAreaTop" fmla="*/ 0 h 11880"/>
+                <a:gd name="textAreaBottom" fmla="*/ 15120 h 11880"/>
               </a:gdLst>
               <a:ahLst/>
               <a:rect l="textAreaLeft" t="textAreaTop" r="textAreaRight" b="textAreaBottom"/>
@@ -41001,15 +41232,15 @@
           <p:spPr>
             <a:xfrm>
               <a:off x="3953880" y="3534840"/>
-              <a:ext cx="22680" cy="13680"/>
+              <a:ext cx="21960" cy="12960"/>
             </a:xfrm>
             <a:custGeom>
               <a:avLst/>
               <a:gdLst>
-                <a:gd name="textAreaLeft" fmla="*/ 0 w 22680"/>
-                <a:gd name="textAreaRight" fmla="*/ 25200 w 22680"/>
-                <a:gd name="textAreaTop" fmla="*/ 0 h 13680"/>
-                <a:gd name="textAreaBottom" fmla="*/ 16200 h 13680"/>
+                <a:gd name="textAreaLeft" fmla="*/ 0 w 21960"/>
+                <a:gd name="textAreaRight" fmla="*/ 25200 w 21960"/>
+                <a:gd name="textAreaTop" fmla="*/ 0 h 12960"/>
+                <a:gd name="textAreaBottom" fmla="*/ 16200 h 12960"/>
               </a:gdLst>
               <a:ahLst/>
               <a:rect l="textAreaLeft" t="textAreaTop" r="textAreaRight" b="textAreaBottom"/>
@@ -41068,15 +41299,15 @@
           <p:spPr>
             <a:xfrm>
               <a:off x="3987360" y="3534840"/>
-              <a:ext cx="54360" cy="13680"/>
+              <a:ext cx="53640" cy="12960"/>
             </a:xfrm>
             <a:custGeom>
               <a:avLst/>
               <a:gdLst>
-                <a:gd name="textAreaLeft" fmla="*/ 0 w 54360"/>
-                <a:gd name="textAreaRight" fmla="*/ 56880 w 54360"/>
-                <a:gd name="textAreaTop" fmla="*/ 0 h 13680"/>
-                <a:gd name="textAreaBottom" fmla="*/ 16200 h 13680"/>
+                <a:gd name="textAreaLeft" fmla="*/ 0 w 53640"/>
+                <a:gd name="textAreaRight" fmla="*/ 56880 w 53640"/>
+                <a:gd name="textAreaTop" fmla="*/ 0 h 12960"/>
+                <a:gd name="textAreaBottom" fmla="*/ 16200 h 12960"/>
               </a:gdLst>
               <a:ahLst/>
               <a:rect l="textAreaLeft" t="textAreaTop" r="textAreaRight" b="textAreaBottom"/>
@@ -41135,15 +41366,15 @@
           <p:spPr>
             <a:xfrm>
               <a:off x="3953880" y="3565080"/>
-              <a:ext cx="22680" cy="12600"/>
+              <a:ext cx="21960" cy="11880"/>
             </a:xfrm>
             <a:custGeom>
               <a:avLst/>
               <a:gdLst>
-                <a:gd name="textAreaLeft" fmla="*/ 0 w 22680"/>
-                <a:gd name="textAreaRight" fmla="*/ 25200 w 22680"/>
-                <a:gd name="textAreaTop" fmla="*/ 0 h 12600"/>
-                <a:gd name="textAreaBottom" fmla="*/ 15120 h 12600"/>
+                <a:gd name="textAreaLeft" fmla="*/ 0 w 21960"/>
+                <a:gd name="textAreaRight" fmla="*/ 25200 w 21960"/>
+                <a:gd name="textAreaTop" fmla="*/ 0 h 11880"/>
+                <a:gd name="textAreaBottom" fmla="*/ 15120 h 11880"/>
               </a:gdLst>
               <a:ahLst/>
               <a:rect l="textAreaLeft" t="textAreaTop" r="textAreaRight" b="textAreaBottom"/>
@@ -41202,15 +41433,15 @@
           <p:spPr>
             <a:xfrm>
               <a:off x="3987360" y="3565080"/>
-              <a:ext cx="54360" cy="12600"/>
+              <a:ext cx="53640" cy="11880"/>
             </a:xfrm>
             <a:custGeom>
               <a:avLst/>
               <a:gdLst>
-                <a:gd name="textAreaLeft" fmla="*/ 0 w 54360"/>
-                <a:gd name="textAreaRight" fmla="*/ 56880 w 54360"/>
-                <a:gd name="textAreaTop" fmla="*/ 0 h 12600"/>
-                <a:gd name="textAreaBottom" fmla="*/ 15120 h 12600"/>
+                <a:gd name="textAreaLeft" fmla="*/ 0 w 53640"/>
+                <a:gd name="textAreaRight" fmla="*/ 56880 w 53640"/>
+                <a:gd name="textAreaTop" fmla="*/ 0 h 11880"/>
+                <a:gd name="textAreaBottom" fmla="*/ 15120 h 11880"/>
               </a:gdLst>
               <a:ahLst/>
               <a:rect l="textAreaLeft" t="textAreaTop" r="textAreaRight" b="textAreaBottom"/>
@@ -41269,15 +41500,15 @@
           <p:spPr>
             <a:xfrm>
               <a:off x="3916440" y="3518640"/>
-              <a:ext cx="13680" cy="46080"/>
+              <a:ext cx="12960" cy="45360"/>
             </a:xfrm>
             <a:custGeom>
               <a:avLst/>
               <a:gdLst>
-                <a:gd name="textAreaLeft" fmla="*/ 0 w 13680"/>
-                <a:gd name="textAreaRight" fmla="*/ 16200 w 13680"/>
-                <a:gd name="textAreaTop" fmla="*/ 0 h 46080"/>
-                <a:gd name="textAreaBottom" fmla="*/ 48600 h 46080"/>
+                <a:gd name="textAreaLeft" fmla="*/ 0 w 12960"/>
+                <a:gd name="textAreaRight" fmla="*/ 16200 w 12960"/>
+                <a:gd name="textAreaTop" fmla="*/ 0 h 45360"/>
+                <a:gd name="textAreaBottom" fmla="*/ 48600 h 45360"/>
               </a:gdLst>
               <a:ahLst/>
               <a:rect l="textAreaLeft" t="textAreaTop" r="textAreaRight" b="textAreaBottom"/>
@@ -41339,15 +41570,15 @@
           <p:spPr>
             <a:xfrm>
               <a:off x="3659400" y="3646080"/>
-              <a:ext cx="527760" cy="280440"/>
+              <a:ext cx="527040" cy="279720"/>
             </a:xfrm>
             <a:custGeom>
               <a:avLst/>
               <a:gdLst>
-                <a:gd name="textAreaLeft" fmla="*/ 0 w 527760"/>
-                <a:gd name="textAreaRight" fmla="*/ 530280 w 527760"/>
-                <a:gd name="textAreaTop" fmla="*/ 0 h 280440"/>
-                <a:gd name="textAreaBottom" fmla="*/ 282960 h 280440"/>
+                <a:gd name="textAreaLeft" fmla="*/ 0 w 527040"/>
+                <a:gd name="textAreaRight" fmla="*/ 530280 w 527040"/>
+                <a:gd name="textAreaTop" fmla="*/ 0 h 279720"/>
+                <a:gd name="textAreaBottom" fmla="*/ 282960 h 279720"/>
               </a:gdLst>
               <a:ahLst/>
               <a:rect l="textAreaLeft" t="textAreaTop" r="textAreaRight" b="textAreaBottom"/>
@@ -41841,15 +42072,15 @@
           <p:spPr>
             <a:xfrm>
               <a:off x="3773880" y="3398400"/>
-              <a:ext cx="299160" cy="204480"/>
+              <a:ext cx="298440" cy="203760"/>
             </a:xfrm>
             <a:custGeom>
               <a:avLst/>
               <a:gdLst>
-                <a:gd name="textAreaLeft" fmla="*/ 0 w 299160"/>
-                <a:gd name="textAreaRight" fmla="*/ 301680 w 299160"/>
-                <a:gd name="textAreaTop" fmla="*/ 0 h 204480"/>
-                <a:gd name="textAreaBottom" fmla="*/ 207000 h 204480"/>
+                <a:gd name="textAreaLeft" fmla="*/ 0 w 298440"/>
+                <a:gd name="textAreaRight" fmla="*/ 301680 w 298440"/>
+                <a:gd name="textAreaTop" fmla="*/ 0 h 203760"/>
+                <a:gd name="textAreaBottom" fmla="*/ 207000 h 203760"/>
               </a:gdLst>
               <a:ahLst/>
               <a:rect l="textAreaLeft" t="textAreaTop" r="textAreaRight" b="textAreaBottom"/>
@@ -42011,8 +42242,8 @@
         </p:blipFill>
         <p:spPr>
           <a:xfrm rot="647400">
-            <a:off x="4817160" y="2074320"/>
-            <a:ext cx="4745880" cy="1734120"/>
+            <a:off x="4816440" y="2074320"/>
+            <a:ext cx="4745160" cy="1733400"/>
           </a:xfrm>
           <a:prstGeom prst="rect">
             <a:avLst/>
@@ -42055,13 +42286,13 @@
       <p:sp>
         <p:nvSpPr>
           <p:cNvPr id="278" name="PlaceHolder 51"/>
-          <p:cNvSpPr txBox="1"/>
+          <p:cNvSpPr/>
           <p:nvPr/>
         </p:nvSpPr>
         <p:spPr>
           <a:xfrm>
             <a:off x="712800" y="1619640"/>
-            <a:ext cx="8659800" cy="690120"/>
+            <a:ext cx="8659080" cy="689400"/>
           </a:xfrm>
           <a:prstGeom prst="rect">
             <a:avLst/>
@@ -42071,6 +42302,12 @@
             <a:noFill/>
           </a:ln>
         </p:spPr>
+        <p:style>
+          <a:lnRef idx="0"/>
+          <a:fillRef idx="0"/>
+          <a:effectRef idx="0"/>
+          <a:fontRef idx="minor"/>
+        </p:style>
         <p:txBody>
           <a:bodyPr lIns="0" rIns="0" tIns="91440" bIns="91440" anchor="t">
             <a:noAutofit/>
@@ -42112,7 +42349,7 @@
         <p:spPr>
           <a:xfrm>
             <a:off x="1573200" y="3163680"/>
-            <a:ext cx="962280" cy="394200"/>
+            <a:ext cx="961560" cy="393480"/>
           </a:xfrm>
           <a:prstGeom prst="rect">
             <a:avLst/>
@@ -42129,7 +42366,7 @@
           <a:fontRef idx="minor"/>
         </p:style>
         <p:txBody>
-          <a:bodyPr lIns="90000" rIns="90000" tIns="326880" bIns="326880" anchor="ctr">
+          <a:bodyPr lIns="90000" rIns="90000" tIns="393840" bIns="393840" anchor="ctr">
             <a:noAutofit/>
           </a:bodyPr>
           <a:p>
@@ -42166,7 +42403,7 @@
         <p:spPr>
           <a:xfrm>
             <a:off x="712800" y="2379600"/>
-            <a:ext cx="1676880" cy="435960"/>
+            <a:ext cx="1676160" cy="435240"/>
           </a:xfrm>
           <a:prstGeom prst="rect">
             <a:avLst/>
@@ -42183,7 +42420,7 @@
           <a:fontRef idx="minor"/>
         </p:style>
         <p:txBody>
-          <a:bodyPr lIns="90000" rIns="90000" tIns="361440" bIns="361440" anchor="ctr">
+          <a:bodyPr lIns="90000" rIns="90000" tIns="435600" bIns="435600" anchor="ctr">
             <a:noAutofit/>
           </a:bodyPr>
           <a:p>
@@ -42198,7 +42435,7 @@
             <a:r>
               <a:rPr b="0" lang="en" sz="1800" spc="-1" strike="noStrike">
                 <a:solidFill>
-                  <a:schemeClr val="dk2"/>
+                  <a:srgbClr val="3465a4"/>
                 </a:solidFill>
                 <a:latin typeface="Manrope"/>
                 <a:ea typeface="Manrope"/>
@@ -42220,7 +42457,7 @@
         <p:spPr>
           <a:xfrm>
             <a:off x="5043960" y="2379600"/>
-            <a:ext cx="1676520" cy="435960"/>
+            <a:ext cx="1675800" cy="435240"/>
           </a:xfrm>
           <a:prstGeom prst="rect">
             <a:avLst/>
@@ -42237,7 +42474,7 @@
           <a:fontRef idx="minor"/>
         </p:style>
         <p:txBody>
-          <a:bodyPr lIns="90000" rIns="90000" tIns="361440" bIns="361440" anchor="ctr">
+          <a:bodyPr lIns="90000" rIns="90000" tIns="435600" bIns="435600" anchor="ctr">
             <a:noAutofit/>
           </a:bodyPr>
           <a:p>
@@ -42252,7 +42489,7 @@
             <a:r>
               <a:rPr b="0" lang="en" sz="1800" spc="-1" strike="noStrike">
                 <a:solidFill>
-                  <a:schemeClr val="dk2"/>
+                  <a:srgbClr val="3465a4"/>
                 </a:solidFill>
                 <a:latin typeface="Manrope"/>
                 <a:ea typeface="Manrope"/>
@@ -42274,7 +42511,7 @@
         <p:spPr>
           <a:xfrm>
             <a:off x="712800" y="4954680"/>
-            <a:ext cx="1801800" cy="435960"/>
+            <a:ext cx="1801080" cy="435240"/>
           </a:xfrm>
           <a:prstGeom prst="rect">
             <a:avLst/>
@@ -42291,7 +42528,7 @@
           <a:fontRef idx="minor"/>
         </p:style>
         <p:txBody>
-          <a:bodyPr lIns="90000" rIns="90000" tIns="361440" bIns="361440" anchor="ctr">
+          <a:bodyPr lIns="90000" rIns="90000" tIns="435600" bIns="435600" anchor="ctr">
             <a:noAutofit/>
           </a:bodyPr>
           <a:p>
@@ -42306,7 +42543,7 @@
             <a:r>
               <a:rPr b="0" lang="en" sz="1800" spc="-1" strike="noStrike">
                 <a:solidFill>
-                  <a:schemeClr val="dk2"/>
+                  <a:srgbClr val="3465a4"/>
                 </a:solidFill>
                 <a:latin typeface="Manrope"/>
                 <a:ea typeface="Manrope"/>
@@ -42328,7 +42565,7 @@
         <p:spPr>
           <a:xfrm>
             <a:off x="1573200" y="4024800"/>
-            <a:ext cx="962280" cy="394200"/>
+            <a:ext cx="961560" cy="393480"/>
           </a:xfrm>
           <a:prstGeom prst="rect">
             <a:avLst/>
@@ -42345,7 +42582,7 @@
           <a:fontRef idx="minor"/>
         </p:style>
         <p:txBody>
-          <a:bodyPr lIns="90000" rIns="90000" tIns="326880" bIns="326880" anchor="ctr">
+          <a:bodyPr lIns="90000" rIns="90000" tIns="393840" bIns="393840" anchor="ctr">
             <a:noAutofit/>
           </a:bodyPr>
           <a:p>
@@ -42382,7 +42619,7 @@
         <p:spPr>
           <a:xfrm>
             <a:off x="3413880" y="3017880"/>
-            <a:ext cx="1434960" cy="1545480"/>
+            <a:ext cx="1434240" cy="1544760"/>
           </a:xfrm>
           <a:prstGeom prst="donut">
             <a:avLst>
@@ -42390,7 +42627,7 @@
             </a:avLst>
           </a:prstGeom>
           <a:solidFill>
-            <a:schemeClr val="dk1"/>
+            <a:srgbClr val="302c3e"/>
           </a:solidFill>
           <a:ln w="0">
             <a:noFill/>
@@ -42412,7 +42649,7 @@
         <p:spPr>
           <a:xfrm>
             <a:off x="3414240" y="3017880"/>
-            <a:ext cx="1434960" cy="1545480"/>
+            <a:ext cx="1434240" cy="1544760"/>
           </a:xfrm>
           <a:prstGeom prst="blockArc">
             <a:avLst>
@@ -42422,7 +42659,7 @@
             </a:avLst>
           </a:prstGeom>
           <a:solidFill>
-            <a:schemeClr val="dk2"/>
+            <a:srgbClr val="3465a4"/>
           </a:solidFill>
           <a:ln w="0">
             <a:noFill/>
@@ -42444,7 +42681,7 @@
         <p:spPr>
           <a:xfrm>
             <a:off x="5101200" y="2996640"/>
-            <a:ext cx="961920" cy="394200"/>
+            <a:ext cx="961200" cy="393480"/>
           </a:xfrm>
           <a:prstGeom prst="rect">
             <a:avLst/>
@@ -42461,7 +42698,7 @@
           <a:fontRef idx="minor"/>
         </p:style>
         <p:txBody>
-          <a:bodyPr lIns="90000" rIns="90000" tIns="326880" bIns="326880" anchor="ctr">
+          <a:bodyPr lIns="90000" rIns="90000" tIns="393840" bIns="393840" anchor="ctr">
             <a:noAutofit/>
           </a:bodyPr>
           <a:p>
@@ -42498,7 +42735,7 @@
         <p:spPr>
           <a:xfrm>
             <a:off x="6108120" y="3034440"/>
-            <a:ext cx="2197440" cy="318960"/>
+            <a:ext cx="2196720" cy="318240"/>
           </a:xfrm>
           <a:prstGeom prst="roundRect">
             <a:avLst>
@@ -42506,7 +42743,7 @@
             </a:avLst>
           </a:prstGeom>
           <a:solidFill>
-            <a:schemeClr val="dk1"/>
+            <a:srgbClr val="302c3e"/>
           </a:solidFill>
           <a:ln w="0">
             <a:noFill/>
@@ -42528,7 +42765,7 @@
         <p:spPr>
           <a:xfrm>
             <a:off x="8350200" y="2996640"/>
-            <a:ext cx="962280" cy="394200"/>
+            <a:ext cx="961560" cy="393480"/>
           </a:xfrm>
           <a:prstGeom prst="rect">
             <a:avLst/>
@@ -42545,7 +42782,7 @@
           <a:fontRef idx="minor"/>
         </p:style>
         <p:txBody>
-          <a:bodyPr lIns="90000" rIns="90000" tIns="326880" bIns="326880" anchor="ctr">
+          <a:bodyPr lIns="90000" rIns="90000" tIns="393840" bIns="393840" anchor="ctr">
             <a:noAutofit/>
           </a:bodyPr>
           <a:p>
@@ -42582,7 +42819,7 @@
         <p:spPr>
           <a:xfrm>
             <a:off x="5101200" y="3529800"/>
-            <a:ext cx="961920" cy="394200"/>
+            <a:ext cx="961200" cy="393480"/>
           </a:xfrm>
           <a:prstGeom prst="rect">
             <a:avLst/>
@@ -42599,7 +42836,7 @@
           <a:fontRef idx="minor"/>
         </p:style>
         <p:txBody>
-          <a:bodyPr lIns="90000" rIns="90000" tIns="326880" bIns="326880" anchor="ctr">
+          <a:bodyPr lIns="90000" rIns="90000" tIns="393840" bIns="393840" anchor="ctr">
             <a:noAutofit/>
           </a:bodyPr>
           <a:p>
@@ -42636,7 +42873,7 @@
         <p:spPr>
           <a:xfrm>
             <a:off x="6108120" y="3567600"/>
-            <a:ext cx="2197440" cy="318960"/>
+            <a:ext cx="2196720" cy="318240"/>
           </a:xfrm>
           <a:prstGeom prst="roundRect">
             <a:avLst>
@@ -42644,7 +42881,7 @@
             </a:avLst>
           </a:prstGeom>
           <a:solidFill>
-            <a:schemeClr val="dk1"/>
+            <a:srgbClr val="302c3e"/>
           </a:solidFill>
           <a:ln w="0">
             <a:noFill/>
@@ -42666,7 +42903,7 @@
         <p:spPr>
           <a:xfrm>
             <a:off x="8350200" y="3529800"/>
-            <a:ext cx="962280" cy="394200"/>
+            <a:ext cx="961560" cy="393480"/>
           </a:xfrm>
           <a:prstGeom prst="rect">
             <a:avLst/>
@@ -42683,7 +42920,7 @@
           <a:fontRef idx="minor"/>
         </p:style>
         <p:txBody>
-          <a:bodyPr lIns="90000" rIns="90000" tIns="326880" bIns="326880" anchor="ctr">
+          <a:bodyPr lIns="90000" rIns="90000" tIns="393840" bIns="393840" anchor="ctr">
             <a:noAutofit/>
           </a:bodyPr>
           <a:p>
@@ -42720,7 +42957,7 @@
         <p:spPr>
           <a:xfrm>
             <a:off x="6108120" y="3034440"/>
-            <a:ext cx="292680" cy="318960"/>
+            <a:ext cx="291960" cy="318240"/>
           </a:xfrm>
           <a:prstGeom prst="roundRect">
             <a:avLst>
@@ -42728,7 +42965,7 @@
             </a:avLst>
           </a:prstGeom>
           <a:solidFill>
-            <a:schemeClr val="dk2"/>
+            <a:srgbClr val="3465a4"/>
           </a:solidFill>
           <a:ln w="0">
             <a:noFill/>
@@ -42750,7 +42987,7 @@
         <p:spPr>
           <a:xfrm>
             <a:off x="6108120" y="3567600"/>
-            <a:ext cx="1005840" cy="318960"/>
+            <a:ext cx="1005120" cy="318240"/>
           </a:xfrm>
           <a:prstGeom prst="roundRect">
             <a:avLst>
@@ -42758,7 +42995,7 @@
             </a:avLst>
           </a:prstGeom>
           <a:solidFill>
-            <a:schemeClr val="dk2"/>
+            <a:srgbClr val="3465a4"/>
           </a:solidFill>
           <a:ln w="0">
             <a:noFill/>
@@ -42780,7 +43017,7 @@
         <p:spPr>
           <a:xfrm>
             <a:off x="5101200" y="4098960"/>
-            <a:ext cx="961920" cy="394200"/>
+            <a:ext cx="961200" cy="393480"/>
           </a:xfrm>
           <a:prstGeom prst="rect">
             <a:avLst/>
@@ -42797,7 +43034,7 @@
           <a:fontRef idx="minor"/>
         </p:style>
         <p:txBody>
-          <a:bodyPr lIns="90000" rIns="90000" tIns="326880" bIns="326880" anchor="ctr">
+          <a:bodyPr lIns="90000" rIns="90000" tIns="393840" bIns="393840" anchor="ctr">
             <a:noAutofit/>
           </a:bodyPr>
           <a:p>
@@ -42834,7 +43071,7 @@
         <p:spPr>
           <a:xfrm>
             <a:off x="6108120" y="4136400"/>
-            <a:ext cx="2197440" cy="318960"/>
+            <a:ext cx="2196720" cy="318240"/>
           </a:xfrm>
           <a:prstGeom prst="roundRect">
             <a:avLst>
@@ -42842,7 +43079,7 @@
             </a:avLst>
           </a:prstGeom>
           <a:solidFill>
-            <a:schemeClr val="dk1"/>
+            <a:srgbClr val="302c3e"/>
           </a:solidFill>
           <a:ln w="0">
             <a:noFill/>
@@ -42864,7 +43101,7 @@
         <p:spPr>
           <a:xfrm>
             <a:off x="8350200" y="4098960"/>
-            <a:ext cx="962280" cy="394200"/>
+            <a:ext cx="961560" cy="393480"/>
           </a:xfrm>
           <a:prstGeom prst="rect">
             <a:avLst/>
@@ -42881,7 +43118,7 @@
           <a:fontRef idx="minor"/>
         </p:style>
         <p:txBody>
-          <a:bodyPr lIns="90000" rIns="90000" tIns="326880" bIns="326880" anchor="ctr">
+          <a:bodyPr lIns="90000" rIns="90000" tIns="393840" bIns="393840" anchor="ctr">
             <a:noAutofit/>
           </a:bodyPr>
           <a:p>
@@ -42918,7 +43155,7 @@
         <p:spPr>
           <a:xfrm>
             <a:off x="6108120" y="4136400"/>
-            <a:ext cx="1051560" cy="318960"/>
+            <a:ext cx="1050840" cy="318240"/>
           </a:xfrm>
           <a:prstGeom prst="roundRect">
             <a:avLst>
@@ -42926,7 +43163,7 @@
             </a:avLst>
           </a:prstGeom>
           <a:solidFill>
-            <a:schemeClr val="dk2"/>
+            <a:srgbClr val="3465a4"/>
           </a:solidFill>
           <a:ln w="0">
             <a:noFill/>
@@ -42948,7 +43185,7 @@
         <p:spPr>
           <a:xfrm>
             <a:off x="1740240" y="5590800"/>
-            <a:ext cx="1586160" cy="690120"/>
+            <a:ext cx="1585440" cy="689400"/>
           </a:xfrm>
           <a:prstGeom prst="rect">
             <a:avLst/>
@@ -43002,7 +43239,7 @@
         <p:spPr>
           <a:xfrm>
             <a:off x="4633920" y="5590800"/>
-            <a:ext cx="1585800" cy="690120"/>
+            <a:ext cx="1585080" cy="689400"/>
           </a:xfrm>
           <a:prstGeom prst="rect">
             <a:avLst/>
@@ -43056,7 +43293,7 @@
         <p:spPr>
           <a:xfrm>
             <a:off x="7527600" y="5590800"/>
-            <a:ext cx="1585440" cy="690120"/>
+            <a:ext cx="1584720" cy="689400"/>
           </a:xfrm>
           <a:prstGeom prst="rect">
             <a:avLst/>
@@ -43110,13 +43347,13 @@
         <p:spPr>
           <a:xfrm>
             <a:off x="907920" y="3015720"/>
-            <a:ext cx="641160" cy="690120"/>
+            <a:ext cx="640440" cy="689400"/>
           </a:xfrm>
           <a:prstGeom prst="ellipse">
             <a:avLst/>
           </a:prstGeom>
           <a:solidFill>
-            <a:schemeClr val="dk2"/>
+            <a:srgbClr val="3465a4"/>
           </a:solidFill>
           <a:ln w="0">
             <a:noFill/>
@@ -43138,13 +43375,13 @@
         <p:spPr>
           <a:xfrm>
             <a:off x="907920" y="3876840"/>
-            <a:ext cx="641160" cy="690120"/>
+            <a:ext cx="640440" cy="689400"/>
           </a:xfrm>
           <a:prstGeom prst="ellipse">
             <a:avLst/>
           </a:prstGeom>
           <a:solidFill>
-            <a:schemeClr val="dk1"/>
+            <a:srgbClr val="3465a4"/>
           </a:solidFill>
           <a:ln w="0">
             <a:noFill/>
@@ -43166,13 +43403,13 @@
         <p:spPr>
           <a:xfrm>
             <a:off x="973800" y="5467680"/>
-            <a:ext cx="641160" cy="690120"/>
+            <a:ext cx="640440" cy="689400"/>
           </a:xfrm>
           <a:prstGeom prst="ellipse">
             <a:avLst/>
           </a:prstGeom>
           <a:solidFill>
-            <a:schemeClr val="dk2"/>
+            <a:srgbClr val="3465a4"/>
           </a:solidFill>
           <a:ln w="0">
             <a:noFill/>
@@ -43194,13 +43431,13 @@
         <p:spPr>
           <a:xfrm>
             <a:off x="3867480" y="5467680"/>
-            <a:ext cx="641160" cy="690120"/>
+            <a:ext cx="640440" cy="689400"/>
           </a:xfrm>
           <a:prstGeom prst="ellipse">
             <a:avLst/>
           </a:prstGeom>
           <a:solidFill>
-            <a:schemeClr val="dk2"/>
+            <a:srgbClr val="3465a4"/>
           </a:solidFill>
           <a:ln w="0">
             <a:noFill/>
@@ -43222,13 +43459,13 @@
         <p:spPr>
           <a:xfrm>
             <a:off x="6784200" y="5467680"/>
-            <a:ext cx="641160" cy="690120"/>
+            <a:ext cx="640440" cy="689400"/>
           </a:xfrm>
           <a:prstGeom prst="ellipse">
             <a:avLst/>
           </a:prstGeom>
           <a:solidFill>
-            <a:schemeClr val="dk2"/>
+            <a:srgbClr val="3465a4"/>
           </a:solidFill>
           <a:ln w="0">
             <a:noFill/>
@@ -43250,9 +43487,9 @@
         <p:grpSpPr>
           <a:xfrm>
             <a:off x="1118520" y="3963960"/>
-            <a:ext cx="219240" cy="516240"/>
+            <a:ext cx="218520" cy="515520"/>
             <a:chOff x="1118520" y="3963960"/>
-            <a:chExt cx="219240" cy="516240"/>
+            <a:chExt cx="218520" cy="515520"/>
           </a:xfrm>
         </p:grpSpPr>
         <p:sp>
@@ -43264,15 +43501,15 @@
           <p:spPr>
             <a:xfrm>
               <a:off x="1118520" y="3963960"/>
-              <a:ext cx="219240" cy="516240"/>
+              <a:ext cx="218520" cy="515520"/>
             </a:xfrm>
             <a:custGeom>
               <a:avLst/>
               <a:gdLst>
-                <a:gd name="textAreaLeft" fmla="*/ 0 w 219240"/>
-                <a:gd name="textAreaRight" fmla="*/ 221040 w 219240"/>
-                <a:gd name="textAreaTop" fmla="*/ 0 h 516240"/>
-                <a:gd name="textAreaBottom" fmla="*/ 518040 h 516240"/>
+                <a:gd name="textAreaLeft" fmla="*/ 0 w 218520"/>
+                <a:gd name="textAreaRight" fmla="*/ 221040 w 218520"/>
+                <a:gd name="textAreaTop" fmla="*/ 0 h 515520"/>
+                <a:gd name="textAreaBottom" fmla="*/ 518040 h 515520"/>
               </a:gdLst>
               <a:ahLst/>
               <a:rect l="textAreaLeft" t="textAreaTop" r="textAreaRight" b="textAreaBottom"/>
@@ -43905,15 +44142,15 @@
           <p:spPr>
             <a:xfrm>
               <a:off x="1207800" y="4161960"/>
-              <a:ext cx="41040" cy="17640"/>
+              <a:ext cx="40320" cy="16920"/>
             </a:xfrm>
             <a:custGeom>
               <a:avLst/>
               <a:gdLst>
-                <a:gd name="textAreaLeft" fmla="*/ 0 w 41040"/>
-                <a:gd name="textAreaRight" fmla="*/ 42840 w 41040"/>
-                <a:gd name="textAreaTop" fmla="*/ 0 h 17640"/>
-                <a:gd name="textAreaBottom" fmla="*/ 19440 h 17640"/>
+                <a:gd name="textAreaLeft" fmla="*/ 0 w 40320"/>
+                <a:gd name="textAreaRight" fmla="*/ 42840 w 40320"/>
+                <a:gd name="textAreaTop" fmla="*/ 0 h 16920"/>
+                <a:gd name="textAreaBottom" fmla="*/ 19440 h 16920"/>
               </a:gdLst>
               <a:ahLst/>
               <a:rect l="textAreaLeft" t="textAreaTop" r="textAreaRight" b="textAreaBottom"/>
@@ -43999,15 +44236,15 @@
           <p:spPr>
             <a:xfrm>
               <a:off x="1193760" y="4116600"/>
-              <a:ext cx="11880" cy="20520"/>
+              <a:ext cx="11160" cy="19800"/>
             </a:xfrm>
             <a:custGeom>
               <a:avLst/>
               <a:gdLst>
-                <a:gd name="textAreaLeft" fmla="*/ 0 w 11880"/>
-                <a:gd name="textAreaRight" fmla="*/ 13680 w 11880"/>
-                <a:gd name="textAreaTop" fmla="*/ 0 h 20520"/>
-                <a:gd name="textAreaBottom" fmla="*/ 22320 h 20520"/>
+                <a:gd name="textAreaLeft" fmla="*/ 0 w 11160"/>
+                <a:gd name="textAreaRight" fmla="*/ 13680 w 11160"/>
+                <a:gd name="textAreaTop" fmla="*/ 0 h 19800"/>
+                <a:gd name="textAreaBottom" fmla="*/ 22320 h 19800"/>
               </a:gdLst>
               <a:ahLst/>
               <a:rect l="textAreaLeft" t="textAreaTop" r="textAreaRight" b="textAreaBottom"/>
@@ -44069,15 +44306,15 @@
           <p:spPr>
             <a:xfrm>
               <a:off x="1250640" y="4116600"/>
-              <a:ext cx="11880" cy="20520"/>
+              <a:ext cx="11160" cy="19800"/>
             </a:xfrm>
             <a:custGeom>
               <a:avLst/>
               <a:gdLst>
-                <a:gd name="textAreaLeft" fmla="*/ 0 w 11880"/>
-                <a:gd name="textAreaRight" fmla="*/ 13680 w 11880"/>
-                <a:gd name="textAreaTop" fmla="*/ 0 h 20520"/>
-                <a:gd name="textAreaBottom" fmla="*/ 22320 h 20520"/>
+                <a:gd name="textAreaLeft" fmla="*/ 0 w 11160"/>
+                <a:gd name="textAreaRight" fmla="*/ 13680 w 11160"/>
+                <a:gd name="textAreaTop" fmla="*/ 0 h 19800"/>
+                <a:gd name="textAreaBottom" fmla="*/ 22320 h 19800"/>
               </a:gdLst>
               <a:ahLst/>
               <a:rect l="textAreaLeft" t="textAreaTop" r="textAreaRight" b="textAreaBottom"/>
@@ -44139,15 +44376,15 @@
           <p:spPr>
             <a:xfrm>
               <a:off x="1261800" y="4401000"/>
-              <a:ext cx="27360" cy="12600"/>
+              <a:ext cx="26640" cy="11880"/>
             </a:xfrm>
             <a:custGeom>
               <a:avLst/>
               <a:gdLst>
-                <a:gd name="textAreaLeft" fmla="*/ 0 w 27360"/>
-                <a:gd name="textAreaRight" fmla="*/ 29160 w 27360"/>
-                <a:gd name="textAreaTop" fmla="*/ 0 h 12600"/>
-                <a:gd name="textAreaBottom" fmla="*/ 14400 h 12600"/>
+                <a:gd name="textAreaLeft" fmla="*/ 0 w 26640"/>
+                <a:gd name="textAreaRight" fmla="*/ 29160 w 26640"/>
+                <a:gd name="textAreaTop" fmla="*/ 0 h 11880"/>
+                <a:gd name="textAreaBottom" fmla="*/ 14400 h 11880"/>
               </a:gdLst>
               <a:ahLst/>
               <a:rect l="textAreaLeft" t="textAreaTop" r="textAreaRight" b="textAreaBottom"/>
@@ -44207,9 +44444,9 @@
         <p:grpSpPr>
           <a:xfrm>
             <a:off x="1118160" y="3101760"/>
-            <a:ext cx="220320" cy="517320"/>
+            <a:ext cx="219600" cy="516600"/>
             <a:chOff x="1118160" y="3101760"/>
-            <a:chExt cx="220320" cy="517320"/>
+            <a:chExt cx="219600" cy="516600"/>
           </a:xfrm>
         </p:grpSpPr>
         <p:sp>
@@ -44221,15 +44458,15 @@
           <p:spPr>
             <a:xfrm>
               <a:off x="1118160" y="3101760"/>
-              <a:ext cx="220320" cy="517320"/>
+              <a:ext cx="219600" cy="516600"/>
             </a:xfrm>
             <a:custGeom>
               <a:avLst/>
               <a:gdLst>
-                <a:gd name="textAreaLeft" fmla="*/ 0 w 220320"/>
-                <a:gd name="textAreaRight" fmla="*/ 222120 w 220320"/>
-                <a:gd name="textAreaTop" fmla="*/ 0 h 517320"/>
-                <a:gd name="textAreaBottom" fmla="*/ 519120 h 517320"/>
+                <a:gd name="textAreaLeft" fmla="*/ 0 w 219600"/>
+                <a:gd name="textAreaRight" fmla="*/ 222120 w 219600"/>
+                <a:gd name="textAreaTop" fmla="*/ 0 h 516600"/>
+                <a:gd name="textAreaBottom" fmla="*/ 519120 h 516600"/>
               </a:gdLst>
               <a:ahLst/>
               <a:rect l="textAreaLeft" t="textAreaTop" r="textAreaRight" b="textAreaBottom"/>
@@ -45026,15 +45263,15 @@
           <p:spPr>
             <a:xfrm>
               <a:off x="1207080" y="3300480"/>
-              <a:ext cx="42120" cy="17640"/>
+              <a:ext cx="41400" cy="16920"/>
             </a:xfrm>
             <a:custGeom>
               <a:avLst/>
               <a:gdLst>
-                <a:gd name="textAreaLeft" fmla="*/ 0 w 42120"/>
-                <a:gd name="textAreaRight" fmla="*/ 43920 w 42120"/>
-                <a:gd name="textAreaTop" fmla="*/ 0 h 17640"/>
-                <a:gd name="textAreaBottom" fmla="*/ 19440 h 17640"/>
+                <a:gd name="textAreaLeft" fmla="*/ 0 w 41400"/>
+                <a:gd name="textAreaRight" fmla="*/ 43920 w 41400"/>
+                <a:gd name="textAreaTop" fmla="*/ 0 h 16920"/>
+                <a:gd name="textAreaBottom" fmla="*/ 19440 h 16920"/>
               </a:gdLst>
               <a:ahLst/>
               <a:rect l="textAreaLeft" t="textAreaTop" r="textAreaRight" b="textAreaBottom"/>
@@ -45120,15 +45357,15 @@
           <p:spPr>
             <a:xfrm>
               <a:off x="1194480" y="3254760"/>
-              <a:ext cx="11520" cy="20160"/>
+              <a:ext cx="10800" cy="19440"/>
             </a:xfrm>
             <a:custGeom>
               <a:avLst/>
               <a:gdLst>
-                <a:gd name="textAreaLeft" fmla="*/ 0 w 11520"/>
-                <a:gd name="textAreaRight" fmla="*/ 13320 w 11520"/>
-                <a:gd name="textAreaTop" fmla="*/ 0 h 20160"/>
-                <a:gd name="textAreaBottom" fmla="*/ 21960 h 20160"/>
+                <a:gd name="textAreaLeft" fmla="*/ 0 w 10800"/>
+                <a:gd name="textAreaRight" fmla="*/ 13320 w 10800"/>
+                <a:gd name="textAreaTop" fmla="*/ 0 h 19440"/>
+                <a:gd name="textAreaBottom" fmla="*/ 21960 h 19440"/>
               </a:gdLst>
               <a:ahLst/>
               <a:rect l="textAreaLeft" t="textAreaTop" r="textAreaRight" b="textAreaBottom"/>
@@ -45190,15 +45427,15 @@
           <p:spPr>
             <a:xfrm>
               <a:off x="1250280" y="3254760"/>
-              <a:ext cx="12600" cy="20160"/>
+              <a:ext cx="11880" cy="19440"/>
             </a:xfrm>
             <a:custGeom>
               <a:avLst/>
               <a:gdLst>
-                <a:gd name="textAreaLeft" fmla="*/ 0 w 12600"/>
-                <a:gd name="textAreaRight" fmla="*/ 14400 w 12600"/>
-                <a:gd name="textAreaTop" fmla="*/ 0 h 20160"/>
-                <a:gd name="textAreaBottom" fmla="*/ 21960 h 20160"/>
+                <a:gd name="textAreaLeft" fmla="*/ 0 w 11880"/>
+                <a:gd name="textAreaRight" fmla="*/ 14400 w 11880"/>
+                <a:gd name="textAreaTop" fmla="*/ 0 h 19440"/>
+                <a:gd name="textAreaBottom" fmla="*/ 21960 h 19440"/>
               </a:gdLst>
               <a:ahLst/>
               <a:rect l="textAreaLeft" t="textAreaTop" r="textAreaRight" b="textAreaBottom"/>
@@ -45260,15 +45497,15 @@
           <p:spPr>
             <a:xfrm>
               <a:off x="1256040" y="3527280"/>
-              <a:ext cx="41760" cy="12960"/>
+              <a:ext cx="41040" cy="12240"/>
             </a:xfrm>
             <a:custGeom>
               <a:avLst/>
               <a:gdLst>
-                <a:gd name="textAreaLeft" fmla="*/ 0 w 41760"/>
-                <a:gd name="textAreaRight" fmla="*/ 43560 w 41760"/>
-                <a:gd name="textAreaTop" fmla="*/ 0 h 12960"/>
-                <a:gd name="textAreaBottom" fmla="*/ 14760 h 12960"/>
+                <a:gd name="textAreaLeft" fmla="*/ 0 w 41040"/>
+                <a:gd name="textAreaRight" fmla="*/ 43560 w 41040"/>
+                <a:gd name="textAreaTop" fmla="*/ 0 h 12240"/>
+                <a:gd name="textAreaBottom" fmla="*/ 14760 h 12240"/>
               </a:gdLst>
               <a:ahLst/>
               <a:rect l="textAreaLeft" t="textAreaTop" r="textAreaRight" b="textAreaBottom"/>
@@ -45328,9 +45565,9 @@
         <p:grpSpPr>
           <a:xfrm>
             <a:off x="4060440" y="5609520"/>
-            <a:ext cx="254880" cy="406800"/>
+            <a:ext cx="254160" cy="406080"/>
             <a:chOff x="4060440" y="5609520"/>
-            <a:chExt cx="254880" cy="406800"/>
+            <a:chExt cx="254160" cy="406080"/>
           </a:xfrm>
         </p:grpSpPr>
         <p:sp>
@@ -45342,15 +45579,15 @@
           <p:spPr>
             <a:xfrm>
               <a:off x="4060440" y="5609520"/>
-              <a:ext cx="253440" cy="123120"/>
+              <a:ext cx="252720" cy="122400"/>
             </a:xfrm>
             <a:custGeom>
               <a:avLst/>
               <a:gdLst>
-                <a:gd name="textAreaLeft" fmla="*/ 0 w 253440"/>
-                <a:gd name="textAreaRight" fmla="*/ 255240 w 253440"/>
-                <a:gd name="textAreaTop" fmla="*/ 0 h 123120"/>
-                <a:gd name="textAreaBottom" fmla="*/ 124920 h 123120"/>
+                <a:gd name="textAreaLeft" fmla="*/ 0 w 252720"/>
+                <a:gd name="textAreaRight" fmla="*/ 255240 w 252720"/>
+                <a:gd name="textAreaTop" fmla="*/ 0 h 122400"/>
+                <a:gd name="textAreaBottom" fmla="*/ 124920 h 122400"/>
               </a:gdLst>
               <a:ahLst/>
               <a:rect l="textAreaLeft" t="textAreaTop" r="textAreaRight" b="textAreaBottom"/>
@@ -45572,15 +45809,15 @@
           <p:spPr>
             <a:xfrm>
               <a:off x="4060440" y="5713920"/>
-              <a:ext cx="254880" cy="302400"/>
+              <a:ext cx="254160" cy="301680"/>
             </a:xfrm>
             <a:custGeom>
               <a:avLst/>
               <a:gdLst>
-                <a:gd name="textAreaLeft" fmla="*/ 0 w 254880"/>
-                <a:gd name="textAreaRight" fmla="*/ 256680 w 254880"/>
-                <a:gd name="textAreaTop" fmla="*/ 0 h 302400"/>
-                <a:gd name="textAreaBottom" fmla="*/ 304200 h 302400"/>
+                <a:gd name="textAreaLeft" fmla="*/ 0 w 254160"/>
+                <a:gd name="textAreaRight" fmla="*/ 256680 w 254160"/>
+                <a:gd name="textAreaTop" fmla="*/ 0 h 301680"/>
+                <a:gd name="textAreaBottom" fmla="*/ 304200 h 301680"/>
               </a:gdLst>
               <a:ahLst/>
               <a:rect l="textAreaLeft" t="textAreaTop" r="textAreaRight" b="textAreaBottom"/>
@@ -45894,9 +46131,9 @@
         <p:grpSpPr>
           <a:xfrm>
             <a:off x="1105560" y="5607000"/>
-            <a:ext cx="377280" cy="411480"/>
+            <a:ext cx="376560" cy="410760"/>
             <a:chOff x="1105560" y="5607000"/>
-            <a:chExt cx="377280" cy="411480"/>
+            <a:chExt cx="376560" cy="410760"/>
           </a:xfrm>
         </p:grpSpPr>
         <p:sp>
@@ -45908,15 +46145,15 @@
           <p:spPr>
             <a:xfrm>
               <a:off x="1270800" y="5607000"/>
-              <a:ext cx="18000" cy="116280"/>
+              <a:ext cx="17280" cy="115560"/>
             </a:xfrm>
             <a:custGeom>
               <a:avLst/>
               <a:gdLst>
-                <a:gd name="textAreaLeft" fmla="*/ 0 w 18000"/>
-                <a:gd name="textAreaRight" fmla="*/ 19800 w 18000"/>
-                <a:gd name="textAreaTop" fmla="*/ 0 h 116280"/>
-                <a:gd name="textAreaBottom" fmla="*/ 118080 h 116280"/>
+                <a:gd name="textAreaLeft" fmla="*/ 0 w 17280"/>
+                <a:gd name="textAreaRight" fmla="*/ 19800 w 17280"/>
+                <a:gd name="textAreaTop" fmla="*/ 0 h 115560"/>
+                <a:gd name="textAreaBottom" fmla="*/ 118080 h 115560"/>
               </a:gdLst>
               <a:ahLst/>
               <a:rect l="textAreaLeft" t="textAreaTop" r="textAreaRight" b="textAreaBottom"/>
@@ -46032,15 +46269,15 @@
           <p:spPr>
             <a:xfrm>
               <a:off x="1319040" y="5607000"/>
-              <a:ext cx="18360" cy="116280"/>
+              <a:ext cx="17640" cy="115560"/>
             </a:xfrm>
             <a:custGeom>
               <a:avLst/>
               <a:gdLst>
-                <a:gd name="textAreaLeft" fmla="*/ 0 w 18360"/>
-                <a:gd name="textAreaRight" fmla="*/ 20160 w 18360"/>
-                <a:gd name="textAreaTop" fmla="*/ 0 h 116280"/>
-                <a:gd name="textAreaBottom" fmla="*/ 118080 h 116280"/>
+                <a:gd name="textAreaLeft" fmla="*/ 0 w 17640"/>
+                <a:gd name="textAreaRight" fmla="*/ 20160 w 17640"/>
+                <a:gd name="textAreaTop" fmla="*/ 0 h 115560"/>
+                <a:gd name="textAreaBottom" fmla="*/ 118080 h 115560"/>
               </a:gdLst>
               <a:ahLst/>
               <a:rect l="textAreaLeft" t="textAreaTop" r="textAreaRight" b="textAreaBottom"/>
@@ -46156,15 +46393,15 @@
           <p:spPr>
             <a:xfrm>
               <a:off x="1125720" y="5974920"/>
-              <a:ext cx="357120" cy="43560"/>
+              <a:ext cx="356400" cy="42840"/>
             </a:xfrm>
             <a:custGeom>
               <a:avLst/>
               <a:gdLst>
-                <a:gd name="textAreaLeft" fmla="*/ 0 w 357120"/>
-                <a:gd name="textAreaRight" fmla="*/ 358920 w 357120"/>
-                <a:gd name="textAreaTop" fmla="*/ 0 h 43560"/>
-                <a:gd name="textAreaBottom" fmla="*/ 45360 h 43560"/>
+                <a:gd name="textAreaLeft" fmla="*/ 0 w 356400"/>
+                <a:gd name="textAreaRight" fmla="*/ 358920 w 356400"/>
+                <a:gd name="textAreaTop" fmla="*/ 0 h 42840"/>
+                <a:gd name="textAreaBottom" fmla="*/ 45360 h 42840"/>
               </a:gdLst>
               <a:ahLst/>
               <a:rect l="textAreaLeft" t="textAreaTop" r="textAreaRight" b="textAreaBottom"/>
@@ -46268,15 +46505,15 @@
           <p:spPr>
             <a:xfrm>
               <a:off x="1130400" y="5767200"/>
-              <a:ext cx="61920" cy="81360"/>
+              <a:ext cx="61200" cy="80640"/>
             </a:xfrm>
             <a:custGeom>
               <a:avLst/>
               <a:gdLst>
-                <a:gd name="textAreaLeft" fmla="*/ 0 w 61920"/>
-                <a:gd name="textAreaRight" fmla="*/ 63720 w 61920"/>
-                <a:gd name="textAreaTop" fmla="*/ 0 h 81360"/>
-                <a:gd name="textAreaBottom" fmla="*/ 83160 h 81360"/>
+                <a:gd name="textAreaLeft" fmla="*/ 0 w 61200"/>
+                <a:gd name="textAreaRight" fmla="*/ 63720 w 61200"/>
+                <a:gd name="textAreaTop" fmla="*/ 0 h 80640"/>
+                <a:gd name="textAreaBottom" fmla="*/ 83160 h 80640"/>
               </a:gdLst>
               <a:ahLst/>
               <a:rect l="textAreaLeft" t="textAreaTop" r="textAreaRight" b="textAreaBottom"/>
@@ -46378,15 +46615,15 @@
           <p:spPr>
             <a:xfrm>
               <a:off x="1105560" y="5739840"/>
-              <a:ext cx="323640" cy="220320"/>
+              <a:ext cx="322920" cy="219600"/>
             </a:xfrm>
             <a:custGeom>
               <a:avLst/>
               <a:gdLst>
-                <a:gd name="textAreaLeft" fmla="*/ 0 w 323640"/>
-                <a:gd name="textAreaRight" fmla="*/ 325440 w 323640"/>
-                <a:gd name="textAreaTop" fmla="*/ 0 h 220320"/>
-                <a:gd name="textAreaBottom" fmla="*/ 222120 h 220320"/>
+                <a:gd name="textAreaLeft" fmla="*/ 0 w 322920"/>
+                <a:gd name="textAreaRight" fmla="*/ 325440 w 322920"/>
+                <a:gd name="textAreaTop" fmla="*/ 0 h 219600"/>
+                <a:gd name="textAreaBottom" fmla="*/ 222120 h 219600"/>
               </a:gdLst>
               <a:ahLst/>
               <a:rect l="textAreaLeft" t="textAreaTop" r="textAreaRight" b="textAreaBottom"/>
@@ -46512,15 +46749,15 @@
           <p:spPr>
             <a:xfrm>
               <a:off x="1299600" y="5804640"/>
-              <a:ext cx="96840" cy="117720"/>
+              <a:ext cx="96120" cy="117000"/>
             </a:xfrm>
             <a:custGeom>
               <a:avLst/>
               <a:gdLst>
-                <a:gd name="textAreaLeft" fmla="*/ 0 w 96840"/>
-                <a:gd name="textAreaRight" fmla="*/ 98640 w 96840"/>
-                <a:gd name="textAreaTop" fmla="*/ 0 h 117720"/>
-                <a:gd name="textAreaBottom" fmla="*/ 119520 h 117720"/>
+                <a:gd name="textAreaLeft" fmla="*/ 0 w 96120"/>
+                <a:gd name="textAreaRight" fmla="*/ 98640 w 96120"/>
+                <a:gd name="textAreaTop" fmla="*/ 0 h 117000"/>
+                <a:gd name="textAreaBottom" fmla="*/ 119520 h 117000"/>
               </a:gdLst>
               <a:ahLst/>
               <a:rect l="textAreaLeft" t="textAreaTop" r="textAreaRight" b="textAreaBottom"/>
@@ -46593,9 +46830,9 @@
         <p:grpSpPr>
           <a:xfrm>
             <a:off x="6895440" y="5609520"/>
-            <a:ext cx="418680" cy="406800"/>
+            <a:ext cx="417960" cy="406080"/>
             <a:chOff x="6895440" y="5609520"/>
-            <a:chExt cx="418680" cy="406800"/>
+            <a:chExt cx="417960" cy="406080"/>
           </a:xfrm>
         </p:grpSpPr>
         <p:sp>
@@ -46607,15 +46844,15 @@
           <p:spPr>
             <a:xfrm>
               <a:off x="6939000" y="5626080"/>
-              <a:ext cx="65160" cy="75240"/>
+              <a:ext cx="64440" cy="74520"/>
             </a:xfrm>
             <a:custGeom>
               <a:avLst/>
               <a:gdLst>
-                <a:gd name="textAreaLeft" fmla="*/ 0 w 65160"/>
-                <a:gd name="textAreaRight" fmla="*/ 66960 w 65160"/>
-                <a:gd name="textAreaTop" fmla="*/ 0 h 75240"/>
-                <a:gd name="textAreaBottom" fmla="*/ 77040 h 75240"/>
+                <a:gd name="textAreaLeft" fmla="*/ 0 w 64440"/>
+                <a:gd name="textAreaRight" fmla="*/ 66960 w 64440"/>
+                <a:gd name="textAreaTop" fmla="*/ 0 h 74520"/>
+                <a:gd name="textAreaBottom" fmla="*/ 77040 h 74520"/>
               </a:gdLst>
               <a:ahLst/>
               <a:rect l="textAreaLeft" t="textAreaTop" r="textAreaRight" b="textAreaBottom"/>
@@ -46740,15 +46977,15 @@
           <p:spPr>
             <a:xfrm>
               <a:off x="6895440" y="5682600"/>
-              <a:ext cx="61200" cy="62280"/>
+              <a:ext cx="60480" cy="61560"/>
             </a:xfrm>
             <a:custGeom>
               <a:avLst/>
               <a:gdLst>
-                <a:gd name="textAreaLeft" fmla="*/ 0 w 61200"/>
-                <a:gd name="textAreaRight" fmla="*/ 63000 w 61200"/>
-                <a:gd name="textAreaTop" fmla="*/ 0 h 62280"/>
-                <a:gd name="textAreaBottom" fmla="*/ 64080 h 62280"/>
+                <a:gd name="textAreaLeft" fmla="*/ 0 w 60480"/>
+                <a:gd name="textAreaRight" fmla="*/ 63000 w 60480"/>
+                <a:gd name="textAreaTop" fmla="*/ 0 h 61560"/>
+                <a:gd name="textAreaBottom" fmla="*/ 64080 h 61560"/>
               </a:gdLst>
               <a:ahLst/>
               <a:rect l="textAreaLeft" t="textAreaTop" r="textAreaRight" b="textAreaBottom"/>
@@ -46873,15 +47110,15 @@
           <p:spPr>
             <a:xfrm>
               <a:off x="7010640" y="5609520"/>
-              <a:ext cx="57960" cy="78480"/>
+              <a:ext cx="57240" cy="77760"/>
             </a:xfrm>
             <a:custGeom>
               <a:avLst/>
               <a:gdLst>
-                <a:gd name="textAreaLeft" fmla="*/ 0 w 57960"/>
-                <a:gd name="textAreaRight" fmla="*/ 59760 w 57960"/>
-                <a:gd name="textAreaTop" fmla="*/ 0 h 78480"/>
-                <a:gd name="textAreaBottom" fmla="*/ 80280 h 78480"/>
+                <a:gd name="textAreaLeft" fmla="*/ 0 w 57240"/>
+                <a:gd name="textAreaRight" fmla="*/ 59760 w 57240"/>
+                <a:gd name="textAreaTop" fmla="*/ 0 h 77760"/>
+                <a:gd name="textAreaBottom" fmla="*/ 80280 h 77760"/>
               </a:gdLst>
               <a:ahLst/>
               <a:rect l="textAreaLeft" t="textAreaTop" r="textAreaRight" b="textAreaBottom"/>
@@ -47015,15 +47252,15 @@
           <p:spPr>
             <a:xfrm>
               <a:off x="7072200" y="5641920"/>
-              <a:ext cx="54720" cy="67680"/>
+              <a:ext cx="54000" cy="66960"/>
             </a:xfrm>
             <a:custGeom>
               <a:avLst/>
               <a:gdLst>
-                <a:gd name="textAreaLeft" fmla="*/ 0 w 54720"/>
-                <a:gd name="textAreaRight" fmla="*/ 56520 w 54720"/>
-                <a:gd name="textAreaTop" fmla="*/ 0 h 67680"/>
-                <a:gd name="textAreaBottom" fmla="*/ 69480 h 67680"/>
+                <a:gd name="textAreaLeft" fmla="*/ 0 w 54000"/>
+                <a:gd name="textAreaRight" fmla="*/ 56520 w 54000"/>
+                <a:gd name="textAreaTop" fmla="*/ 0 h 66960"/>
+                <a:gd name="textAreaBottom" fmla="*/ 69480 h 66960"/>
               </a:gdLst>
               <a:ahLst/>
               <a:rect l="textAreaLeft" t="textAreaTop" r="textAreaRight" b="textAreaBottom"/>
@@ -47148,15 +47385,15 @@
           <p:spPr>
             <a:xfrm>
               <a:off x="6950880" y="5704920"/>
-              <a:ext cx="153720" cy="117720"/>
+              <a:ext cx="153000" cy="117000"/>
             </a:xfrm>
             <a:custGeom>
               <a:avLst/>
               <a:gdLst>
-                <a:gd name="textAreaLeft" fmla="*/ 0 w 153720"/>
-                <a:gd name="textAreaRight" fmla="*/ 155520 w 153720"/>
-                <a:gd name="textAreaTop" fmla="*/ 0 h 117720"/>
-                <a:gd name="textAreaBottom" fmla="*/ 119520 h 117720"/>
+                <a:gd name="textAreaLeft" fmla="*/ 0 w 153000"/>
+                <a:gd name="textAreaRight" fmla="*/ 155520 w 153000"/>
+                <a:gd name="textAreaTop" fmla="*/ 0 h 117000"/>
+                <a:gd name="textAreaBottom" fmla="*/ 119520 h 117000"/>
               </a:gdLst>
               <a:ahLst/>
               <a:rect l="textAreaLeft" t="textAreaTop" r="textAreaRight" b="textAreaBottom"/>
@@ -47312,15 +47549,15 @@
           <p:spPr>
             <a:xfrm>
               <a:off x="7155360" y="5796360"/>
-              <a:ext cx="57600" cy="80280"/>
+              <a:ext cx="56880" cy="79560"/>
             </a:xfrm>
             <a:custGeom>
               <a:avLst/>
               <a:gdLst>
-                <a:gd name="textAreaLeft" fmla="*/ 0 w 57600"/>
-                <a:gd name="textAreaRight" fmla="*/ 59400 w 57600"/>
-                <a:gd name="textAreaTop" fmla="*/ 0 h 80280"/>
-                <a:gd name="textAreaBottom" fmla="*/ 82080 h 80280"/>
+                <a:gd name="textAreaLeft" fmla="*/ 0 w 56880"/>
+                <a:gd name="textAreaRight" fmla="*/ 59400 w 56880"/>
+                <a:gd name="textAreaTop" fmla="*/ 0 h 79560"/>
+                <a:gd name="textAreaBottom" fmla="*/ 82080 h 79560"/>
               </a:gdLst>
               <a:ahLst/>
               <a:rect l="textAreaLeft" t="textAreaTop" r="textAreaRight" b="textAreaBottom"/>
@@ -47438,15 +47675,15 @@
           <p:spPr>
             <a:xfrm>
               <a:off x="7089840" y="5815440"/>
-              <a:ext cx="56520" cy="70920"/>
+              <a:ext cx="55800" cy="70200"/>
             </a:xfrm>
             <a:custGeom>
               <a:avLst/>
               <a:gdLst>
-                <a:gd name="textAreaLeft" fmla="*/ 0 w 56520"/>
-                <a:gd name="textAreaRight" fmla="*/ 58320 w 56520"/>
-                <a:gd name="textAreaTop" fmla="*/ 0 h 70920"/>
-                <a:gd name="textAreaBottom" fmla="*/ 72720 h 70920"/>
+                <a:gd name="textAreaLeft" fmla="*/ 0 w 55800"/>
+                <a:gd name="textAreaRight" fmla="*/ 58320 w 55800"/>
+                <a:gd name="textAreaTop" fmla="*/ 0 h 70200"/>
+                <a:gd name="textAreaBottom" fmla="*/ 72720 h 70200"/>
               </a:gdLst>
               <a:ahLst/>
               <a:rect l="textAreaLeft" t="textAreaTop" r="textAreaRight" b="textAreaBottom"/>
@@ -47566,15 +47803,15 @@
           <p:spPr>
             <a:xfrm>
               <a:off x="7209720" y="5826600"/>
-              <a:ext cx="70200" cy="70920"/>
+              <a:ext cx="69480" cy="70200"/>
             </a:xfrm>
             <a:custGeom>
               <a:avLst/>
               <a:gdLst>
-                <a:gd name="textAreaLeft" fmla="*/ 0 w 70200"/>
-                <a:gd name="textAreaRight" fmla="*/ 72000 w 70200"/>
-                <a:gd name="textAreaTop" fmla="*/ 0 h 70920"/>
-                <a:gd name="textAreaBottom" fmla="*/ 72720 h 70920"/>
+                <a:gd name="textAreaLeft" fmla="*/ 0 w 69480"/>
+                <a:gd name="textAreaRight" fmla="*/ 72000 w 69480"/>
+                <a:gd name="textAreaTop" fmla="*/ 0 h 70200"/>
+                <a:gd name="textAreaBottom" fmla="*/ 72720 h 70200"/>
               </a:gdLst>
               <a:ahLst/>
               <a:rect l="textAreaLeft" t="textAreaTop" r="textAreaRight" b="textAreaBottom"/>
@@ -47715,15 +47952,15 @@
           <p:spPr>
             <a:xfrm>
               <a:off x="7249680" y="5892120"/>
-              <a:ext cx="64440" cy="58320"/>
+              <a:ext cx="63720" cy="57600"/>
             </a:xfrm>
             <a:custGeom>
               <a:avLst/>
               <a:gdLst>
-                <a:gd name="textAreaLeft" fmla="*/ 0 w 64440"/>
-                <a:gd name="textAreaRight" fmla="*/ 66240 w 64440"/>
-                <a:gd name="textAreaTop" fmla="*/ 0 h 58320"/>
-                <a:gd name="textAreaBottom" fmla="*/ 60120 h 58320"/>
+                <a:gd name="textAreaLeft" fmla="*/ 0 w 63720"/>
+                <a:gd name="textAreaRight" fmla="*/ 66240 w 63720"/>
+                <a:gd name="textAreaTop" fmla="*/ 0 h 57600"/>
+                <a:gd name="textAreaBottom" fmla="*/ 60120 h 57600"/>
               </a:gdLst>
               <a:ahLst/>
               <a:rect l="textAreaLeft" t="textAreaTop" r="textAreaRight" b="textAreaBottom"/>
@@ -47843,15 +48080,15 @@
           <p:spPr>
             <a:xfrm>
               <a:off x="7096320" y="5890320"/>
-              <a:ext cx="151200" cy="126000"/>
+              <a:ext cx="150480" cy="125280"/>
             </a:xfrm>
             <a:custGeom>
               <a:avLst/>
               <a:gdLst>
-                <a:gd name="textAreaLeft" fmla="*/ 0 w 151200"/>
-                <a:gd name="textAreaRight" fmla="*/ 153000 w 151200"/>
-                <a:gd name="textAreaTop" fmla="*/ 0 h 126000"/>
-                <a:gd name="textAreaBottom" fmla="*/ 127800 h 126000"/>
+                <a:gd name="textAreaLeft" fmla="*/ 0 w 150480"/>
+                <a:gd name="textAreaRight" fmla="*/ 153000 w 150480"/>
+                <a:gd name="textAreaTop" fmla="*/ 0 h 125280"/>
+                <a:gd name="textAreaBottom" fmla="*/ 127800 h 125280"/>
               </a:gdLst>
               <a:ahLst/>
               <a:rect l="textAreaLeft" t="textAreaTop" r="textAreaRight" b="textAreaBottom"/>
@@ -48008,7 +48245,7 @@
         <p:spPr>
           <a:xfrm>
             <a:off x="2537640" y="3161880"/>
-            <a:ext cx="961560" cy="395640"/>
+            <a:ext cx="960840" cy="394920"/>
           </a:xfrm>
           <a:prstGeom prst="rect">
             <a:avLst/>
@@ -48025,7 +48262,7 @@
           <a:fontRef idx="minor"/>
         </p:style>
         <p:txBody>
-          <a:bodyPr lIns="90000" rIns="90000" tIns="327600" bIns="327600" anchor="ctr">
+          <a:bodyPr lIns="90000" rIns="90000" tIns="395280" bIns="395280" anchor="ctr">
             <a:noAutofit/>
           </a:bodyPr>
           <a:p>
@@ -48062,7 +48299,7 @@
         <p:spPr>
           <a:xfrm>
             <a:off x="2537640" y="4023360"/>
-            <a:ext cx="961560" cy="395640"/>
+            <a:ext cx="960840" cy="394920"/>
           </a:xfrm>
           <a:prstGeom prst="rect">
             <a:avLst/>
@@ -48079,7 +48316,7 @@
           <a:fontRef idx="minor"/>
         </p:style>
         <p:txBody>
-          <a:bodyPr lIns="90000" rIns="90000" tIns="327600" bIns="327600" anchor="ctr">
+          <a:bodyPr lIns="90000" rIns="90000" tIns="395280" bIns="395280" anchor="ctr">
             <a:noAutofit/>
           </a:bodyPr>
           <a:p>
@@ -48116,7 +48353,7 @@
         <p:spPr>
           <a:xfrm>
             <a:off x="5101200" y="4652640"/>
-            <a:ext cx="961920" cy="394200"/>
+            <a:ext cx="961200" cy="393480"/>
           </a:xfrm>
           <a:prstGeom prst="rect">
             <a:avLst/>
@@ -48133,7 +48370,7 @@
           <a:fontRef idx="minor"/>
         </p:style>
         <p:txBody>
-          <a:bodyPr lIns="90000" rIns="90000" tIns="326880" bIns="326880" anchor="ctr">
+          <a:bodyPr lIns="90000" rIns="90000" tIns="393840" bIns="393840" anchor="ctr">
             <a:noAutofit/>
           </a:bodyPr>
           <a:p>
@@ -48170,7 +48407,7 @@
         <p:spPr>
           <a:xfrm>
             <a:off x="6108120" y="4690440"/>
-            <a:ext cx="2197440" cy="318960"/>
+            <a:ext cx="2196720" cy="318240"/>
           </a:xfrm>
           <a:prstGeom prst="roundRect">
             <a:avLst>
@@ -48178,7 +48415,7 @@
             </a:avLst>
           </a:prstGeom>
           <a:solidFill>
-            <a:schemeClr val="dk1"/>
+            <a:srgbClr val="302c3e"/>
           </a:solidFill>
           <a:ln w="0">
             <a:noFill/>
@@ -48200,7 +48437,7 @@
         <p:spPr>
           <a:xfrm>
             <a:off x="8350200" y="4652640"/>
-            <a:ext cx="962280" cy="394200"/>
+            <a:ext cx="961560" cy="393480"/>
           </a:xfrm>
           <a:prstGeom prst="rect">
             <a:avLst/>
@@ -48217,7 +48454,7 @@
           <a:fontRef idx="minor"/>
         </p:style>
         <p:txBody>
-          <a:bodyPr lIns="90000" rIns="90000" tIns="326880" bIns="326880" anchor="ctr">
+          <a:bodyPr lIns="90000" rIns="90000" tIns="393840" bIns="393840" anchor="ctr">
             <a:noAutofit/>
           </a:bodyPr>
           <a:p>
@@ -48254,7 +48491,7 @@
         <p:spPr>
           <a:xfrm>
             <a:off x="6108120" y="4690440"/>
-            <a:ext cx="292680" cy="318960"/>
+            <a:ext cx="291960" cy="318240"/>
           </a:xfrm>
           <a:prstGeom prst="roundRect">
             <a:avLst>
@@ -48262,7 +48499,7 @@
             </a:avLst>
           </a:prstGeom>
           <a:solidFill>
-            <a:schemeClr val="dk2"/>
+            <a:srgbClr val="3465a4"/>
           </a:solidFill>
           <a:ln w="0">
             <a:noFill/>
@@ -48308,13 +48545,13 @@
       <p:sp>
         <p:nvSpPr>
           <p:cNvPr id="345" name="PlaceHolder 57"/>
-          <p:cNvSpPr txBox="1"/>
+          <p:cNvSpPr/>
           <p:nvPr/>
         </p:nvSpPr>
         <p:spPr>
           <a:xfrm>
             <a:off x="878400" y="1511280"/>
-            <a:ext cx="8458200" cy="678960"/>
+            <a:ext cx="8457480" cy="678240"/>
           </a:xfrm>
           <a:prstGeom prst="rect">
             <a:avLst/>
@@ -48324,6 +48561,12 @@
             <a:noFill/>
           </a:ln>
         </p:spPr>
+        <p:style>
+          <a:lnRef idx="0"/>
+          <a:fillRef idx="0"/>
+          <a:effectRef idx="0"/>
+          <a:fontRef idx="minor"/>
+        </p:style>
         <p:txBody>
           <a:bodyPr lIns="0" rIns="0" tIns="91440" bIns="91440" anchor="t">
             <a:noAutofit/>
@@ -48359,13 +48602,13 @@
       <p:sp>
         <p:nvSpPr>
           <p:cNvPr id="346" name="PlaceHolder 58"/>
-          <p:cNvSpPr txBox="1"/>
+          <p:cNvSpPr/>
           <p:nvPr/>
         </p:nvSpPr>
         <p:spPr>
           <a:xfrm>
             <a:off x="2228040" y="2495520"/>
-            <a:ext cx="1755360" cy="430920"/>
+            <a:ext cx="1754640" cy="430200"/>
           </a:xfrm>
           <a:prstGeom prst="rect">
             <a:avLst/>
@@ -48375,6 +48618,12 @@
             <a:noFill/>
           </a:ln>
         </p:spPr>
+        <p:style>
+          <a:lnRef idx="0"/>
+          <a:fillRef idx="0"/>
+          <a:effectRef idx="0"/>
+          <a:fontRef idx="minor"/>
+        </p:style>
         <p:txBody>
           <a:bodyPr lIns="0" rIns="0" tIns="91440" bIns="91440" anchor="ctr">
             <a:noAutofit/>
@@ -48391,7 +48640,7 @@
             <a:r>
               <a:rPr b="0" lang="en" sz="1800" spc="-1" strike="noStrike">
                 <a:solidFill>
-                  <a:schemeClr val="dk2"/>
+                  <a:srgbClr val="3465a4"/>
                 </a:solidFill>
                 <a:latin typeface="Manrope"/>
                 <a:ea typeface="Manrope"/>
@@ -48407,13 +48656,13 @@
       <p:sp>
         <p:nvSpPr>
           <p:cNvPr id="347" name="PlaceHolder 59"/>
-          <p:cNvSpPr txBox="1"/>
+          <p:cNvSpPr/>
           <p:nvPr/>
         </p:nvSpPr>
         <p:spPr>
           <a:xfrm>
             <a:off x="2228040" y="2928240"/>
-            <a:ext cx="2111040" cy="659160"/>
+            <a:ext cx="2110320" cy="658440"/>
           </a:xfrm>
           <a:prstGeom prst="rect">
             <a:avLst/>
@@ -48423,6 +48672,12 @@
             <a:noFill/>
           </a:ln>
         </p:spPr>
+        <p:style>
+          <a:lnRef idx="0"/>
+          <a:fillRef idx="0"/>
+          <a:effectRef idx="0"/>
+          <a:fontRef idx="minor"/>
+        </p:style>
         <p:txBody>
           <a:bodyPr lIns="0" rIns="0" tIns="91440" bIns="91440" anchor="t">
             <a:noAutofit/>
@@ -48447,7 +48702,7 @@
               <a:t>Mercury is the closest planet to the Sun</a:t>
             </a:r>
             <a:endParaRPr b="0" lang="en-US" sz="1400" spc="-1" strike="noStrike">
-              <a:latin typeface="Times New Roman"/>
+              <a:latin typeface="Arial"/>
             </a:endParaRPr>
           </a:p>
         </p:txBody>
@@ -48455,13 +48710,13 @@
       <p:sp>
         <p:nvSpPr>
           <p:cNvPr id="348" name="PlaceHolder 60"/>
-          <p:cNvSpPr txBox="1"/>
+          <p:cNvSpPr/>
           <p:nvPr/>
         </p:nvSpPr>
         <p:spPr>
           <a:xfrm>
             <a:off x="6380640" y="5136840"/>
-            <a:ext cx="1861560" cy="431280"/>
+            <a:ext cx="1860840" cy="430560"/>
           </a:xfrm>
           <a:prstGeom prst="rect">
             <a:avLst/>
@@ -48471,6 +48726,12 @@
             <a:noFill/>
           </a:ln>
         </p:spPr>
+        <p:style>
+          <a:lnRef idx="0"/>
+          <a:fillRef idx="0"/>
+          <a:effectRef idx="0"/>
+          <a:fontRef idx="minor"/>
+        </p:style>
         <p:txBody>
           <a:bodyPr lIns="0" rIns="0" tIns="91440" bIns="91440" anchor="ctr">
             <a:noAutofit/>
@@ -48487,7 +48748,7 @@
             <a:r>
               <a:rPr b="0" lang="en" sz="1800" spc="-1" strike="noStrike">
                 <a:solidFill>
-                  <a:schemeClr val="dk2"/>
+                  <a:srgbClr val="3465a4"/>
                 </a:solidFill>
                 <a:latin typeface="Manrope"/>
                 <a:ea typeface="Manrope"/>
@@ -48503,13 +48764,13 @@
       <p:sp>
         <p:nvSpPr>
           <p:cNvPr id="349" name="PlaceHolder 61"/>
-          <p:cNvSpPr txBox="1"/>
+          <p:cNvSpPr/>
           <p:nvPr/>
         </p:nvSpPr>
         <p:spPr>
           <a:xfrm>
             <a:off x="6380640" y="5570640"/>
-            <a:ext cx="2111400" cy="659160"/>
+            <a:ext cx="2110680" cy="658440"/>
           </a:xfrm>
           <a:prstGeom prst="rect">
             <a:avLst/>
@@ -48519,6 +48780,12 @@
             <a:noFill/>
           </a:ln>
         </p:spPr>
+        <p:style>
+          <a:lnRef idx="0"/>
+          <a:fillRef idx="0"/>
+          <a:effectRef idx="0"/>
+          <a:fontRef idx="minor"/>
+        </p:style>
         <p:txBody>
           <a:bodyPr lIns="0" rIns="0" tIns="91440" bIns="91440" anchor="t">
             <a:noAutofit/>
@@ -48543,7 +48810,7 @@
               <a:t>The Moon is Earth’s only natural satellite</a:t>
             </a:r>
             <a:endParaRPr b="0" lang="en-US" sz="1400" spc="-1" strike="noStrike">
-              <a:latin typeface="Times New Roman"/>
+              <a:latin typeface="Arial"/>
             </a:endParaRPr>
           </a:p>
         </p:txBody>
@@ -48551,13 +48818,13 @@
       <p:sp>
         <p:nvSpPr>
           <p:cNvPr id="350" name="PlaceHolder 62"/>
-          <p:cNvSpPr txBox="1"/>
+          <p:cNvSpPr/>
           <p:nvPr/>
         </p:nvSpPr>
         <p:spPr>
           <a:xfrm>
             <a:off x="6380640" y="2495520"/>
-            <a:ext cx="1440360" cy="430920"/>
+            <a:ext cx="1439640" cy="430200"/>
           </a:xfrm>
           <a:prstGeom prst="rect">
             <a:avLst/>
@@ -48567,6 +48834,12 @@
             <a:noFill/>
           </a:ln>
         </p:spPr>
+        <p:style>
+          <a:lnRef idx="0"/>
+          <a:fillRef idx="0"/>
+          <a:effectRef idx="0"/>
+          <a:fontRef idx="minor"/>
+        </p:style>
         <p:txBody>
           <a:bodyPr lIns="0" rIns="0" tIns="91440" bIns="91440" anchor="ctr">
             <a:noAutofit/>
@@ -48583,7 +48856,7 @@
             <a:r>
               <a:rPr b="0" lang="en" sz="1800" spc="-1" strike="noStrike">
                 <a:solidFill>
-                  <a:schemeClr val="dk2"/>
+                  <a:srgbClr val="3465a4"/>
                 </a:solidFill>
                 <a:latin typeface="Manrope"/>
                 <a:ea typeface="Manrope"/>
@@ -48599,13 +48872,13 @@
       <p:sp>
         <p:nvSpPr>
           <p:cNvPr id="351" name="PlaceHolder 63"/>
-          <p:cNvSpPr txBox="1"/>
+          <p:cNvSpPr/>
           <p:nvPr/>
         </p:nvSpPr>
         <p:spPr>
           <a:xfrm>
             <a:off x="6380640" y="2928240"/>
-            <a:ext cx="2111400" cy="659160"/>
+            <a:ext cx="2110680" cy="658440"/>
           </a:xfrm>
           <a:prstGeom prst="rect">
             <a:avLst/>
@@ -48615,6 +48888,12 @@
             <a:noFill/>
           </a:ln>
         </p:spPr>
+        <p:style>
+          <a:lnRef idx="0"/>
+          <a:fillRef idx="0"/>
+          <a:effectRef idx="0"/>
+          <a:fontRef idx="minor"/>
+        </p:style>
         <p:txBody>
           <a:bodyPr lIns="0" rIns="0" tIns="91440" bIns="91440" anchor="t">
             <a:noAutofit/>
@@ -48639,7 +48918,7 @@
               <a:t>Jupiter is the biggest planet of them all</a:t>
             </a:r>
             <a:endParaRPr b="0" lang="en-US" sz="1400" spc="-1" strike="noStrike">
-              <a:latin typeface="Times New Roman"/>
+              <a:latin typeface="Arial"/>
             </a:endParaRPr>
           </a:p>
         </p:txBody>
@@ -48647,13 +48926,13 @@
       <p:sp>
         <p:nvSpPr>
           <p:cNvPr id="352" name="PlaceHolder 64"/>
-          <p:cNvSpPr txBox="1"/>
+          <p:cNvSpPr/>
           <p:nvPr/>
         </p:nvSpPr>
         <p:spPr>
           <a:xfrm>
             <a:off x="2228040" y="3816000"/>
-            <a:ext cx="1899360" cy="431280"/>
+            <a:ext cx="1898640" cy="430560"/>
           </a:xfrm>
           <a:prstGeom prst="rect">
             <a:avLst/>
@@ -48663,6 +48942,12 @@
             <a:noFill/>
           </a:ln>
         </p:spPr>
+        <p:style>
+          <a:lnRef idx="0"/>
+          <a:fillRef idx="0"/>
+          <a:effectRef idx="0"/>
+          <a:fontRef idx="minor"/>
+        </p:style>
         <p:txBody>
           <a:bodyPr lIns="0" rIns="0" tIns="91440" bIns="91440" anchor="ctr">
             <a:noAutofit/>
@@ -48679,7 +48964,7 @@
             <a:r>
               <a:rPr b="0" lang="en" sz="1800" spc="-1" strike="noStrike">
                 <a:solidFill>
-                  <a:schemeClr val="dk2"/>
+                  <a:srgbClr val="3465a4"/>
                 </a:solidFill>
                 <a:latin typeface="Manrope"/>
                 <a:ea typeface="Manrope"/>
@@ -48695,13 +48980,13 @@
       <p:sp>
         <p:nvSpPr>
           <p:cNvPr id="353" name="PlaceHolder 65"/>
-          <p:cNvSpPr txBox="1"/>
+          <p:cNvSpPr/>
           <p:nvPr/>
         </p:nvSpPr>
         <p:spPr>
           <a:xfrm>
             <a:off x="2228040" y="4249440"/>
-            <a:ext cx="2111040" cy="659160"/>
+            <a:ext cx="2110320" cy="658440"/>
           </a:xfrm>
           <a:prstGeom prst="rect">
             <a:avLst/>
@@ -48711,6 +48996,12 @@
             <a:noFill/>
           </a:ln>
         </p:spPr>
+        <p:style>
+          <a:lnRef idx="0"/>
+          <a:fillRef idx="0"/>
+          <a:effectRef idx="0"/>
+          <a:fontRef idx="minor"/>
+        </p:style>
         <p:txBody>
           <a:bodyPr lIns="0" rIns="0" tIns="91440" bIns="91440" anchor="t">
             <a:noAutofit/>
@@ -48735,7 +49026,7 @@
               <a:t>Neptune is the farthest planet from the Sun</a:t>
             </a:r>
             <a:endParaRPr b="0" lang="en-US" sz="1400" spc="-1" strike="noStrike">
-              <a:latin typeface="Times New Roman"/>
+              <a:latin typeface="Arial"/>
             </a:endParaRPr>
           </a:p>
         </p:txBody>
@@ -48743,13 +49034,13 @@
       <p:sp>
         <p:nvSpPr>
           <p:cNvPr id="354" name="PlaceHolder 66"/>
-          <p:cNvSpPr txBox="1"/>
+          <p:cNvSpPr/>
           <p:nvPr/>
         </p:nvSpPr>
         <p:spPr>
           <a:xfrm>
             <a:off x="2228040" y="5136840"/>
-            <a:ext cx="2127960" cy="431280"/>
+            <a:ext cx="2127240" cy="430560"/>
           </a:xfrm>
           <a:prstGeom prst="rect">
             <a:avLst/>
@@ -48759,6 +49050,12 @@
             <a:noFill/>
           </a:ln>
         </p:spPr>
+        <p:style>
+          <a:lnRef idx="0"/>
+          <a:fillRef idx="0"/>
+          <a:effectRef idx="0"/>
+          <a:fontRef idx="minor"/>
+        </p:style>
         <p:txBody>
           <a:bodyPr lIns="0" rIns="0" tIns="91440" bIns="91440" anchor="ctr">
             <a:noAutofit/>
@@ -48775,7 +49072,7 @@
             <a:r>
               <a:rPr b="0" lang="en" sz="1800" spc="-1" strike="noStrike">
                 <a:solidFill>
-                  <a:schemeClr val="dk2"/>
+                  <a:srgbClr val="3465a4"/>
                 </a:solidFill>
                 <a:latin typeface="Manrope"/>
                 <a:ea typeface="Manrope"/>
@@ -48791,13 +49088,13 @@
       <p:sp>
         <p:nvSpPr>
           <p:cNvPr id="355" name="PlaceHolder 67"/>
-          <p:cNvSpPr txBox="1"/>
+          <p:cNvSpPr/>
           <p:nvPr/>
         </p:nvSpPr>
         <p:spPr>
           <a:xfrm>
             <a:off x="2228040" y="5570640"/>
-            <a:ext cx="2111040" cy="659160"/>
+            <a:ext cx="2110320" cy="658440"/>
           </a:xfrm>
           <a:prstGeom prst="rect">
             <a:avLst/>
@@ -48807,6 +49104,12 @@
             <a:noFill/>
           </a:ln>
         </p:spPr>
+        <p:style>
+          <a:lnRef idx="0"/>
+          <a:fillRef idx="0"/>
+          <a:effectRef idx="0"/>
+          <a:fontRef idx="minor"/>
+        </p:style>
         <p:txBody>
           <a:bodyPr lIns="0" rIns="0" tIns="91440" bIns="91440" anchor="t">
             <a:noAutofit/>
@@ -48831,7 +49134,7 @@
               <a:t>Venus is the second planet from the Sun</a:t>
             </a:r>
             <a:endParaRPr b="0" lang="en-US" sz="1400" spc="-1" strike="noStrike">
-              <a:latin typeface="Times New Roman"/>
+              <a:latin typeface="Arial"/>
             </a:endParaRPr>
           </a:p>
         </p:txBody>
@@ -48839,13 +49142,13 @@
       <p:sp>
         <p:nvSpPr>
           <p:cNvPr id="356" name="PlaceHolder 68"/>
-          <p:cNvSpPr txBox="1"/>
+          <p:cNvSpPr/>
           <p:nvPr/>
         </p:nvSpPr>
         <p:spPr>
           <a:xfrm>
             <a:off x="6380640" y="3816000"/>
-            <a:ext cx="2547360" cy="431280"/>
+            <a:ext cx="2546640" cy="430560"/>
           </a:xfrm>
           <a:prstGeom prst="rect">
             <a:avLst/>
@@ -48855,6 +49158,12 @@
             <a:noFill/>
           </a:ln>
         </p:spPr>
+        <p:style>
+          <a:lnRef idx="0"/>
+          <a:fillRef idx="0"/>
+          <a:effectRef idx="0"/>
+          <a:fontRef idx="minor"/>
+        </p:style>
         <p:txBody>
           <a:bodyPr lIns="0" rIns="0" tIns="91440" bIns="91440" anchor="ctr">
             <a:noAutofit/>
@@ -48871,7 +49180,7 @@
             <a:r>
               <a:rPr b="0" lang="en" sz="1800" spc="-1" strike="noStrike">
                 <a:solidFill>
-                  <a:schemeClr val="dk2"/>
+                  <a:srgbClr val="3465a4"/>
                 </a:solidFill>
                 <a:latin typeface="Manrope"/>
                 <a:ea typeface="Manrope"/>
@@ -48887,13 +49196,13 @@
       <p:sp>
         <p:nvSpPr>
           <p:cNvPr id="357" name="PlaceHolder 69"/>
-          <p:cNvSpPr txBox="1"/>
+          <p:cNvSpPr/>
           <p:nvPr/>
         </p:nvSpPr>
         <p:spPr>
           <a:xfrm>
             <a:off x="6380640" y="4249440"/>
-            <a:ext cx="2111400" cy="659160"/>
+            <a:ext cx="2110680" cy="658440"/>
           </a:xfrm>
           <a:prstGeom prst="rect">
             <a:avLst/>
@@ -48903,6 +49212,12 @@
             <a:noFill/>
           </a:ln>
         </p:spPr>
+        <p:style>
+          <a:lnRef idx="0"/>
+          <a:fillRef idx="0"/>
+          <a:effectRef idx="0"/>
+          <a:fontRef idx="minor"/>
+        </p:style>
         <p:txBody>
           <a:bodyPr lIns="0" rIns="0" tIns="91440" bIns="91440" anchor="t">
             <a:noAutofit/>
@@ -48927,7 +49242,7 @@
               <a:t>Earth is the only planet that harbors life</a:t>
             </a:r>
             <a:endParaRPr b="0" lang="en-US" sz="1400" spc="-1" strike="noStrike">
-              <a:latin typeface="Times New Roman"/>
+              <a:latin typeface="Arial"/>
             </a:endParaRPr>
           </a:p>
         </p:txBody>
@@ -48941,13 +49256,13 @@
         <p:spPr>
           <a:xfrm>
             <a:off x="1183320" y="2628360"/>
-            <a:ext cx="795600" cy="862920"/>
+            <a:ext cx="794880" cy="862200"/>
           </a:xfrm>
           <a:prstGeom prst="ellipse">
             <a:avLst/>
           </a:prstGeom>
           <a:solidFill>
-            <a:schemeClr val="dk2"/>
+            <a:srgbClr val="3465a4"/>
           </a:solidFill>
           <a:ln w="0">
             <a:noFill/>
@@ -48969,13 +49284,13 @@
         <p:spPr>
           <a:xfrm>
             <a:off x="1183320" y="3949560"/>
-            <a:ext cx="795600" cy="863280"/>
+            <a:ext cx="794880" cy="862560"/>
           </a:xfrm>
           <a:prstGeom prst="ellipse">
             <a:avLst/>
           </a:prstGeom>
           <a:solidFill>
-            <a:schemeClr val="dk2"/>
+            <a:srgbClr val="3465a4"/>
           </a:solidFill>
           <a:ln w="0">
             <a:noFill/>
@@ -48997,13 +49312,13 @@
         <p:spPr>
           <a:xfrm>
             <a:off x="1183320" y="5271120"/>
-            <a:ext cx="795600" cy="863280"/>
+            <a:ext cx="794880" cy="862560"/>
           </a:xfrm>
           <a:prstGeom prst="ellipse">
             <a:avLst/>
           </a:prstGeom>
           <a:solidFill>
-            <a:schemeClr val="dk2"/>
+            <a:srgbClr val="3465a4"/>
           </a:solidFill>
           <a:ln w="0">
             <a:noFill/>
@@ -49025,13 +49340,13 @@
         <p:spPr>
           <a:xfrm>
             <a:off x="5333040" y="2628360"/>
-            <a:ext cx="795600" cy="862920"/>
+            <a:ext cx="794880" cy="862200"/>
           </a:xfrm>
           <a:prstGeom prst="ellipse">
             <a:avLst/>
           </a:prstGeom>
           <a:solidFill>
-            <a:schemeClr val="dk2"/>
+            <a:srgbClr val="3465a4"/>
           </a:solidFill>
           <a:ln w="0">
             <a:noFill/>
@@ -49053,13 +49368,13 @@
         <p:spPr>
           <a:xfrm>
             <a:off x="5333040" y="3949560"/>
-            <a:ext cx="795600" cy="863280"/>
+            <a:ext cx="794880" cy="862560"/>
           </a:xfrm>
           <a:prstGeom prst="ellipse">
             <a:avLst/>
           </a:prstGeom>
           <a:solidFill>
-            <a:schemeClr val="dk2"/>
+            <a:srgbClr val="3465a4"/>
           </a:solidFill>
           <a:ln w="0">
             <a:noFill/>
@@ -49081,13 +49396,13 @@
         <p:spPr>
           <a:xfrm>
             <a:off x="5333040" y="5271120"/>
-            <a:ext cx="795600" cy="863280"/>
+            <a:ext cx="794880" cy="862560"/>
           </a:xfrm>
           <a:prstGeom prst="ellipse">
             <a:avLst/>
           </a:prstGeom>
           <a:solidFill>
-            <a:schemeClr val="dk2"/>
+            <a:srgbClr val="3465a4"/>
           </a:solidFill>
           <a:ln w="0">
             <a:noFill/>
@@ -49109,9 +49424,9 @@
         <p:grpSpPr>
           <a:xfrm>
             <a:off x="1346760" y="5502600"/>
-            <a:ext cx="468720" cy="400680"/>
+            <a:ext cx="468000" cy="399960"/>
             <a:chOff x="1346760" y="5502600"/>
-            <a:chExt cx="468720" cy="400680"/>
+            <a:chExt cx="468000" cy="399960"/>
           </a:xfrm>
         </p:grpSpPr>
         <p:sp>
@@ -49123,15 +49438,15 @@
           <p:spPr>
             <a:xfrm>
               <a:off x="1472400" y="5565960"/>
-              <a:ext cx="71280" cy="12240"/>
+              <a:ext cx="70560" cy="11520"/>
             </a:xfrm>
             <a:custGeom>
               <a:avLst/>
               <a:gdLst>
-                <a:gd name="textAreaLeft" fmla="*/ 0 w 71280"/>
-                <a:gd name="textAreaRight" fmla="*/ 73080 w 71280"/>
-                <a:gd name="textAreaTop" fmla="*/ 0 h 12240"/>
-                <a:gd name="textAreaBottom" fmla="*/ 14040 h 12240"/>
+                <a:gd name="textAreaLeft" fmla="*/ 0 w 70560"/>
+                <a:gd name="textAreaRight" fmla="*/ 73080 w 70560"/>
+                <a:gd name="textAreaTop" fmla="*/ 0 h 11520"/>
+                <a:gd name="textAreaBottom" fmla="*/ 14040 h 11520"/>
               </a:gdLst>
               <a:ahLst/>
               <a:rect l="textAreaLeft" t="textAreaTop" r="textAreaRight" b="textAreaBottom"/>
@@ -49190,15 +49505,15 @@
           <p:spPr>
             <a:xfrm>
               <a:off x="1411560" y="5811840"/>
-              <a:ext cx="17640" cy="13320"/>
+              <a:ext cx="16920" cy="12600"/>
             </a:xfrm>
             <a:custGeom>
               <a:avLst/>
               <a:gdLst>
-                <a:gd name="textAreaLeft" fmla="*/ 0 w 17640"/>
-                <a:gd name="textAreaRight" fmla="*/ 19440 w 17640"/>
-                <a:gd name="textAreaTop" fmla="*/ 0 h 13320"/>
-                <a:gd name="textAreaBottom" fmla="*/ 15120 h 13320"/>
+                <a:gd name="textAreaLeft" fmla="*/ 0 w 16920"/>
+                <a:gd name="textAreaRight" fmla="*/ 19440 w 16920"/>
+                <a:gd name="textAreaTop" fmla="*/ 0 h 12600"/>
+                <a:gd name="textAreaBottom" fmla="*/ 15120 h 12600"/>
               </a:gdLst>
               <a:ahLst/>
               <a:rect l="textAreaLeft" t="textAreaTop" r="textAreaRight" b="textAreaBottom"/>
@@ -49257,15 +49572,15 @@
           <p:spPr>
             <a:xfrm>
               <a:off x="1346760" y="5502600"/>
-              <a:ext cx="468720" cy="400680"/>
+              <a:ext cx="468000" cy="399960"/>
             </a:xfrm>
             <a:custGeom>
               <a:avLst/>
               <a:gdLst>
-                <a:gd name="textAreaLeft" fmla="*/ 0 w 468720"/>
-                <a:gd name="textAreaRight" fmla="*/ 470520 w 468720"/>
-                <a:gd name="textAreaTop" fmla="*/ 0 h 400680"/>
-                <a:gd name="textAreaBottom" fmla="*/ 402480 h 400680"/>
+                <a:gd name="textAreaLeft" fmla="*/ 0 w 468000"/>
+                <a:gd name="textAreaRight" fmla="*/ 470520 w 468000"/>
+                <a:gd name="textAreaTop" fmla="*/ 0 h 399960"/>
+                <a:gd name="textAreaBottom" fmla="*/ 402480 h 399960"/>
               </a:gdLst>
               <a:ahLst/>
               <a:rect l="textAreaLeft" t="textAreaTop" r="textAreaRight" b="textAreaBottom"/>
@@ -50324,9 +50639,9 @@
         <p:grpSpPr>
           <a:xfrm>
             <a:off x="5566320" y="5448600"/>
-            <a:ext cx="329040" cy="508680"/>
+            <a:ext cx="328320" cy="507960"/>
             <a:chOff x="5566320" y="5448600"/>
-            <a:chExt cx="329040" cy="508680"/>
+            <a:chExt cx="328320" cy="507960"/>
           </a:xfrm>
         </p:grpSpPr>
         <p:sp>
@@ -50338,15 +50653,15 @@
           <p:spPr>
             <a:xfrm>
               <a:off x="5668560" y="5477760"/>
-              <a:ext cx="123480" cy="53280"/>
+              <a:ext cx="122760" cy="52560"/>
             </a:xfrm>
             <a:custGeom>
               <a:avLst/>
               <a:gdLst>
-                <a:gd name="textAreaLeft" fmla="*/ 0 w 123480"/>
-                <a:gd name="textAreaRight" fmla="*/ 125280 w 123480"/>
-                <a:gd name="textAreaTop" fmla="*/ 0 h 53280"/>
-                <a:gd name="textAreaBottom" fmla="*/ 55080 h 53280"/>
+                <a:gd name="textAreaLeft" fmla="*/ 0 w 122760"/>
+                <a:gd name="textAreaRight" fmla="*/ 125280 w 122760"/>
+                <a:gd name="textAreaTop" fmla="*/ 0 h 52560"/>
+                <a:gd name="textAreaBottom" fmla="*/ 55080 h 52560"/>
               </a:gdLst>
               <a:ahLst/>
               <a:rect l="textAreaLeft" t="textAreaTop" r="textAreaRight" b="textAreaBottom"/>
@@ -50444,15 +50759,15 @@
           <p:spPr>
             <a:xfrm>
               <a:off x="5689800" y="5888880"/>
-              <a:ext cx="81360" cy="12600"/>
+              <a:ext cx="80640" cy="11880"/>
             </a:xfrm>
             <a:custGeom>
               <a:avLst/>
               <a:gdLst>
-                <a:gd name="textAreaLeft" fmla="*/ 0 w 81360"/>
-                <a:gd name="textAreaRight" fmla="*/ 83160 w 81360"/>
-                <a:gd name="textAreaTop" fmla="*/ 0 h 12600"/>
-                <a:gd name="textAreaBottom" fmla="*/ 14400 h 12600"/>
+                <a:gd name="textAreaLeft" fmla="*/ 0 w 80640"/>
+                <a:gd name="textAreaRight" fmla="*/ 83160 w 80640"/>
+                <a:gd name="textAreaTop" fmla="*/ 0 h 11880"/>
+                <a:gd name="textAreaBottom" fmla="*/ 14400 h 11880"/>
               </a:gdLst>
               <a:ahLst/>
               <a:rect l="textAreaLeft" t="textAreaTop" r="textAreaRight" b="textAreaBottom"/>
@@ -50511,15 +50826,15 @@
           <p:spPr>
             <a:xfrm>
               <a:off x="5689800" y="5916600"/>
-              <a:ext cx="81360" cy="12240"/>
+              <a:ext cx="80640" cy="11520"/>
             </a:xfrm>
             <a:custGeom>
               <a:avLst/>
               <a:gdLst>
-                <a:gd name="textAreaLeft" fmla="*/ 0 w 81360"/>
-                <a:gd name="textAreaRight" fmla="*/ 83160 w 81360"/>
-                <a:gd name="textAreaTop" fmla="*/ 0 h 12240"/>
-                <a:gd name="textAreaBottom" fmla="*/ 14040 h 12240"/>
+                <a:gd name="textAreaLeft" fmla="*/ 0 w 80640"/>
+                <a:gd name="textAreaRight" fmla="*/ 83160 w 80640"/>
+                <a:gd name="textAreaTop" fmla="*/ 0 h 11520"/>
+                <a:gd name="textAreaBottom" fmla="*/ 14040 h 11520"/>
               </a:gdLst>
               <a:ahLst/>
               <a:rect l="textAreaLeft" t="textAreaTop" r="textAreaRight" b="textAreaBottom"/>
@@ -50578,15 +50893,15 @@
           <p:spPr>
             <a:xfrm>
               <a:off x="5821560" y="5728320"/>
-              <a:ext cx="24120" cy="12600"/>
+              <a:ext cx="23400" cy="11880"/>
             </a:xfrm>
             <a:custGeom>
               <a:avLst/>
               <a:gdLst>
-                <a:gd name="textAreaLeft" fmla="*/ 0 w 24120"/>
-                <a:gd name="textAreaRight" fmla="*/ 25920 w 24120"/>
-                <a:gd name="textAreaTop" fmla="*/ 0 h 12600"/>
-                <a:gd name="textAreaBottom" fmla="*/ 14400 h 12600"/>
+                <a:gd name="textAreaLeft" fmla="*/ 0 w 23400"/>
+                <a:gd name="textAreaRight" fmla="*/ 25920 w 23400"/>
+                <a:gd name="textAreaTop" fmla="*/ 0 h 11880"/>
+                <a:gd name="textAreaBottom" fmla="*/ 14400 h 11880"/>
               </a:gdLst>
               <a:ahLst/>
               <a:rect l="textAreaLeft" t="textAreaTop" r="textAreaRight" b="textAreaBottom"/>
@@ -50645,15 +50960,15 @@
           <p:spPr>
             <a:xfrm>
               <a:off x="5729040" y="5645880"/>
-              <a:ext cx="113760" cy="53640"/>
+              <a:ext cx="113040" cy="52920"/>
             </a:xfrm>
             <a:custGeom>
               <a:avLst/>
               <a:gdLst>
-                <a:gd name="textAreaLeft" fmla="*/ 0 w 113760"/>
-                <a:gd name="textAreaRight" fmla="*/ 115560 w 113760"/>
-                <a:gd name="textAreaTop" fmla="*/ 0 h 53640"/>
-                <a:gd name="textAreaBottom" fmla="*/ 55440 h 53640"/>
+                <a:gd name="textAreaLeft" fmla="*/ 0 w 113040"/>
+                <a:gd name="textAreaRight" fmla="*/ 115560 w 113040"/>
+                <a:gd name="textAreaTop" fmla="*/ 0 h 52920"/>
+                <a:gd name="textAreaBottom" fmla="*/ 55440 h 52920"/>
               </a:gdLst>
               <a:ahLst/>
               <a:rect l="textAreaLeft" t="textAreaTop" r="textAreaRight" b="textAreaBottom"/>
@@ -50764,15 +51079,15 @@
           <p:spPr>
             <a:xfrm>
               <a:off x="5784120" y="5671080"/>
-              <a:ext cx="16920" cy="12600"/>
+              <a:ext cx="16200" cy="11880"/>
             </a:xfrm>
             <a:custGeom>
               <a:avLst/>
               <a:gdLst>
-                <a:gd name="textAreaLeft" fmla="*/ 0 w 16920"/>
-                <a:gd name="textAreaRight" fmla="*/ 18720 w 16920"/>
-                <a:gd name="textAreaTop" fmla="*/ 0 h 12600"/>
-                <a:gd name="textAreaBottom" fmla="*/ 14400 h 12600"/>
+                <a:gd name="textAreaLeft" fmla="*/ 0 w 16200"/>
+                <a:gd name="textAreaRight" fmla="*/ 18720 w 16200"/>
+                <a:gd name="textAreaTop" fmla="*/ 0 h 11880"/>
+                <a:gd name="textAreaBottom" fmla="*/ 14400 h 11880"/>
               </a:gdLst>
               <a:ahLst/>
               <a:rect l="textAreaLeft" t="textAreaTop" r="textAreaRight" b="textAreaBottom"/>
@@ -50831,15 +51146,15 @@
           <p:spPr>
             <a:xfrm>
               <a:off x="5738400" y="5709240"/>
-              <a:ext cx="12240" cy="49680"/>
+              <a:ext cx="11520" cy="48960"/>
             </a:xfrm>
             <a:custGeom>
               <a:avLst/>
               <a:gdLst>
-                <a:gd name="textAreaLeft" fmla="*/ 0 w 12240"/>
-                <a:gd name="textAreaRight" fmla="*/ 14040 w 12240"/>
-                <a:gd name="textAreaTop" fmla="*/ 0 h 49680"/>
-                <a:gd name="textAreaBottom" fmla="*/ 51480 h 49680"/>
+                <a:gd name="textAreaLeft" fmla="*/ 0 w 11520"/>
+                <a:gd name="textAreaRight" fmla="*/ 14040 w 11520"/>
+                <a:gd name="textAreaTop" fmla="*/ 0 h 48960"/>
+                <a:gd name="textAreaBottom" fmla="*/ 51480 h 48960"/>
               </a:gdLst>
               <a:ahLst/>
               <a:rect l="textAreaLeft" t="textAreaTop" r="textAreaRight" b="textAreaBottom"/>
@@ -50901,15 +51216,15 @@
           <p:spPr>
             <a:xfrm>
               <a:off x="5668560" y="5686920"/>
-              <a:ext cx="12240" cy="32040"/>
+              <a:ext cx="11520" cy="31320"/>
             </a:xfrm>
             <a:custGeom>
               <a:avLst/>
               <a:gdLst>
-                <a:gd name="textAreaLeft" fmla="*/ 0 w 12240"/>
-                <a:gd name="textAreaRight" fmla="*/ 14040 w 12240"/>
-                <a:gd name="textAreaTop" fmla="*/ 0 h 32040"/>
-                <a:gd name="textAreaBottom" fmla="*/ 33840 h 32040"/>
+                <a:gd name="textAreaLeft" fmla="*/ 0 w 11520"/>
+                <a:gd name="textAreaRight" fmla="*/ 14040 w 11520"/>
+                <a:gd name="textAreaTop" fmla="*/ 0 h 31320"/>
+                <a:gd name="textAreaBottom" fmla="*/ 33840 h 31320"/>
               </a:gdLst>
               <a:ahLst/>
               <a:rect l="textAreaLeft" t="textAreaTop" r="textAreaRight" b="textAreaBottom"/>
@@ -50971,15 +51286,15 @@
           <p:spPr>
             <a:xfrm>
               <a:off x="5608080" y="5549400"/>
-              <a:ext cx="59040" cy="71280"/>
+              <a:ext cx="58320" cy="70560"/>
             </a:xfrm>
             <a:custGeom>
               <a:avLst/>
               <a:gdLst>
-                <a:gd name="textAreaLeft" fmla="*/ 0 w 59040"/>
-                <a:gd name="textAreaRight" fmla="*/ 60840 w 59040"/>
-                <a:gd name="textAreaTop" fmla="*/ 0 h 71280"/>
-                <a:gd name="textAreaBottom" fmla="*/ 73080 h 71280"/>
+                <a:gd name="textAreaLeft" fmla="*/ 0 w 58320"/>
+                <a:gd name="textAreaRight" fmla="*/ 60840 w 58320"/>
+                <a:gd name="textAreaTop" fmla="*/ 0 h 70560"/>
+                <a:gd name="textAreaBottom" fmla="*/ 73080 h 70560"/>
               </a:gdLst>
               <a:ahLst/>
               <a:rect l="textAreaLeft" t="textAreaTop" r="textAreaRight" b="textAreaBottom"/>
@@ -51057,15 +51372,15 @@
           <p:spPr>
             <a:xfrm>
               <a:off x="5697000" y="5552640"/>
-              <a:ext cx="66240" cy="13320"/>
+              <a:ext cx="65520" cy="12600"/>
             </a:xfrm>
             <a:custGeom>
               <a:avLst/>
               <a:gdLst>
-                <a:gd name="textAreaLeft" fmla="*/ 0 w 66240"/>
-                <a:gd name="textAreaRight" fmla="*/ 68040 w 66240"/>
-                <a:gd name="textAreaTop" fmla="*/ 0 h 13320"/>
-                <a:gd name="textAreaBottom" fmla="*/ 15120 h 13320"/>
+                <a:gd name="textAreaLeft" fmla="*/ 0 w 65520"/>
+                <a:gd name="textAreaRight" fmla="*/ 68040 w 65520"/>
+                <a:gd name="textAreaTop" fmla="*/ 0 h 12600"/>
+                <a:gd name="textAreaBottom" fmla="*/ 15120 h 12600"/>
               </a:gdLst>
               <a:ahLst/>
               <a:rect l="textAreaLeft" t="textAreaTop" r="textAreaRight" b="textAreaBottom"/>
@@ -51124,15 +51439,15 @@
           <p:spPr>
             <a:xfrm>
               <a:off x="5697000" y="5578560"/>
-              <a:ext cx="66240" cy="12600"/>
+              <a:ext cx="65520" cy="11880"/>
             </a:xfrm>
             <a:custGeom>
               <a:avLst/>
               <a:gdLst>
-                <a:gd name="textAreaLeft" fmla="*/ 0 w 66240"/>
-                <a:gd name="textAreaRight" fmla="*/ 68040 w 66240"/>
-                <a:gd name="textAreaTop" fmla="*/ 0 h 12600"/>
-                <a:gd name="textAreaBottom" fmla="*/ 14400 h 12600"/>
+                <a:gd name="textAreaLeft" fmla="*/ 0 w 65520"/>
+                <a:gd name="textAreaRight" fmla="*/ 68040 w 65520"/>
+                <a:gd name="textAreaTop" fmla="*/ 0 h 11880"/>
+                <a:gd name="textAreaBottom" fmla="*/ 14400 h 11880"/>
               </a:gdLst>
               <a:ahLst/>
               <a:rect l="textAreaLeft" t="textAreaTop" r="textAreaRight" b="textAreaBottom"/>
@@ -51191,15 +51506,15 @@
           <p:spPr>
             <a:xfrm>
               <a:off x="5774040" y="5705280"/>
-              <a:ext cx="96120" cy="60480"/>
+              <a:ext cx="95400" cy="59760"/>
             </a:xfrm>
             <a:custGeom>
               <a:avLst/>
               <a:gdLst>
-                <a:gd name="textAreaLeft" fmla="*/ 0 w 96120"/>
-                <a:gd name="textAreaRight" fmla="*/ 97920 w 96120"/>
-                <a:gd name="textAreaTop" fmla="*/ 0 h 60480"/>
-                <a:gd name="textAreaBottom" fmla="*/ 62280 h 60480"/>
+                <a:gd name="textAreaLeft" fmla="*/ 0 w 95400"/>
+                <a:gd name="textAreaRight" fmla="*/ 97920 w 95400"/>
+                <a:gd name="textAreaTop" fmla="*/ 0 h 59760"/>
+                <a:gd name="textAreaBottom" fmla="*/ 62280 h 59760"/>
               </a:gdLst>
               <a:ahLst/>
               <a:rect l="textAreaLeft" t="textAreaTop" r="textAreaRight" b="textAreaBottom"/>
@@ -51322,15 +51637,15 @@
           <p:spPr>
             <a:xfrm>
               <a:off x="5566320" y="5448600"/>
-              <a:ext cx="329040" cy="508680"/>
+              <a:ext cx="328320" cy="507960"/>
             </a:xfrm>
             <a:custGeom>
               <a:avLst/>
               <a:gdLst>
-                <a:gd name="textAreaLeft" fmla="*/ 0 w 329040"/>
-                <a:gd name="textAreaRight" fmla="*/ 330840 w 329040"/>
-                <a:gd name="textAreaTop" fmla="*/ 0 h 508680"/>
-                <a:gd name="textAreaBottom" fmla="*/ 510480 h 508680"/>
+                <a:gd name="textAreaLeft" fmla="*/ 0 w 328320"/>
+                <a:gd name="textAreaRight" fmla="*/ 330840 w 328320"/>
+                <a:gd name="textAreaTop" fmla="*/ 0 h 507960"/>
+                <a:gd name="textAreaBottom" fmla="*/ 510480 h 507960"/>
               </a:gdLst>
               <a:ahLst/>
               <a:rect l="textAreaLeft" t="textAreaTop" r="textAreaRight" b="textAreaBottom"/>
@@ -51618,9 +51933,9 @@
         <p:grpSpPr>
           <a:xfrm>
             <a:off x="1360080" y="2805480"/>
-            <a:ext cx="442080" cy="507960"/>
+            <a:ext cx="441360" cy="507240"/>
             <a:chOff x="1360080" y="2805480"/>
-            <a:chExt cx="442080" cy="507960"/>
+            <a:chExt cx="441360" cy="507240"/>
           </a:xfrm>
         </p:grpSpPr>
         <p:sp>
@@ -51632,15 +51947,15 @@
           <p:spPr>
             <a:xfrm>
               <a:off x="1623600" y="2849040"/>
-              <a:ext cx="105840" cy="88920"/>
+              <a:ext cx="105120" cy="88200"/>
             </a:xfrm>
             <a:custGeom>
               <a:avLst/>
               <a:gdLst>
-                <a:gd name="textAreaLeft" fmla="*/ 0 w 105840"/>
-                <a:gd name="textAreaRight" fmla="*/ 107640 w 105840"/>
-                <a:gd name="textAreaTop" fmla="*/ 0 h 88920"/>
-                <a:gd name="textAreaBottom" fmla="*/ 90720 h 88920"/>
+                <a:gd name="textAreaLeft" fmla="*/ 0 w 105120"/>
+                <a:gd name="textAreaRight" fmla="*/ 107640 w 105120"/>
+                <a:gd name="textAreaTop" fmla="*/ 0 h 88200"/>
+                <a:gd name="textAreaBottom" fmla="*/ 90720 h 88200"/>
               </a:gdLst>
               <a:ahLst/>
               <a:rect l="textAreaLeft" t="textAreaTop" r="textAreaRight" b="textAreaBottom"/>
@@ -51782,15 +52097,15 @@
           <p:spPr>
             <a:xfrm>
               <a:off x="1675800" y="2961000"/>
-              <a:ext cx="20520" cy="53280"/>
+              <a:ext cx="19800" cy="52560"/>
             </a:xfrm>
             <a:custGeom>
               <a:avLst/>
               <a:gdLst>
-                <a:gd name="textAreaLeft" fmla="*/ 0 w 20520"/>
-                <a:gd name="textAreaRight" fmla="*/ 22320 w 20520"/>
-                <a:gd name="textAreaTop" fmla="*/ 0 h 53280"/>
-                <a:gd name="textAreaBottom" fmla="*/ 55080 h 53280"/>
+                <a:gd name="textAreaLeft" fmla="*/ 0 w 19800"/>
+                <a:gd name="textAreaRight" fmla="*/ 22320 w 19800"/>
+                <a:gd name="textAreaTop" fmla="*/ 0 h 52560"/>
+                <a:gd name="textAreaBottom" fmla="*/ 55080 h 52560"/>
               </a:gdLst>
               <a:ahLst/>
               <a:rect l="textAreaLeft" t="textAreaTop" r="textAreaRight" b="textAreaBottom"/>
@@ -51855,15 +52170,15 @@
           <p:spPr>
             <a:xfrm>
               <a:off x="1701000" y="2966400"/>
-              <a:ext cx="20520" cy="52560"/>
+              <a:ext cx="19800" cy="51840"/>
             </a:xfrm>
             <a:custGeom>
               <a:avLst/>
               <a:gdLst>
-                <a:gd name="textAreaLeft" fmla="*/ 0 w 20520"/>
-                <a:gd name="textAreaRight" fmla="*/ 22320 w 20520"/>
-                <a:gd name="textAreaTop" fmla="*/ 0 h 52560"/>
-                <a:gd name="textAreaBottom" fmla="*/ 54360 h 52560"/>
+                <a:gd name="textAreaLeft" fmla="*/ 0 w 19800"/>
+                <a:gd name="textAreaRight" fmla="*/ 22320 w 19800"/>
+                <a:gd name="textAreaTop" fmla="*/ 0 h 51840"/>
+                <a:gd name="textAreaBottom" fmla="*/ 54360 h 51840"/>
               </a:gdLst>
               <a:ahLst/>
               <a:rect l="textAreaLeft" t="textAreaTop" r="textAreaRight" b="textAreaBottom"/>
@@ -51933,15 +52248,15 @@
           <p:spPr>
             <a:xfrm>
               <a:off x="1725120" y="2971080"/>
-              <a:ext cx="20520" cy="53640"/>
+              <a:ext cx="19800" cy="52920"/>
             </a:xfrm>
             <a:custGeom>
               <a:avLst/>
               <a:gdLst>
-                <a:gd name="textAreaLeft" fmla="*/ 0 w 20520"/>
-                <a:gd name="textAreaRight" fmla="*/ 22320 w 20520"/>
-                <a:gd name="textAreaTop" fmla="*/ 0 h 53640"/>
-                <a:gd name="textAreaBottom" fmla="*/ 55440 h 53640"/>
+                <a:gd name="textAreaLeft" fmla="*/ 0 w 19800"/>
+                <a:gd name="textAreaRight" fmla="*/ 22320 w 19800"/>
+                <a:gd name="textAreaTop" fmla="*/ 0 h 52920"/>
+                <a:gd name="textAreaBottom" fmla="*/ 55440 h 52920"/>
               </a:gdLst>
               <a:ahLst/>
               <a:rect l="textAreaLeft" t="textAreaTop" r="textAreaRight" b="textAreaBottom"/>
@@ -52011,15 +52326,15 @@
           <p:spPr>
             <a:xfrm>
               <a:off x="1675080" y="3088800"/>
-              <a:ext cx="36000" cy="137160"/>
+              <a:ext cx="35280" cy="136440"/>
             </a:xfrm>
             <a:custGeom>
               <a:avLst/>
               <a:gdLst>
-                <a:gd name="textAreaLeft" fmla="*/ 0 w 36000"/>
-                <a:gd name="textAreaRight" fmla="*/ 37800 w 36000"/>
-                <a:gd name="textAreaTop" fmla="*/ 0 h 137160"/>
-                <a:gd name="textAreaBottom" fmla="*/ 138960 h 137160"/>
+                <a:gd name="textAreaLeft" fmla="*/ 0 w 35280"/>
+                <a:gd name="textAreaRight" fmla="*/ 37800 w 35280"/>
+                <a:gd name="textAreaTop" fmla="*/ 0 h 136440"/>
+                <a:gd name="textAreaBottom" fmla="*/ 138960 h 136440"/>
               </a:gdLst>
               <a:ahLst/>
               <a:rect l="textAreaLeft" t="textAreaTop" r="textAreaRight" b="textAreaBottom"/>
@@ -52089,15 +52404,15 @@
           <p:spPr>
             <a:xfrm>
               <a:off x="1422000" y="2984760"/>
-              <a:ext cx="149040" cy="161280"/>
+              <a:ext cx="148320" cy="160560"/>
             </a:xfrm>
             <a:custGeom>
               <a:avLst/>
               <a:gdLst>
-                <a:gd name="textAreaLeft" fmla="*/ 0 w 149040"/>
-                <a:gd name="textAreaRight" fmla="*/ 150840 w 149040"/>
-                <a:gd name="textAreaTop" fmla="*/ 0 h 161280"/>
-                <a:gd name="textAreaBottom" fmla="*/ 163080 h 161280"/>
+                <a:gd name="textAreaLeft" fmla="*/ 0 w 148320"/>
+                <a:gd name="textAreaRight" fmla="*/ 150840 w 148320"/>
+                <a:gd name="textAreaTop" fmla="*/ 0 h 160560"/>
+                <a:gd name="textAreaBottom" fmla="*/ 163080 h 160560"/>
               </a:gdLst>
               <a:ahLst/>
               <a:rect l="textAreaLeft" t="textAreaTop" r="textAreaRight" b="textAreaBottom"/>
@@ -52428,15 +52743,15 @@
           <p:spPr>
             <a:xfrm>
               <a:off x="1423800" y="3159720"/>
-              <a:ext cx="144360" cy="55440"/>
+              <a:ext cx="143640" cy="54720"/>
             </a:xfrm>
             <a:custGeom>
               <a:avLst/>
               <a:gdLst>
-                <a:gd name="textAreaLeft" fmla="*/ 0 w 144360"/>
-                <a:gd name="textAreaRight" fmla="*/ 146160 w 144360"/>
-                <a:gd name="textAreaTop" fmla="*/ 0 h 55440"/>
-                <a:gd name="textAreaBottom" fmla="*/ 57240 h 55440"/>
+                <a:gd name="textAreaLeft" fmla="*/ 0 w 143640"/>
+                <a:gd name="textAreaRight" fmla="*/ 146160 w 143640"/>
+                <a:gd name="textAreaTop" fmla="*/ 0 h 54720"/>
+                <a:gd name="textAreaBottom" fmla="*/ 57240 h 54720"/>
               </a:gdLst>
               <a:ahLst/>
               <a:rect l="textAreaLeft" t="textAreaTop" r="textAreaRight" b="textAreaBottom"/>
@@ -52519,15 +52834,15 @@
           <p:spPr>
             <a:xfrm>
               <a:off x="1441800" y="3234960"/>
-              <a:ext cx="109440" cy="12240"/>
+              <a:ext cx="108720" cy="11520"/>
             </a:xfrm>
             <a:custGeom>
               <a:avLst/>
               <a:gdLst>
-                <a:gd name="textAreaLeft" fmla="*/ 0 w 109440"/>
-                <a:gd name="textAreaRight" fmla="*/ 111240 w 109440"/>
-                <a:gd name="textAreaTop" fmla="*/ 0 h 12240"/>
-                <a:gd name="textAreaBottom" fmla="*/ 14040 h 12240"/>
+                <a:gd name="textAreaLeft" fmla="*/ 0 w 108720"/>
+                <a:gd name="textAreaRight" fmla="*/ 111240 w 108720"/>
+                <a:gd name="textAreaTop" fmla="*/ 0 h 11520"/>
+                <a:gd name="textAreaBottom" fmla="*/ 14040 h 11520"/>
               </a:gdLst>
               <a:ahLst/>
               <a:rect l="textAreaLeft" t="textAreaTop" r="textAreaRight" b="textAreaBottom"/>
@@ -52586,15 +52901,15 @@
           <p:spPr>
             <a:xfrm>
               <a:off x="1469520" y="3267000"/>
-              <a:ext cx="53640" cy="12240"/>
+              <a:ext cx="52920" cy="11520"/>
             </a:xfrm>
             <a:custGeom>
               <a:avLst/>
               <a:gdLst>
-                <a:gd name="textAreaLeft" fmla="*/ 0 w 53640"/>
-                <a:gd name="textAreaRight" fmla="*/ 55440 w 53640"/>
-                <a:gd name="textAreaTop" fmla="*/ 0 h 12240"/>
-                <a:gd name="textAreaBottom" fmla="*/ 14040 h 12240"/>
+                <a:gd name="textAreaLeft" fmla="*/ 0 w 52920"/>
+                <a:gd name="textAreaRight" fmla="*/ 55440 w 52920"/>
+                <a:gd name="textAreaTop" fmla="*/ 0 h 11520"/>
+                <a:gd name="textAreaBottom" fmla="*/ 14040 h 11520"/>
               </a:gdLst>
               <a:ahLst/>
               <a:rect l="textAreaLeft" t="textAreaTop" r="textAreaRight" b="textAreaBottom"/>
@@ -52653,15 +52968,15 @@
           <p:spPr>
             <a:xfrm>
               <a:off x="1360080" y="2805480"/>
-              <a:ext cx="442080" cy="507960"/>
+              <a:ext cx="441360" cy="507240"/>
             </a:xfrm>
             <a:custGeom>
               <a:avLst/>
               <a:gdLst>
-                <a:gd name="textAreaLeft" fmla="*/ 0 w 442080"/>
-                <a:gd name="textAreaRight" fmla="*/ 443880 w 442080"/>
-                <a:gd name="textAreaTop" fmla="*/ 0 h 507960"/>
-                <a:gd name="textAreaBottom" fmla="*/ 509760 h 507960"/>
+                <a:gd name="textAreaLeft" fmla="*/ 0 w 441360"/>
+                <a:gd name="textAreaRight" fmla="*/ 443880 w 441360"/>
+                <a:gd name="textAreaTop" fmla="*/ 0 h 507240"/>
+                <a:gd name="textAreaBottom" fmla="*/ 509760 h 507240"/>
               </a:gdLst>
               <a:ahLst/>
               <a:rect l="textAreaLeft" t="textAreaTop" r="textAreaRight" b="textAreaBottom"/>
@@ -52965,15 +53280,15 @@
         <p:spPr>
           <a:xfrm>
             <a:off x="5551560" y="4127040"/>
-            <a:ext cx="357480" cy="508680"/>
+            <a:ext cx="356760" cy="507960"/>
           </a:xfrm>
           <a:custGeom>
             <a:avLst/>
             <a:gdLst>
-              <a:gd name="textAreaLeft" fmla="*/ 0 w 357480"/>
-              <a:gd name="textAreaRight" fmla="*/ 359280 w 357480"/>
-              <a:gd name="textAreaTop" fmla="*/ 0 h 508680"/>
-              <a:gd name="textAreaBottom" fmla="*/ 510480 h 508680"/>
+              <a:gd name="textAreaLeft" fmla="*/ 0 w 356760"/>
+              <a:gd name="textAreaRight" fmla="*/ 359280 w 356760"/>
+              <a:gd name="textAreaTop" fmla="*/ 0 h 507960"/>
+              <a:gd name="textAreaBottom" fmla="*/ 510480 h 507960"/>
             </a:gdLst>
             <a:ahLst/>
             <a:rect l="textAreaLeft" t="textAreaTop" r="textAreaRight" b="textAreaBottom"/>
@@ -53709,9 +54024,9 @@
         <p:grpSpPr>
           <a:xfrm>
             <a:off x="5504040" y="2813400"/>
-            <a:ext cx="453600" cy="492120"/>
+            <a:ext cx="452880" cy="491400"/>
             <a:chOff x="5504040" y="2813400"/>
-            <a:chExt cx="453600" cy="492120"/>
+            <a:chExt cx="452880" cy="491400"/>
           </a:xfrm>
         </p:grpSpPr>
         <p:sp>
@@ -53723,15 +54038,15 @@
           <p:spPr>
             <a:xfrm>
               <a:off x="5571000" y="2869920"/>
-              <a:ext cx="303840" cy="345960"/>
+              <a:ext cx="303120" cy="345240"/>
             </a:xfrm>
             <a:custGeom>
               <a:avLst/>
               <a:gdLst>
-                <a:gd name="textAreaLeft" fmla="*/ 0 w 303840"/>
-                <a:gd name="textAreaRight" fmla="*/ 305640 w 303840"/>
-                <a:gd name="textAreaTop" fmla="*/ 0 h 345960"/>
-                <a:gd name="textAreaBottom" fmla="*/ 347760 h 345960"/>
+                <a:gd name="textAreaLeft" fmla="*/ 0 w 303120"/>
+                <a:gd name="textAreaRight" fmla="*/ 305640 w 303120"/>
+                <a:gd name="textAreaTop" fmla="*/ 0 h 345240"/>
+                <a:gd name="textAreaBottom" fmla="*/ 347760 h 345240"/>
               </a:gdLst>
               <a:ahLst/>
               <a:rect l="textAreaLeft" t="textAreaTop" r="textAreaRight" b="textAreaBottom"/>
@@ -54254,15 +54569,15 @@
           <p:spPr>
             <a:xfrm>
               <a:off x="5504040" y="2813400"/>
-              <a:ext cx="453600" cy="492120"/>
+              <a:ext cx="452880" cy="491400"/>
             </a:xfrm>
             <a:custGeom>
               <a:avLst/>
               <a:gdLst>
-                <a:gd name="textAreaLeft" fmla="*/ 0 w 453600"/>
-                <a:gd name="textAreaRight" fmla="*/ 455400 w 453600"/>
-                <a:gd name="textAreaTop" fmla="*/ 0 h 492120"/>
-                <a:gd name="textAreaBottom" fmla="*/ 493920 h 492120"/>
+                <a:gd name="textAreaLeft" fmla="*/ 0 w 452880"/>
+                <a:gd name="textAreaRight" fmla="*/ 455400 w 452880"/>
+                <a:gd name="textAreaTop" fmla="*/ 0 h 491400"/>
+                <a:gd name="textAreaBottom" fmla="*/ 493920 h 491400"/>
               </a:gdLst>
               <a:ahLst/>
               <a:rect l="textAreaLeft" t="textAreaTop" r="textAreaRight" b="textAreaBottom"/>
@@ -54418,15 +54733,15 @@
           <p:spPr>
             <a:xfrm>
               <a:off x="5534280" y="2846520"/>
-              <a:ext cx="392760" cy="425880"/>
+              <a:ext cx="392040" cy="425160"/>
             </a:xfrm>
             <a:custGeom>
               <a:avLst/>
               <a:gdLst>
-                <a:gd name="textAreaLeft" fmla="*/ 0 w 392760"/>
-                <a:gd name="textAreaRight" fmla="*/ 394560 w 392760"/>
-                <a:gd name="textAreaTop" fmla="*/ 0 h 425880"/>
-                <a:gd name="textAreaBottom" fmla="*/ 427680 h 425880"/>
+                <a:gd name="textAreaLeft" fmla="*/ 0 w 392040"/>
+                <a:gd name="textAreaRight" fmla="*/ 394560 w 392040"/>
+                <a:gd name="textAreaTop" fmla="*/ 0 h 425160"/>
+                <a:gd name="textAreaBottom" fmla="*/ 427680 h 425160"/>
               </a:gdLst>
               <a:ahLst/>
               <a:rect l="textAreaLeft" t="textAreaTop" r="textAreaRight" b="textAreaBottom"/>
@@ -54558,9 +54873,9 @@
         <p:grpSpPr>
           <a:xfrm>
             <a:off x="1348920" y="4220280"/>
-            <a:ext cx="457200" cy="356760"/>
+            <a:ext cx="456480" cy="356040"/>
             <a:chOff x="1348920" y="4220280"/>
-            <a:chExt cx="457200" cy="356760"/>
+            <a:chExt cx="456480" cy="356040"/>
           </a:xfrm>
         </p:grpSpPr>
         <p:sp>
@@ -54572,15 +54887,15 @@
           <p:spPr>
             <a:xfrm>
               <a:off x="1348920" y="4222080"/>
-              <a:ext cx="70200" cy="353160"/>
+              <a:ext cx="69480" cy="352440"/>
             </a:xfrm>
             <a:custGeom>
               <a:avLst/>
               <a:gdLst>
-                <a:gd name="textAreaLeft" fmla="*/ 0 w 70200"/>
-                <a:gd name="textAreaRight" fmla="*/ 72000 w 70200"/>
-                <a:gd name="textAreaTop" fmla="*/ 0 h 353160"/>
-                <a:gd name="textAreaBottom" fmla="*/ 354960 h 353160"/>
+                <a:gd name="textAreaLeft" fmla="*/ 0 w 69480"/>
+                <a:gd name="textAreaRight" fmla="*/ 72000 w 69480"/>
+                <a:gd name="textAreaTop" fmla="*/ 0 h 352440"/>
+                <a:gd name="textAreaBottom" fmla="*/ 354960 h 352440"/>
               </a:gdLst>
               <a:ahLst/>
               <a:rect l="textAreaLeft" t="textAreaTop" r="textAreaRight" b="textAreaBottom"/>
@@ -54799,15 +55114,15 @@
           <p:spPr>
             <a:xfrm>
               <a:off x="1427760" y="4304880"/>
-              <a:ext cx="255600" cy="236520"/>
+              <a:ext cx="254880" cy="235800"/>
             </a:xfrm>
             <a:custGeom>
               <a:avLst/>
               <a:gdLst>
-                <a:gd name="textAreaLeft" fmla="*/ 0 w 255600"/>
-                <a:gd name="textAreaRight" fmla="*/ 257400 w 255600"/>
-                <a:gd name="textAreaTop" fmla="*/ 0 h 236520"/>
-                <a:gd name="textAreaBottom" fmla="*/ 238320 h 236520"/>
+                <a:gd name="textAreaLeft" fmla="*/ 0 w 254880"/>
+                <a:gd name="textAreaRight" fmla="*/ 257400 w 254880"/>
+                <a:gd name="textAreaTop" fmla="*/ 0 h 235800"/>
+                <a:gd name="textAreaBottom" fmla="*/ 238320 h 235800"/>
               </a:gdLst>
               <a:ahLst/>
               <a:rect l="textAreaLeft" t="textAreaTop" r="textAreaRight" b="textAreaBottom"/>
@@ -54903,15 +55218,15 @@
           <p:spPr>
             <a:xfrm>
               <a:off x="1480680" y="4254840"/>
-              <a:ext cx="255600" cy="236160"/>
+              <a:ext cx="254880" cy="235440"/>
             </a:xfrm>
             <a:custGeom>
               <a:avLst/>
               <a:gdLst>
-                <a:gd name="textAreaLeft" fmla="*/ 0 w 255600"/>
-                <a:gd name="textAreaRight" fmla="*/ 257400 w 255600"/>
-                <a:gd name="textAreaTop" fmla="*/ 0 h 236160"/>
-                <a:gd name="textAreaBottom" fmla="*/ 237960 h 236160"/>
+                <a:gd name="textAreaLeft" fmla="*/ 0 w 254880"/>
+                <a:gd name="textAreaRight" fmla="*/ 257400 w 254880"/>
+                <a:gd name="textAreaTop" fmla="*/ 0 h 235440"/>
+                <a:gd name="textAreaBottom" fmla="*/ 237960 h 235440"/>
               </a:gdLst>
               <a:ahLst/>
               <a:rect l="textAreaLeft" t="textAreaTop" r="textAreaRight" b="textAreaBottom"/>
@@ -55007,15 +55322,15 @@
           <p:spPr>
             <a:xfrm>
               <a:off x="1456920" y="4282200"/>
-              <a:ext cx="248760" cy="231480"/>
+              <a:ext cx="248040" cy="230760"/>
             </a:xfrm>
             <a:custGeom>
               <a:avLst/>
               <a:gdLst>
-                <a:gd name="textAreaLeft" fmla="*/ 0 w 248760"/>
-                <a:gd name="textAreaRight" fmla="*/ 250560 w 248760"/>
-                <a:gd name="textAreaTop" fmla="*/ 0 h 231480"/>
-                <a:gd name="textAreaBottom" fmla="*/ 233280 h 231480"/>
+                <a:gd name="textAreaLeft" fmla="*/ 0 w 248040"/>
+                <a:gd name="textAreaRight" fmla="*/ 250560 w 248040"/>
+                <a:gd name="textAreaTop" fmla="*/ 0 h 230760"/>
+                <a:gd name="textAreaBottom" fmla="*/ 233280 h 230760"/>
               </a:gdLst>
               <a:ahLst/>
               <a:rect l="textAreaLeft" t="textAreaTop" r="textAreaRight" b="textAreaBottom"/>
@@ -55095,15 +55410,15 @@
           <p:spPr>
             <a:xfrm>
               <a:off x="1751040" y="4220280"/>
-              <a:ext cx="55080" cy="356760"/>
+              <a:ext cx="54360" cy="356040"/>
             </a:xfrm>
             <a:custGeom>
               <a:avLst/>
               <a:gdLst>
-                <a:gd name="textAreaLeft" fmla="*/ 0 w 55080"/>
-                <a:gd name="textAreaRight" fmla="*/ 56880 w 55080"/>
-                <a:gd name="textAreaTop" fmla="*/ 0 h 356760"/>
-                <a:gd name="textAreaBottom" fmla="*/ 358560 h 356760"/>
+                <a:gd name="textAreaLeft" fmla="*/ 0 w 54360"/>
+                <a:gd name="textAreaRight" fmla="*/ 56880 w 54360"/>
+                <a:gd name="textAreaTop" fmla="*/ 0 h 356040"/>
+                <a:gd name="textAreaBottom" fmla="*/ 358560 h 356040"/>
               </a:gdLst>
               <a:ahLst/>
               <a:rect l="textAreaLeft" t="textAreaTop" r="textAreaRight" b="textAreaBottom"/>
